--- a/bi_ye_lun_wen/Development and Evaluation of Mixed Reality Educational Applications.pptx
+++ b/bi_ye_lun_wen/Development and Evaluation of Mixed Reality Educational Applications.pptx
@@ -2,7 +2,7 @@
 <file path=ppt/presentation.xml><?xml version="1.0" encoding="utf-8"?>
 <p:presentation xmlns:a="http://schemas.openxmlformats.org/drawingml/2006/main" xmlns:r="http://schemas.openxmlformats.org/officeDocument/2006/relationships" xmlns:p="http://schemas.openxmlformats.org/presentationml/2006/main" saveSubsetFonts="1">
   <p:sldMasterIdLst>
-    <p:sldMasterId id="2147483660" r:id="rId1"/>
+    <p:sldMasterId id="2147483696" r:id="rId1"/>
   </p:sldMasterIdLst>
   <p:sldIdLst>
     <p:sldId id="256" r:id="rId2"/>
@@ -114,11 +114,16 @@
       </a:defRPr>
     </a:lvl9pPr>
   </p:defaultTextStyle>
+  <p:extLst>
+    <p:ext uri="{EFAFB233-063F-42B5-8137-9DF3F51BA10A}">
+      <p15:sldGuideLst xmlns:p15="http://schemas.microsoft.com/office/powerpoint/2012/main"/>
+    </p:ext>
+  </p:extLst>
 </p:presentation>
 </file>
 
 <file path=ppt/slideLayouts/slideLayout1.xml><?xml version="1.0" encoding="utf-8"?>
-<p:sldLayout xmlns:a="http://schemas.openxmlformats.org/drawingml/2006/main" xmlns:r="http://schemas.openxmlformats.org/officeDocument/2006/relationships" xmlns:p="http://schemas.openxmlformats.org/presentationml/2006/main" showMasterSp="0" type="title" preserve="1">
+<p:sldLayout xmlns:a="http://schemas.openxmlformats.org/drawingml/2006/main" xmlns:r="http://schemas.openxmlformats.org/officeDocument/2006/relationships" xmlns:p="http://schemas.openxmlformats.org/presentationml/2006/main" type="title" preserve="1">
   <p:cSld name="标题幻灯片">
     <p:spTree>
       <p:nvGrpSpPr>
@@ -134,96 +139,50 @@
           <a:chExt cx="0" cy="0"/>
         </a:xfrm>
       </p:grpSpPr>
-      <p:sp>
-        <p:nvSpPr>
-          <p:cNvPr id="7" name="Rectangle 6"/>
-          <p:cNvSpPr/>
+      <p:pic>
+        <p:nvPicPr>
+          <p:cNvPr id="7" name="Picture 6" descr="Droplets-HD-Title-R1d.png"/>
+          <p:cNvPicPr>
+            <a:picLocks noChangeAspect="1"/>
+          </p:cNvPicPr>
           <p:nvPr/>
-        </p:nvSpPr>
+        </p:nvPicPr>
+        <p:blipFill>
+          <a:blip r:embed="rId2">
+            <a:extLst>
+              <a:ext uri="{28A0092B-C50C-407E-A947-70E740481C1C}">
+                <a14:useLocalDpi xmlns:a14="http://schemas.microsoft.com/office/drawing/2010/main" val="0"/>
+              </a:ext>
+            </a:extLst>
+          </a:blip>
+          <a:stretch>
+            <a:fillRect/>
+          </a:stretch>
+        </p:blipFill>
         <p:spPr>
           <a:xfrm>
-            <a:off x="3175" y="6400800"/>
-            <a:ext cx="12188825" cy="457200"/>
+            <a:off x="0" y="0"/>
+            <a:ext cx="12192000" cy="6858000"/>
           </a:xfrm>
           <a:prstGeom prst="rect">
             <a:avLst/>
           </a:prstGeom>
-          <a:solidFill>
-            <a:schemeClr val="accent2"/>
-          </a:solidFill>
-          <a:ln>
-            <a:noFill/>
-          </a:ln>
         </p:spPr>
-        <p:style>
-          <a:lnRef idx="2">
-            <a:schemeClr val="accent1">
-              <a:shade val="50000"/>
-            </a:schemeClr>
-          </a:lnRef>
-          <a:fillRef idx="1">
-            <a:schemeClr val="accent1"/>
-          </a:fillRef>
-          <a:effectRef idx="0">
-            <a:schemeClr val="accent1"/>
-          </a:effectRef>
-          <a:fontRef idx="minor">
-            <a:schemeClr val="lt1"/>
-          </a:fontRef>
-        </p:style>
-      </p:sp>
-      <p:sp>
-        <p:nvSpPr>
-          <p:cNvPr id="8" name="Rectangle 7"/>
-          <p:cNvSpPr/>
-          <p:nvPr/>
+      </p:pic>
+      <p:sp>
+        <p:nvSpPr>
+          <p:cNvPr id="2" name="Title 1"/>
+          <p:cNvSpPr>
+            <a:spLocks noGrp="1"/>
+          </p:cNvSpPr>
+          <p:nvPr>
+            <p:ph type="ctrTitle"/>
+          </p:nvPr>
         </p:nvSpPr>
         <p:spPr>
           <a:xfrm>
-            <a:off x="15" y="6334316"/>
-            <a:ext cx="12188825" cy="64008"/>
-          </a:xfrm>
-          <a:prstGeom prst="rect">
-            <a:avLst/>
-          </a:prstGeom>
-          <a:solidFill>
-            <a:schemeClr val="accent1"/>
-          </a:solidFill>
-          <a:ln>
-            <a:noFill/>
-          </a:ln>
-        </p:spPr>
-        <p:style>
-          <a:lnRef idx="2">
-            <a:schemeClr val="accent1">
-              <a:shade val="50000"/>
-            </a:schemeClr>
-          </a:lnRef>
-          <a:fillRef idx="1">
-            <a:schemeClr val="accent1"/>
-          </a:fillRef>
-          <a:effectRef idx="0">
-            <a:schemeClr val="accent1"/>
-          </a:effectRef>
-          <a:fontRef idx="minor">
-            <a:schemeClr val="lt1"/>
-          </a:fontRef>
-        </p:style>
-      </p:sp>
-      <p:sp>
-        <p:nvSpPr>
-          <p:cNvPr id="2" name="Title 1"/>
-          <p:cNvSpPr>
-            <a:spLocks noGrp="1"/>
-          </p:cNvSpPr>
-          <p:nvPr>
-            <p:ph type="ctrTitle"/>
-          </p:nvPr>
-        </p:nvSpPr>
-        <p:spPr>
-          <a:xfrm>
-            <a:off x="1097280" y="758952"/>
-            <a:ext cx="10058400" cy="3566160"/>
+            <a:off x="1751012" y="1300785"/>
+            <a:ext cx="8689976" cy="2509213"/>
           </a:xfrm>
         </p:spPr>
         <p:txBody>
@@ -231,90 +190,81 @@
             <a:normAutofit/>
           </a:bodyPr>
           <a:lstStyle>
-            <a:lvl1pPr algn="l">
-              <a:lnSpc>
-                <a:spcPct val="85000"/>
-              </a:lnSpc>
-              <a:defRPr sz="8000" spc="-50" baseline="0">
+            <a:lvl1pPr algn="ctr">
+              <a:defRPr sz="4800"/>
+            </a:lvl1pPr>
+          </a:lstStyle>
+          <a:p>
+            <a:r>
+              <a:rPr lang="zh-CN" altLang="en-US"/>
+              <a:t>单击此处编辑母版标题样式</a:t>
+            </a:r>
+            <a:endParaRPr lang="en-US" dirty="0"/>
+          </a:p>
+        </p:txBody>
+      </p:sp>
+      <p:sp>
+        <p:nvSpPr>
+          <p:cNvPr id="3" name="Subtitle 2"/>
+          <p:cNvSpPr>
+            <a:spLocks noGrp="1"/>
+          </p:cNvSpPr>
+          <p:nvPr>
+            <p:ph type="subTitle" idx="1"/>
+          </p:nvPr>
+        </p:nvSpPr>
+        <p:spPr>
+          <a:xfrm>
+            <a:off x="1751012" y="3886200"/>
+            <a:ext cx="8689976" cy="1371599"/>
+          </a:xfrm>
+        </p:spPr>
+        <p:txBody>
+          <a:bodyPr>
+            <a:normAutofit/>
+          </a:bodyPr>
+          <a:lstStyle>
+            <a:lvl1pPr marL="0" indent="0" algn="ctr">
+              <a:buNone/>
+              <a:defRPr sz="2200">
                 <a:solidFill>
-                  <a:schemeClr val="tx1">
-                    <a:lumMod val="85000"/>
-                    <a:lumOff val="15000"/>
+                  <a:schemeClr val="bg1">
+                    <a:lumMod val="50000"/>
                   </a:schemeClr>
                 </a:solidFill>
               </a:defRPr>
             </a:lvl1pPr>
-          </a:lstStyle>
-          <a:p>
-            <a:r>
-              <a:rPr lang="zh-CN" altLang="en-US"/>
-              <a:t>单击此处编辑母版标题样式</a:t>
-            </a:r>
-            <a:endParaRPr lang="en-US" dirty="0"/>
-          </a:p>
-        </p:txBody>
-      </p:sp>
-      <p:sp>
-        <p:nvSpPr>
-          <p:cNvPr id="3" name="Subtitle 2"/>
-          <p:cNvSpPr>
-            <a:spLocks noGrp="1"/>
-          </p:cNvSpPr>
-          <p:nvPr>
-            <p:ph type="subTitle" idx="1"/>
-          </p:nvPr>
-        </p:nvSpPr>
-        <p:spPr>
-          <a:xfrm>
-            <a:off x="1100051" y="4455620"/>
-            <a:ext cx="10058400" cy="1143000"/>
-          </a:xfrm>
-        </p:spPr>
-        <p:txBody>
-          <a:bodyPr lIns="91440" rIns="91440">
-            <a:normAutofit/>
-          </a:bodyPr>
-          <a:lstStyle>
-            <a:lvl1pPr marL="0" indent="0" algn="l">
-              <a:buNone/>
-              <a:defRPr sz="2400" cap="all" spc="200" baseline="0">
-                <a:solidFill>
-                  <a:schemeClr val="tx2"/>
-                </a:solidFill>
-                <a:latin typeface="+mj-lt"/>
-              </a:defRPr>
-            </a:lvl1pPr>
             <a:lvl2pPr marL="457200" indent="0" algn="ctr">
               <a:buNone/>
-              <a:defRPr sz="2400"/>
+              <a:defRPr sz="2000"/>
             </a:lvl2pPr>
             <a:lvl3pPr marL="914400" indent="0" algn="ctr">
               <a:buNone/>
-              <a:defRPr sz="2400"/>
+              <a:defRPr sz="1800"/>
             </a:lvl3pPr>
             <a:lvl4pPr marL="1371600" indent="0" algn="ctr">
               <a:buNone/>
-              <a:defRPr sz="2000"/>
+              <a:defRPr sz="1600"/>
             </a:lvl4pPr>
             <a:lvl5pPr marL="1828800" indent="0" algn="ctr">
               <a:buNone/>
-              <a:defRPr sz="2000"/>
+              <a:defRPr sz="1600"/>
             </a:lvl5pPr>
             <a:lvl6pPr marL="2286000" indent="0" algn="ctr">
               <a:buNone/>
-              <a:defRPr sz="2000"/>
+              <a:defRPr sz="1600"/>
             </a:lvl6pPr>
             <a:lvl7pPr marL="2743200" indent="0" algn="ctr">
               <a:buNone/>
-              <a:defRPr sz="2000"/>
+              <a:defRPr sz="1600"/>
             </a:lvl7pPr>
             <a:lvl8pPr marL="3200400" indent="0" algn="ctr">
               <a:buNone/>
-              <a:defRPr sz="2000"/>
+              <a:defRPr sz="1600"/>
             </a:lvl8pPr>
             <a:lvl9pPr marL="3657600" indent="0" algn="ctr">
               <a:buNone/>
-              <a:defRPr sz="2000"/>
+              <a:defRPr sz="1600"/>
             </a:lvl9pPr>
           </a:lstStyle>
           <a:p>
@@ -343,7 +293,7 @@
           <a:p>
             <a:fld id="{DFCBF3FA-A751-4570-8FB6-4B690BA30EB0}" type="datetimeFigureOut">
               <a:rPr lang="en-US" smtClean="0"/>
-              <a:t>5/18/2018</a:t>
+              <a:t>5/19/2018</a:t>
             </a:fld>
             <a:endParaRPr lang="en-US"/>
           </a:p>
@@ -391,48 +341,10 @@
           </a:p>
         </p:txBody>
       </p:sp>
-      <p:cxnSp>
-        <p:nvCxnSpPr>
-          <p:cNvPr id="9" name="Straight Connector 8"/>
-          <p:cNvCxnSpPr/>
-          <p:nvPr/>
-        </p:nvCxnSpPr>
-        <p:spPr>
-          <a:xfrm>
-            <a:off x="1207658" y="4343400"/>
-            <a:ext cx="9875520" cy="0"/>
-          </a:xfrm>
-          <a:prstGeom prst="line">
-            <a:avLst/>
-          </a:prstGeom>
-          <a:ln w="6350">
-            <a:solidFill>
-              <a:schemeClr val="tx1">
-                <a:lumMod val="50000"/>
-                <a:lumOff val="50000"/>
-              </a:schemeClr>
-            </a:solidFill>
-          </a:ln>
-        </p:spPr>
-        <p:style>
-          <a:lnRef idx="1">
-            <a:schemeClr val="accent1"/>
-          </a:lnRef>
-          <a:fillRef idx="0">
-            <a:schemeClr val="accent1"/>
-          </a:fillRef>
-          <a:effectRef idx="0">
-            <a:schemeClr val="accent1"/>
-          </a:effectRef>
-          <a:fontRef idx="minor">
-            <a:schemeClr val="tx1"/>
-          </a:fontRef>
-        </p:style>
-      </p:cxnSp>
     </p:spTree>
     <p:extLst>
       <p:ext uri="{BB962C8B-B14F-4D97-AF65-F5344CB8AC3E}">
-        <p14:creationId xmlns:p14="http://schemas.microsoft.com/office/powerpoint/2010/main" val="4221755456"/>
+        <p14:creationId xmlns:p14="http://schemas.microsoft.com/office/powerpoint/2010/main" val="92400035"/>
       </p:ext>
     </p:extLst>
   </p:cSld>
@@ -443,6 +355,2713 @@
 </file>
 
 <file path=ppt/slideLayouts/slideLayout10.xml><?xml version="1.0" encoding="utf-8"?>
+<p:sldLayout xmlns:a="http://schemas.openxmlformats.org/drawingml/2006/main" xmlns:r="http://schemas.openxmlformats.org/officeDocument/2006/relationships" xmlns:p="http://schemas.openxmlformats.org/presentationml/2006/main" preserve="1">
+  <p:cSld name="带描述的全景图片">
+    <p:spTree>
+      <p:nvGrpSpPr>
+        <p:cNvPr id="1" name=""/>
+        <p:cNvGrpSpPr/>
+        <p:nvPr/>
+      </p:nvGrpSpPr>
+      <p:grpSpPr>
+        <a:xfrm>
+          <a:off x="0" y="0"/>
+          <a:ext cx="0" cy="0"/>
+          <a:chOff x="0" y="0"/>
+          <a:chExt cx="0" cy="0"/>
+        </a:xfrm>
+      </p:grpSpPr>
+      <p:pic>
+        <p:nvPicPr>
+          <p:cNvPr id="10" name="Picture 9" descr="Droplets-HD-Content-R1d.png"/>
+          <p:cNvPicPr>
+            <a:picLocks noChangeAspect="1"/>
+          </p:cNvPicPr>
+          <p:nvPr/>
+        </p:nvPicPr>
+        <p:blipFill>
+          <a:blip r:embed="rId2">
+            <a:extLst>
+              <a:ext uri="{28A0092B-C50C-407E-A947-70E740481C1C}">
+                <a14:useLocalDpi xmlns:a14="http://schemas.microsoft.com/office/drawing/2010/main" val="0"/>
+              </a:ext>
+            </a:extLst>
+          </a:blip>
+          <a:stretch>
+            <a:fillRect/>
+          </a:stretch>
+        </p:blipFill>
+        <p:spPr>
+          <a:xfrm>
+            <a:off x="0" y="0"/>
+            <a:ext cx="12192000" cy="6858000"/>
+          </a:xfrm>
+          <a:prstGeom prst="rect">
+            <a:avLst/>
+          </a:prstGeom>
+        </p:spPr>
+      </p:pic>
+      <p:sp>
+        <p:nvSpPr>
+          <p:cNvPr id="2" name="Title 1"/>
+          <p:cNvSpPr>
+            <a:spLocks noGrp="1"/>
+          </p:cNvSpPr>
+          <p:nvPr>
+            <p:ph type="title"/>
+          </p:nvPr>
+        </p:nvSpPr>
+        <p:spPr>
+          <a:xfrm>
+            <a:off x="913794" y="4289374"/>
+            <a:ext cx="10364432" cy="811610"/>
+          </a:xfrm>
+        </p:spPr>
+        <p:txBody>
+          <a:bodyPr anchor="b"/>
+          <a:lstStyle>
+            <a:lvl1pPr>
+              <a:defRPr sz="3200"/>
+            </a:lvl1pPr>
+          </a:lstStyle>
+          <a:p>
+            <a:r>
+              <a:rPr lang="zh-CN" altLang="en-US"/>
+              <a:t>单击此处编辑母版标题样式</a:t>
+            </a:r>
+            <a:endParaRPr lang="en-US" dirty="0"/>
+          </a:p>
+        </p:txBody>
+      </p:sp>
+      <p:sp>
+        <p:nvSpPr>
+          <p:cNvPr id="3" name="Picture Placeholder 2"/>
+          <p:cNvSpPr>
+            <a:spLocks noGrp="1" noChangeAspect="1"/>
+          </p:cNvSpPr>
+          <p:nvPr>
+            <p:ph type="pic" idx="1"/>
+          </p:nvPr>
+        </p:nvSpPr>
+        <p:spPr>
+          <a:xfrm>
+            <a:off x="1184744" y="698261"/>
+            <a:ext cx="9822532" cy="3214136"/>
+          </a:xfrm>
+          <a:prstGeom prst="roundRect">
+            <a:avLst>
+              <a:gd name="adj" fmla="val 4944"/>
+            </a:avLst>
+          </a:prstGeom>
+          <a:noFill/>
+          <a:ln w="82550" cap="sq">
+            <a:solidFill>
+              <a:srgbClr val="EAEAEA"/>
+            </a:solidFill>
+            <a:miter lim="800000"/>
+          </a:ln>
+          <a:effectLst/>
+          <a:scene3d>
+            <a:camera prst="orthographicFront"/>
+            <a:lightRig rig="threePt" dir="t">
+              <a:rot lat="0" lon="0" rev="2700000"/>
+            </a:lightRig>
+          </a:scene3d>
+          <a:sp3d contourW="6350">
+            <a:bevelT h="38100"/>
+            <a:contourClr>
+              <a:srgbClr val="C0C0C0"/>
+            </a:contourClr>
+          </a:sp3d>
+        </p:spPr>
+        <p:txBody>
+          <a:bodyPr anchor="t"/>
+          <a:lstStyle>
+            <a:lvl1pPr marL="0" indent="0" algn="ctr">
+              <a:buNone/>
+              <a:defRPr sz="3200"/>
+            </a:lvl1pPr>
+            <a:lvl2pPr marL="457200" indent="0">
+              <a:buNone/>
+              <a:defRPr sz="2800"/>
+            </a:lvl2pPr>
+            <a:lvl3pPr marL="914400" indent="0">
+              <a:buNone/>
+              <a:defRPr sz="2400"/>
+            </a:lvl3pPr>
+            <a:lvl4pPr marL="1371600" indent="0">
+              <a:buNone/>
+              <a:defRPr sz="2000"/>
+            </a:lvl4pPr>
+            <a:lvl5pPr marL="1828800" indent="0">
+              <a:buNone/>
+              <a:defRPr sz="2000"/>
+            </a:lvl5pPr>
+            <a:lvl6pPr marL="2286000" indent="0">
+              <a:buNone/>
+              <a:defRPr sz="2000"/>
+            </a:lvl6pPr>
+            <a:lvl7pPr marL="2743200" indent="0">
+              <a:buNone/>
+              <a:defRPr sz="2000"/>
+            </a:lvl7pPr>
+            <a:lvl8pPr marL="3200400" indent="0">
+              <a:buNone/>
+              <a:defRPr sz="2000"/>
+            </a:lvl8pPr>
+            <a:lvl9pPr marL="3657600" indent="0">
+              <a:buNone/>
+              <a:defRPr sz="2000"/>
+            </a:lvl9pPr>
+          </a:lstStyle>
+          <a:p>
+            <a:r>
+              <a:rPr lang="zh-CN" altLang="en-US"/>
+              <a:t>单击图标添加图片</a:t>
+            </a:r>
+            <a:endParaRPr lang="en-US" dirty="0"/>
+          </a:p>
+        </p:txBody>
+      </p:sp>
+      <p:sp>
+        <p:nvSpPr>
+          <p:cNvPr id="4" name="Text Placeholder 3"/>
+          <p:cNvSpPr>
+            <a:spLocks noGrp="1"/>
+          </p:cNvSpPr>
+          <p:nvPr>
+            <p:ph type="body" sz="half" idx="2"/>
+          </p:nvPr>
+        </p:nvSpPr>
+        <p:spPr>
+          <a:xfrm>
+            <a:off x="913774" y="5108728"/>
+            <a:ext cx="10364452" cy="682472"/>
+          </a:xfrm>
+        </p:spPr>
+        <p:txBody>
+          <a:bodyPr/>
+          <a:lstStyle>
+            <a:lvl1pPr marL="0" indent="0" algn="ctr">
+              <a:buNone/>
+              <a:defRPr sz="1600"/>
+            </a:lvl1pPr>
+            <a:lvl2pPr marL="457200" indent="0">
+              <a:buNone/>
+              <a:defRPr sz="1400"/>
+            </a:lvl2pPr>
+            <a:lvl3pPr marL="914400" indent="0">
+              <a:buNone/>
+              <a:defRPr sz="1200"/>
+            </a:lvl3pPr>
+            <a:lvl4pPr marL="1371600" indent="0">
+              <a:buNone/>
+              <a:defRPr sz="1000"/>
+            </a:lvl4pPr>
+            <a:lvl5pPr marL="1828800" indent="0">
+              <a:buNone/>
+              <a:defRPr sz="1000"/>
+            </a:lvl5pPr>
+            <a:lvl6pPr marL="2286000" indent="0">
+              <a:buNone/>
+              <a:defRPr sz="1000"/>
+            </a:lvl6pPr>
+            <a:lvl7pPr marL="2743200" indent="0">
+              <a:buNone/>
+              <a:defRPr sz="1000"/>
+            </a:lvl7pPr>
+            <a:lvl8pPr marL="3200400" indent="0">
+              <a:buNone/>
+              <a:defRPr sz="1000"/>
+            </a:lvl8pPr>
+            <a:lvl9pPr marL="3657600" indent="0">
+              <a:buNone/>
+              <a:defRPr sz="1000"/>
+            </a:lvl9pPr>
+          </a:lstStyle>
+          <a:p>
+            <a:pPr lvl="0"/>
+            <a:r>
+              <a:rPr lang="zh-CN" altLang="en-US"/>
+              <a:t>编辑母版文本样式</a:t>
+            </a:r>
+          </a:p>
+        </p:txBody>
+      </p:sp>
+      <p:sp>
+        <p:nvSpPr>
+          <p:cNvPr id="5" name="Date Placeholder 4"/>
+          <p:cNvSpPr>
+            <a:spLocks noGrp="1"/>
+          </p:cNvSpPr>
+          <p:nvPr>
+            <p:ph type="dt" sz="half" idx="10"/>
+          </p:nvPr>
+        </p:nvSpPr>
+        <p:spPr/>
+        <p:txBody>
+          <a:bodyPr/>
+          <a:lstStyle/>
+          <a:p>
+            <a:fld id="{DFCBF3FA-A751-4570-8FB6-4B690BA30EB0}" type="datetimeFigureOut">
+              <a:rPr lang="en-US" smtClean="0"/>
+              <a:t>5/19/2018</a:t>
+            </a:fld>
+            <a:endParaRPr lang="en-US"/>
+          </a:p>
+        </p:txBody>
+      </p:sp>
+      <p:sp>
+        <p:nvSpPr>
+          <p:cNvPr id="6" name="Footer Placeholder 5"/>
+          <p:cNvSpPr>
+            <a:spLocks noGrp="1"/>
+          </p:cNvSpPr>
+          <p:nvPr>
+            <p:ph type="ftr" sz="quarter" idx="11"/>
+          </p:nvPr>
+        </p:nvSpPr>
+        <p:spPr/>
+        <p:txBody>
+          <a:bodyPr/>
+          <a:lstStyle/>
+          <a:p>
+            <a:endParaRPr lang="en-US"/>
+          </a:p>
+        </p:txBody>
+      </p:sp>
+      <p:sp>
+        <p:nvSpPr>
+          <p:cNvPr id="7" name="Slide Number Placeholder 6"/>
+          <p:cNvSpPr>
+            <a:spLocks noGrp="1"/>
+          </p:cNvSpPr>
+          <p:nvPr>
+            <p:ph type="sldNum" sz="quarter" idx="12"/>
+          </p:nvPr>
+        </p:nvSpPr>
+        <p:spPr/>
+        <p:txBody>
+          <a:bodyPr/>
+          <a:lstStyle/>
+          <a:p>
+            <a:fld id="{C3C198C5-E517-4925-8CF9-4EB4847817F8}" type="slidenum">
+              <a:rPr lang="en-US" smtClean="0"/>
+              <a:t>‹#›</a:t>
+            </a:fld>
+            <a:endParaRPr lang="en-US"/>
+          </a:p>
+        </p:txBody>
+      </p:sp>
+    </p:spTree>
+    <p:extLst>
+      <p:ext uri="{BB962C8B-B14F-4D97-AF65-F5344CB8AC3E}">
+        <p14:creationId xmlns:p14="http://schemas.microsoft.com/office/powerpoint/2010/main" val="163753406"/>
+      </p:ext>
+    </p:extLst>
+  </p:cSld>
+  <p:clrMapOvr>
+    <a:masterClrMapping/>
+  </p:clrMapOvr>
+</p:sldLayout>
+</file>
+
+<file path=ppt/slideLayouts/slideLayout11.xml><?xml version="1.0" encoding="utf-8"?>
+<p:sldLayout xmlns:a="http://schemas.openxmlformats.org/drawingml/2006/main" xmlns:r="http://schemas.openxmlformats.org/officeDocument/2006/relationships" xmlns:p="http://schemas.openxmlformats.org/presentationml/2006/main" preserve="1">
+  <p:cSld name="标题和描述">
+    <p:spTree>
+      <p:nvGrpSpPr>
+        <p:cNvPr id="1" name=""/>
+        <p:cNvGrpSpPr/>
+        <p:nvPr/>
+      </p:nvGrpSpPr>
+      <p:grpSpPr>
+        <a:xfrm>
+          <a:off x="0" y="0"/>
+          <a:ext cx="0" cy="0"/>
+          <a:chOff x="0" y="0"/>
+          <a:chExt cx="0" cy="0"/>
+        </a:xfrm>
+      </p:grpSpPr>
+      <p:pic>
+        <p:nvPicPr>
+          <p:cNvPr id="8" name="Picture 7" descr="Droplets-HD-Content-R1d.png"/>
+          <p:cNvPicPr>
+            <a:picLocks noChangeAspect="1"/>
+          </p:cNvPicPr>
+          <p:nvPr/>
+        </p:nvPicPr>
+        <p:blipFill>
+          <a:blip r:embed="rId2">
+            <a:extLst>
+              <a:ext uri="{28A0092B-C50C-407E-A947-70E740481C1C}">
+                <a14:useLocalDpi xmlns:a14="http://schemas.microsoft.com/office/drawing/2010/main" val="0"/>
+              </a:ext>
+            </a:extLst>
+          </a:blip>
+          <a:stretch>
+            <a:fillRect/>
+          </a:stretch>
+        </p:blipFill>
+        <p:spPr>
+          <a:xfrm>
+            <a:off x="0" y="0"/>
+            <a:ext cx="12192000" cy="6858000"/>
+          </a:xfrm>
+          <a:prstGeom prst="rect">
+            <a:avLst/>
+          </a:prstGeom>
+        </p:spPr>
+      </p:pic>
+      <p:sp>
+        <p:nvSpPr>
+          <p:cNvPr id="2" name="Title 1"/>
+          <p:cNvSpPr>
+            <a:spLocks noGrp="1"/>
+          </p:cNvSpPr>
+          <p:nvPr>
+            <p:ph type="title"/>
+          </p:nvPr>
+        </p:nvSpPr>
+        <p:spPr>
+          <a:xfrm>
+            <a:off x="913774" y="609599"/>
+            <a:ext cx="10364452" cy="3427245"/>
+          </a:xfrm>
+        </p:spPr>
+        <p:txBody>
+          <a:bodyPr anchor="ctr"/>
+          <a:lstStyle>
+            <a:lvl1pPr algn="ctr">
+              <a:defRPr sz="3200"/>
+            </a:lvl1pPr>
+          </a:lstStyle>
+          <a:p>
+            <a:r>
+              <a:rPr lang="zh-CN" altLang="en-US"/>
+              <a:t>单击此处编辑母版标题样式</a:t>
+            </a:r>
+            <a:endParaRPr lang="en-US" dirty="0"/>
+          </a:p>
+        </p:txBody>
+      </p:sp>
+      <p:sp>
+        <p:nvSpPr>
+          <p:cNvPr id="4" name="Text Placeholder 3"/>
+          <p:cNvSpPr>
+            <a:spLocks noGrp="1"/>
+          </p:cNvSpPr>
+          <p:nvPr>
+            <p:ph type="body" sz="half" idx="2"/>
+          </p:nvPr>
+        </p:nvSpPr>
+        <p:spPr>
+          <a:xfrm>
+            <a:off x="913775" y="4204821"/>
+            <a:ext cx="10364452" cy="1586380"/>
+          </a:xfrm>
+        </p:spPr>
+        <p:txBody>
+          <a:bodyPr anchor="ctr"/>
+          <a:lstStyle>
+            <a:lvl1pPr marL="0" indent="0" algn="ctr">
+              <a:buNone/>
+              <a:defRPr sz="1600"/>
+            </a:lvl1pPr>
+            <a:lvl2pPr marL="457200" indent="0">
+              <a:buNone/>
+              <a:defRPr sz="1400"/>
+            </a:lvl2pPr>
+            <a:lvl3pPr marL="914400" indent="0">
+              <a:buNone/>
+              <a:defRPr sz="1200"/>
+            </a:lvl3pPr>
+            <a:lvl4pPr marL="1371600" indent="0">
+              <a:buNone/>
+              <a:defRPr sz="1000"/>
+            </a:lvl4pPr>
+            <a:lvl5pPr marL="1828800" indent="0">
+              <a:buNone/>
+              <a:defRPr sz="1000"/>
+            </a:lvl5pPr>
+            <a:lvl6pPr marL="2286000" indent="0">
+              <a:buNone/>
+              <a:defRPr sz="1000"/>
+            </a:lvl6pPr>
+            <a:lvl7pPr marL="2743200" indent="0">
+              <a:buNone/>
+              <a:defRPr sz="1000"/>
+            </a:lvl7pPr>
+            <a:lvl8pPr marL="3200400" indent="0">
+              <a:buNone/>
+              <a:defRPr sz="1000"/>
+            </a:lvl8pPr>
+            <a:lvl9pPr marL="3657600" indent="0">
+              <a:buNone/>
+              <a:defRPr sz="1000"/>
+            </a:lvl9pPr>
+          </a:lstStyle>
+          <a:p>
+            <a:pPr lvl="0"/>
+            <a:r>
+              <a:rPr lang="zh-CN" altLang="en-US"/>
+              <a:t>编辑母版文本样式</a:t>
+            </a:r>
+          </a:p>
+        </p:txBody>
+      </p:sp>
+      <p:sp>
+        <p:nvSpPr>
+          <p:cNvPr id="5" name="Date Placeholder 4"/>
+          <p:cNvSpPr>
+            <a:spLocks noGrp="1"/>
+          </p:cNvSpPr>
+          <p:nvPr>
+            <p:ph type="dt" sz="half" idx="10"/>
+          </p:nvPr>
+        </p:nvSpPr>
+        <p:spPr/>
+        <p:txBody>
+          <a:bodyPr/>
+          <a:lstStyle/>
+          <a:p>
+            <a:fld id="{DFCBF3FA-A751-4570-8FB6-4B690BA30EB0}" type="datetimeFigureOut">
+              <a:rPr lang="en-US" smtClean="0"/>
+              <a:t>5/19/2018</a:t>
+            </a:fld>
+            <a:endParaRPr lang="en-US"/>
+          </a:p>
+        </p:txBody>
+      </p:sp>
+      <p:sp>
+        <p:nvSpPr>
+          <p:cNvPr id="6" name="Footer Placeholder 5"/>
+          <p:cNvSpPr>
+            <a:spLocks noGrp="1"/>
+          </p:cNvSpPr>
+          <p:nvPr>
+            <p:ph type="ftr" sz="quarter" idx="11"/>
+          </p:nvPr>
+        </p:nvSpPr>
+        <p:spPr/>
+        <p:txBody>
+          <a:bodyPr/>
+          <a:lstStyle/>
+          <a:p>
+            <a:endParaRPr lang="en-US"/>
+          </a:p>
+        </p:txBody>
+      </p:sp>
+      <p:sp>
+        <p:nvSpPr>
+          <p:cNvPr id="7" name="Slide Number Placeholder 6"/>
+          <p:cNvSpPr>
+            <a:spLocks noGrp="1"/>
+          </p:cNvSpPr>
+          <p:nvPr>
+            <p:ph type="sldNum" sz="quarter" idx="12"/>
+          </p:nvPr>
+        </p:nvSpPr>
+        <p:spPr/>
+        <p:txBody>
+          <a:bodyPr/>
+          <a:lstStyle/>
+          <a:p>
+            <a:fld id="{C3C198C5-E517-4925-8CF9-4EB4847817F8}" type="slidenum">
+              <a:rPr lang="en-US" smtClean="0"/>
+              <a:t>‹#›</a:t>
+            </a:fld>
+            <a:endParaRPr lang="en-US"/>
+          </a:p>
+        </p:txBody>
+      </p:sp>
+    </p:spTree>
+    <p:extLst>
+      <p:ext uri="{BB962C8B-B14F-4D97-AF65-F5344CB8AC3E}">
+        <p14:creationId xmlns:p14="http://schemas.microsoft.com/office/powerpoint/2010/main" val="2340632493"/>
+      </p:ext>
+    </p:extLst>
+  </p:cSld>
+  <p:clrMapOvr>
+    <a:masterClrMapping/>
+  </p:clrMapOvr>
+</p:sldLayout>
+</file>
+
+<file path=ppt/slideLayouts/slideLayout12.xml><?xml version="1.0" encoding="utf-8"?>
+<p:sldLayout xmlns:a="http://schemas.openxmlformats.org/drawingml/2006/main" xmlns:r="http://schemas.openxmlformats.org/officeDocument/2006/relationships" xmlns:p="http://schemas.openxmlformats.org/presentationml/2006/main" preserve="1">
+  <p:cSld name="带描述的引言">
+    <p:spTree>
+      <p:nvGrpSpPr>
+        <p:cNvPr id="1" name=""/>
+        <p:cNvGrpSpPr/>
+        <p:nvPr/>
+      </p:nvGrpSpPr>
+      <p:grpSpPr>
+        <a:xfrm>
+          <a:off x="0" y="0"/>
+          <a:ext cx="0" cy="0"/>
+          <a:chOff x="0" y="0"/>
+          <a:chExt cx="0" cy="0"/>
+        </a:xfrm>
+      </p:grpSpPr>
+      <p:pic>
+        <p:nvPicPr>
+          <p:cNvPr id="11" name="Picture 10" descr="Droplets-HD-Content-R1d.png"/>
+          <p:cNvPicPr>
+            <a:picLocks noChangeAspect="1"/>
+          </p:cNvPicPr>
+          <p:nvPr/>
+        </p:nvPicPr>
+        <p:blipFill>
+          <a:blip r:embed="rId2">
+            <a:extLst>
+              <a:ext uri="{28A0092B-C50C-407E-A947-70E740481C1C}">
+                <a14:useLocalDpi xmlns:a14="http://schemas.microsoft.com/office/drawing/2010/main" val="0"/>
+              </a:ext>
+            </a:extLst>
+          </a:blip>
+          <a:stretch>
+            <a:fillRect/>
+          </a:stretch>
+        </p:blipFill>
+        <p:spPr>
+          <a:xfrm>
+            <a:off x="0" y="0"/>
+            <a:ext cx="12192000" cy="6858000"/>
+          </a:xfrm>
+          <a:prstGeom prst="rect">
+            <a:avLst/>
+          </a:prstGeom>
+        </p:spPr>
+      </p:pic>
+      <p:sp>
+        <p:nvSpPr>
+          <p:cNvPr id="2" name="Title 1"/>
+          <p:cNvSpPr>
+            <a:spLocks noGrp="1"/>
+          </p:cNvSpPr>
+          <p:nvPr>
+            <p:ph type="title"/>
+          </p:nvPr>
+        </p:nvSpPr>
+        <p:spPr>
+          <a:xfrm>
+            <a:off x="1446212" y="609600"/>
+            <a:ext cx="9302752" cy="2992904"/>
+          </a:xfrm>
+        </p:spPr>
+        <p:txBody>
+          <a:bodyPr anchor="ctr"/>
+          <a:lstStyle>
+            <a:lvl1pPr>
+              <a:defRPr sz="3200"/>
+            </a:lvl1pPr>
+          </a:lstStyle>
+          <a:p>
+            <a:r>
+              <a:rPr lang="zh-CN" altLang="en-US"/>
+              <a:t>单击此处编辑母版标题样式</a:t>
+            </a:r>
+            <a:endParaRPr lang="en-US" dirty="0"/>
+          </a:p>
+        </p:txBody>
+      </p:sp>
+      <p:sp>
+        <p:nvSpPr>
+          <p:cNvPr id="12" name="Text Placeholder 3"/>
+          <p:cNvSpPr>
+            <a:spLocks noGrp="1"/>
+          </p:cNvSpPr>
+          <p:nvPr>
+            <p:ph type="body" sz="half" idx="13"/>
+          </p:nvPr>
+        </p:nvSpPr>
+        <p:spPr>
+          <a:xfrm>
+            <a:off x="1720644" y="3610032"/>
+            <a:ext cx="8752299" cy="594788"/>
+          </a:xfrm>
+        </p:spPr>
+        <p:txBody>
+          <a:bodyPr anchor="t">
+            <a:normAutofit/>
+          </a:bodyPr>
+          <a:lstStyle>
+            <a:lvl1pPr marL="0" indent="0">
+              <a:buNone/>
+              <a:defRPr sz="1400"/>
+            </a:lvl1pPr>
+            <a:lvl2pPr marL="457200" indent="0">
+              <a:buNone/>
+              <a:defRPr sz="1400"/>
+            </a:lvl2pPr>
+            <a:lvl3pPr marL="914400" indent="0">
+              <a:buNone/>
+              <a:defRPr sz="1200"/>
+            </a:lvl3pPr>
+            <a:lvl4pPr marL="1371600" indent="0">
+              <a:buNone/>
+              <a:defRPr sz="1000"/>
+            </a:lvl4pPr>
+            <a:lvl5pPr marL="1828800" indent="0">
+              <a:buNone/>
+              <a:defRPr sz="1000"/>
+            </a:lvl5pPr>
+            <a:lvl6pPr marL="2286000" indent="0">
+              <a:buNone/>
+              <a:defRPr sz="1000"/>
+            </a:lvl6pPr>
+            <a:lvl7pPr marL="2743200" indent="0">
+              <a:buNone/>
+              <a:defRPr sz="1000"/>
+            </a:lvl7pPr>
+            <a:lvl8pPr marL="3200400" indent="0">
+              <a:buNone/>
+              <a:defRPr sz="1000"/>
+            </a:lvl8pPr>
+            <a:lvl9pPr marL="3657600" indent="0">
+              <a:buNone/>
+              <a:defRPr sz="1000"/>
+            </a:lvl9pPr>
+          </a:lstStyle>
+          <a:p>
+            <a:pPr lvl="0"/>
+            <a:r>
+              <a:rPr lang="zh-CN" altLang="en-US"/>
+              <a:t>编辑母版文本样式</a:t>
+            </a:r>
+          </a:p>
+        </p:txBody>
+      </p:sp>
+      <p:sp>
+        <p:nvSpPr>
+          <p:cNvPr id="4" name="Text Placeholder 3"/>
+          <p:cNvSpPr>
+            <a:spLocks noGrp="1"/>
+          </p:cNvSpPr>
+          <p:nvPr>
+            <p:ph type="body" sz="half" idx="2"/>
+          </p:nvPr>
+        </p:nvSpPr>
+        <p:spPr>
+          <a:xfrm>
+            <a:off x="913774" y="4372796"/>
+            <a:ext cx="10364452" cy="1421053"/>
+          </a:xfrm>
+        </p:spPr>
+        <p:txBody>
+          <a:bodyPr anchor="ctr">
+            <a:normAutofit/>
+          </a:bodyPr>
+          <a:lstStyle>
+            <a:lvl1pPr marL="0" indent="0" algn="ctr">
+              <a:buNone/>
+              <a:defRPr sz="1600"/>
+            </a:lvl1pPr>
+            <a:lvl2pPr marL="457200" indent="0">
+              <a:buNone/>
+              <a:defRPr sz="1400"/>
+            </a:lvl2pPr>
+            <a:lvl3pPr marL="914400" indent="0">
+              <a:buNone/>
+              <a:defRPr sz="1200"/>
+            </a:lvl3pPr>
+            <a:lvl4pPr marL="1371600" indent="0">
+              <a:buNone/>
+              <a:defRPr sz="1000"/>
+            </a:lvl4pPr>
+            <a:lvl5pPr marL="1828800" indent="0">
+              <a:buNone/>
+              <a:defRPr sz="1000"/>
+            </a:lvl5pPr>
+            <a:lvl6pPr marL="2286000" indent="0">
+              <a:buNone/>
+              <a:defRPr sz="1000"/>
+            </a:lvl6pPr>
+            <a:lvl7pPr marL="2743200" indent="0">
+              <a:buNone/>
+              <a:defRPr sz="1000"/>
+            </a:lvl7pPr>
+            <a:lvl8pPr marL="3200400" indent="0">
+              <a:buNone/>
+              <a:defRPr sz="1000"/>
+            </a:lvl8pPr>
+            <a:lvl9pPr marL="3657600" indent="0">
+              <a:buNone/>
+              <a:defRPr sz="1000"/>
+            </a:lvl9pPr>
+          </a:lstStyle>
+          <a:p>
+            <a:pPr lvl="0"/>
+            <a:r>
+              <a:rPr lang="zh-CN" altLang="en-US"/>
+              <a:t>编辑母版文本样式</a:t>
+            </a:r>
+          </a:p>
+        </p:txBody>
+      </p:sp>
+      <p:sp>
+        <p:nvSpPr>
+          <p:cNvPr id="5" name="Date Placeholder 4"/>
+          <p:cNvSpPr>
+            <a:spLocks noGrp="1"/>
+          </p:cNvSpPr>
+          <p:nvPr>
+            <p:ph type="dt" sz="half" idx="10"/>
+          </p:nvPr>
+        </p:nvSpPr>
+        <p:spPr/>
+        <p:txBody>
+          <a:bodyPr/>
+          <a:lstStyle/>
+          <a:p>
+            <a:fld id="{DFCBF3FA-A751-4570-8FB6-4B690BA30EB0}" type="datetimeFigureOut">
+              <a:rPr lang="en-US" smtClean="0"/>
+              <a:t>5/19/2018</a:t>
+            </a:fld>
+            <a:endParaRPr lang="en-US"/>
+          </a:p>
+        </p:txBody>
+      </p:sp>
+      <p:sp>
+        <p:nvSpPr>
+          <p:cNvPr id="6" name="Footer Placeholder 5"/>
+          <p:cNvSpPr>
+            <a:spLocks noGrp="1"/>
+          </p:cNvSpPr>
+          <p:nvPr>
+            <p:ph type="ftr" sz="quarter" idx="11"/>
+          </p:nvPr>
+        </p:nvSpPr>
+        <p:spPr/>
+        <p:txBody>
+          <a:bodyPr/>
+          <a:lstStyle/>
+          <a:p>
+            <a:endParaRPr lang="en-US"/>
+          </a:p>
+        </p:txBody>
+      </p:sp>
+      <p:sp>
+        <p:nvSpPr>
+          <p:cNvPr id="7" name="Slide Number Placeholder 6"/>
+          <p:cNvSpPr>
+            <a:spLocks noGrp="1"/>
+          </p:cNvSpPr>
+          <p:nvPr>
+            <p:ph type="sldNum" sz="quarter" idx="12"/>
+          </p:nvPr>
+        </p:nvSpPr>
+        <p:spPr/>
+        <p:txBody>
+          <a:bodyPr/>
+          <a:lstStyle/>
+          <a:p>
+            <a:fld id="{C3C198C5-E517-4925-8CF9-4EB4847817F8}" type="slidenum">
+              <a:rPr lang="en-US" smtClean="0"/>
+              <a:t>‹#›</a:t>
+            </a:fld>
+            <a:endParaRPr lang="en-US"/>
+          </a:p>
+        </p:txBody>
+      </p:sp>
+      <p:sp>
+        <p:nvSpPr>
+          <p:cNvPr id="13" name="TextBox 12"/>
+          <p:cNvSpPr txBox="1"/>
+          <p:nvPr/>
+        </p:nvSpPr>
+        <p:spPr>
+          <a:xfrm>
+            <a:off x="1001488" y="754166"/>
+            <a:ext cx="609600" cy="584776"/>
+          </a:xfrm>
+          <a:prstGeom prst="rect">
+            <a:avLst/>
+          </a:prstGeom>
+        </p:spPr>
+        <p:txBody>
+          <a:bodyPr vert="horz" lIns="91440" tIns="45720" rIns="91440" bIns="45720" rtlCol="0" anchor="ctr">
+            <a:noAutofit/>
+          </a:bodyPr>
+          <a:lstStyle>
+            <a:lvl1pPr>
+              <a:spcBef>
+                <a:spcPct val="0"/>
+              </a:spcBef>
+              <a:buNone/>
+              <a:defRPr sz="3200" b="0" cap="all">
+                <a:ln w="3175" cmpd="sng">
+                  <a:noFill/>
+                </a:ln>
+                <a:effectLst>
+                  <a:glow rad="38100">
+                    <a:schemeClr val="bg1">
+                      <a:lumMod val="65000"/>
+                      <a:lumOff val="35000"/>
+                      <a:alpha val="40000"/>
+                    </a:schemeClr>
+                  </a:glow>
+                  <a:outerShdw blurRad="28575" dist="38100" dir="14040000" algn="tl" rotWithShape="0">
+                    <a:srgbClr val="000000">
+                      <a:alpha val="25000"/>
+                    </a:srgbClr>
+                  </a:outerShdw>
+                </a:effectLst>
+              </a:defRPr>
+            </a:lvl1pPr>
+            <a:lvl2pPr>
+              <a:defRPr>
+                <a:solidFill>
+                  <a:schemeClr val="tx2"/>
+                </a:solidFill>
+              </a:defRPr>
+            </a:lvl2pPr>
+            <a:lvl3pPr>
+              <a:defRPr>
+                <a:solidFill>
+                  <a:schemeClr val="tx2"/>
+                </a:solidFill>
+              </a:defRPr>
+            </a:lvl3pPr>
+            <a:lvl4pPr>
+              <a:defRPr>
+                <a:solidFill>
+                  <a:schemeClr val="tx2"/>
+                </a:solidFill>
+              </a:defRPr>
+            </a:lvl4pPr>
+            <a:lvl5pPr>
+              <a:defRPr>
+                <a:solidFill>
+                  <a:schemeClr val="tx2"/>
+                </a:solidFill>
+              </a:defRPr>
+            </a:lvl5pPr>
+            <a:lvl6pPr>
+              <a:defRPr>
+                <a:solidFill>
+                  <a:schemeClr val="tx2"/>
+                </a:solidFill>
+              </a:defRPr>
+            </a:lvl6pPr>
+            <a:lvl7pPr>
+              <a:defRPr>
+                <a:solidFill>
+                  <a:schemeClr val="tx2"/>
+                </a:solidFill>
+              </a:defRPr>
+            </a:lvl7pPr>
+            <a:lvl8pPr>
+              <a:defRPr>
+                <a:solidFill>
+                  <a:schemeClr val="tx2"/>
+                </a:solidFill>
+              </a:defRPr>
+            </a:lvl8pPr>
+            <a:lvl9pPr>
+              <a:defRPr>
+                <a:solidFill>
+                  <a:schemeClr val="tx2"/>
+                </a:solidFill>
+              </a:defRPr>
+            </a:lvl9pPr>
+          </a:lstStyle>
+          <a:p>
+            <a:pPr lvl="0"/>
+            <a:r>
+              <a:rPr lang="en-US" sz="8000" dirty="0">
+                <a:solidFill>
+                  <a:schemeClr val="tx1"/>
+                </a:solidFill>
+                <a:effectLst/>
+              </a:rPr>
+              <a:t>“</a:t>
+            </a:r>
+          </a:p>
+        </p:txBody>
+      </p:sp>
+      <p:sp>
+        <p:nvSpPr>
+          <p:cNvPr id="14" name="TextBox 13"/>
+          <p:cNvSpPr txBox="1"/>
+          <p:nvPr/>
+        </p:nvSpPr>
+        <p:spPr>
+          <a:xfrm>
+            <a:off x="10557558" y="2993578"/>
+            <a:ext cx="609600" cy="584776"/>
+          </a:xfrm>
+          <a:prstGeom prst="rect">
+            <a:avLst/>
+          </a:prstGeom>
+        </p:spPr>
+        <p:txBody>
+          <a:bodyPr vert="horz" lIns="91440" tIns="45720" rIns="91440" bIns="45720" rtlCol="0" anchor="ctr">
+            <a:noAutofit/>
+          </a:bodyPr>
+          <a:lstStyle>
+            <a:lvl1pPr>
+              <a:spcBef>
+                <a:spcPct val="0"/>
+              </a:spcBef>
+              <a:buNone/>
+              <a:defRPr sz="3200" b="0" cap="all">
+                <a:ln w="3175" cmpd="sng">
+                  <a:noFill/>
+                </a:ln>
+                <a:effectLst>
+                  <a:glow rad="38100">
+                    <a:schemeClr val="bg1">
+                      <a:lumMod val="65000"/>
+                      <a:lumOff val="35000"/>
+                      <a:alpha val="40000"/>
+                    </a:schemeClr>
+                  </a:glow>
+                  <a:outerShdw blurRad="28575" dist="38100" dir="14040000" algn="tl" rotWithShape="0">
+                    <a:srgbClr val="000000">
+                      <a:alpha val="25000"/>
+                    </a:srgbClr>
+                  </a:outerShdw>
+                </a:effectLst>
+              </a:defRPr>
+            </a:lvl1pPr>
+            <a:lvl2pPr>
+              <a:defRPr>
+                <a:solidFill>
+                  <a:schemeClr val="tx2"/>
+                </a:solidFill>
+              </a:defRPr>
+            </a:lvl2pPr>
+            <a:lvl3pPr>
+              <a:defRPr>
+                <a:solidFill>
+                  <a:schemeClr val="tx2"/>
+                </a:solidFill>
+              </a:defRPr>
+            </a:lvl3pPr>
+            <a:lvl4pPr>
+              <a:defRPr>
+                <a:solidFill>
+                  <a:schemeClr val="tx2"/>
+                </a:solidFill>
+              </a:defRPr>
+            </a:lvl4pPr>
+            <a:lvl5pPr>
+              <a:defRPr>
+                <a:solidFill>
+                  <a:schemeClr val="tx2"/>
+                </a:solidFill>
+              </a:defRPr>
+            </a:lvl5pPr>
+            <a:lvl6pPr>
+              <a:defRPr>
+                <a:solidFill>
+                  <a:schemeClr val="tx2"/>
+                </a:solidFill>
+              </a:defRPr>
+            </a:lvl6pPr>
+            <a:lvl7pPr>
+              <a:defRPr>
+                <a:solidFill>
+                  <a:schemeClr val="tx2"/>
+                </a:solidFill>
+              </a:defRPr>
+            </a:lvl7pPr>
+            <a:lvl8pPr>
+              <a:defRPr>
+                <a:solidFill>
+                  <a:schemeClr val="tx2"/>
+                </a:solidFill>
+              </a:defRPr>
+            </a:lvl8pPr>
+            <a:lvl9pPr>
+              <a:defRPr>
+                <a:solidFill>
+                  <a:schemeClr val="tx2"/>
+                </a:solidFill>
+              </a:defRPr>
+            </a:lvl9pPr>
+          </a:lstStyle>
+          <a:p>
+            <a:pPr lvl="0" algn="r"/>
+            <a:r>
+              <a:rPr lang="en-US" sz="8000" dirty="0">
+                <a:solidFill>
+                  <a:schemeClr val="tx1"/>
+                </a:solidFill>
+                <a:effectLst/>
+              </a:rPr>
+              <a:t>”</a:t>
+            </a:r>
+          </a:p>
+        </p:txBody>
+      </p:sp>
+    </p:spTree>
+    <p:extLst>
+      <p:ext uri="{BB962C8B-B14F-4D97-AF65-F5344CB8AC3E}">
+        <p14:creationId xmlns:p14="http://schemas.microsoft.com/office/powerpoint/2010/main" val="1528722898"/>
+      </p:ext>
+    </p:extLst>
+  </p:cSld>
+  <p:clrMapOvr>
+    <a:masterClrMapping/>
+  </p:clrMapOvr>
+</p:sldLayout>
+</file>
+
+<file path=ppt/slideLayouts/slideLayout13.xml><?xml version="1.0" encoding="utf-8"?>
+<p:sldLayout xmlns:a="http://schemas.openxmlformats.org/drawingml/2006/main" xmlns:r="http://schemas.openxmlformats.org/officeDocument/2006/relationships" xmlns:p="http://schemas.openxmlformats.org/presentationml/2006/main" preserve="1">
+  <p:cSld name="名片">
+    <p:spTree>
+      <p:nvGrpSpPr>
+        <p:cNvPr id="1" name=""/>
+        <p:cNvGrpSpPr/>
+        <p:nvPr/>
+      </p:nvGrpSpPr>
+      <p:grpSpPr>
+        <a:xfrm>
+          <a:off x="0" y="0"/>
+          <a:ext cx="0" cy="0"/>
+          <a:chOff x="0" y="0"/>
+          <a:chExt cx="0" cy="0"/>
+        </a:xfrm>
+      </p:grpSpPr>
+      <p:pic>
+        <p:nvPicPr>
+          <p:cNvPr id="8" name="Picture 7" descr="Droplets-HD-Content-R1d.png"/>
+          <p:cNvPicPr>
+            <a:picLocks noChangeAspect="1"/>
+          </p:cNvPicPr>
+          <p:nvPr/>
+        </p:nvPicPr>
+        <p:blipFill>
+          <a:blip r:embed="rId2">
+            <a:extLst>
+              <a:ext uri="{28A0092B-C50C-407E-A947-70E740481C1C}">
+                <a14:useLocalDpi xmlns:a14="http://schemas.microsoft.com/office/drawing/2010/main" val="0"/>
+              </a:ext>
+            </a:extLst>
+          </a:blip>
+          <a:stretch>
+            <a:fillRect/>
+          </a:stretch>
+        </p:blipFill>
+        <p:spPr>
+          <a:xfrm>
+            <a:off x="0" y="0"/>
+            <a:ext cx="12192000" cy="6858000"/>
+          </a:xfrm>
+          <a:prstGeom prst="rect">
+            <a:avLst/>
+          </a:prstGeom>
+        </p:spPr>
+      </p:pic>
+      <p:sp>
+        <p:nvSpPr>
+          <p:cNvPr id="2" name="Title 1"/>
+          <p:cNvSpPr>
+            <a:spLocks noGrp="1"/>
+          </p:cNvSpPr>
+          <p:nvPr>
+            <p:ph type="title"/>
+          </p:nvPr>
+        </p:nvSpPr>
+        <p:spPr>
+          <a:xfrm>
+            <a:off x="913775" y="2138721"/>
+            <a:ext cx="10364452" cy="2511835"/>
+          </a:xfrm>
+        </p:spPr>
+        <p:txBody>
+          <a:bodyPr anchor="b"/>
+          <a:lstStyle>
+            <a:lvl1pPr algn="ctr">
+              <a:defRPr sz="3200"/>
+            </a:lvl1pPr>
+          </a:lstStyle>
+          <a:p>
+            <a:r>
+              <a:rPr lang="zh-CN" altLang="en-US"/>
+              <a:t>单击此处编辑母版标题样式</a:t>
+            </a:r>
+            <a:endParaRPr lang="en-US" dirty="0"/>
+          </a:p>
+        </p:txBody>
+      </p:sp>
+      <p:sp>
+        <p:nvSpPr>
+          <p:cNvPr id="4" name="Text Placeholder 3"/>
+          <p:cNvSpPr>
+            <a:spLocks noGrp="1"/>
+          </p:cNvSpPr>
+          <p:nvPr>
+            <p:ph type="body" sz="half" idx="2"/>
+          </p:nvPr>
+        </p:nvSpPr>
+        <p:spPr>
+          <a:xfrm>
+            <a:off x="913775" y="4662335"/>
+            <a:ext cx="10364452" cy="1140644"/>
+          </a:xfrm>
+        </p:spPr>
+        <p:txBody>
+          <a:bodyPr anchor="t"/>
+          <a:lstStyle>
+            <a:lvl1pPr marL="0" indent="0" algn="ctr">
+              <a:buNone/>
+              <a:defRPr sz="1600"/>
+            </a:lvl1pPr>
+            <a:lvl2pPr marL="457200" indent="0">
+              <a:buNone/>
+              <a:defRPr sz="1400"/>
+            </a:lvl2pPr>
+            <a:lvl3pPr marL="914400" indent="0">
+              <a:buNone/>
+              <a:defRPr sz="1200"/>
+            </a:lvl3pPr>
+            <a:lvl4pPr marL="1371600" indent="0">
+              <a:buNone/>
+              <a:defRPr sz="1000"/>
+            </a:lvl4pPr>
+            <a:lvl5pPr marL="1828800" indent="0">
+              <a:buNone/>
+              <a:defRPr sz="1000"/>
+            </a:lvl5pPr>
+            <a:lvl6pPr marL="2286000" indent="0">
+              <a:buNone/>
+              <a:defRPr sz="1000"/>
+            </a:lvl6pPr>
+            <a:lvl7pPr marL="2743200" indent="0">
+              <a:buNone/>
+              <a:defRPr sz="1000"/>
+            </a:lvl7pPr>
+            <a:lvl8pPr marL="3200400" indent="0">
+              <a:buNone/>
+              <a:defRPr sz="1000"/>
+            </a:lvl8pPr>
+            <a:lvl9pPr marL="3657600" indent="0">
+              <a:buNone/>
+              <a:defRPr sz="1000"/>
+            </a:lvl9pPr>
+          </a:lstStyle>
+          <a:p>
+            <a:pPr lvl="0"/>
+            <a:r>
+              <a:rPr lang="zh-CN" altLang="en-US"/>
+              <a:t>编辑母版文本样式</a:t>
+            </a:r>
+          </a:p>
+        </p:txBody>
+      </p:sp>
+      <p:sp>
+        <p:nvSpPr>
+          <p:cNvPr id="5" name="Date Placeholder 4"/>
+          <p:cNvSpPr>
+            <a:spLocks noGrp="1"/>
+          </p:cNvSpPr>
+          <p:nvPr>
+            <p:ph type="dt" sz="half" idx="10"/>
+          </p:nvPr>
+        </p:nvSpPr>
+        <p:spPr/>
+        <p:txBody>
+          <a:bodyPr/>
+          <a:lstStyle/>
+          <a:p>
+            <a:fld id="{DFCBF3FA-A751-4570-8FB6-4B690BA30EB0}" type="datetimeFigureOut">
+              <a:rPr lang="en-US" smtClean="0"/>
+              <a:t>5/19/2018</a:t>
+            </a:fld>
+            <a:endParaRPr lang="en-US"/>
+          </a:p>
+        </p:txBody>
+      </p:sp>
+      <p:sp>
+        <p:nvSpPr>
+          <p:cNvPr id="6" name="Footer Placeholder 5"/>
+          <p:cNvSpPr>
+            <a:spLocks noGrp="1"/>
+          </p:cNvSpPr>
+          <p:nvPr>
+            <p:ph type="ftr" sz="quarter" idx="11"/>
+          </p:nvPr>
+        </p:nvSpPr>
+        <p:spPr/>
+        <p:txBody>
+          <a:bodyPr/>
+          <a:lstStyle/>
+          <a:p>
+            <a:endParaRPr lang="en-US"/>
+          </a:p>
+        </p:txBody>
+      </p:sp>
+      <p:sp>
+        <p:nvSpPr>
+          <p:cNvPr id="7" name="Slide Number Placeholder 6"/>
+          <p:cNvSpPr>
+            <a:spLocks noGrp="1"/>
+          </p:cNvSpPr>
+          <p:nvPr>
+            <p:ph type="sldNum" sz="quarter" idx="12"/>
+          </p:nvPr>
+        </p:nvSpPr>
+        <p:spPr/>
+        <p:txBody>
+          <a:bodyPr/>
+          <a:lstStyle/>
+          <a:p>
+            <a:fld id="{C3C198C5-E517-4925-8CF9-4EB4847817F8}" type="slidenum">
+              <a:rPr lang="en-US" smtClean="0"/>
+              <a:t>‹#›</a:t>
+            </a:fld>
+            <a:endParaRPr lang="en-US"/>
+          </a:p>
+        </p:txBody>
+      </p:sp>
+    </p:spTree>
+    <p:extLst>
+      <p:ext uri="{BB962C8B-B14F-4D97-AF65-F5344CB8AC3E}">
+        <p14:creationId xmlns:p14="http://schemas.microsoft.com/office/powerpoint/2010/main" val="402274732"/>
+      </p:ext>
+    </p:extLst>
+  </p:cSld>
+  <p:clrMapOvr>
+    <a:masterClrMapping/>
+  </p:clrMapOvr>
+</p:sldLayout>
+</file>
+
+<file path=ppt/slideLayouts/slideLayout14.xml><?xml version="1.0" encoding="utf-8"?>
+<p:sldLayout xmlns:a="http://schemas.openxmlformats.org/drawingml/2006/main" xmlns:r="http://schemas.openxmlformats.org/officeDocument/2006/relationships" xmlns:p="http://schemas.openxmlformats.org/presentationml/2006/main" preserve="1">
+  <p:cSld name="3 栏">
+    <p:spTree>
+      <p:nvGrpSpPr>
+        <p:cNvPr id="1" name=""/>
+        <p:cNvGrpSpPr/>
+        <p:nvPr/>
+      </p:nvGrpSpPr>
+      <p:grpSpPr>
+        <a:xfrm>
+          <a:off x="0" y="0"/>
+          <a:ext cx="0" cy="0"/>
+          <a:chOff x="0" y="0"/>
+          <a:chExt cx="0" cy="0"/>
+        </a:xfrm>
+      </p:grpSpPr>
+      <p:pic>
+        <p:nvPicPr>
+          <p:cNvPr id="13" name="Picture 12" descr="Droplets-HD-Content-R1d.png"/>
+          <p:cNvPicPr>
+            <a:picLocks noChangeAspect="1"/>
+          </p:cNvPicPr>
+          <p:nvPr/>
+        </p:nvPicPr>
+        <p:blipFill>
+          <a:blip r:embed="rId2">
+            <a:extLst>
+              <a:ext uri="{28A0092B-C50C-407E-A947-70E740481C1C}">
+                <a14:useLocalDpi xmlns:a14="http://schemas.microsoft.com/office/drawing/2010/main" val="0"/>
+              </a:ext>
+            </a:extLst>
+          </a:blip>
+          <a:stretch>
+            <a:fillRect/>
+          </a:stretch>
+        </p:blipFill>
+        <p:spPr>
+          <a:xfrm>
+            <a:off x="0" y="0"/>
+            <a:ext cx="12192000" cy="6858000"/>
+          </a:xfrm>
+          <a:prstGeom prst="rect">
+            <a:avLst/>
+          </a:prstGeom>
+        </p:spPr>
+      </p:pic>
+      <p:sp>
+        <p:nvSpPr>
+          <p:cNvPr id="15" name="Title 1"/>
+          <p:cNvSpPr>
+            <a:spLocks noGrp="1"/>
+          </p:cNvSpPr>
+          <p:nvPr>
+            <p:ph type="title"/>
+          </p:nvPr>
+        </p:nvSpPr>
+        <p:spPr>
+          <a:xfrm>
+            <a:off x="913774" y="609600"/>
+            <a:ext cx="10364452" cy="1605094"/>
+          </a:xfrm>
+        </p:spPr>
+        <p:txBody>
+          <a:bodyPr/>
+          <a:lstStyle/>
+          <a:p>
+            <a:r>
+              <a:rPr lang="zh-CN" altLang="en-US"/>
+              <a:t>单击此处编辑母版标题样式</a:t>
+            </a:r>
+            <a:endParaRPr lang="en-US" dirty="0"/>
+          </a:p>
+        </p:txBody>
+      </p:sp>
+      <p:sp>
+        <p:nvSpPr>
+          <p:cNvPr id="7" name="Text Placeholder 2"/>
+          <p:cNvSpPr>
+            <a:spLocks noGrp="1"/>
+          </p:cNvSpPr>
+          <p:nvPr>
+            <p:ph type="body" idx="1"/>
+          </p:nvPr>
+        </p:nvSpPr>
+        <p:spPr>
+          <a:xfrm>
+            <a:off x="913774" y="2367093"/>
+            <a:ext cx="3298976" cy="576262"/>
+          </a:xfrm>
+        </p:spPr>
+        <p:txBody>
+          <a:bodyPr anchor="b">
+            <a:noAutofit/>
+          </a:bodyPr>
+          <a:lstStyle>
+            <a:lvl1pPr marL="0" indent="0" algn="ctr">
+              <a:lnSpc>
+                <a:spcPct val="85000"/>
+              </a:lnSpc>
+              <a:buNone/>
+              <a:defRPr sz="2400" b="0">
+                <a:solidFill>
+                  <a:schemeClr val="tx1"/>
+                </a:solidFill>
+              </a:defRPr>
+            </a:lvl1pPr>
+            <a:lvl2pPr marL="457200" indent="0">
+              <a:buNone/>
+              <a:defRPr sz="2000" b="1"/>
+            </a:lvl2pPr>
+            <a:lvl3pPr marL="914400" indent="0">
+              <a:buNone/>
+              <a:defRPr sz="1800" b="1"/>
+            </a:lvl3pPr>
+            <a:lvl4pPr marL="1371600" indent="0">
+              <a:buNone/>
+              <a:defRPr sz="1600" b="1"/>
+            </a:lvl4pPr>
+            <a:lvl5pPr marL="1828800" indent="0">
+              <a:buNone/>
+              <a:defRPr sz="1600" b="1"/>
+            </a:lvl5pPr>
+            <a:lvl6pPr marL="2286000" indent="0">
+              <a:buNone/>
+              <a:defRPr sz="1600" b="1"/>
+            </a:lvl6pPr>
+            <a:lvl7pPr marL="2743200" indent="0">
+              <a:buNone/>
+              <a:defRPr sz="1600" b="1"/>
+            </a:lvl7pPr>
+            <a:lvl8pPr marL="3200400" indent="0">
+              <a:buNone/>
+              <a:defRPr sz="1600" b="1"/>
+            </a:lvl8pPr>
+            <a:lvl9pPr marL="3657600" indent="0">
+              <a:buNone/>
+              <a:defRPr sz="1600" b="1"/>
+            </a:lvl9pPr>
+          </a:lstStyle>
+          <a:p>
+            <a:pPr lvl="0"/>
+            <a:r>
+              <a:rPr lang="zh-CN" altLang="en-US"/>
+              <a:t>编辑母版文本样式</a:t>
+            </a:r>
+          </a:p>
+        </p:txBody>
+      </p:sp>
+      <p:sp>
+        <p:nvSpPr>
+          <p:cNvPr id="8" name="Text Placeholder 3"/>
+          <p:cNvSpPr>
+            <a:spLocks noGrp="1"/>
+          </p:cNvSpPr>
+          <p:nvPr>
+            <p:ph type="body" sz="half" idx="15"/>
+          </p:nvPr>
+        </p:nvSpPr>
+        <p:spPr>
+          <a:xfrm>
+            <a:off x="913774" y="2943355"/>
+            <a:ext cx="3298976" cy="2847845"/>
+          </a:xfrm>
+        </p:spPr>
+        <p:txBody>
+          <a:bodyPr anchor="t">
+            <a:normAutofit/>
+          </a:bodyPr>
+          <a:lstStyle>
+            <a:lvl1pPr marL="0" indent="0" algn="ctr">
+              <a:buNone/>
+              <a:defRPr sz="1400"/>
+            </a:lvl1pPr>
+            <a:lvl2pPr marL="457200" indent="0">
+              <a:buNone/>
+              <a:defRPr sz="1200"/>
+            </a:lvl2pPr>
+            <a:lvl3pPr marL="914400" indent="0">
+              <a:buNone/>
+              <a:defRPr sz="1000"/>
+            </a:lvl3pPr>
+            <a:lvl4pPr marL="1371600" indent="0">
+              <a:buNone/>
+              <a:defRPr sz="900"/>
+            </a:lvl4pPr>
+            <a:lvl5pPr marL="1828800" indent="0">
+              <a:buNone/>
+              <a:defRPr sz="900"/>
+            </a:lvl5pPr>
+            <a:lvl6pPr marL="2286000" indent="0">
+              <a:buNone/>
+              <a:defRPr sz="900"/>
+            </a:lvl6pPr>
+            <a:lvl7pPr marL="2743200" indent="0">
+              <a:buNone/>
+              <a:defRPr sz="900"/>
+            </a:lvl7pPr>
+            <a:lvl8pPr marL="3200400" indent="0">
+              <a:buNone/>
+              <a:defRPr sz="900"/>
+            </a:lvl8pPr>
+            <a:lvl9pPr marL="3657600" indent="0">
+              <a:buNone/>
+              <a:defRPr sz="900"/>
+            </a:lvl9pPr>
+          </a:lstStyle>
+          <a:p>
+            <a:pPr lvl="0"/>
+            <a:r>
+              <a:rPr lang="zh-CN" altLang="en-US"/>
+              <a:t>编辑母版文本样式</a:t>
+            </a:r>
+          </a:p>
+        </p:txBody>
+      </p:sp>
+      <p:sp>
+        <p:nvSpPr>
+          <p:cNvPr id="9" name="Text Placeholder 4"/>
+          <p:cNvSpPr>
+            <a:spLocks noGrp="1"/>
+          </p:cNvSpPr>
+          <p:nvPr>
+            <p:ph type="body" sz="quarter" idx="3"/>
+          </p:nvPr>
+        </p:nvSpPr>
+        <p:spPr>
+          <a:xfrm>
+            <a:off x="4452389" y="2367093"/>
+            <a:ext cx="3291521" cy="576262"/>
+          </a:xfrm>
+        </p:spPr>
+        <p:txBody>
+          <a:bodyPr anchor="b">
+            <a:noAutofit/>
+          </a:bodyPr>
+          <a:lstStyle>
+            <a:lvl1pPr marL="0" indent="0" algn="ctr">
+              <a:lnSpc>
+                <a:spcPct val="85000"/>
+              </a:lnSpc>
+              <a:buNone/>
+              <a:defRPr sz="2400" b="0">
+                <a:solidFill>
+                  <a:schemeClr val="tx1"/>
+                </a:solidFill>
+              </a:defRPr>
+            </a:lvl1pPr>
+            <a:lvl2pPr marL="457200" indent="0">
+              <a:buNone/>
+              <a:defRPr sz="2000" b="1"/>
+            </a:lvl2pPr>
+            <a:lvl3pPr marL="914400" indent="0">
+              <a:buNone/>
+              <a:defRPr sz="1800" b="1"/>
+            </a:lvl3pPr>
+            <a:lvl4pPr marL="1371600" indent="0">
+              <a:buNone/>
+              <a:defRPr sz="1600" b="1"/>
+            </a:lvl4pPr>
+            <a:lvl5pPr marL="1828800" indent="0">
+              <a:buNone/>
+              <a:defRPr sz="1600" b="1"/>
+            </a:lvl5pPr>
+            <a:lvl6pPr marL="2286000" indent="0">
+              <a:buNone/>
+              <a:defRPr sz="1600" b="1"/>
+            </a:lvl6pPr>
+            <a:lvl7pPr marL="2743200" indent="0">
+              <a:buNone/>
+              <a:defRPr sz="1600" b="1"/>
+            </a:lvl7pPr>
+            <a:lvl8pPr marL="3200400" indent="0">
+              <a:buNone/>
+              <a:defRPr sz="1600" b="1"/>
+            </a:lvl8pPr>
+            <a:lvl9pPr marL="3657600" indent="0">
+              <a:buNone/>
+              <a:defRPr sz="1600" b="1"/>
+            </a:lvl9pPr>
+          </a:lstStyle>
+          <a:p>
+            <a:pPr lvl="0"/>
+            <a:r>
+              <a:rPr lang="zh-CN" altLang="en-US"/>
+              <a:t>编辑母版文本样式</a:t>
+            </a:r>
+          </a:p>
+        </p:txBody>
+      </p:sp>
+      <p:sp>
+        <p:nvSpPr>
+          <p:cNvPr id="10" name="Text Placeholder 3"/>
+          <p:cNvSpPr>
+            <a:spLocks noGrp="1"/>
+          </p:cNvSpPr>
+          <p:nvPr>
+            <p:ph type="body" sz="half" idx="16"/>
+          </p:nvPr>
+        </p:nvSpPr>
+        <p:spPr>
+          <a:xfrm>
+            <a:off x="4441348" y="2943355"/>
+            <a:ext cx="3303351" cy="2847845"/>
+          </a:xfrm>
+        </p:spPr>
+        <p:txBody>
+          <a:bodyPr anchor="t">
+            <a:normAutofit/>
+          </a:bodyPr>
+          <a:lstStyle>
+            <a:lvl1pPr marL="0" indent="0" algn="ctr">
+              <a:buNone/>
+              <a:defRPr sz="1400"/>
+            </a:lvl1pPr>
+            <a:lvl2pPr marL="457200" indent="0">
+              <a:buNone/>
+              <a:defRPr sz="1200"/>
+            </a:lvl2pPr>
+            <a:lvl3pPr marL="914400" indent="0">
+              <a:buNone/>
+              <a:defRPr sz="1000"/>
+            </a:lvl3pPr>
+            <a:lvl4pPr marL="1371600" indent="0">
+              <a:buNone/>
+              <a:defRPr sz="900"/>
+            </a:lvl4pPr>
+            <a:lvl5pPr marL="1828800" indent="0">
+              <a:buNone/>
+              <a:defRPr sz="900"/>
+            </a:lvl5pPr>
+            <a:lvl6pPr marL="2286000" indent="0">
+              <a:buNone/>
+              <a:defRPr sz="900"/>
+            </a:lvl6pPr>
+            <a:lvl7pPr marL="2743200" indent="0">
+              <a:buNone/>
+              <a:defRPr sz="900"/>
+            </a:lvl7pPr>
+            <a:lvl8pPr marL="3200400" indent="0">
+              <a:buNone/>
+              <a:defRPr sz="900"/>
+            </a:lvl8pPr>
+            <a:lvl9pPr marL="3657600" indent="0">
+              <a:buNone/>
+              <a:defRPr sz="900"/>
+            </a:lvl9pPr>
+          </a:lstStyle>
+          <a:p>
+            <a:pPr lvl="0"/>
+            <a:r>
+              <a:rPr lang="zh-CN" altLang="en-US"/>
+              <a:t>编辑母版文本样式</a:t>
+            </a:r>
+          </a:p>
+        </p:txBody>
+      </p:sp>
+      <p:sp>
+        <p:nvSpPr>
+          <p:cNvPr id="11" name="Text Placeholder 4"/>
+          <p:cNvSpPr>
+            <a:spLocks noGrp="1"/>
+          </p:cNvSpPr>
+          <p:nvPr>
+            <p:ph type="body" sz="quarter" idx="13"/>
+          </p:nvPr>
+        </p:nvSpPr>
+        <p:spPr>
+          <a:xfrm>
+            <a:off x="7973298" y="2367093"/>
+            <a:ext cx="3304928" cy="576262"/>
+          </a:xfrm>
+        </p:spPr>
+        <p:txBody>
+          <a:bodyPr anchor="b">
+            <a:noAutofit/>
+          </a:bodyPr>
+          <a:lstStyle>
+            <a:lvl1pPr marL="0" indent="0" algn="ctr">
+              <a:lnSpc>
+                <a:spcPct val="85000"/>
+              </a:lnSpc>
+              <a:buNone/>
+              <a:defRPr sz="2400" b="0">
+                <a:solidFill>
+                  <a:schemeClr val="tx1"/>
+                </a:solidFill>
+              </a:defRPr>
+            </a:lvl1pPr>
+            <a:lvl2pPr marL="457200" indent="0">
+              <a:buNone/>
+              <a:defRPr sz="2000" b="1"/>
+            </a:lvl2pPr>
+            <a:lvl3pPr marL="914400" indent="0">
+              <a:buNone/>
+              <a:defRPr sz="1800" b="1"/>
+            </a:lvl3pPr>
+            <a:lvl4pPr marL="1371600" indent="0">
+              <a:buNone/>
+              <a:defRPr sz="1600" b="1"/>
+            </a:lvl4pPr>
+            <a:lvl5pPr marL="1828800" indent="0">
+              <a:buNone/>
+              <a:defRPr sz="1600" b="1"/>
+            </a:lvl5pPr>
+            <a:lvl6pPr marL="2286000" indent="0">
+              <a:buNone/>
+              <a:defRPr sz="1600" b="1"/>
+            </a:lvl6pPr>
+            <a:lvl7pPr marL="2743200" indent="0">
+              <a:buNone/>
+              <a:defRPr sz="1600" b="1"/>
+            </a:lvl7pPr>
+            <a:lvl8pPr marL="3200400" indent="0">
+              <a:buNone/>
+              <a:defRPr sz="1600" b="1"/>
+            </a:lvl8pPr>
+            <a:lvl9pPr marL="3657600" indent="0">
+              <a:buNone/>
+              <a:defRPr sz="1600" b="1"/>
+            </a:lvl9pPr>
+          </a:lstStyle>
+          <a:p>
+            <a:pPr lvl="0"/>
+            <a:r>
+              <a:rPr lang="zh-CN" altLang="en-US"/>
+              <a:t>编辑母版文本样式</a:t>
+            </a:r>
+          </a:p>
+        </p:txBody>
+      </p:sp>
+      <p:sp>
+        <p:nvSpPr>
+          <p:cNvPr id="12" name="Text Placeholder 3"/>
+          <p:cNvSpPr>
+            <a:spLocks noGrp="1"/>
+          </p:cNvSpPr>
+          <p:nvPr>
+            <p:ph type="body" sz="half" idx="17"/>
+          </p:nvPr>
+        </p:nvSpPr>
+        <p:spPr>
+          <a:xfrm>
+            <a:off x="7973298" y="2943355"/>
+            <a:ext cx="3304928" cy="2847845"/>
+          </a:xfrm>
+        </p:spPr>
+        <p:txBody>
+          <a:bodyPr anchor="t">
+            <a:normAutofit/>
+          </a:bodyPr>
+          <a:lstStyle>
+            <a:lvl1pPr marL="0" indent="0" algn="ctr">
+              <a:buNone/>
+              <a:defRPr sz="1400"/>
+            </a:lvl1pPr>
+            <a:lvl2pPr marL="457200" indent="0">
+              <a:buNone/>
+              <a:defRPr sz="1200"/>
+            </a:lvl2pPr>
+            <a:lvl3pPr marL="914400" indent="0">
+              <a:buNone/>
+              <a:defRPr sz="1000"/>
+            </a:lvl3pPr>
+            <a:lvl4pPr marL="1371600" indent="0">
+              <a:buNone/>
+              <a:defRPr sz="900"/>
+            </a:lvl4pPr>
+            <a:lvl5pPr marL="1828800" indent="0">
+              <a:buNone/>
+              <a:defRPr sz="900"/>
+            </a:lvl5pPr>
+            <a:lvl6pPr marL="2286000" indent="0">
+              <a:buNone/>
+              <a:defRPr sz="900"/>
+            </a:lvl6pPr>
+            <a:lvl7pPr marL="2743200" indent="0">
+              <a:buNone/>
+              <a:defRPr sz="900"/>
+            </a:lvl7pPr>
+            <a:lvl8pPr marL="3200400" indent="0">
+              <a:buNone/>
+              <a:defRPr sz="900"/>
+            </a:lvl8pPr>
+            <a:lvl9pPr marL="3657600" indent="0">
+              <a:buNone/>
+              <a:defRPr sz="900"/>
+            </a:lvl9pPr>
+          </a:lstStyle>
+          <a:p>
+            <a:pPr lvl="0"/>
+            <a:r>
+              <a:rPr lang="zh-CN" altLang="en-US"/>
+              <a:t>编辑母版文本样式</a:t>
+            </a:r>
+          </a:p>
+        </p:txBody>
+      </p:sp>
+      <p:sp>
+        <p:nvSpPr>
+          <p:cNvPr id="3" name="Date Placeholder 2"/>
+          <p:cNvSpPr>
+            <a:spLocks noGrp="1"/>
+          </p:cNvSpPr>
+          <p:nvPr>
+            <p:ph type="dt" sz="half" idx="10"/>
+          </p:nvPr>
+        </p:nvSpPr>
+        <p:spPr/>
+        <p:txBody>
+          <a:bodyPr/>
+          <a:lstStyle/>
+          <a:p>
+            <a:fld id="{DFCBF3FA-A751-4570-8FB6-4B690BA30EB0}" type="datetimeFigureOut">
+              <a:rPr lang="en-US" smtClean="0"/>
+              <a:t>5/19/2018</a:t>
+            </a:fld>
+            <a:endParaRPr lang="en-US"/>
+          </a:p>
+        </p:txBody>
+      </p:sp>
+      <p:sp>
+        <p:nvSpPr>
+          <p:cNvPr id="4" name="Footer Placeholder 3"/>
+          <p:cNvSpPr>
+            <a:spLocks noGrp="1"/>
+          </p:cNvSpPr>
+          <p:nvPr>
+            <p:ph type="ftr" sz="quarter" idx="11"/>
+          </p:nvPr>
+        </p:nvSpPr>
+        <p:spPr/>
+        <p:txBody>
+          <a:bodyPr/>
+          <a:lstStyle/>
+          <a:p>
+            <a:endParaRPr lang="en-US"/>
+          </a:p>
+        </p:txBody>
+      </p:sp>
+      <p:sp>
+        <p:nvSpPr>
+          <p:cNvPr id="5" name="Slide Number Placeholder 4"/>
+          <p:cNvSpPr>
+            <a:spLocks noGrp="1"/>
+          </p:cNvSpPr>
+          <p:nvPr>
+            <p:ph type="sldNum" sz="quarter" idx="12"/>
+          </p:nvPr>
+        </p:nvSpPr>
+        <p:spPr/>
+        <p:txBody>
+          <a:bodyPr/>
+          <a:lstStyle/>
+          <a:p>
+            <a:fld id="{C3C198C5-E517-4925-8CF9-4EB4847817F8}" type="slidenum">
+              <a:rPr lang="en-US" smtClean="0"/>
+              <a:t>‹#›</a:t>
+            </a:fld>
+            <a:endParaRPr lang="en-US"/>
+          </a:p>
+        </p:txBody>
+      </p:sp>
+    </p:spTree>
+    <p:extLst>
+      <p:ext uri="{BB962C8B-B14F-4D97-AF65-F5344CB8AC3E}">
+        <p14:creationId xmlns:p14="http://schemas.microsoft.com/office/powerpoint/2010/main" val="2229951563"/>
+      </p:ext>
+    </p:extLst>
+  </p:cSld>
+  <p:clrMapOvr>
+    <a:masterClrMapping/>
+  </p:clrMapOvr>
+</p:sldLayout>
+</file>
+
+<file path=ppt/slideLayouts/slideLayout15.xml><?xml version="1.0" encoding="utf-8"?>
+<p:sldLayout xmlns:a="http://schemas.openxmlformats.org/drawingml/2006/main" xmlns:r="http://schemas.openxmlformats.org/officeDocument/2006/relationships" xmlns:p="http://schemas.openxmlformats.org/presentationml/2006/main" preserve="1">
+  <p:cSld name="3 图片栏">
+    <p:spTree>
+      <p:nvGrpSpPr>
+        <p:cNvPr id="1" name=""/>
+        <p:cNvGrpSpPr/>
+        <p:nvPr/>
+      </p:nvGrpSpPr>
+      <p:grpSpPr>
+        <a:xfrm>
+          <a:off x="0" y="0"/>
+          <a:ext cx="0" cy="0"/>
+          <a:chOff x="0" y="0"/>
+          <a:chExt cx="0" cy="0"/>
+        </a:xfrm>
+      </p:grpSpPr>
+      <p:pic>
+        <p:nvPicPr>
+          <p:cNvPr id="16" name="Picture 15" descr="Droplets-HD-Content-R1d.png"/>
+          <p:cNvPicPr>
+            <a:picLocks noChangeAspect="1"/>
+          </p:cNvPicPr>
+          <p:nvPr/>
+        </p:nvPicPr>
+        <p:blipFill>
+          <a:blip r:embed="rId2">
+            <a:extLst>
+              <a:ext uri="{28A0092B-C50C-407E-A947-70E740481C1C}">
+                <a14:useLocalDpi xmlns:a14="http://schemas.microsoft.com/office/drawing/2010/main" val="0"/>
+              </a:ext>
+            </a:extLst>
+          </a:blip>
+          <a:stretch>
+            <a:fillRect/>
+          </a:stretch>
+        </p:blipFill>
+        <p:spPr>
+          <a:xfrm>
+            <a:off x="0" y="0"/>
+            <a:ext cx="12192000" cy="6858000"/>
+          </a:xfrm>
+          <a:prstGeom prst="rect">
+            <a:avLst/>
+          </a:prstGeom>
+        </p:spPr>
+      </p:pic>
+      <p:sp>
+        <p:nvSpPr>
+          <p:cNvPr id="30" name="Title 1"/>
+          <p:cNvSpPr>
+            <a:spLocks noGrp="1"/>
+          </p:cNvSpPr>
+          <p:nvPr>
+            <p:ph type="title"/>
+          </p:nvPr>
+        </p:nvSpPr>
+        <p:spPr>
+          <a:xfrm>
+            <a:off x="913774" y="610772"/>
+            <a:ext cx="10364452" cy="1603922"/>
+          </a:xfrm>
+        </p:spPr>
+        <p:txBody>
+          <a:bodyPr/>
+          <a:lstStyle/>
+          <a:p>
+            <a:r>
+              <a:rPr lang="zh-CN" altLang="en-US"/>
+              <a:t>单击此处编辑母版标题样式</a:t>
+            </a:r>
+            <a:endParaRPr lang="en-US" dirty="0"/>
+          </a:p>
+        </p:txBody>
+      </p:sp>
+      <p:sp>
+        <p:nvSpPr>
+          <p:cNvPr id="19" name="Text Placeholder 2"/>
+          <p:cNvSpPr>
+            <a:spLocks noGrp="1"/>
+          </p:cNvSpPr>
+          <p:nvPr>
+            <p:ph type="body" idx="1"/>
+          </p:nvPr>
+        </p:nvSpPr>
+        <p:spPr>
+          <a:xfrm>
+            <a:off x="913774" y="4204820"/>
+            <a:ext cx="3296409" cy="576262"/>
+          </a:xfrm>
+        </p:spPr>
+        <p:txBody>
+          <a:bodyPr anchor="b">
+            <a:noAutofit/>
+          </a:bodyPr>
+          <a:lstStyle>
+            <a:lvl1pPr marL="0" indent="0" algn="ctr">
+              <a:lnSpc>
+                <a:spcPct val="85000"/>
+              </a:lnSpc>
+              <a:buNone/>
+              <a:defRPr sz="2200" b="0">
+                <a:solidFill>
+                  <a:schemeClr val="tx1"/>
+                </a:solidFill>
+              </a:defRPr>
+            </a:lvl1pPr>
+            <a:lvl2pPr marL="457200" indent="0">
+              <a:buNone/>
+              <a:defRPr sz="2000" b="1"/>
+            </a:lvl2pPr>
+            <a:lvl3pPr marL="914400" indent="0">
+              <a:buNone/>
+              <a:defRPr sz="1800" b="1"/>
+            </a:lvl3pPr>
+            <a:lvl4pPr marL="1371600" indent="0">
+              <a:buNone/>
+              <a:defRPr sz="1600" b="1"/>
+            </a:lvl4pPr>
+            <a:lvl5pPr marL="1828800" indent="0">
+              <a:buNone/>
+              <a:defRPr sz="1600" b="1"/>
+            </a:lvl5pPr>
+            <a:lvl6pPr marL="2286000" indent="0">
+              <a:buNone/>
+              <a:defRPr sz="1600" b="1"/>
+            </a:lvl6pPr>
+            <a:lvl7pPr marL="2743200" indent="0">
+              <a:buNone/>
+              <a:defRPr sz="1600" b="1"/>
+            </a:lvl7pPr>
+            <a:lvl8pPr marL="3200400" indent="0">
+              <a:buNone/>
+              <a:defRPr sz="1600" b="1"/>
+            </a:lvl8pPr>
+            <a:lvl9pPr marL="3657600" indent="0">
+              <a:buNone/>
+              <a:defRPr sz="1600" b="1"/>
+            </a:lvl9pPr>
+          </a:lstStyle>
+          <a:p>
+            <a:pPr lvl="0"/>
+            <a:r>
+              <a:rPr lang="zh-CN" altLang="en-US"/>
+              <a:t>编辑母版文本样式</a:t>
+            </a:r>
+          </a:p>
+        </p:txBody>
+      </p:sp>
+      <p:sp>
+        <p:nvSpPr>
+          <p:cNvPr id="20" name="Picture Placeholder 2"/>
+          <p:cNvSpPr>
+            <a:spLocks noGrp="1" noChangeAspect="1"/>
+          </p:cNvSpPr>
+          <p:nvPr>
+            <p:ph type="pic" idx="15"/>
+          </p:nvPr>
+        </p:nvSpPr>
+        <p:spPr>
+          <a:xfrm>
+            <a:off x="913774" y="2367093"/>
+            <a:ext cx="3296409" cy="1524000"/>
+          </a:xfrm>
+          <a:prstGeom prst="roundRect">
+            <a:avLst>
+              <a:gd name="adj" fmla="val 9363"/>
+            </a:avLst>
+          </a:prstGeom>
+          <a:noFill/>
+          <a:ln w="82550" cap="sq">
+            <a:solidFill>
+              <a:srgbClr val="EAEAEA"/>
+            </a:solidFill>
+            <a:miter lim="800000"/>
+          </a:ln>
+          <a:effectLst/>
+          <a:scene3d>
+            <a:camera prst="orthographicFront"/>
+            <a:lightRig rig="threePt" dir="t">
+              <a:rot lat="0" lon="0" rev="2700000"/>
+            </a:lightRig>
+          </a:scene3d>
+          <a:sp3d contourW="6350">
+            <a:bevelT h="38100"/>
+            <a:contourClr>
+              <a:srgbClr val="C0C0C0"/>
+            </a:contourClr>
+          </a:sp3d>
+        </p:spPr>
+        <p:txBody>
+          <a:bodyPr anchor="t">
+            <a:normAutofit/>
+          </a:bodyPr>
+          <a:lstStyle>
+            <a:lvl1pPr marL="0" indent="0" algn="ctr">
+              <a:buNone/>
+              <a:defRPr sz="1600"/>
+            </a:lvl1pPr>
+            <a:lvl2pPr marL="457200" indent="0">
+              <a:buNone/>
+              <a:defRPr sz="1600"/>
+            </a:lvl2pPr>
+            <a:lvl3pPr marL="914400" indent="0">
+              <a:buNone/>
+              <a:defRPr sz="1600"/>
+            </a:lvl3pPr>
+            <a:lvl4pPr marL="1371600" indent="0">
+              <a:buNone/>
+              <a:defRPr sz="1600"/>
+            </a:lvl4pPr>
+            <a:lvl5pPr marL="1828800" indent="0">
+              <a:buNone/>
+              <a:defRPr sz="1600"/>
+            </a:lvl5pPr>
+            <a:lvl6pPr marL="2286000" indent="0">
+              <a:buNone/>
+              <a:defRPr sz="1600"/>
+            </a:lvl6pPr>
+            <a:lvl7pPr marL="2743200" indent="0">
+              <a:buNone/>
+              <a:defRPr sz="1600"/>
+            </a:lvl7pPr>
+            <a:lvl8pPr marL="3200400" indent="0">
+              <a:buNone/>
+              <a:defRPr sz="1600"/>
+            </a:lvl8pPr>
+            <a:lvl9pPr marL="3657600" indent="0">
+              <a:buNone/>
+              <a:defRPr sz="1600"/>
+            </a:lvl9pPr>
+          </a:lstStyle>
+          <a:p>
+            <a:r>
+              <a:rPr lang="zh-CN" altLang="en-US"/>
+              <a:t>单击图标添加图片</a:t>
+            </a:r>
+            <a:endParaRPr lang="en-US" dirty="0"/>
+          </a:p>
+        </p:txBody>
+      </p:sp>
+      <p:sp>
+        <p:nvSpPr>
+          <p:cNvPr id="21" name="Text Placeholder 3"/>
+          <p:cNvSpPr>
+            <a:spLocks noGrp="1"/>
+          </p:cNvSpPr>
+          <p:nvPr>
+            <p:ph type="body" sz="half" idx="18"/>
+          </p:nvPr>
+        </p:nvSpPr>
+        <p:spPr>
+          <a:xfrm>
+            <a:off x="913774" y="4781082"/>
+            <a:ext cx="3296409" cy="1010118"/>
+          </a:xfrm>
+        </p:spPr>
+        <p:txBody>
+          <a:bodyPr anchor="t">
+            <a:normAutofit/>
+          </a:bodyPr>
+          <a:lstStyle>
+            <a:lvl1pPr marL="0" indent="0" algn="ctr">
+              <a:buNone/>
+              <a:defRPr sz="1400"/>
+            </a:lvl1pPr>
+            <a:lvl2pPr marL="457200" indent="0">
+              <a:buNone/>
+              <a:defRPr sz="1200"/>
+            </a:lvl2pPr>
+            <a:lvl3pPr marL="914400" indent="0">
+              <a:buNone/>
+              <a:defRPr sz="1000"/>
+            </a:lvl3pPr>
+            <a:lvl4pPr marL="1371600" indent="0">
+              <a:buNone/>
+              <a:defRPr sz="900"/>
+            </a:lvl4pPr>
+            <a:lvl5pPr marL="1828800" indent="0">
+              <a:buNone/>
+              <a:defRPr sz="900"/>
+            </a:lvl5pPr>
+            <a:lvl6pPr marL="2286000" indent="0">
+              <a:buNone/>
+              <a:defRPr sz="900"/>
+            </a:lvl6pPr>
+            <a:lvl7pPr marL="2743200" indent="0">
+              <a:buNone/>
+              <a:defRPr sz="900"/>
+            </a:lvl7pPr>
+            <a:lvl8pPr marL="3200400" indent="0">
+              <a:buNone/>
+              <a:defRPr sz="900"/>
+            </a:lvl8pPr>
+            <a:lvl9pPr marL="3657600" indent="0">
+              <a:buNone/>
+              <a:defRPr sz="900"/>
+            </a:lvl9pPr>
+          </a:lstStyle>
+          <a:p>
+            <a:pPr lvl="0"/>
+            <a:r>
+              <a:rPr lang="zh-CN" altLang="en-US"/>
+              <a:t>编辑母版文本样式</a:t>
+            </a:r>
+          </a:p>
+        </p:txBody>
+      </p:sp>
+      <p:sp>
+        <p:nvSpPr>
+          <p:cNvPr id="22" name="Text Placeholder 4"/>
+          <p:cNvSpPr>
+            <a:spLocks noGrp="1"/>
+          </p:cNvSpPr>
+          <p:nvPr>
+            <p:ph type="body" sz="quarter" idx="3"/>
+          </p:nvPr>
+        </p:nvSpPr>
+        <p:spPr>
+          <a:xfrm>
+            <a:off x="4442759" y="4204820"/>
+            <a:ext cx="3301828" cy="576262"/>
+          </a:xfrm>
+        </p:spPr>
+        <p:txBody>
+          <a:bodyPr anchor="b">
+            <a:noAutofit/>
+          </a:bodyPr>
+          <a:lstStyle>
+            <a:lvl1pPr marL="0" indent="0" algn="ctr">
+              <a:lnSpc>
+                <a:spcPct val="85000"/>
+              </a:lnSpc>
+              <a:buNone/>
+              <a:defRPr sz="2200" b="0">
+                <a:solidFill>
+                  <a:schemeClr val="tx1"/>
+                </a:solidFill>
+              </a:defRPr>
+            </a:lvl1pPr>
+            <a:lvl2pPr marL="457200" indent="0">
+              <a:buNone/>
+              <a:defRPr sz="2000" b="1"/>
+            </a:lvl2pPr>
+            <a:lvl3pPr marL="914400" indent="0">
+              <a:buNone/>
+              <a:defRPr sz="1800" b="1"/>
+            </a:lvl3pPr>
+            <a:lvl4pPr marL="1371600" indent="0">
+              <a:buNone/>
+              <a:defRPr sz="1600" b="1"/>
+            </a:lvl4pPr>
+            <a:lvl5pPr marL="1828800" indent="0">
+              <a:buNone/>
+              <a:defRPr sz="1600" b="1"/>
+            </a:lvl5pPr>
+            <a:lvl6pPr marL="2286000" indent="0">
+              <a:buNone/>
+              <a:defRPr sz="1600" b="1"/>
+            </a:lvl6pPr>
+            <a:lvl7pPr marL="2743200" indent="0">
+              <a:buNone/>
+              <a:defRPr sz="1600" b="1"/>
+            </a:lvl7pPr>
+            <a:lvl8pPr marL="3200400" indent="0">
+              <a:buNone/>
+              <a:defRPr sz="1600" b="1"/>
+            </a:lvl8pPr>
+            <a:lvl9pPr marL="3657600" indent="0">
+              <a:buNone/>
+              <a:defRPr sz="1600" b="1"/>
+            </a:lvl9pPr>
+          </a:lstStyle>
+          <a:p>
+            <a:pPr lvl="0"/>
+            <a:r>
+              <a:rPr lang="zh-CN" altLang="en-US"/>
+              <a:t>编辑母版文本样式</a:t>
+            </a:r>
+          </a:p>
+        </p:txBody>
+      </p:sp>
+      <p:sp>
+        <p:nvSpPr>
+          <p:cNvPr id="23" name="Picture Placeholder 2"/>
+          <p:cNvSpPr>
+            <a:spLocks noGrp="1" noChangeAspect="1"/>
+          </p:cNvSpPr>
+          <p:nvPr>
+            <p:ph type="pic" idx="21"/>
+          </p:nvPr>
+        </p:nvSpPr>
+        <p:spPr>
+          <a:xfrm>
+            <a:off x="4441348" y="2367093"/>
+            <a:ext cx="3303352" cy="1524000"/>
+          </a:xfrm>
+          <a:prstGeom prst="roundRect">
+            <a:avLst>
+              <a:gd name="adj" fmla="val 8841"/>
+            </a:avLst>
+          </a:prstGeom>
+          <a:noFill/>
+          <a:ln w="82550" cap="sq">
+            <a:solidFill>
+              <a:srgbClr val="EAEAEA"/>
+            </a:solidFill>
+            <a:miter lim="800000"/>
+          </a:ln>
+          <a:effectLst/>
+          <a:scene3d>
+            <a:camera prst="orthographicFront"/>
+            <a:lightRig rig="threePt" dir="t">
+              <a:rot lat="0" lon="0" rev="2700000"/>
+            </a:lightRig>
+          </a:scene3d>
+          <a:sp3d contourW="6350">
+            <a:bevelT h="38100"/>
+            <a:contourClr>
+              <a:srgbClr val="C0C0C0"/>
+            </a:contourClr>
+          </a:sp3d>
+        </p:spPr>
+        <p:txBody>
+          <a:bodyPr anchor="t">
+            <a:normAutofit/>
+          </a:bodyPr>
+          <a:lstStyle>
+            <a:lvl1pPr marL="0" indent="0" algn="ctr">
+              <a:buNone/>
+              <a:defRPr sz="1600"/>
+            </a:lvl1pPr>
+            <a:lvl2pPr marL="457200" indent="0">
+              <a:buNone/>
+              <a:defRPr sz="1600"/>
+            </a:lvl2pPr>
+            <a:lvl3pPr marL="914400" indent="0">
+              <a:buNone/>
+              <a:defRPr sz="1600"/>
+            </a:lvl3pPr>
+            <a:lvl4pPr marL="1371600" indent="0">
+              <a:buNone/>
+              <a:defRPr sz="1600"/>
+            </a:lvl4pPr>
+            <a:lvl5pPr marL="1828800" indent="0">
+              <a:buNone/>
+              <a:defRPr sz="1600"/>
+            </a:lvl5pPr>
+            <a:lvl6pPr marL="2286000" indent="0">
+              <a:buNone/>
+              <a:defRPr sz="1600"/>
+            </a:lvl6pPr>
+            <a:lvl7pPr marL="2743200" indent="0">
+              <a:buNone/>
+              <a:defRPr sz="1600"/>
+            </a:lvl7pPr>
+            <a:lvl8pPr marL="3200400" indent="0">
+              <a:buNone/>
+              <a:defRPr sz="1600"/>
+            </a:lvl8pPr>
+            <a:lvl9pPr marL="3657600" indent="0">
+              <a:buNone/>
+              <a:defRPr sz="1600"/>
+            </a:lvl9pPr>
+          </a:lstStyle>
+          <a:p>
+            <a:r>
+              <a:rPr lang="zh-CN" altLang="en-US"/>
+              <a:t>单击图标添加图片</a:t>
+            </a:r>
+            <a:endParaRPr lang="en-US" dirty="0"/>
+          </a:p>
+        </p:txBody>
+      </p:sp>
+      <p:sp>
+        <p:nvSpPr>
+          <p:cNvPr id="24" name="Text Placeholder 3"/>
+          <p:cNvSpPr>
+            <a:spLocks noGrp="1"/>
+          </p:cNvSpPr>
+          <p:nvPr>
+            <p:ph type="body" sz="half" idx="19"/>
+          </p:nvPr>
+        </p:nvSpPr>
+        <p:spPr>
+          <a:xfrm>
+            <a:off x="4441348" y="4781080"/>
+            <a:ext cx="3303352" cy="1010119"/>
+          </a:xfrm>
+        </p:spPr>
+        <p:txBody>
+          <a:bodyPr anchor="t">
+            <a:normAutofit/>
+          </a:bodyPr>
+          <a:lstStyle>
+            <a:lvl1pPr marL="0" indent="0" algn="ctr">
+              <a:buNone/>
+              <a:defRPr sz="1400"/>
+            </a:lvl1pPr>
+            <a:lvl2pPr marL="457200" indent="0">
+              <a:buNone/>
+              <a:defRPr sz="1200"/>
+            </a:lvl2pPr>
+            <a:lvl3pPr marL="914400" indent="0">
+              <a:buNone/>
+              <a:defRPr sz="1000"/>
+            </a:lvl3pPr>
+            <a:lvl4pPr marL="1371600" indent="0">
+              <a:buNone/>
+              <a:defRPr sz="900"/>
+            </a:lvl4pPr>
+            <a:lvl5pPr marL="1828800" indent="0">
+              <a:buNone/>
+              <a:defRPr sz="900"/>
+            </a:lvl5pPr>
+            <a:lvl6pPr marL="2286000" indent="0">
+              <a:buNone/>
+              <a:defRPr sz="900"/>
+            </a:lvl6pPr>
+            <a:lvl7pPr marL="2743200" indent="0">
+              <a:buNone/>
+              <a:defRPr sz="900"/>
+            </a:lvl7pPr>
+            <a:lvl8pPr marL="3200400" indent="0">
+              <a:buNone/>
+              <a:defRPr sz="900"/>
+            </a:lvl8pPr>
+            <a:lvl9pPr marL="3657600" indent="0">
+              <a:buNone/>
+              <a:defRPr sz="900"/>
+            </a:lvl9pPr>
+          </a:lstStyle>
+          <a:p>
+            <a:pPr lvl="0"/>
+            <a:r>
+              <a:rPr lang="zh-CN" altLang="en-US"/>
+              <a:t>编辑母版文本样式</a:t>
+            </a:r>
+          </a:p>
+        </p:txBody>
+      </p:sp>
+      <p:sp>
+        <p:nvSpPr>
+          <p:cNvPr id="25" name="Text Placeholder 4"/>
+          <p:cNvSpPr>
+            <a:spLocks noGrp="1"/>
+          </p:cNvSpPr>
+          <p:nvPr>
+            <p:ph type="body" sz="quarter" idx="13"/>
+          </p:nvPr>
+        </p:nvSpPr>
+        <p:spPr>
+          <a:xfrm>
+            <a:off x="7973298" y="4204820"/>
+            <a:ext cx="3300681" cy="576262"/>
+          </a:xfrm>
+        </p:spPr>
+        <p:txBody>
+          <a:bodyPr anchor="b">
+            <a:noAutofit/>
+          </a:bodyPr>
+          <a:lstStyle>
+            <a:lvl1pPr marL="0" indent="0" algn="ctr">
+              <a:lnSpc>
+                <a:spcPct val="85000"/>
+              </a:lnSpc>
+              <a:buNone/>
+              <a:defRPr sz="2200" b="0">
+                <a:solidFill>
+                  <a:schemeClr val="tx1"/>
+                </a:solidFill>
+              </a:defRPr>
+            </a:lvl1pPr>
+            <a:lvl2pPr marL="457200" indent="0">
+              <a:buNone/>
+              <a:defRPr sz="2000" b="1"/>
+            </a:lvl2pPr>
+            <a:lvl3pPr marL="914400" indent="0">
+              <a:buNone/>
+              <a:defRPr sz="1800" b="1"/>
+            </a:lvl3pPr>
+            <a:lvl4pPr marL="1371600" indent="0">
+              <a:buNone/>
+              <a:defRPr sz="1600" b="1"/>
+            </a:lvl4pPr>
+            <a:lvl5pPr marL="1828800" indent="0">
+              <a:buNone/>
+              <a:defRPr sz="1600" b="1"/>
+            </a:lvl5pPr>
+            <a:lvl6pPr marL="2286000" indent="0">
+              <a:buNone/>
+              <a:defRPr sz="1600" b="1"/>
+            </a:lvl6pPr>
+            <a:lvl7pPr marL="2743200" indent="0">
+              <a:buNone/>
+              <a:defRPr sz="1600" b="1"/>
+            </a:lvl7pPr>
+            <a:lvl8pPr marL="3200400" indent="0">
+              <a:buNone/>
+              <a:defRPr sz="1600" b="1"/>
+            </a:lvl8pPr>
+            <a:lvl9pPr marL="3657600" indent="0">
+              <a:buNone/>
+              <a:defRPr sz="1600" b="1"/>
+            </a:lvl9pPr>
+          </a:lstStyle>
+          <a:p>
+            <a:pPr lvl="0"/>
+            <a:r>
+              <a:rPr lang="zh-CN" altLang="en-US"/>
+              <a:t>编辑母版文本样式</a:t>
+            </a:r>
+          </a:p>
+        </p:txBody>
+      </p:sp>
+      <p:sp>
+        <p:nvSpPr>
+          <p:cNvPr id="26" name="Picture Placeholder 2"/>
+          <p:cNvSpPr>
+            <a:spLocks noGrp="1" noChangeAspect="1"/>
+          </p:cNvSpPr>
+          <p:nvPr>
+            <p:ph type="pic" idx="22"/>
+          </p:nvPr>
+        </p:nvSpPr>
+        <p:spPr>
+          <a:xfrm>
+            <a:off x="7973298" y="2367093"/>
+            <a:ext cx="3304928" cy="1524000"/>
+          </a:xfrm>
+          <a:prstGeom prst="roundRect">
+            <a:avLst>
+              <a:gd name="adj" fmla="val 8841"/>
+            </a:avLst>
+          </a:prstGeom>
+          <a:noFill/>
+          <a:ln w="82550" cap="sq">
+            <a:solidFill>
+              <a:srgbClr val="EAEAEA"/>
+            </a:solidFill>
+            <a:miter lim="800000"/>
+          </a:ln>
+          <a:effectLst/>
+          <a:scene3d>
+            <a:camera prst="orthographicFront"/>
+            <a:lightRig rig="threePt" dir="t">
+              <a:rot lat="0" lon="0" rev="2700000"/>
+            </a:lightRig>
+          </a:scene3d>
+          <a:sp3d contourW="6350">
+            <a:bevelT h="38100"/>
+            <a:contourClr>
+              <a:srgbClr val="C0C0C0"/>
+            </a:contourClr>
+          </a:sp3d>
+        </p:spPr>
+        <p:txBody>
+          <a:bodyPr anchor="t">
+            <a:normAutofit/>
+          </a:bodyPr>
+          <a:lstStyle>
+            <a:lvl1pPr marL="0" indent="0" algn="ctr">
+              <a:buNone/>
+              <a:defRPr sz="1600"/>
+            </a:lvl1pPr>
+            <a:lvl2pPr marL="457200" indent="0">
+              <a:buNone/>
+              <a:defRPr sz="1600"/>
+            </a:lvl2pPr>
+            <a:lvl3pPr marL="914400" indent="0">
+              <a:buNone/>
+              <a:defRPr sz="1600"/>
+            </a:lvl3pPr>
+            <a:lvl4pPr marL="1371600" indent="0">
+              <a:buNone/>
+              <a:defRPr sz="1600"/>
+            </a:lvl4pPr>
+            <a:lvl5pPr marL="1828800" indent="0">
+              <a:buNone/>
+              <a:defRPr sz="1600"/>
+            </a:lvl5pPr>
+            <a:lvl6pPr marL="2286000" indent="0">
+              <a:buNone/>
+              <a:defRPr sz="1600"/>
+            </a:lvl6pPr>
+            <a:lvl7pPr marL="2743200" indent="0">
+              <a:buNone/>
+              <a:defRPr sz="1600"/>
+            </a:lvl7pPr>
+            <a:lvl8pPr marL="3200400" indent="0">
+              <a:buNone/>
+              <a:defRPr sz="1600"/>
+            </a:lvl8pPr>
+            <a:lvl9pPr marL="3657600" indent="0">
+              <a:buNone/>
+              <a:defRPr sz="1600"/>
+            </a:lvl9pPr>
+          </a:lstStyle>
+          <a:p>
+            <a:r>
+              <a:rPr lang="zh-CN" altLang="en-US"/>
+              <a:t>单击图标添加图片</a:t>
+            </a:r>
+            <a:endParaRPr lang="en-US" dirty="0"/>
+          </a:p>
+        </p:txBody>
+      </p:sp>
+      <p:sp>
+        <p:nvSpPr>
+          <p:cNvPr id="27" name="Text Placeholder 3"/>
+          <p:cNvSpPr>
+            <a:spLocks noGrp="1"/>
+          </p:cNvSpPr>
+          <p:nvPr>
+            <p:ph type="body" sz="half" idx="20"/>
+          </p:nvPr>
+        </p:nvSpPr>
+        <p:spPr>
+          <a:xfrm>
+            <a:off x="7973173" y="4781078"/>
+            <a:ext cx="3305053" cy="1010121"/>
+          </a:xfrm>
+        </p:spPr>
+        <p:txBody>
+          <a:bodyPr anchor="t">
+            <a:normAutofit/>
+          </a:bodyPr>
+          <a:lstStyle>
+            <a:lvl1pPr marL="0" indent="0" algn="ctr">
+              <a:buNone/>
+              <a:defRPr sz="1400"/>
+            </a:lvl1pPr>
+            <a:lvl2pPr marL="457200" indent="0">
+              <a:buNone/>
+              <a:defRPr sz="1200"/>
+            </a:lvl2pPr>
+            <a:lvl3pPr marL="914400" indent="0">
+              <a:buNone/>
+              <a:defRPr sz="1000"/>
+            </a:lvl3pPr>
+            <a:lvl4pPr marL="1371600" indent="0">
+              <a:buNone/>
+              <a:defRPr sz="900"/>
+            </a:lvl4pPr>
+            <a:lvl5pPr marL="1828800" indent="0">
+              <a:buNone/>
+              <a:defRPr sz="900"/>
+            </a:lvl5pPr>
+            <a:lvl6pPr marL="2286000" indent="0">
+              <a:buNone/>
+              <a:defRPr sz="900"/>
+            </a:lvl6pPr>
+            <a:lvl7pPr marL="2743200" indent="0">
+              <a:buNone/>
+              <a:defRPr sz="900"/>
+            </a:lvl7pPr>
+            <a:lvl8pPr marL="3200400" indent="0">
+              <a:buNone/>
+              <a:defRPr sz="900"/>
+            </a:lvl8pPr>
+            <a:lvl9pPr marL="3657600" indent="0">
+              <a:buNone/>
+              <a:defRPr sz="900"/>
+            </a:lvl9pPr>
+          </a:lstStyle>
+          <a:p>
+            <a:pPr lvl="0"/>
+            <a:r>
+              <a:rPr lang="zh-CN" altLang="en-US"/>
+              <a:t>编辑母版文本样式</a:t>
+            </a:r>
+          </a:p>
+        </p:txBody>
+      </p:sp>
+      <p:sp>
+        <p:nvSpPr>
+          <p:cNvPr id="3" name="Date Placeholder 2"/>
+          <p:cNvSpPr>
+            <a:spLocks noGrp="1"/>
+          </p:cNvSpPr>
+          <p:nvPr>
+            <p:ph type="dt" sz="half" idx="10"/>
+          </p:nvPr>
+        </p:nvSpPr>
+        <p:spPr/>
+        <p:txBody>
+          <a:bodyPr/>
+          <a:lstStyle/>
+          <a:p>
+            <a:fld id="{DFCBF3FA-A751-4570-8FB6-4B690BA30EB0}" type="datetimeFigureOut">
+              <a:rPr lang="en-US" smtClean="0"/>
+              <a:t>5/19/2018</a:t>
+            </a:fld>
+            <a:endParaRPr lang="en-US"/>
+          </a:p>
+        </p:txBody>
+      </p:sp>
+      <p:sp>
+        <p:nvSpPr>
+          <p:cNvPr id="4" name="Footer Placeholder 3"/>
+          <p:cNvSpPr>
+            <a:spLocks noGrp="1"/>
+          </p:cNvSpPr>
+          <p:nvPr>
+            <p:ph type="ftr" sz="quarter" idx="11"/>
+          </p:nvPr>
+        </p:nvSpPr>
+        <p:spPr/>
+        <p:txBody>
+          <a:bodyPr/>
+          <a:lstStyle/>
+          <a:p>
+            <a:endParaRPr lang="en-US"/>
+          </a:p>
+        </p:txBody>
+      </p:sp>
+      <p:sp>
+        <p:nvSpPr>
+          <p:cNvPr id="5" name="Slide Number Placeholder 4"/>
+          <p:cNvSpPr>
+            <a:spLocks noGrp="1"/>
+          </p:cNvSpPr>
+          <p:nvPr>
+            <p:ph type="sldNum" sz="quarter" idx="12"/>
+          </p:nvPr>
+        </p:nvSpPr>
+        <p:spPr/>
+        <p:txBody>
+          <a:bodyPr/>
+          <a:lstStyle/>
+          <a:p>
+            <a:fld id="{C3C198C5-E517-4925-8CF9-4EB4847817F8}" type="slidenum">
+              <a:rPr lang="en-US" smtClean="0"/>
+              <a:t>‹#›</a:t>
+            </a:fld>
+            <a:endParaRPr lang="en-US"/>
+          </a:p>
+        </p:txBody>
+      </p:sp>
+    </p:spTree>
+    <p:extLst>
+      <p:ext uri="{BB962C8B-B14F-4D97-AF65-F5344CB8AC3E}">
+        <p14:creationId xmlns:p14="http://schemas.microsoft.com/office/powerpoint/2010/main" val="4116025353"/>
+      </p:ext>
+    </p:extLst>
+  </p:cSld>
+  <p:clrMapOvr>
+    <a:masterClrMapping/>
+  </p:clrMapOvr>
+</p:sldLayout>
+</file>
+
+<file path=ppt/slideLayouts/slideLayout16.xml><?xml version="1.0" encoding="utf-8"?>
 <p:sldLayout xmlns:a="http://schemas.openxmlformats.org/drawingml/2006/main" xmlns:r="http://schemas.openxmlformats.org/officeDocument/2006/relationships" xmlns:p="http://schemas.openxmlformats.org/presentationml/2006/main" type="vertTx" preserve="1">
   <p:cSld name="标题和竖排文字">
     <p:spTree>
@@ -459,6 +3078,36 @@
           <a:chExt cx="0" cy="0"/>
         </a:xfrm>
       </p:grpSpPr>
+      <p:pic>
+        <p:nvPicPr>
+          <p:cNvPr id="8" name="Picture 7" descr="Droplets-HD-Content-R1d.png"/>
+          <p:cNvPicPr>
+            <a:picLocks noChangeAspect="1"/>
+          </p:cNvPicPr>
+          <p:nvPr/>
+        </p:nvPicPr>
+        <p:blipFill>
+          <a:blip r:embed="rId2">
+            <a:extLst>
+              <a:ext uri="{28A0092B-C50C-407E-A947-70E740481C1C}">
+                <a14:useLocalDpi xmlns:a14="http://schemas.microsoft.com/office/drawing/2010/main" val="0"/>
+              </a:ext>
+            </a:extLst>
+          </a:blip>
+          <a:stretch>
+            <a:fillRect/>
+          </a:stretch>
+        </p:blipFill>
+        <p:spPr>
+          <a:xfrm>
+            <a:off x="0" y="0"/>
+            <a:ext cx="12192000" cy="6858000"/>
+          </a:xfrm>
+          <a:prstGeom prst="rect">
+            <a:avLst/>
+          </a:prstGeom>
+        </p:spPr>
+      </p:pic>
       <p:sp>
         <p:nvSpPr>
           <p:cNvPr id="2" name="Title 1"/>
@@ -484,17 +3133,22 @@
       </p:sp>
       <p:sp>
         <p:nvSpPr>
-          <p:cNvPr id="3" name="Vertical Text Placeholder 2"/>
-          <p:cNvSpPr>
-            <a:spLocks noGrp="1"/>
-          </p:cNvSpPr>
-          <p:nvPr>
-            <p:ph type="body" orient="vert" idx="1"/>
-          </p:nvPr>
-        </p:nvSpPr>
-        <p:spPr/>
-        <p:txBody>
-          <a:bodyPr vert="eaVert" lIns="45720" tIns="0" rIns="45720" bIns="0"/>
+          <p:cNvPr id="11" name="Vertical Text Placeholder 2"/>
+          <p:cNvSpPr>
+            <a:spLocks noGrp="1"/>
+          </p:cNvSpPr>
+          <p:nvPr>
+            <p:ph type="body" orient="vert" sz="quarter" idx="13"/>
+          </p:nvPr>
+        </p:nvSpPr>
+        <p:spPr>
+          <a:xfrm>
+            <a:off x="913775" y="2367093"/>
+            <a:ext cx="10364452" cy="3424107"/>
+          </a:xfrm>
+        </p:spPr>
+        <p:txBody>
+          <a:bodyPr vert="eaVert"/>
           <a:lstStyle/>
           <a:p>
             <a:pPr lvl="0"/>
@@ -551,7 +3205,7 @@
           <a:p>
             <a:fld id="{DFCBF3FA-A751-4570-8FB6-4B690BA30EB0}" type="datetimeFigureOut">
               <a:rPr lang="en-US" smtClean="0"/>
-              <a:t>5/18/2018</a:t>
+              <a:t>5/19/2018</a:t>
             </a:fld>
             <a:endParaRPr lang="en-US"/>
           </a:p>
@@ -602,7 +3256,7 @@
     </p:spTree>
     <p:extLst>
       <p:ext uri="{BB962C8B-B14F-4D97-AF65-F5344CB8AC3E}">
-        <p14:creationId xmlns:p14="http://schemas.microsoft.com/office/powerpoint/2010/main" val="1119938441"/>
+        <p14:creationId xmlns:p14="http://schemas.microsoft.com/office/powerpoint/2010/main" val="3673537558"/>
       </p:ext>
     </p:extLst>
   </p:cSld>
@@ -612,8 +3266,8 @@
 </p:sldLayout>
 </file>
 
-<file path=ppt/slideLayouts/slideLayout11.xml><?xml version="1.0" encoding="utf-8"?>
-<p:sldLayout xmlns:a="http://schemas.openxmlformats.org/drawingml/2006/main" xmlns:r="http://schemas.openxmlformats.org/officeDocument/2006/relationships" xmlns:p="http://schemas.openxmlformats.org/presentationml/2006/main" showMasterSp="0" type="vertTitleAndTx" preserve="1">
+<file path=ppt/slideLayouts/slideLayout17.xml><?xml version="1.0" encoding="utf-8"?>
+<p:sldLayout xmlns:a="http://schemas.openxmlformats.org/drawingml/2006/main" xmlns:r="http://schemas.openxmlformats.org/officeDocument/2006/relationships" xmlns:p="http://schemas.openxmlformats.org/presentationml/2006/main" type="vertTitleAndTx" preserve="1">
   <p:cSld name="竖排标题与文本">
     <p:spTree>
       <p:nvGrpSpPr>
@@ -629,130 +3283,88 @@
           <a:chExt cx="0" cy="0"/>
         </a:xfrm>
       </p:grpSpPr>
-      <p:sp>
-        <p:nvSpPr>
-          <p:cNvPr id="7" name="Rectangle 6"/>
-          <p:cNvSpPr/>
+      <p:pic>
+        <p:nvPicPr>
+          <p:cNvPr id="9" name="Picture 8" descr="Droplets-HD-Content-R1d.png"/>
+          <p:cNvPicPr>
+            <a:picLocks noChangeAspect="1"/>
+          </p:cNvPicPr>
           <p:nvPr/>
-        </p:nvSpPr>
+        </p:nvPicPr>
+        <p:blipFill>
+          <a:blip r:embed="rId2">
+            <a:extLst>
+              <a:ext uri="{28A0092B-C50C-407E-A947-70E740481C1C}">
+                <a14:useLocalDpi xmlns:a14="http://schemas.microsoft.com/office/drawing/2010/main" val="0"/>
+              </a:ext>
+            </a:extLst>
+          </a:blip>
+          <a:stretch>
+            <a:fillRect/>
+          </a:stretch>
+        </p:blipFill>
         <p:spPr>
           <a:xfrm>
-            <a:off x="3175" y="6400800"/>
-            <a:ext cx="12188825" cy="457200"/>
+            <a:off x="0" y="0"/>
+            <a:ext cx="12192000" cy="6858000"/>
           </a:xfrm>
           <a:prstGeom prst="rect">
             <a:avLst/>
           </a:prstGeom>
-          <a:solidFill>
-            <a:schemeClr val="accent2"/>
-          </a:solidFill>
-          <a:ln>
-            <a:noFill/>
-          </a:ln>
         </p:spPr>
-        <p:style>
-          <a:lnRef idx="2">
-            <a:schemeClr val="accent1">
-              <a:shade val="50000"/>
-            </a:schemeClr>
-          </a:lnRef>
-          <a:fillRef idx="1">
-            <a:schemeClr val="accent1"/>
-          </a:fillRef>
-          <a:effectRef idx="0">
-            <a:schemeClr val="accent1"/>
-          </a:effectRef>
-          <a:fontRef idx="minor">
-            <a:schemeClr val="lt1"/>
-          </a:fontRef>
-        </p:style>
-      </p:sp>
-      <p:sp>
-        <p:nvSpPr>
-          <p:cNvPr id="8" name="Rectangle 7"/>
-          <p:cNvSpPr/>
-          <p:nvPr/>
+      </p:pic>
+      <p:sp>
+        <p:nvSpPr>
+          <p:cNvPr id="2" name="Vertical Title 1"/>
+          <p:cNvSpPr>
+            <a:spLocks noGrp="1"/>
+          </p:cNvSpPr>
+          <p:nvPr>
+            <p:ph type="title" orient="vert"/>
+          </p:nvPr>
         </p:nvSpPr>
         <p:spPr>
           <a:xfrm>
-            <a:off x="15" y="6334316"/>
-            <a:ext cx="12188825" cy="64008"/>
+            <a:off x="8724900" y="609601"/>
+            <a:ext cx="2553326" cy="5181599"/>
           </a:xfrm>
-          <a:prstGeom prst="rect">
-            <a:avLst/>
-          </a:prstGeom>
-          <a:solidFill>
-            <a:schemeClr val="accent1"/>
-          </a:solidFill>
-          <a:ln>
-            <a:noFill/>
-          </a:ln>
         </p:spPr>
-        <p:style>
-          <a:lnRef idx="2">
-            <a:schemeClr val="accent1">
-              <a:shade val="50000"/>
-            </a:schemeClr>
-          </a:lnRef>
-          <a:fillRef idx="1">
-            <a:schemeClr val="accent1"/>
-          </a:fillRef>
-          <a:effectRef idx="0">
-            <a:schemeClr val="accent1"/>
-          </a:effectRef>
-          <a:fontRef idx="minor">
-            <a:schemeClr val="lt1"/>
-          </a:fontRef>
-        </p:style>
-      </p:sp>
-      <p:sp>
-        <p:nvSpPr>
-          <p:cNvPr id="2" name="Vertical Title 1"/>
-          <p:cNvSpPr>
-            <a:spLocks noGrp="1"/>
-          </p:cNvSpPr>
-          <p:nvPr>
-            <p:ph type="title" orient="vert"/>
+        <p:txBody>
+          <a:bodyPr vert="eaVert"/>
+          <a:lstStyle>
+            <a:lvl1pPr algn="l">
+              <a:defRPr/>
+            </a:lvl1pPr>
+          </a:lstStyle>
+          <a:p>
+            <a:r>
+              <a:rPr lang="zh-CN" altLang="en-US"/>
+              <a:t>单击此处编辑母版标题样式</a:t>
+            </a:r>
+            <a:endParaRPr lang="en-US" dirty="0"/>
+          </a:p>
+        </p:txBody>
+      </p:sp>
+      <p:sp>
+        <p:nvSpPr>
+          <p:cNvPr id="8" name="Vertical Text Placeholder 2"/>
+          <p:cNvSpPr>
+            <a:spLocks noGrp="1"/>
+          </p:cNvSpPr>
+          <p:nvPr>
+            <p:ph type="body" orient="vert" sz="quarter" idx="13"/>
           </p:nvPr>
         </p:nvSpPr>
         <p:spPr>
           <a:xfrm>
-            <a:off x="8724900" y="414778"/>
-            <a:ext cx="2628900" cy="5757421"/>
+            <a:off x="913775" y="609601"/>
+            <a:ext cx="7658724" cy="5181599"/>
           </a:xfrm>
         </p:spPr>
         <p:txBody>
           <a:bodyPr vert="eaVert"/>
           <a:lstStyle/>
           <a:p>
-            <a:r>
-              <a:rPr lang="zh-CN" altLang="en-US"/>
-              <a:t>单击此处编辑母版标题样式</a:t>
-            </a:r>
-            <a:endParaRPr lang="en-US" dirty="0"/>
-          </a:p>
-        </p:txBody>
-      </p:sp>
-      <p:sp>
-        <p:nvSpPr>
-          <p:cNvPr id="3" name="Vertical Text Placeholder 2"/>
-          <p:cNvSpPr>
-            <a:spLocks noGrp="1"/>
-          </p:cNvSpPr>
-          <p:nvPr>
-            <p:ph type="body" orient="vert" idx="1"/>
-          </p:nvPr>
-        </p:nvSpPr>
-        <p:spPr>
-          <a:xfrm>
-            <a:off x="838200" y="414778"/>
-            <a:ext cx="7734300" cy="5757422"/>
-          </a:xfrm>
-        </p:spPr>
-        <p:txBody>
-          <a:bodyPr vert="eaVert" lIns="45720" tIns="0" rIns="45720" bIns="0"/>
-          <a:lstStyle/>
-          <a:p>
             <a:pPr lvl="0"/>
             <a:r>
               <a:rPr lang="zh-CN" altLang="en-US"/>
@@ -807,7 +3419,7 @@
           <a:p>
             <a:fld id="{DFCBF3FA-A751-4570-8FB6-4B690BA30EB0}" type="datetimeFigureOut">
               <a:rPr lang="en-US" smtClean="0"/>
-              <a:t>5/18/2018</a:t>
+              <a:t>5/19/2018</a:t>
             </a:fld>
             <a:endParaRPr lang="en-US"/>
           </a:p>
@@ -858,7 +3470,177 @@
     </p:spTree>
     <p:extLst>
       <p:ext uri="{BB962C8B-B14F-4D97-AF65-F5344CB8AC3E}">
-        <p14:creationId xmlns:p14="http://schemas.microsoft.com/office/powerpoint/2010/main" val="1815867252"/>
+        <p14:creationId xmlns:p14="http://schemas.microsoft.com/office/powerpoint/2010/main" val="4236675657"/>
+      </p:ext>
+    </p:extLst>
+  </p:cSld>
+  <p:clrMapOvr>
+    <a:masterClrMapping/>
+  </p:clrMapOvr>
+</p:sldLayout>
+</file>
+
+<file path=ppt/slideLayouts/slideLayout18.xml><?xml version="1.0" encoding="utf-8"?>
+<p:sldLayout xmlns:a="http://schemas.openxmlformats.org/drawingml/2006/main" xmlns:r="http://schemas.openxmlformats.org/officeDocument/2006/relationships" xmlns:p="http://schemas.openxmlformats.org/presentationml/2006/main" type="obj">
+  <p:cSld name="1_标题和内容">
+    <p:spTree>
+      <p:nvGrpSpPr>
+        <p:cNvPr id="1" name=""/>
+        <p:cNvGrpSpPr/>
+        <p:nvPr/>
+      </p:nvGrpSpPr>
+      <p:grpSpPr>
+        <a:xfrm>
+          <a:off x="0" y="0"/>
+          <a:ext cx="0" cy="0"/>
+          <a:chOff x="0" y="0"/>
+          <a:chExt cx="0" cy="0"/>
+        </a:xfrm>
+      </p:grpSpPr>
+      <p:sp>
+        <p:nvSpPr>
+          <p:cNvPr id="2" name="Title 1"/>
+          <p:cNvSpPr>
+            <a:spLocks noGrp="1"/>
+          </p:cNvSpPr>
+          <p:nvPr>
+            <p:ph type="title"/>
+          </p:nvPr>
+        </p:nvSpPr>
+        <p:spPr/>
+        <p:txBody>
+          <a:bodyPr/>
+          <a:lstStyle/>
+          <a:p>
+            <a:r>
+              <a:rPr lang="zh-CN" altLang="en-US"/>
+              <a:t>单击此处编辑母版标题样式</a:t>
+            </a:r>
+            <a:endParaRPr lang="en-US" dirty="0"/>
+          </a:p>
+        </p:txBody>
+      </p:sp>
+      <p:sp>
+        <p:nvSpPr>
+          <p:cNvPr id="3" name="Content Placeholder 2"/>
+          <p:cNvSpPr>
+            <a:spLocks noGrp="1"/>
+          </p:cNvSpPr>
+          <p:nvPr>
+            <p:ph idx="1"/>
+          </p:nvPr>
+        </p:nvSpPr>
+        <p:spPr/>
+        <p:txBody>
+          <a:bodyPr/>
+          <a:lstStyle/>
+          <a:p>
+            <a:pPr lvl="0"/>
+            <a:r>
+              <a:rPr lang="zh-CN" altLang="en-US"/>
+              <a:t>编辑母版文本样式</a:t>
+            </a:r>
+          </a:p>
+          <a:p>
+            <a:pPr lvl="1"/>
+            <a:r>
+              <a:rPr lang="zh-CN" altLang="en-US"/>
+              <a:t>第二级</a:t>
+            </a:r>
+          </a:p>
+          <a:p>
+            <a:pPr lvl="2"/>
+            <a:r>
+              <a:rPr lang="zh-CN" altLang="en-US"/>
+              <a:t>第三级</a:t>
+            </a:r>
+          </a:p>
+          <a:p>
+            <a:pPr lvl="3"/>
+            <a:r>
+              <a:rPr lang="zh-CN" altLang="en-US"/>
+              <a:t>第四级</a:t>
+            </a:r>
+          </a:p>
+          <a:p>
+            <a:pPr lvl="4"/>
+            <a:r>
+              <a:rPr lang="zh-CN" altLang="en-US"/>
+              <a:t>第五级</a:t>
+            </a:r>
+            <a:endParaRPr lang="en-US" dirty="0"/>
+          </a:p>
+        </p:txBody>
+      </p:sp>
+      <p:sp>
+        <p:nvSpPr>
+          <p:cNvPr id="4" name="Date Placeholder 3"/>
+          <p:cNvSpPr>
+            <a:spLocks noGrp="1"/>
+          </p:cNvSpPr>
+          <p:nvPr>
+            <p:ph type="dt" sz="half" idx="10"/>
+          </p:nvPr>
+        </p:nvSpPr>
+        <p:spPr/>
+        <p:txBody>
+          <a:bodyPr/>
+          <a:lstStyle/>
+          <a:p>
+            <a:fld id="{DFCBF3FA-A751-4570-8FB6-4B690BA30EB0}" type="datetimeFigureOut">
+              <a:rPr lang="en-US" smtClean="0"/>
+              <a:t>5/19/2018</a:t>
+            </a:fld>
+            <a:endParaRPr lang="en-US"/>
+          </a:p>
+        </p:txBody>
+      </p:sp>
+      <p:sp>
+        <p:nvSpPr>
+          <p:cNvPr id="5" name="Footer Placeholder 4"/>
+          <p:cNvSpPr>
+            <a:spLocks noGrp="1"/>
+          </p:cNvSpPr>
+          <p:nvPr>
+            <p:ph type="ftr" sz="quarter" idx="11"/>
+          </p:nvPr>
+        </p:nvSpPr>
+        <p:spPr/>
+        <p:txBody>
+          <a:bodyPr/>
+          <a:lstStyle/>
+          <a:p>
+            <a:endParaRPr lang="en-US"/>
+          </a:p>
+        </p:txBody>
+      </p:sp>
+      <p:sp>
+        <p:nvSpPr>
+          <p:cNvPr id="6" name="Slide Number Placeholder 5"/>
+          <p:cNvSpPr>
+            <a:spLocks noGrp="1"/>
+          </p:cNvSpPr>
+          <p:nvPr>
+            <p:ph type="sldNum" sz="quarter" idx="12"/>
+          </p:nvPr>
+        </p:nvSpPr>
+        <p:spPr/>
+        <p:txBody>
+          <a:bodyPr/>
+          <a:lstStyle/>
+          <a:p>
+            <a:fld id="{C3C198C5-E517-4925-8CF9-4EB4847817F8}" type="slidenum">
+              <a:rPr lang="en-US" smtClean="0"/>
+              <a:t>‹#›</a:t>
+            </a:fld>
+            <a:endParaRPr lang="en-US"/>
+          </a:p>
+        </p:txBody>
+      </p:sp>
+    </p:spTree>
+    <p:extLst>
+      <p:ext uri="{BB962C8B-B14F-4D97-AF65-F5344CB8AC3E}">
+        <p14:creationId xmlns:p14="http://schemas.microsoft.com/office/powerpoint/2010/main" val="1421753493"/>
       </p:ext>
     </p:extLst>
   </p:cSld>
@@ -885,6 +3667,36 @@
           <a:chExt cx="0" cy="0"/>
         </a:xfrm>
       </p:grpSpPr>
+      <p:pic>
+        <p:nvPicPr>
+          <p:cNvPr id="3" name="Picture 2" descr="Droplets-HD-Content-R1d.png"/>
+          <p:cNvPicPr>
+            <a:picLocks noChangeAspect="1"/>
+          </p:cNvPicPr>
+          <p:nvPr/>
+        </p:nvPicPr>
+        <p:blipFill>
+          <a:blip r:embed="rId2">
+            <a:extLst>
+              <a:ext uri="{28A0092B-C50C-407E-A947-70E740481C1C}">
+                <a14:useLocalDpi xmlns:a14="http://schemas.microsoft.com/office/drawing/2010/main" val="0"/>
+              </a:ext>
+            </a:extLst>
+          </a:blip>
+          <a:stretch>
+            <a:fillRect/>
+          </a:stretch>
+        </p:blipFill>
+        <p:spPr>
+          <a:xfrm>
+            <a:off x="0" y="0"/>
+            <a:ext cx="12192000" cy="6858000"/>
+          </a:xfrm>
+          <a:prstGeom prst="rect">
+            <a:avLst/>
+          </a:prstGeom>
+        </p:spPr>
+      </p:pic>
       <p:sp>
         <p:nvSpPr>
           <p:cNvPr id="2" name="Title 1"/>
@@ -898,11 +3710,7 @@
         <p:spPr/>
         <p:txBody>
           <a:bodyPr/>
-          <a:lstStyle>
-            <a:lvl1pPr marL="0">
-              <a:defRPr/>
-            </a:lvl1pPr>
-          </a:lstStyle>
+          <a:lstStyle/>
           <a:p>
             <a:r>
               <a:rPr lang="zh-CN" altLang="en-US"/>
@@ -914,15 +3722,20 @@
       </p:sp>
       <p:sp>
         <p:nvSpPr>
-          <p:cNvPr id="3" name="Content Placeholder 2"/>
-          <p:cNvSpPr>
-            <a:spLocks noGrp="1"/>
-          </p:cNvSpPr>
-          <p:nvPr>
-            <p:ph idx="1"/>
-          </p:nvPr>
-        </p:nvSpPr>
-        <p:spPr/>
+          <p:cNvPr id="12" name="Content Placeholder 2"/>
+          <p:cNvSpPr>
+            <a:spLocks noGrp="1"/>
+          </p:cNvSpPr>
+          <p:nvPr>
+            <p:ph sz="quarter" idx="13"/>
+          </p:nvPr>
+        </p:nvSpPr>
+        <p:spPr>
+          <a:xfrm>
+            <a:off x="913774" y="2367092"/>
+            <a:ext cx="10363826" cy="3424107"/>
+          </a:xfrm>
+        </p:spPr>
         <p:txBody>
           <a:bodyPr/>
           <a:lstStyle/>
@@ -981,7 +3794,7 @@
           <a:p>
             <a:fld id="{DFCBF3FA-A751-4570-8FB6-4B690BA30EB0}" type="datetimeFigureOut">
               <a:rPr lang="en-US" smtClean="0"/>
-              <a:t>5/18/2018</a:t>
+              <a:t>5/19/2018</a:t>
             </a:fld>
             <a:endParaRPr lang="en-US"/>
           </a:p>
@@ -1032,7 +3845,7 @@
     </p:spTree>
     <p:extLst>
       <p:ext uri="{BB962C8B-B14F-4D97-AF65-F5344CB8AC3E}">
-        <p14:creationId xmlns:p14="http://schemas.microsoft.com/office/powerpoint/2010/main" val="1837650915"/>
+        <p14:creationId xmlns:p14="http://schemas.microsoft.com/office/powerpoint/2010/main" val="1114204031"/>
       </p:ext>
     </p:extLst>
   </p:cSld>
@@ -1043,16 +3856,8 @@
 </file>
 
 <file path=ppt/slideLayouts/slideLayout3.xml><?xml version="1.0" encoding="utf-8"?>
-<p:sldLayout xmlns:a="http://schemas.openxmlformats.org/drawingml/2006/main" xmlns:r="http://schemas.openxmlformats.org/officeDocument/2006/relationships" xmlns:p="http://schemas.openxmlformats.org/presentationml/2006/main" showMasterSp="0" type="secHead" preserve="1">
+<p:sldLayout xmlns:a="http://schemas.openxmlformats.org/drawingml/2006/main" xmlns:r="http://schemas.openxmlformats.org/officeDocument/2006/relationships" xmlns:p="http://schemas.openxmlformats.org/presentationml/2006/main" type="secHead" preserve="1">
   <p:cSld name="节标题">
-    <p:bg>
-      <p:bgPr>
-        <a:solidFill>
-          <a:schemeClr val="bg1"/>
-        </a:solidFill>
-        <a:effectLst/>
-      </p:bgPr>
-    </p:bg>
     <p:spTree>
       <p:nvGrpSpPr>
         <p:cNvPr id="1" name=""/>
@@ -1067,159 +3872,104 @@
           <a:chExt cx="0" cy="0"/>
         </a:xfrm>
       </p:grpSpPr>
-      <p:sp>
-        <p:nvSpPr>
-          <p:cNvPr id="7" name="Rectangle 6"/>
-          <p:cNvSpPr/>
+      <p:pic>
+        <p:nvPicPr>
+          <p:cNvPr id="9" name="Picture 8" descr="Droplets-HD-Content-R1d.png"/>
+          <p:cNvPicPr>
+            <a:picLocks noChangeAspect="1"/>
+          </p:cNvPicPr>
           <p:nvPr/>
-        </p:nvSpPr>
+        </p:nvPicPr>
+        <p:blipFill>
+          <a:blip r:embed="rId2">
+            <a:extLst>
+              <a:ext uri="{28A0092B-C50C-407E-A947-70E740481C1C}">
+                <a14:useLocalDpi xmlns:a14="http://schemas.microsoft.com/office/drawing/2010/main" val="0"/>
+              </a:ext>
+            </a:extLst>
+          </a:blip>
+          <a:stretch>
+            <a:fillRect/>
+          </a:stretch>
+        </p:blipFill>
         <p:spPr>
           <a:xfrm>
-            <a:off x="3175" y="6400800"/>
-            <a:ext cx="12188825" cy="457200"/>
+            <a:off x="0" y="0"/>
+            <a:ext cx="12192000" cy="6858000"/>
           </a:xfrm>
           <a:prstGeom prst="rect">
             <a:avLst/>
           </a:prstGeom>
-          <a:solidFill>
-            <a:schemeClr val="accent2"/>
-          </a:solidFill>
-          <a:ln>
-            <a:noFill/>
-          </a:ln>
         </p:spPr>
-        <p:style>
-          <a:lnRef idx="2">
-            <a:schemeClr val="accent1">
-              <a:shade val="50000"/>
-            </a:schemeClr>
-          </a:lnRef>
-          <a:fillRef idx="1">
-            <a:schemeClr val="accent1"/>
-          </a:fillRef>
-          <a:effectRef idx="0">
-            <a:schemeClr val="accent1"/>
-          </a:effectRef>
-          <a:fontRef idx="minor">
-            <a:schemeClr val="lt1"/>
-          </a:fontRef>
-        </p:style>
-      </p:sp>
-      <p:sp>
-        <p:nvSpPr>
-          <p:cNvPr id="8" name="Rectangle 7"/>
-          <p:cNvSpPr/>
-          <p:nvPr/>
+      </p:pic>
+      <p:sp>
+        <p:nvSpPr>
+          <p:cNvPr id="2" name="Title 1"/>
+          <p:cNvSpPr>
+            <a:spLocks noGrp="1"/>
+          </p:cNvSpPr>
+          <p:nvPr>
+            <p:ph type="title"/>
+          </p:nvPr>
         </p:nvSpPr>
         <p:spPr>
           <a:xfrm>
-            <a:off x="15" y="6334316"/>
-            <a:ext cx="12188825" cy="64008"/>
-          </a:xfrm>
-          <a:prstGeom prst="rect">
-            <a:avLst/>
-          </a:prstGeom>
-          <a:solidFill>
-            <a:schemeClr val="accent1"/>
-          </a:solidFill>
-          <a:ln>
-            <a:noFill/>
-          </a:ln>
-        </p:spPr>
-        <p:style>
-          <a:lnRef idx="2">
-            <a:schemeClr val="accent1">
-              <a:shade val="50000"/>
-            </a:schemeClr>
-          </a:lnRef>
-          <a:fillRef idx="1">
-            <a:schemeClr val="accent1"/>
-          </a:fillRef>
-          <a:effectRef idx="0">
-            <a:schemeClr val="accent1"/>
-          </a:effectRef>
-          <a:fontRef idx="minor">
-            <a:schemeClr val="lt1"/>
-          </a:fontRef>
-        </p:style>
-      </p:sp>
-      <p:sp>
-        <p:nvSpPr>
-          <p:cNvPr id="2" name="Title 1"/>
-          <p:cNvSpPr>
-            <a:spLocks noGrp="1"/>
-          </p:cNvSpPr>
-          <p:nvPr>
-            <p:ph type="title"/>
-          </p:nvPr>
-        </p:nvSpPr>
-        <p:spPr>
-          <a:xfrm>
-            <a:off x="1097280" y="758952"/>
-            <a:ext cx="10058400" cy="3566160"/>
+            <a:off x="913774" y="828563"/>
+            <a:ext cx="10351752" cy="2736819"/>
           </a:xfrm>
         </p:spPr>
         <p:txBody>
-          <a:bodyPr anchor="b" anchorCtr="0">
+          <a:bodyPr anchor="b">
             <a:normAutofit/>
           </a:bodyPr>
           <a:lstStyle>
             <a:lvl1pPr>
-              <a:lnSpc>
-                <a:spcPct val="85000"/>
-              </a:lnSpc>
-              <a:defRPr sz="8000" b="0">
+              <a:defRPr sz="4000"/>
+            </a:lvl1pPr>
+          </a:lstStyle>
+          <a:p>
+            <a:r>
+              <a:rPr lang="zh-CN" altLang="en-US"/>
+              <a:t>单击此处编辑母版标题样式</a:t>
+            </a:r>
+            <a:endParaRPr lang="en-US" dirty="0"/>
+          </a:p>
+        </p:txBody>
+      </p:sp>
+      <p:sp>
+        <p:nvSpPr>
+          <p:cNvPr id="3" name="Text Placeholder 2"/>
+          <p:cNvSpPr>
+            <a:spLocks noGrp="1"/>
+          </p:cNvSpPr>
+          <p:nvPr>
+            <p:ph type="body" idx="1"/>
+          </p:nvPr>
+        </p:nvSpPr>
+        <p:spPr>
+          <a:xfrm>
+            <a:off x="913774" y="3657457"/>
+            <a:ext cx="10351752" cy="1368183"/>
+          </a:xfrm>
+        </p:spPr>
+        <p:txBody>
+          <a:bodyPr>
+            <a:normAutofit/>
+          </a:bodyPr>
+          <a:lstStyle>
+            <a:lvl1pPr marL="0" indent="0" algn="ctr">
+              <a:buNone/>
+              <a:defRPr sz="2000">
                 <a:solidFill>
-                  <a:schemeClr val="tx1">
-                    <a:lumMod val="85000"/>
-                    <a:lumOff val="15000"/>
+                  <a:schemeClr val="bg1">
+                    <a:lumMod val="50000"/>
                   </a:schemeClr>
                 </a:solidFill>
               </a:defRPr>
             </a:lvl1pPr>
-          </a:lstStyle>
-          <a:p>
-            <a:r>
-              <a:rPr lang="zh-CN" altLang="en-US"/>
-              <a:t>单击此处编辑母版标题样式</a:t>
-            </a:r>
-            <a:endParaRPr lang="en-US" dirty="0"/>
-          </a:p>
-        </p:txBody>
-      </p:sp>
-      <p:sp>
-        <p:nvSpPr>
-          <p:cNvPr id="3" name="Text Placeholder 2"/>
-          <p:cNvSpPr>
-            <a:spLocks noGrp="1"/>
-          </p:cNvSpPr>
-          <p:nvPr>
-            <p:ph type="body" idx="1"/>
-          </p:nvPr>
-        </p:nvSpPr>
-        <p:spPr>
-          <a:xfrm>
-            <a:off x="1097280" y="4453128"/>
-            <a:ext cx="10058400" cy="1143000"/>
-          </a:xfrm>
-        </p:spPr>
-        <p:txBody>
-          <a:bodyPr lIns="91440" rIns="91440" anchor="t" anchorCtr="0">
-            <a:normAutofit/>
-          </a:bodyPr>
-          <a:lstStyle>
-            <a:lvl1pPr marL="0" indent="0">
-              <a:buNone/>
-              <a:defRPr sz="2400" cap="all" spc="200" baseline="0">
-                <a:solidFill>
-                  <a:schemeClr val="tx2"/>
-                </a:solidFill>
-                <a:latin typeface="+mj-lt"/>
-              </a:defRPr>
-            </a:lvl1pPr>
             <a:lvl2pPr marL="457200" indent="0">
               <a:buNone/>
-              <a:defRPr sz="1800">
+              <a:defRPr sz="2000">
                 <a:solidFill>
                   <a:schemeClr val="tx1">
                     <a:tint val="75000"/>
@@ -1229,7 +3979,7 @@
             </a:lvl2pPr>
             <a:lvl3pPr marL="914400" indent="0">
               <a:buNone/>
-              <a:defRPr sz="1600">
+              <a:defRPr sz="1800">
                 <a:solidFill>
                   <a:schemeClr val="tx1">
                     <a:tint val="75000"/>
@@ -1239,7 +3989,7 @@
             </a:lvl3pPr>
             <a:lvl4pPr marL="1371600" indent="0">
               <a:buNone/>
-              <a:defRPr sz="1400">
+              <a:defRPr sz="1600">
                 <a:solidFill>
                   <a:schemeClr val="tx1">
                     <a:tint val="75000"/>
@@ -1249,7 +3999,7 @@
             </a:lvl4pPr>
             <a:lvl5pPr marL="1828800" indent="0">
               <a:buNone/>
-              <a:defRPr sz="1400">
+              <a:defRPr sz="1600">
                 <a:solidFill>
                   <a:schemeClr val="tx1">
                     <a:tint val="75000"/>
@@ -1259,7 +4009,7 @@
             </a:lvl5pPr>
             <a:lvl6pPr marL="2286000" indent="0">
               <a:buNone/>
-              <a:defRPr sz="1400">
+              <a:defRPr sz="1600">
                 <a:solidFill>
                   <a:schemeClr val="tx1">
                     <a:tint val="75000"/>
@@ -1269,7 +4019,7 @@
             </a:lvl6pPr>
             <a:lvl7pPr marL="2743200" indent="0">
               <a:buNone/>
-              <a:defRPr sz="1400">
+              <a:defRPr sz="1600">
                 <a:solidFill>
                   <a:schemeClr val="tx1">
                     <a:tint val="75000"/>
@@ -1279,7 +4029,7 @@
             </a:lvl7pPr>
             <a:lvl8pPr marL="3200400" indent="0">
               <a:buNone/>
-              <a:defRPr sz="1400">
+              <a:defRPr sz="1600">
                 <a:solidFill>
                   <a:schemeClr val="tx1">
                     <a:tint val="75000"/>
@@ -1289,7 +4039,7 @@
             </a:lvl8pPr>
             <a:lvl9pPr marL="3657600" indent="0">
               <a:buNone/>
-              <a:defRPr sz="1400">
+              <a:defRPr sz="1600">
                 <a:solidFill>
                   <a:schemeClr val="tx1">
                     <a:tint val="75000"/>
@@ -1324,7 +4074,7 @@
           <a:p>
             <a:fld id="{DFCBF3FA-A751-4570-8FB6-4B690BA30EB0}" type="datetimeFigureOut">
               <a:rPr lang="en-US" smtClean="0"/>
-              <a:t>5/18/2018</a:t>
+              <a:t>5/19/2018</a:t>
             </a:fld>
             <a:endParaRPr lang="en-US"/>
           </a:p>
@@ -1372,48 +4122,10 @@
           </a:p>
         </p:txBody>
       </p:sp>
-      <p:cxnSp>
-        <p:nvCxnSpPr>
-          <p:cNvPr id="9" name="Straight Connector 8"/>
-          <p:cNvCxnSpPr/>
-          <p:nvPr/>
-        </p:nvCxnSpPr>
-        <p:spPr>
-          <a:xfrm>
-            <a:off x="1207658" y="4343400"/>
-            <a:ext cx="9875520" cy="0"/>
-          </a:xfrm>
-          <a:prstGeom prst="line">
-            <a:avLst/>
-          </a:prstGeom>
-          <a:ln w="6350">
-            <a:solidFill>
-              <a:schemeClr val="tx1">
-                <a:lumMod val="50000"/>
-                <a:lumOff val="50000"/>
-              </a:schemeClr>
-            </a:solidFill>
-          </a:ln>
-        </p:spPr>
-        <p:style>
-          <a:lnRef idx="1">
-            <a:schemeClr val="accent1"/>
-          </a:lnRef>
-          <a:fillRef idx="0">
-            <a:schemeClr val="accent1"/>
-          </a:fillRef>
-          <a:effectRef idx="0">
-            <a:schemeClr val="accent1"/>
-          </a:effectRef>
-          <a:fontRef idx="minor">
-            <a:schemeClr val="tx1"/>
-          </a:fontRef>
-        </p:style>
-      </p:cxnSp>
     </p:spTree>
     <p:extLst>
       <p:ext uri="{BB962C8B-B14F-4D97-AF65-F5344CB8AC3E}">
-        <p14:creationId xmlns:p14="http://schemas.microsoft.com/office/powerpoint/2010/main" val="3604796327"/>
+        <p14:creationId xmlns:p14="http://schemas.microsoft.com/office/powerpoint/2010/main" val="53505300"/>
       </p:ext>
     </p:extLst>
   </p:cSld>
@@ -1440,20 +4152,50 @@
           <a:chExt cx="0" cy="0"/>
         </a:xfrm>
       </p:grpSpPr>
-      <p:sp>
-        <p:nvSpPr>
-          <p:cNvPr id="8" name="Title 7"/>
-          <p:cNvSpPr>
-            <a:spLocks noGrp="1"/>
-          </p:cNvSpPr>
-          <p:nvPr>
-            <p:ph type="title"/>
-          </p:nvPr>
-        </p:nvSpPr>
+      <p:pic>
+        <p:nvPicPr>
+          <p:cNvPr id="10" name="Picture 9" descr="Droplets-HD-Content-R1d.png"/>
+          <p:cNvPicPr>
+            <a:picLocks noChangeAspect="1"/>
+          </p:cNvPicPr>
+          <p:nvPr/>
+        </p:nvPicPr>
+        <p:blipFill>
+          <a:blip r:embed="rId2">
+            <a:extLst>
+              <a:ext uri="{28A0092B-C50C-407E-A947-70E740481C1C}">
+                <a14:useLocalDpi xmlns:a14="http://schemas.microsoft.com/office/drawing/2010/main" val="0"/>
+              </a:ext>
+            </a:extLst>
+          </a:blip>
+          <a:stretch>
+            <a:fillRect/>
+          </a:stretch>
+        </p:blipFill>
         <p:spPr>
           <a:xfrm>
-            <a:off x="1097280" y="286603"/>
-            <a:ext cx="10058400" cy="1450757"/>
+            <a:off x="0" y="0"/>
+            <a:ext cx="12192000" cy="6858000"/>
+          </a:xfrm>
+          <a:prstGeom prst="rect">
+            <a:avLst/>
+          </a:prstGeom>
+        </p:spPr>
+      </p:pic>
+      <p:sp>
+        <p:nvSpPr>
+          <p:cNvPr id="14" name="Title 1"/>
+          <p:cNvSpPr>
+            <a:spLocks noGrp="1"/>
+          </p:cNvSpPr>
+          <p:nvPr>
+            <p:ph type="title"/>
+          </p:nvPr>
+        </p:nvSpPr>
+        <p:spPr>
+          <a:xfrm>
+            <a:off x="913775" y="618517"/>
+            <a:ext cx="10364451" cy="1596177"/>
           </a:xfrm>
         </p:spPr>
         <p:txBody>
@@ -1470,18 +4212,18 @@
       </p:sp>
       <p:sp>
         <p:nvSpPr>
-          <p:cNvPr id="3" name="Content Placeholder 2"/>
-          <p:cNvSpPr>
-            <a:spLocks noGrp="1"/>
-          </p:cNvSpPr>
-          <p:nvPr>
-            <p:ph sz="half" idx="1"/>
+          <p:cNvPr id="12" name="Content Placeholder 2"/>
+          <p:cNvSpPr>
+            <a:spLocks noGrp="1"/>
+          </p:cNvSpPr>
+          <p:nvPr>
+            <p:ph sz="quarter" idx="13"/>
           </p:nvPr>
         </p:nvSpPr>
         <p:spPr>
           <a:xfrm>
-            <a:off x="1097279" y="1845734"/>
-            <a:ext cx="4937760" cy="4023360"/>
+            <a:off x="913774" y="2367092"/>
+            <a:ext cx="5106026" cy="3424107"/>
           </a:xfrm>
         </p:spPr>
         <p:txBody>
@@ -1527,18 +4269,18 @@
       </p:sp>
       <p:sp>
         <p:nvSpPr>
-          <p:cNvPr id="4" name="Content Placeholder 3"/>
-          <p:cNvSpPr>
-            <a:spLocks noGrp="1"/>
-          </p:cNvSpPr>
-          <p:nvPr>
-            <p:ph sz="half" idx="2"/>
+          <p:cNvPr id="13" name="Content Placeholder 3"/>
+          <p:cNvSpPr>
+            <a:spLocks noGrp="1"/>
+          </p:cNvSpPr>
+          <p:nvPr>
+            <p:ph sz="quarter" idx="14"/>
           </p:nvPr>
         </p:nvSpPr>
         <p:spPr>
           <a:xfrm>
-            <a:off x="6217920" y="1845735"/>
-            <a:ext cx="4937760" cy="4023360"/>
+            <a:off x="6172200" y="2367092"/>
+            <a:ext cx="5105400" cy="3424107"/>
           </a:xfrm>
         </p:spPr>
         <p:txBody>
@@ -1599,7 +4341,7 @@
           <a:p>
             <a:fld id="{DFCBF3FA-A751-4570-8FB6-4B690BA30EB0}" type="datetimeFigureOut">
               <a:rPr lang="en-US" smtClean="0"/>
-              <a:t>5/18/2018</a:t>
+              <a:t>5/19/2018</a:t>
             </a:fld>
             <a:endParaRPr lang="en-US"/>
           </a:p>
@@ -1650,7 +4392,7 @@
     </p:spTree>
     <p:extLst>
       <p:ext uri="{BB962C8B-B14F-4D97-AF65-F5344CB8AC3E}">
-        <p14:creationId xmlns:p14="http://schemas.microsoft.com/office/powerpoint/2010/main" val="4090400398"/>
+        <p14:creationId xmlns:p14="http://schemas.microsoft.com/office/powerpoint/2010/main" val="3174691804"/>
       </p:ext>
     </p:extLst>
   </p:cSld>
@@ -1677,20 +4419,50 @@
           <a:chExt cx="0" cy="0"/>
         </a:xfrm>
       </p:grpSpPr>
-      <p:sp>
-        <p:nvSpPr>
-          <p:cNvPr id="10" name="Title 9"/>
-          <p:cNvSpPr>
-            <a:spLocks noGrp="1"/>
-          </p:cNvSpPr>
-          <p:nvPr>
-            <p:ph type="title"/>
-          </p:nvPr>
-        </p:nvSpPr>
+      <p:pic>
+        <p:nvPicPr>
+          <p:cNvPr id="15" name="Picture 14" descr="Droplets-HD-Content-R1d.png"/>
+          <p:cNvPicPr>
+            <a:picLocks noChangeAspect="1"/>
+          </p:cNvPicPr>
+          <p:nvPr/>
+        </p:nvPicPr>
+        <p:blipFill>
+          <a:blip r:embed="rId2">
+            <a:extLst>
+              <a:ext uri="{28A0092B-C50C-407E-A947-70E740481C1C}">
+                <a14:useLocalDpi xmlns:a14="http://schemas.microsoft.com/office/drawing/2010/main" val="0"/>
+              </a:ext>
+            </a:extLst>
+          </a:blip>
+          <a:stretch>
+            <a:fillRect/>
+          </a:stretch>
+        </p:blipFill>
         <p:spPr>
           <a:xfrm>
-            <a:off x="1097280" y="286603"/>
-            <a:ext cx="10058400" cy="1450757"/>
+            <a:off x="0" y="0"/>
+            <a:ext cx="12192000" cy="6858000"/>
+          </a:xfrm>
+          <a:prstGeom prst="rect">
+            <a:avLst/>
+          </a:prstGeom>
+        </p:spPr>
+      </p:pic>
+      <p:sp>
+        <p:nvSpPr>
+          <p:cNvPr id="14" name="Title 1"/>
+          <p:cNvSpPr>
+            <a:spLocks noGrp="1"/>
+          </p:cNvSpPr>
+          <p:nvPr>
+            <p:ph type="title"/>
+          </p:nvPr>
+        </p:nvSpPr>
+        <p:spPr>
+          <a:xfrm>
+            <a:off x="913775" y="618517"/>
+            <a:ext cx="10364451" cy="1596177"/>
           </a:xfrm>
         </p:spPr>
         <p:txBody>
@@ -1717,20 +4489,23 @@
         </p:nvSpPr>
         <p:spPr>
           <a:xfrm>
-            <a:off x="1097280" y="1846052"/>
-            <a:ext cx="4937760" cy="736282"/>
+            <a:off x="1146328" y="2371018"/>
+            <a:ext cx="4873474" cy="679994"/>
           </a:xfrm>
         </p:spPr>
         <p:txBody>
-          <a:bodyPr lIns="91440" rIns="91440" anchor="ctr">
-            <a:normAutofit/>
+          <a:bodyPr anchor="b">
+            <a:noAutofit/>
           </a:bodyPr>
           <a:lstStyle>
             <a:lvl1pPr marL="0" indent="0">
-              <a:buNone/>
-              <a:defRPr sz="2000" b="0" cap="all" baseline="0">
+              <a:lnSpc>
+                <a:spcPct val="85000"/>
+              </a:lnSpc>
+              <a:buNone/>
+              <a:defRPr sz="2600" b="0">
                 <a:solidFill>
-                  <a:schemeClr val="tx2"/>
+                  <a:schemeClr val="tx1"/>
                 </a:solidFill>
               </a:defRPr>
             </a:lvl1pPr>
@@ -1778,18 +4553,18 @@
       </p:sp>
       <p:sp>
         <p:nvSpPr>
-          <p:cNvPr id="4" name="Content Placeholder 3"/>
-          <p:cNvSpPr>
-            <a:spLocks noGrp="1"/>
-          </p:cNvSpPr>
-          <p:nvPr>
-            <p:ph sz="half" idx="2"/>
+          <p:cNvPr id="12" name="Content Placeholder 3"/>
+          <p:cNvSpPr>
+            <a:spLocks noGrp="1"/>
+          </p:cNvSpPr>
+          <p:nvPr>
+            <p:ph sz="quarter" idx="13"/>
           </p:nvPr>
         </p:nvSpPr>
         <p:spPr>
           <a:xfrm>
-            <a:off x="1097280" y="2582334"/>
-            <a:ext cx="4937760" cy="3378200"/>
+            <a:off x="913774" y="3051012"/>
+            <a:ext cx="5106027" cy="2740187"/>
           </a:xfrm>
         </p:spPr>
         <p:txBody>
@@ -1845,20 +4620,23 @@
         </p:nvSpPr>
         <p:spPr>
           <a:xfrm>
-            <a:off x="6217920" y="1846052"/>
-            <a:ext cx="4937760" cy="736282"/>
+            <a:off x="6396423" y="2371018"/>
+            <a:ext cx="4881804" cy="679994"/>
           </a:xfrm>
         </p:spPr>
         <p:txBody>
-          <a:bodyPr lIns="91440" rIns="91440" anchor="ctr">
-            <a:normAutofit/>
+          <a:bodyPr anchor="b">
+            <a:noAutofit/>
           </a:bodyPr>
           <a:lstStyle>
             <a:lvl1pPr marL="0" indent="0">
-              <a:buNone/>
-              <a:defRPr sz="2000" b="0" cap="all" baseline="0">
+              <a:lnSpc>
+                <a:spcPct val="85000"/>
+              </a:lnSpc>
+              <a:buNone/>
+              <a:defRPr sz="2600" b="0">
                 <a:solidFill>
-                  <a:schemeClr val="tx2"/>
+                  <a:schemeClr val="tx1"/>
                 </a:solidFill>
               </a:defRPr>
             </a:lvl1pPr>
@@ -1906,18 +4684,18 @@
       </p:sp>
       <p:sp>
         <p:nvSpPr>
-          <p:cNvPr id="6" name="Content Placeholder 5"/>
-          <p:cNvSpPr>
-            <a:spLocks noGrp="1"/>
-          </p:cNvSpPr>
-          <p:nvPr>
-            <p:ph sz="quarter" idx="4"/>
+          <p:cNvPr id="13" name="Content Placeholder 5"/>
+          <p:cNvSpPr>
+            <a:spLocks noGrp="1"/>
+          </p:cNvSpPr>
+          <p:nvPr>
+            <p:ph sz="quarter" idx="14"/>
           </p:nvPr>
         </p:nvSpPr>
         <p:spPr>
           <a:xfrm>
-            <a:off x="6217920" y="2582334"/>
-            <a:ext cx="4937760" cy="3378200"/>
+            <a:off x="6172200" y="3051012"/>
+            <a:ext cx="5105401" cy="2740187"/>
           </a:xfrm>
         </p:spPr>
         <p:txBody>
@@ -1978,7 +4756,7 @@
           <a:p>
             <a:fld id="{DFCBF3FA-A751-4570-8FB6-4B690BA30EB0}" type="datetimeFigureOut">
               <a:rPr lang="en-US" smtClean="0"/>
-              <a:t>5/18/2018</a:t>
+              <a:t>5/19/2018</a:t>
             </a:fld>
             <a:endParaRPr lang="en-US"/>
           </a:p>
@@ -2029,7 +4807,7 @@
     </p:spTree>
     <p:extLst>
       <p:ext uri="{BB962C8B-B14F-4D97-AF65-F5344CB8AC3E}">
-        <p14:creationId xmlns:p14="http://schemas.microsoft.com/office/powerpoint/2010/main" val="1587442451"/>
+        <p14:creationId xmlns:p14="http://schemas.microsoft.com/office/powerpoint/2010/main" val="230144680"/>
       </p:ext>
     </p:extLst>
   </p:cSld>
@@ -2056,6 +4834,36 @@
           <a:chExt cx="0" cy="0"/>
         </a:xfrm>
       </p:grpSpPr>
+      <p:pic>
+        <p:nvPicPr>
+          <p:cNvPr id="8" name="Picture 7" descr="Droplets-HD-Content-R1d.png"/>
+          <p:cNvPicPr>
+            <a:picLocks noChangeAspect="1"/>
+          </p:cNvPicPr>
+          <p:nvPr/>
+        </p:nvPicPr>
+        <p:blipFill>
+          <a:blip r:embed="rId2">
+            <a:extLst>
+              <a:ext uri="{28A0092B-C50C-407E-A947-70E740481C1C}">
+                <a14:useLocalDpi xmlns:a14="http://schemas.microsoft.com/office/drawing/2010/main" val="0"/>
+              </a:ext>
+            </a:extLst>
+          </a:blip>
+          <a:stretch>
+            <a:fillRect/>
+          </a:stretch>
+        </p:blipFill>
+        <p:spPr>
+          <a:xfrm>
+            <a:off x="0" y="0"/>
+            <a:ext cx="12192000" cy="6858000"/>
+          </a:xfrm>
+          <a:prstGeom prst="rect">
+            <a:avLst/>
+          </a:prstGeom>
+        </p:spPr>
+      </p:pic>
       <p:sp>
         <p:nvSpPr>
           <p:cNvPr id="2" name="Title 1"/>
@@ -2096,7 +4904,7 @@
           <a:p>
             <a:fld id="{DFCBF3FA-A751-4570-8FB6-4B690BA30EB0}" type="datetimeFigureOut">
               <a:rPr lang="en-US" smtClean="0"/>
-              <a:t>5/18/2018</a:t>
+              <a:t>5/19/2018</a:t>
             </a:fld>
             <a:endParaRPr lang="en-US"/>
           </a:p>
@@ -2147,7 +4955,7 @@
     </p:spTree>
     <p:extLst>
       <p:ext uri="{BB962C8B-B14F-4D97-AF65-F5344CB8AC3E}">
-        <p14:creationId xmlns:p14="http://schemas.microsoft.com/office/powerpoint/2010/main" val="2123163551"/>
+        <p14:creationId xmlns:p14="http://schemas.microsoft.com/office/powerpoint/2010/main" val="2702616362"/>
       </p:ext>
     </p:extLst>
   </p:cSld>
@@ -2158,7 +4966,7 @@
 </file>
 
 <file path=ppt/slideLayouts/slideLayout7.xml><?xml version="1.0" encoding="utf-8"?>
-<p:sldLayout xmlns:a="http://schemas.openxmlformats.org/drawingml/2006/main" xmlns:r="http://schemas.openxmlformats.org/officeDocument/2006/relationships" xmlns:p="http://schemas.openxmlformats.org/presentationml/2006/main" showMasterSp="0" type="blank" preserve="1">
+<p:sldLayout xmlns:a="http://schemas.openxmlformats.org/drawingml/2006/main" xmlns:r="http://schemas.openxmlformats.org/officeDocument/2006/relationships" xmlns:p="http://schemas.openxmlformats.org/presentationml/2006/main" type="blank" preserve="1">
   <p:cSld name="空白">
     <p:spTree>
       <p:nvGrpSpPr>
@@ -2174,85 +4982,39 @@
           <a:chExt cx="0" cy="0"/>
         </a:xfrm>
       </p:grpSpPr>
-      <p:sp>
-        <p:nvSpPr>
-          <p:cNvPr id="5" name="Rectangle 4"/>
-          <p:cNvSpPr/>
+      <p:pic>
+        <p:nvPicPr>
+          <p:cNvPr id="7" name="Picture 6" descr="Droplets-HD-Content-R1d.png"/>
+          <p:cNvPicPr>
+            <a:picLocks noChangeAspect="1"/>
+          </p:cNvPicPr>
           <p:nvPr/>
-        </p:nvSpPr>
+        </p:nvPicPr>
+        <p:blipFill>
+          <a:blip r:embed="rId2">
+            <a:extLst>
+              <a:ext uri="{28A0092B-C50C-407E-A947-70E740481C1C}">
+                <a14:useLocalDpi xmlns:a14="http://schemas.microsoft.com/office/drawing/2010/main" val="0"/>
+              </a:ext>
+            </a:extLst>
+          </a:blip>
+          <a:stretch>
+            <a:fillRect/>
+          </a:stretch>
+        </p:blipFill>
         <p:spPr>
           <a:xfrm>
-            <a:off x="3175" y="6400800"/>
-            <a:ext cx="12188825" cy="457200"/>
+            <a:off x="0" y="0"/>
+            <a:ext cx="12192000" cy="6858000"/>
           </a:xfrm>
           <a:prstGeom prst="rect">
             <a:avLst/>
           </a:prstGeom>
-          <a:solidFill>
-            <a:schemeClr val="accent2"/>
-          </a:solidFill>
-          <a:ln>
-            <a:noFill/>
-          </a:ln>
         </p:spPr>
-        <p:style>
-          <a:lnRef idx="2">
-            <a:schemeClr val="accent1">
-              <a:shade val="50000"/>
-            </a:schemeClr>
-          </a:lnRef>
-          <a:fillRef idx="1">
-            <a:schemeClr val="accent1"/>
-          </a:fillRef>
-          <a:effectRef idx="0">
-            <a:schemeClr val="accent1"/>
-          </a:effectRef>
-          <a:fontRef idx="minor">
-            <a:schemeClr val="lt1"/>
-          </a:fontRef>
-        </p:style>
-      </p:sp>
-      <p:sp>
-        <p:nvSpPr>
-          <p:cNvPr id="6" name="Rectangle 5"/>
-          <p:cNvSpPr/>
-          <p:nvPr/>
-        </p:nvSpPr>
-        <p:spPr>
-          <a:xfrm>
-            <a:off x="15" y="6334316"/>
-            <a:ext cx="12188825" cy="64008"/>
-          </a:xfrm>
-          <a:prstGeom prst="rect">
-            <a:avLst/>
-          </a:prstGeom>
-          <a:solidFill>
-            <a:schemeClr val="accent1"/>
-          </a:solidFill>
-          <a:ln>
-            <a:noFill/>
-          </a:ln>
-        </p:spPr>
-        <p:style>
-          <a:lnRef idx="2">
-            <a:schemeClr val="accent1">
-              <a:shade val="50000"/>
-            </a:schemeClr>
-          </a:lnRef>
-          <a:fillRef idx="1">
-            <a:schemeClr val="accent1"/>
-          </a:fillRef>
-          <a:effectRef idx="0">
-            <a:schemeClr val="accent1"/>
-          </a:effectRef>
-          <a:fontRef idx="minor">
-            <a:schemeClr val="lt1"/>
-          </a:fontRef>
-        </p:style>
-      </p:sp>
-      <p:sp>
-        <p:nvSpPr>
-          <p:cNvPr id="7" name="Date Placeholder 6"/>
+      </p:pic>
+      <p:sp>
+        <p:nvSpPr>
+          <p:cNvPr id="2" name="Date Placeholder 1"/>
           <p:cNvSpPr>
             <a:spLocks noGrp="1"/>
           </p:cNvSpPr>
@@ -2267,7 +5029,7 @@
           <a:p>
             <a:fld id="{DFCBF3FA-A751-4570-8FB6-4B690BA30EB0}" type="datetimeFigureOut">
               <a:rPr lang="en-US" smtClean="0"/>
-              <a:t>5/18/2018</a:t>
+              <a:t>5/19/2018</a:t>
             </a:fld>
             <a:endParaRPr lang="en-US"/>
           </a:p>
@@ -2275,7 +5037,7 @@
       </p:sp>
       <p:sp>
         <p:nvSpPr>
-          <p:cNvPr id="8" name="Footer Placeholder 7"/>
+          <p:cNvPr id="3" name="Footer Placeholder 2"/>
           <p:cNvSpPr>
             <a:spLocks noGrp="1"/>
           </p:cNvSpPr>
@@ -2286,15 +5048,7 @@
         <p:spPr/>
         <p:txBody>
           <a:bodyPr/>
-          <a:lstStyle>
-            <a:lvl1pPr>
-              <a:defRPr>
-                <a:solidFill>
-                  <a:srgbClr val="FFFFFF"/>
-                </a:solidFill>
-              </a:defRPr>
-            </a:lvl1pPr>
-          </a:lstStyle>
+          <a:lstStyle/>
           <a:p>
             <a:endParaRPr lang="en-US"/>
           </a:p>
@@ -2302,7 +5056,7 @@
       </p:sp>
       <p:sp>
         <p:nvSpPr>
-          <p:cNvPr id="9" name="Slide Number Placeholder 8"/>
+          <p:cNvPr id="4" name="Slide Number Placeholder 3"/>
           <p:cNvSpPr>
             <a:spLocks noGrp="1"/>
           </p:cNvSpPr>
@@ -2326,7 +5080,7 @@
     </p:spTree>
     <p:extLst>
       <p:ext uri="{BB962C8B-B14F-4D97-AF65-F5344CB8AC3E}">
-        <p14:creationId xmlns:p14="http://schemas.microsoft.com/office/powerpoint/2010/main" val="4004228743"/>
+        <p14:creationId xmlns:p14="http://schemas.microsoft.com/office/powerpoint/2010/main" val="2959852233"/>
       </p:ext>
     </p:extLst>
   </p:cSld>
@@ -2337,7 +5091,7 @@
 </file>
 
 <file path=ppt/slideLayouts/slideLayout8.xml><?xml version="1.0" encoding="utf-8"?>
-<p:sldLayout xmlns:a="http://schemas.openxmlformats.org/drawingml/2006/main" xmlns:r="http://schemas.openxmlformats.org/officeDocument/2006/relationships" xmlns:p="http://schemas.openxmlformats.org/presentationml/2006/main" showMasterSp="0" type="objTx" preserve="1">
+<p:sldLayout xmlns:a="http://schemas.openxmlformats.org/drawingml/2006/main" xmlns:r="http://schemas.openxmlformats.org/officeDocument/2006/relationships" xmlns:p="http://schemas.openxmlformats.org/presentationml/2006/main" type="objTx" preserve="1">
   <p:cSld name="内容与标题">
     <p:spTree>
       <p:nvGrpSpPr>
@@ -2353,115 +5107,120 @@
           <a:chExt cx="0" cy="0"/>
         </a:xfrm>
       </p:grpSpPr>
-      <p:sp>
-        <p:nvSpPr>
-          <p:cNvPr id="8" name="Rectangle 7"/>
-          <p:cNvSpPr/>
+      <p:pic>
+        <p:nvPicPr>
+          <p:cNvPr id="11" name="Picture 10" descr="Droplets-HD-Content-R1d.png"/>
+          <p:cNvPicPr>
+            <a:picLocks noChangeAspect="1"/>
+          </p:cNvPicPr>
           <p:nvPr/>
-        </p:nvSpPr>
+        </p:nvPicPr>
+        <p:blipFill>
+          <a:blip r:embed="rId2">
+            <a:extLst>
+              <a:ext uri="{28A0092B-C50C-407E-A947-70E740481C1C}">
+                <a14:useLocalDpi xmlns:a14="http://schemas.microsoft.com/office/drawing/2010/main" val="0"/>
+              </a:ext>
+            </a:extLst>
+          </a:blip>
+          <a:stretch>
+            <a:fillRect/>
+          </a:stretch>
+        </p:blipFill>
         <p:spPr>
           <a:xfrm>
-            <a:off x="16" y="0"/>
-            <a:ext cx="4050791" cy="6858000"/>
+            <a:off x="0" y="0"/>
+            <a:ext cx="12192000" cy="6858000"/>
           </a:xfrm>
           <a:prstGeom prst="rect">
             <a:avLst/>
           </a:prstGeom>
-          <a:solidFill>
-            <a:schemeClr val="accent2"/>
-          </a:solidFill>
-          <a:ln>
-            <a:noFill/>
-          </a:ln>
         </p:spPr>
-        <p:style>
-          <a:lnRef idx="2">
-            <a:schemeClr val="accent1">
-              <a:shade val="50000"/>
-            </a:schemeClr>
-          </a:lnRef>
-          <a:fillRef idx="1">
-            <a:schemeClr val="accent1"/>
-          </a:fillRef>
-          <a:effectRef idx="0">
-            <a:schemeClr val="accent1"/>
-          </a:effectRef>
-          <a:fontRef idx="minor">
-            <a:schemeClr val="lt1"/>
-          </a:fontRef>
-        </p:style>
-      </p:sp>
-      <p:sp>
-        <p:nvSpPr>
-          <p:cNvPr id="9" name="Rectangle 8"/>
-          <p:cNvSpPr/>
-          <p:nvPr/>
+      </p:pic>
+      <p:sp>
+        <p:nvSpPr>
+          <p:cNvPr id="2" name="Title 1"/>
+          <p:cNvSpPr>
+            <a:spLocks noGrp="1"/>
+          </p:cNvSpPr>
+          <p:nvPr>
+            <p:ph type="title"/>
+          </p:nvPr>
         </p:nvSpPr>
         <p:spPr>
           <a:xfrm>
-            <a:off x="4040071" y="0"/>
-            <a:ext cx="64008" cy="6858000"/>
+            <a:off x="913775" y="609600"/>
+            <a:ext cx="3935688" cy="2023252"/>
           </a:xfrm>
-          <a:prstGeom prst="rect">
-            <a:avLst/>
-          </a:prstGeom>
-          <a:solidFill>
-            <a:schemeClr val="accent1"/>
-          </a:solidFill>
-          <a:ln>
-            <a:noFill/>
-          </a:ln>
         </p:spPr>
-        <p:style>
-          <a:lnRef idx="2">
-            <a:schemeClr val="accent1">
-              <a:shade val="50000"/>
-            </a:schemeClr>
-          </a:lnRef>
-          <a:fillRef idx="1">
-            <a:schemeClr val="accent1"/>
-          </a:fillRef>
-          <a:effectRef idx="0">
-            <a:schemeClr val="accent1"/>
-          </a:effectRef>
-          <a:fontRef idx="minor">
-            <a:schemeClr val="lt1"/>
-          </a:fontRef>
-        </p:style>
-      </p:sp>
-      <p:sp>
-        <p:nvSpPr>
-          <p:cNvPr id="2" name="Title 1"/>
-          <p:cNvSpPr>
-            <a:spLocks noGrp="1"/>
-          </p:cNvSpPr>
-          <p:nvPr>
-            <p:ph type="title"/>
+        <p:txBody>
+          <a:bodyPr anchor="b"/>
+          <a:lstStyle>
+            <a:lvl1pPr algn="ctr">
+              <a:defRPr sz="3200"/>
+            </a:lvl1pPr>
+          </a:lstStyle>
+          <a:p>
+            <a:r>
+              <a:rPr lang="zh-CN" altLang="en-US"/>
+              <a:t>单击此处编辑母版标题样式</a:t>
+            </a:r>
+            <a:endParaRPr lang="en-US" dirty="0"/>
+          </a:p>
+        </p:txBody>
+      </p:sp>
+      <p:sp>
+        <p:nvSpPr>
+          <p:cNvPr id="10" name="Content Placeholder 2"/>
+          <p:cNvSpPr>
+            <a:spLocks noGrp="1"/>
+          </p:cNvSpPr>
+          <p:nvPr>
+            <p:ph sz="quarter" idx="13"/>
           </p:nvPr>
         </p:nvSpPr>
         <p:spPr>
           <a:xfrm>
-            <a:off x="457200" y="594359"/>
-            <a:ext cx="3200400" cy="2286000"/>
+            <a:off x="5078062" y="609600"/>
+            <a:ext cx="6200163" cy="5181599"/>
           </a:xfrm>
         </p:spPr>
         <p:txBody>
-          <a:bodyPr anchor="b">
-            <a:normAutofit/>
-          </a:bodyPr>
-          <a:lstStyle>
-            <a:lvl1pPr>
-              <a:defRPr sz="3600" b="0">
-                <a:solidFill>
-                  <a:srgbClr val="FFFFFF"/>
-                </a:solidFill>
-              </a:defRPr>
-            </a:lvl1pPr>
-          </a:lstStyle>
-          <a:p>
-            <a:r>
-              <a:rPr lang="zh-CN" altLang="en-US"/>
-              <a:t>单击此处编辑母版标题样式</a:t>
+          <a:bodyPr/>
+          <a:lstStyle/>
+          <a:p>
+            <a:pPr lvl="0"/>
+            <a:r>
+              <a:rPr lang="zh-CN" altLang="en-US"/>
+              <a:t>编辑母版文本样式</a:t>
+            </a:r>
+          </a:p>
+          <a:p>
+            <a:pPr lvl="1"/>
+            <a:r>
+              <a:rPr lang="zh-CN" altLang="en-US"/>
+              <a:t>第二级</a:t>
+            </a:r>
+          </a:p>
+          <a:p>
+            <a:pPr lvl="2"/>
+            <a:r>
+              <a:rPr lang="zh-CN" altLang="en-US"/>
+              <a:t>第三级</a:t>
+            </a:r>
+          </a:p>
+          <a:p>
+            <a:pPr lvl="3"/>
+            <a:r>
+              <a:rPr lang="zh-CN" altLang="en-US"/>
+              <a:t>第四级</a:t>
+            </a:r>
+          </a:p>
+          <a:p>
+            <a:pPr lvl="4"/>
+            <a:r>
+              <a:rPr lang="zh-CN" altLang="en-US"/>
+              <a:t>第五级</a:t>
             </a:r>
             <a:endParaRPr lang="en-US" dirty="0"/>
           </a:p>
@@ -2469,121 +5228,58 @@
       </p:sp>
       <p:sp>
         <p:nvSpPr>
-          <p:cNvPr id="3" name="Content Placeholder 2"/>
-          <p:cNvSpPr>
-            <a:spLocks noGrp="1"/>
-          </p:cNvSpPr>
-          <p:nvPr>
-            <p:ph idx="1"/>
+          <p:cNvPr id="4" name="Text Placeholder 3"/>
+          <p:cNvSpPr>
+            <a:spLocks noGrp="1"/>
+          </p:cNvSpPr>
+          <p:nvPr>
+            <p:ph type="body" sz="half" idx="2"/>
           </p:nvPr>
         </p:nvSpPr>
         <p:spPr>
           <a:xfrm>
-            <a:off x="4800600" y="731520"/>
-            <a:ext cx="6492240" cy="5257800"/>
+            <a:off x="913774" y="2632852"/>
+            <a:ext cx="3935689" cy="3158348"/>
           </a:xfrm>
         </p:spPr>
         <p:txBody>
           <a:bodyPr/>
-          <a:lstStyle/>
-          <a:p>
-            <a:pPr lvl="0"/>
-            <a:r>
-              <a:rPr lang="zh-CN" altLang="en-US"/>
-              <a:t>编辑母版文本样式</a:t>
-            </a:r>
-          </a:p>
-          <a:p>
-            <a:pPr lvl="1"/>
-            <a:r>
-              <a:rPr lang="zh-CN" altLang="en-US"/>
-              <a:t>第二级</a:t>
-            </a:r>
-          </a:p>
-          <a:p>
-            <a:pPr lvl="2"/>
-            <a:r>
-              <a:rPr lang="zh-CN" altLang="en-US"/>
-              <a:t>第三级</a:t>
-            </a:r>
-          </a:p>
-          <a:p>
-            <a:pPr lvl="3"/>
-            <a:r>
-              <a:rPr lang="zh-CN" altLang="en-US"/>
-              <a:t>第四级</a:t>
-            </a:r>
-          </a:p>
-          <a:p>
-            <a:pPr lvl="4"/>
-            <a:r>
-              <a:rPr lang="zh-CN" altLang="en-US"/>
-              <a:t>第五级</a:t>
-            </a:r>
-            <a:endParaRPr lang="en-US" dirty="0"/>
-          </a:p>
-        </p:txBody>
-      </p:sp>
-      <p:sp>
-        <p:nvSpPr>
-          <p:cNvPr id="4" name="Text Placeholder 3"/>
-          <p:cNvSpPr>
-            <a:spLocks noGrp="1"/>
-          </p:cNvSpPr>
-          <p:nvPr>
-            <p:ph type="body" sz="half" idx="2"/>
-          </p:nvPr>
-        </p:nvSpPr>
-        <p:spPr>
-          <a:xfrm>
-            <a:off x="457200" y="2926080"/>
-            <a:ext cx="3200400" cy="3379124"/>
-          </a:xfrm>
-        </p:spPr>
-        <p:txBody>
-          <a:bodyPr lIns="91440" rIns="91440">
-            <a:normAutofit/>
-          </a:bodyPr>
           <a:lstStyle>
-            <a:lvl1pPr marL="0" indent="0">
-              <a:buNone/>
-              <a:defRPr sz="1500">
-                <a:solidFill>
-                  <a:srgbClr val="FFFFFF"/>
-                </a:solidFill>
-              </a:defRPr>
+            <a:lvl1pPr marL="0" indent="0" algn="ctr">
+              <a:buNone/>
+              <a:defRPr sz="1600"/>
             </a:lvl1pPr>
             <a:lvl2pPr marL="457200" indent="0">
               <a:buNone/>
-              <a:defRPr sz="1200"/>
+              <a:defRPr sz="1400"/>
             </a:lvl2pPr>
             <a:lvl3pPr marL="914400" indent="0">
               <a:buNone/>
-              <a:defRPr sz="1000"/>
+              <a:defRPr sz="1200"/>
             </a:lvl3pPr>
             <a:lvl4pPr marL="1371600" indent="0">
               <a:buNone/>
-              <a:defRPr sz="900"/>
+              <a:defRPr sz="1000"/>
             </a:lvl4pPr>
             <a:lvl5pPr marL="1828800" indent="0">
               <a:buNone/>
-              <a:defRPr sz="900"/>
+              <a:defRPr sz="1000"/>
             </a:lvl5pPr>
             <a:lvl6pPr marL="2286000" indent="0">
               <a:buNone/>
-              <a:defRPr sz="900"/>
+              <a:defRPr sz="1000"/>
             </a:lvl6pPr>
             <a:lvl7pPr marL="2743200" indent="0">
               <a:buNone/>
-              <a:defRPr sz="900"/>
+              <a:defRPr sz="1000"/>
             </a:lvl7pPr>
             <a:lvl8pPr marL="3200400" indent="0">
               <a:buNone/>
-              <a:defRPr sz="900"/>
+              <a:defRPr sz="1000"/>
             </a:lvl8pPr>
             <a:lvl9pPr marL="3657600" indent="0">
               <a:buNone/>
-              <a:defRPr sz="900"/>
+              <a:defRPr sz="1000"/>
             </a:lvl9pPr>
           </a:lstStyle>
           <a:p>
@@ -2605,23 +5301,14 @@
             <p:ph type="dt" sz="half" idx="10"/>
           </p:nvPr>
         </p:nvSpPr>
-        <p:spPr>
-          <a:xfrm>
-            <a:off x="465512" y="6459785"/>
-            <a:ext cx="2618510" cy="365125"/>
-          </a:xfrm>
-        </p:spPr>
-        <p:txBody>
-          <a:bodyPr/>
-          <a:lstStyle>
-            <a:lvl1pPr algn="l">
-              <a:defRPr/>
-            </a:lvl1pPr>
-          </a:lstStyle>
+        <p:spPr/>
+        <p:txBody>
+          <a:bodyPr/>
+          <a:lstStyle/>
           <a:p>
             <a:fld id="{DFCBF3FA-A751-4570-8FB6-4B690BA30EB0}" type="datetimeFigureOut">
               <a:rPr lang="en-US" smtClean="0"/>
-              <a:t>5/18/2018</a:t>
+              <a:t>5/19/2018</a:t>
             </a:fld>
             <a:endParaRPr lang="en-US"/>
           </a:p>
@@ -2637,23 +5324,10 @@
             <p:ph type="ftr" sz="quarter" idx="11"/>
           </p:nvPr>
         </p:nvSpPr>
-        <p:spPr>
-          <a:xfrm>
-            <a:off x="4800600" y="6459785"/>
-            <a:ext cx="4648200" cy="365125"/>
-          </a:xfrm>
-        </p:spPr>
-        <p:txBody>
-          <a:bodyPr/>
-          <a:lstStyle>
-            <a:lvl1pPr algn="l">
-              <a:defRPr>
-                <a:solidFill>
-                  <a:schemeClr val="tx2"/>
-                </a:solidFill>
-              </a:defRPr>
-            </a:lvl1pPr>
-          </a:lstStyle>
+        <p:spPr/>
+        <p:txBody>
+          <a:bodyPr/>
+          <a:lstStyle/>
           <a:p>
             <a:endParaRPr lang="en-US"/>
           </a:p>
@@ -2672,15 +5346,7 @@
         <p:spPr/>
         <p:txBody>
           <a:bodyPr/>
-          <a:lstStyle>
-            <a:lvl1pPr>
-              <a:defRPr>
-                <a:solidFill>
-                  <a:schemeClr val="tx2"/>
-                </a:solidFill>
-              </a:defRPr>
-            </a:lvl1pPr>
-          </a:lstStyle>
+          <a:lstStyle/>
           <a:p>
             <a:fld id="{C3C198C5-E517-4925-8CF9-4EB4847817F8}" type="slidenum">
               <a:rPr lang="en-US" smtClean="0"/>
@@ -2693,7 +5359,7 @@
     </p:spTree>
     <p:extLst>
       <p:ext uri="{BB962C8B-B14F-4D97-AF65-F5344CB8AC3E}">
-        <p14:creationId xmlns:p14="http://schemas.microsoft.com/office/powerpoint/2010/main" val="2773476577"/>
+        <p14:creationId xmlns:p14="http://schemas.microsoft.com/office/powerpoint/2010/main" val="525199869"/>
       </p:ext>
     </p:extLst>
   </p:cSld>
@@ -2704,7 +5370,7 @@
 </file>
 
 <file path=ppt/slideLayouts/slideLayout9.xml><?xml version="1.0" encoding="utf-8"?>
-<p:sldLayout xmlns:a="http://schemas.openxmlformats.org/drawingml/2006/main" xmlns:r="http://schemas.openxmlformats.org/officeDocument/2006/relationships" xmlns:p="http://schemas.openxmlformats.org/presentationml/2006/main" showMasterSp="0" type="picTx" preserve="1">
+<p:sldLayout xmlns:a="http://schemas.openxmlformats.org/drawingml/2006/main" xmlns:r="http://schemas.openxmlformats.org/officeDocument/2006/relationships" xmlns:p="http://schemas.openxmlformats.org/presentationml/2006/main" type="picTx" preserve="1">
   <p:cSld name="图片与标题">
     <p:spTree>
       <p:nvGrpSpPr>
@@ -2720,152 +5386,115 @@
           <a:chExt cx="0" cy="0"/>
         </a:xfrm>
       </p:grpSpPr>
-      <p:sp>
-        <p:nvSpPr>
-          <p:cNvPr id="8" name="Rectangle 7"/>
-          <p:cNvSpPr/>
+      <p:pic>
+        <p:nvPicPr>
+          <p:cNvPr id="10" name="Picture 9" descr="Droplets-HD-Content-R1d.png"/>
+          <p:cNvPicPr>
+            <a:picLocks noChangeAspect="1"/>
+          </p:cNvPicPr>
           <p:nvPr/>
-        </p:nvSpPr>
+        </p:nvPicPr>
+        <p:blipFill>
+          <a:blip r:embed="rId2">
+            <a:extLst>
+              <a:ext uri="{28A0092B-C50C-407E-A947-70E740481C1C}">
+                <a14:useLocalDpi xmlns:a14="http://schemas.microsoft.com/office/drawing/2010/main" val="0"/>
+              </a:ext>
+            </a:extLst>
+          </a:blip>
+          <a:stretch>
+            <a:fillRect/>
+          </a:stretch>
+        </p:blipFill>
         <p:spPr>
           <a:xfrm>
-            <a:off x="0" y="4953000"/>
-            <a:ext cx="12188825" cy="1905000"/>
+            <a:off x="0" y="0"/>
+            <a:ext cx="12192000" cy="6858000"/>
           </a:xfrm>
           <a:prstGeom prst="rect">
             <a:avLst/>
           </a:prstGeom>
-          <a:solidFill>
-            <a:schemeClr val="accent2"/>
-          </a:solidFill>
-          <a:ln>
-            <a:noFill/>
-          </a:ln>
         </p:spPr>
-        <p:style>
-          <a:lnRef idx="2">
-            <a:schemeClr val="accent1">
-              <a:shade val="50000"/>
-            </a:schemeClr>
-          </a:lnRef>
-          <a:fillRef idx="1">
-            <a:schemeClr val="accent1"/>
-          </a:fillRef>
-          <a:effectRef idx="0">
-            <a:schemeClr val="accent1"/>
-          </a:effectRef>
-          <a:fontRef idx="minor">
-            <a:schemeClr val="lt1"/>
-          </a:fontRef>
-        </p:style>
-      </p:sp>
-      <p:sp>
-        <p:nvSpPr>
-          <p:cNvPr id="9" name="Rectangle 8"/>
-          <p:cNvSpPr/>
-          <p:nvPr/>
+      </p:pic>
+      <p:sp>
+        <p:nvSpPr>
+          <p:cNvPr id="2" name="Title 1"/>
+          <p:cNvSpPr>
+            <a:spLocks noGrp="1"/>
+          </p:cNvSpPr>
+          <p:nvPr>
+            <p:ph type="title"/>
+          </p:nvPr>
         </p:nvSpPr>
         <p:spPr>
           <a:xfrm>
-            <a:off x="15" y="4915076"/>
-            <a:ext cx="12188825" cy="64008"/>
+            <a:off x="913774" y="609600"/>
+            <a:ext cx="5934969" cy="2023254"/>
           </a:xfrm>
-          <a:prstGeom prst="rect">
-            <a:avLst/>
-          </a:prstGeom>
-          <a:solidFill>
-            <a:schemeClr val="accent1"/>
-          </a:solidFill>
-          <a:ln>
-            <a:noFill/>
-          </a:ln>
         </p:spPr>
-        <p:style>
-          <a:lnRef idx="2">
-            <a:schemeClr val="accent1">
-              <a:shade val="50000"/>
-            </a:schemeClr>
-          </a:lnRef>
-          <a:fillRef idx="1">
-            <a:schemeClr val="accent1"/>
-          </a:fillRef>
-          <a:effectRef idx="0">
-            <a:schemeClr val="accent1"/>
-          </a:effectRef>
-          <a:fontRef idx="minor">
-            <a:schemeClr val="lt1"/>
-          </a:fontRef>
-        </p:style>
-      </p:sp>
-      <p:sp>
-        <p:nvSpPr>
-          <p:cNvPr id="2" name="Title 1"/>
-          <p:cNvSpPr>
-            <a:spLocks noGrp="1"/>
-          </p:cNvSpPr>
-          <p:nvPr>
-            <p:ph type="title"/>
+        <p:txBody>
+          <a:bodyPr anchor="b"/>
+          <a:lstStyle>
+            <a:lvl1pPr algn="ctr">
+              <a:defRPr sz="3200"/>
+            </a:lvl1pPr>
+          </a:lstStyle>
+          <a:p>
+            <a:r>
+              <a:rPr lang="zh-CN" altLang="en-US"/>
+              <a:t>单击此处编辑母版标题样式</a:t>
+            </a:r>
+            <a:endParaRPr lang="en-US" dirty="0"/>
+          </a:p>
+        </p:txBody>
+      </p:sp>
+      <p:sp>
+        <p:nvSpPr>
+          <p:cNvPr id="3" name="Picture Placeholder 2"/>
+          <p:cNvSpPr>
+            <a:spLocks noGrp="1" noChangeAspect="1"/>
+          </p:cNvSpPr>
+          <p:nvPr>
+            <p:ph type="pic" idx="1"/>
           </p:nvPr>
         </p:nvSpPr>
         <p:spPr>
           <a:xfrm>
-            <a:off x="1097280" y="5074920"/>
-            <a:ext cx="10113264" cy="822960"/>
+            <a:off x="7424803" y="609601"/>
+            <a:ext cx="3255358" cy="5181600"/>
           </a:xfrm>
+          <a:prstGeom prst="roundRect">
+            <a:avLst>
+              <a:gd name="adj" fmla="val 4943"/>
+            </a:avLst>
+          </a:prstGeom>
+          <a:noFill/>
+          <a:ln w="82550" cap="sq">
+            <a:solidFill>
+              <a:srgbClr val="EAEAEA"/>
+            </a:solidFill>
+            <a:miter lim="800000"/>
+          </a:ln>
+          <a:effectLst/>
+          <a:scene3d>
+            <a:camera prst="orthographicFront"/>
+            <a:lightRig rig="threePt" dir="t">
+              <a:rot lat="0" lon="0" rev="2700000"/>
+            </a:lightRig>
+          </a:scene3d>
+          <a:sp3d contourW="6350">
+            <a:bevelT h="38100"/>
+            <a:contourClr>
+              <a:srgbClr val="C0C0C0"/>
+            </a:contourClr>
+          </a:sp3d>
         </p:spPr>
         <p:txBody>
-          <a:bodyPr lIns="91440" tIns="0" rIns="91440" bIns="0" anchor="b">
-            <a:noAutofit/>
-          </a:bodyPr>
-          <a:lstStyle>
-            <a:lvl1pPr>
-              <a:defRPr sz="3600" b="0">
-                <a:solidFill>
-                  <a:srgbClr val="FFFFFF"/>
-                </a:solidFill>
-              </a:defRPr>
-            </a:lvl1pPr>
-          </a:lstStyle>
-          <a:p>
-            <a:r>
-              <a:rPr lang="zh-CN" altLang="en-US"/>
-              <a:t>单击此处编辑母版标题样式</a:t>
-            </a:r>
-            <a:endParaRPr lang="en-US" dirty="0"/>
-          </a:p>
-        </p:txBody>
-      </p:sp>
-      <p:sp>
-        <p:nvSpPr>
-          <p:cNvPr id="3" name="Picture Placeholder 2"/>
-          <p:cNvSpPr>
-            <a:spLocks noGrp="1" noChangeAspect="1"/>
-          </p:cNvSpPr>
-          <p:nvPr>
-            <p:ph type="pic" idx="1"/>
-          </p:nvPr>
-        </p:nvSpPr>
-        <p:spPr>
-          <a:xfrm>
-            <a:off x="15" y="0"/>
-            <a:ext cx="12191985" cy="4915076"/>
-          </a:xfrm>
-          <a:blipFill>
-            <a:blip r:embed="rId2"/>
-            <a:stretch>
-              <a:fillRect/>
-            </a:stretch>
-          </a:blipFill>
-        </p:spPr>
-        <p:txBody>
-          <a:bodyPr lIns="457200" tIns="457200" anchor="t"/>
+          <a:bodyPr anchor="t"/>
           <a:lstStyle>
             <a:lvl1pPr marL="0" indent="0">
               <a:buNone/>
-              <a:defRPr sz="3200">
-                <a:solidFill>
-                  <a:schemeClr val="bg1"/>
-                </a:solidFill>
-              </a:defRPr>
+              <a:defRPr sz="3200"/>
             </a:lvl1pPr>
             <a:lvl2pPr marL="457200" indent="0">
               <a:buNone/>
@@ -2921,60 +5550,48 @@
         </p:nvSpPr>
         <p:spPr>
           <a:xfrm>
-            <a:off x="1097280" y="5907023"/>
-            <a:ext cx="10113264" cy="594360"/>
+            <a:off x="913794" y="2632852"/>
+            <a:ext cx="5934949" cy="3158347"/>
           </a:xfrm>
         </p:spPr>
         <p:txBody>
-          <a:bodyPr lIns="91440" tIns="0" rIns="91440" bIns="0">
-            <a:normAutofit/>
-          </a:bodyPr>
+          <a:bodyPr/>
           <a:lstStyle>
-            <a:lvl1pPr marL="0" indent="0">
-              <a:spcBef>
-                <a:spcPts val="0"/>
-              </a:spcBef>
-              <a:spcAft>
-                <a:spcPts val="600"/>
-              </a:spcAft>
-              <a:buNone/>
-              <a:defRPr sz="1500">
-                <a:solidFill>
-                  <a:srgbClr val="FFFFFF"/>
-                </a:solidFill>
-              </a:defRPr>
+            <a:lvl1pPr marL="0" indent="0" algn="ctr">
+              <a:buNone/>
+              <a:defRPr sz="1600"/>
             </a:lvl1pPr>
             <a:lvl2pPr marL="457200" indent="0">
               <a:buNone/>
-              <a:defRPr sz="1200"/>
+              <a:defRPr sz="1400"/>
             </a:lvl2pPr>
             <a:lvl3pPr marL="914400" indent="0">
               <a:buNone/>
-              <a:defRPr sz="1000"/>
+              <a:defRPr sz="1200"/>
             </a:lvl3pPr>
             <a:lvl4pPr marL="1371600" indent="0">
               <a:buNone/>
-              <a:defRPr sz="900"/>
+              <a:defRPr sz="1000"/>
             </a:lvl4pPr>
             <a:lvl5pPr marL="1828800" indent="0">
               <a:buNone/>
-              <a:defRPr sz="900"/>
+              <a:defRPr sz="1000"/>
             </a:lvl5pPr>
             <a:lvl6pPr marL="2286000" indent="0">
               <a:buNone/>
-              <a:defRPr sz="900"/>
+              <a:defRPr sz="1000"/>
             </a:lvl6pPr>
             <a:lvl7pPr marL="2743200" indent="0">
               <a:buNone/>
-              <a:defRPr sz="900"/>
+              <a:defRPr sz="1000"/>
             </a:lvl7pPr>
             <a:lvl8pPr marL="3200400" indent="0">
               <a:buNone/>
-              <a:defRPr sz="900"/>
+              <a:defRPr sz="1000"/>
             </a:lvl8pPr>
             <a:lvl9pPr marL="3657600" indent="0">
               <a:buNone/>
-              <a:defRPr sz="900"/>
+              <a:defRPr sz="1000"/>
             </a:lvl9pPr>
           </a:lstStyle>
           <a:p>
@@ -3003,7 +5620,7 @@
           <a:p>
             <a:fld id="{DFCBF3FA-A751-4570-8FB6-4B690BA30EB0}" type="datetimeFigureOut">
               <a:rPr lang="en-US" smtClean="0"/>
-              <a:t>5/18/2018</a:t>
+              <a:t>5/19/2018</a:t>
             </a:fld>
             <a:endParaRPr lang="en-US"/>
           </a:p>
@@ -3024,7 +5641,7 @@
           <a:bodyPr/>
           <a:lstStyle/>
           <a:p>
-            <a:endParaRPr lang="en-US"/>
+            <a:endParaRPr lang="en-US" dirty="0"/>
           </a:p>
         </p:txBody>
       </p:sp>
@@ -3054,7 +5671,7 @@
     </p:spTree>
     <p:extLst>
       <p:ext uri="{BB962C8B-B14F-4D97-AF65-F5344CB8AC3E}">
-        <p14:creationId xmlns:p14="http://schemas.microsoft.com/office/powerpoint/2010/main" val="1960467295"/>
+        <p14:creationId xmlns:p14="http://schemas.microsoft.com/office/powerpoint/2010/main" val="562999125"/>
       </p:ext>
     </p:extLst>
   </p:cSld>
@@ -3068,7 +5685,7 @@
 <p:sldMaster xmlns:a="http://schemas.openxmlformats.org/drawingml/2006/main" xmlns:r="http://schemas.openxmlformats.org/officeDocument/2006/relationships" xmlns:p="http://schemas.openxmlformats.org/presentationml/2006/main">
   <p:cSld>
     <p:bg>
-      <p:bgRef idx="1001">
+      <p:bgRef idx="1002">
         <a:schemeClr val="bg1"/>
       </p:bgRef>
     </p:bg>
@@ -3086,103 +5703,69 @@
           <a:chExt cx="0" cy="0"/>
         </a:xfrm>
       </p:grpSpPr>
-      <p:sp>
-        <p:nvSpPr>
-          <p:cNvPr id="7" name="Rectangle 6"/>
-          <p:cNvSpPr/>
+      <p:pic>
+        <p:nvPicPr>
+          <p:cNvPr id="1026" name="Picture 2" descr="\\DROBO-FS\QuickDrops\JB\PPTX NG\Droplets\LightingOverlay.png"/>
+          <p:cNvPicPr>
+            <a:picLocks noChangeAspect="1" noChangeArrowheads="1"/>
+          </p:cNvPicPr>
           <p:nvPr/>
-        </p:nvSpPr>
-        <p:spPr>
+        </p:nvPicPr>
+        <p:blipFill>
+          <a:blip r:embed="rId20">
+            <a:alphaModFix/>
+            <a:extLst>
+              <a:ext uri="{28A0092B-C50C-407E-A947-70E740481C1C}">
+                <a14:useLocalDpi xmlns:a14="http://schemas.microsoft.com/office/drawing/2010/main" val="0"/>
+              </a:ext>
+            </a:extLst>
+          </a:blip>
+          <a:srcRect/>
+          <a:stretch>
+            <a:fillRect/>
+          </a:stretch>
+        </p:blipFill>
+        <p:spPr bwMode="auto">
           <a:xfrm>
-            <a:off x="1" y="6400800"/>
-            <a:ext cx="12192000" cy="457200"/>
+            <a:off x="0" y="-1"/>
+            <a:ext cx="12192003" cy="6858001"/>
           </a:xfrm>
           <a:prstGeom prst="rect">
             <a:avLst/>
           </a:prstGeom>
-          <a:solidFill>
-            <a:schemeClr val="accent2"/>
-          </a:solidFill>
-          <a:ln>
-            <a:noFill/>
-          </a:ln>
+          <a:noFill/>
+          <a:extLst>
+            <a:ext uri="{909E8E84-426E-40DD-AFC4-6F175D3DCCD1}">
+              <a14:hiddenFill xmlns:a14="http://schemas.microsoft.com/office/drawing/2010/main">
+                <a:solidFill>
+                  <a:srgbClr val="FFFFFF"/>
+                </a:solidFill>
+              </a14:hiddenFill>
+            </a:ext>
+          </a:extLst>
         </p:spPr>
-        <p:style>
-          <a:lnRef idx="2">
-            <a:schemeClr val="accent1">
-              <a:shade val="50000"/>
-            </a:schemeClr>
-          </a:lnRef>
-          <a:fillRef idx="1">
-            <a:schemeClr val="accent1"/>
-          </a:fillRef>
-          <a:effectRef idx="0">
-            <a:schemeClr val="accent1"/>
-          </a:effectRef>
-          <a:fontRef idx="minor">
-            <a:schemeClr val="lt1"/>
-          </a:fontRef>
-        </p:style>
-      </p:sp>
-      <p:sp>
-        <p:nvSpPr>
-          <p:cNvPr id="9" name="Rectangle 8"/>
-          <p:cNvSpPr/>
-          <p:nvPr/>
+      </p:pic>
+      <p:sp>
+        <p:nvSpPr>
+          <p:cNvPr id="2" name="Title Placeholder 1"/>
+          <p:cNvSpPr>
+            <a:spLocks noGrp="1"/>
+          </p:cNvSpPr>
+          <p:nvPr>
+            <p:ph type="title"/>
+          </p:nvPr>
         </p:nvSpPr>
         <p:spPr>
           <a:xfrm>
-            <a:off x="0" y="6334316"/>
-            <a:ext cx="12192001" cy="65998"/>
-          </a:xfrm>
-          <a:prstGeom prst="rect">
-            <a:avLst/>
-          </a:prstGeom>
-          <a:solidFill>
-            <a:schemeClr val="accent1"/>
-          </a:solidFill>
-          <a:ln>
-            <a:noFill/>
-          </a:ln>
-        </p:spPr>
-        <p:style>
-          <a:lnRef idx="2">
-            <a:schemeClr val="accent1">
-              <a:shade val="50000"/>
-            </a:schemeClr>
-          </a:lnRef>
-          <a:fillRef idx="1">
-            <a:schemeClr val="accent1"/>
-          </a:fillRef>
-          <a:effectRef idx="0">
-            <a:schemeClr val="accent1"/>
-          </a:effectRef>
-          <a:fontRef idx="minor">
-            <a:schemeClr val="lt1"/>
-          </a:fontRef>
-        </p:style>
-      </p:sp>
-      <p:sp>
-        <p:nvSpPr>
-          <p:cNvPr id="2" name="Title Placeholder 1"/>
-          <p:cNvSpPr>
-            <a:spLocks noGrp="1"/>
-          </p:cNvSpPr>
-          <p:nvPr>
-            <p:ph type="title"/>
-          </p:nvPr>
-        </p:nvSpPr>
-        <p:spPr>
-          <a:xfrm>
-            <a:off x="1097280" y="286603"/>
-            <a:ext cx="10058400" cy="1450757"/>
+            <a:off x="913775" y="618517"/>
+            <a:ext cx="10364451" cy="1596177"/>
           </a:xfrm>
           <a:prstGeom prst="rect">
             <a:avLst/>
           </a:prstGeom>
         </p:spPr>
         <p:txBody>
-          <a:bodyPr vert="horz" lIns="91440" tIns="45720" rIns="91440" bIns="45720" rtlCol="0" anchor="b">
+          <a:bodyPr vert="horz" lIns="91440" tIns="45720" rIns="91440" bIns="45720" rtlCol="0" anchor="ctr">
             <a:normAutofit/>
           </a:bodyPr>
           <a:lstStyle/>
@@ -3207,15 +5790,15 @@
         </p:nvSpPr>
         <p:spPr>
           <a:xfrm>
-            <a:off x="1097280" y="1845734"/>
-            <a:ext cx="10058400" cy="4023360"/>
+            <a:off x="913775" y="2367093"/>
+            <a:ext cx="10364452" cy="3424107"/>
           </a:xfrm>
           <a:prstGeom prst="rect">
             <a:avLst/>
           </a:prstGeom>
         </p:spPr>
         <p:txBody>
-          <a:bodyPr vert="horz" lIns="0" tIns="45720" rIns="0" bIns="45720" rtlCol="0">
+          <a:bodyPr vert="horz" lIns="91440" tIns="45720" rIns="91440" bIns="45720" rtlCol="0">
             <a:normAutofit/>
           </a:bodyPr>
           <a:lstStyle/>
@@ -3269,8 +5852,8 @@
         </p:nvSpPr>
         <p:spPr>
           <a:xfrm>
-            <a:off x="1097280" y="6459785"/>
-            <a:ext cx="2472271" cy="365125"/>
+            <a:off x="7678737" y="5883275"/>
+            <a:ext cx="2743200" cy="365125"/>
           </a:xfrm>
           <a:prstGeom prst="rect">
             <a:avLst/>
@@ -3279,10 +5862,10 @@
         <p:txBody>
           <a:bodyPr vert="horz" lIns="91440" tIns="45720" rIns="91440" bIns="45720" rtlCol="0" anchor="ctr"/>
           <a:lstStyle>
-            <a:lvl1pPr algn="l">
-              <a:defRPr sz="900">
+            <a:lvl1pPr algn="r">
+              <a:defRPr sz="1000">
                 <a:solidFill>
-                  <a:srgbClr val="FFFFFF"/>
+                  <a:schemeClr val="tx1"/>
                 </a:solidFill>
               </a:defRPr>
             </a:lvl1pPr>
@@ -3290,7 +5873,7 @@
           <a:p>
             <a:fld id="{DFCBF3FA-A751-4570-8FB6-4B690BA30EB0}" type="datetimeFigureOut">
               <a:rPr lang="en-US" smtClean="0"/>
-              <a:t>5/18/2018</a:t>
+              <a:t>5/19/2018</a:t>
             </a:fld>
             <a:endParaRPr lang="en-US"/>
           </a:p>
@@ -3308,8 +5891,8 @@
         </p:nvSpPr>
         <p:spPr>
           <a:xfrm>
-            <a:off x="3686185" y="6459785"/>
-            <a:ext cx="4822804" cy="365125"/>
+            <a:off x="913774" y="5883275"/>
+            <a:ext cx="6672887" cy="365125"/>
           </a:xfrm>
           <a:prstGeom prst="rect">
             <a:avLst/>
@@ -3318,10 +5901,10 @@
         <p:txBody>
           <a:bodyPr vert="horz" lIns="91440" tIns="45720" rIns="91440" bIns="45720" rtlCol="0" anchor="ctr"/>
           <a:lstStyle>
-            <a:lvl1pPr algn="ctr">
-              <a:defRPr sz="900" cap="all" baseline="0">
+            <a:lvl1pPr algn="l">
+              <a:defRPr sz="1000">
                 <a:solidFill>
-                  <a:srgbClr val="FFFFFF"/>
+                  <a:schemeClr val="tx1"/>
                 </a:solidFill>
               </a:defRPr>
             </a:lvl1pPr>
@@ -3343,8 +5926,8 @@
         </p:nvSpPr>
         <p:spPr>
           <a:xfrm>
-            <a:off x="9900458" y="6459785"/>
-            <a:ext cx="1312025" cy="365125"/>
+            <a:off x="10514011" y="5883275"/>
+            <a:ext cx="764215" cy="365125"/>
           </a:xfrm>
           <a:prstGeom prst="rect">
             <a:avLst/>
@@ -3354,9 +5937,9 @@
           <a:bodyPr vert="horz" lIns="91440" tIns="45720" rIns="91440" bIns="45720" rtlCol="0" anchor="ctr"/>
           <a:lstStyle>
             <a:lvl1pPr algn="r">
-              <a:defRPr sz="1050">
+              <a:defRPr sz="1000">
                 <a:solidFill>
-                  <a:srgbClr val="FFFFFF"/>
+                  <a:schemeClr val="tx1"/>
                 </a:solidFill>
               </a:defRPr>
             </a:lvl1pPr>
@@ -3370,82 +5953,49 @@
           </a:p>
         </p:txBody>
       </p:sp>
-      <p:cxnSp>
-        <p:nvCxnSpPr>
-          <p:cNvPr id="10" name="Straight Connector 9"/>
-          <p:cNvCxnSpPr/>
-          <p:nvPr/>
-        </p:nvCxnSpPr>
-        <p:spPr>
-          <a:xfrm>
-            <a:off x="1193532" y="1737845"/>
-            <a:ext cx="9966960" cy="0"/>
-          </a:xfrm>
-          <a:prstGeom prst="line">
-            <a:avLst/>
-          </a:prstGeom>
-          <a:ln w="6350">
-            <a:solidFill>
-              <a:schemeClr val="tx1">
-                <a:lumMod val="50000"/>
-                <a:lumOff val="50000"/>
-              </a:schemeClr>
-            </a:solidFill>
-          </a:ln>
-        </p:spPr>
-        <p:style>
-          <a:lnRef idx="1">
-            <a:schemeClr val="accent1"/>
-          </a:lnRef>
-          <a:fillRef idx="0">
-            <a:schemeClr val="accent1"/>
-          </a:fillRef>
-          <a:effectRef idx="0">
-            <a:schemeClr val="accent1"/>
-          </a:effectRef>
-          <a:fontRef idx="minor">
-            <a:schemeClr val="tx1"/>
-          </a:fontRef>
-        </p:style>
-      </p:cxnSp>
     </p:spTree>
     <p:extLst>
       <p:ext uri="{BB962C8B-B14F-4D97-AF65-F5344CB8AC3E}">
-        <p14:creationId xmlns:p14="http://schemas.microsoft.com/office/powerpoint/2010/main" val="335681273"/>
+        <p14:creationId xmlns:p14="http://schemas.microsoft.com/office/powerpoint/2010/main" val="2024751690"/>
       </p:ext>
     </p:extLst>
   </p:cSld>
   <p:clrMap bg1="lt1" tx1="dk1" bg2="lt2" tx2="dk2" accent1="accent1" accent2="accent2" accent3="accent3" accent4="accent4" accent5="accent5" accent6="accent6" hlink="hlink" folHlink="folHlink"/>
   <p:sldLayoutIdLst>
-    <p:sldLayoutId id="2147483661" r:id="rId1"/>
-    <p:sldLayoutId id="2147483662" r:id="rId2"/>
-    <p:sldLayoutId id="2147483663" r:id="rId3"/>
-    <p:sldLayoutId id="2147483664" r:id="rId4"/>
-    <p:sldLayoutId id="2147483665" r:id="rId5"/>
-    <p:sldLayoutId id="2147483666" r:id="rId6"/>
-    <p:sldLayoutId id="2147483667" r:id="rId7"/>
-    <p:sldLayoutId id="2147483668" r:id="rId8"/>
-    <p:sldLayoutId id="2147483669" r:id="rId9"/>
-    <p:sldLayoutId id="2147483670" r:id="rId10"/>
-    <p:sldLayoutId id="2147483671" r:id="rId11"/>
+    <p:sldLayoutId id="2147483697" r:id="rId1"/>
+    <p:sldLayoutId id="2147483698" r:id="rId2"/>
+    <p:sldLayoutId id="2147483699" r:id="rId3"/>
+    <p:sldLayoutId id="2147483700" r:id="rId4"/>
+    <p:sldLayoutId id="2147483701" r:id="rId5"/>
+    <p:sldLayoutId id="2147483702" r:id="rId6"/>
+    <p:sldLayoutId id="2147483703" r:id="rId7"/>
+    <p:sldLayoutId id="2147483704" r:id="rId8"/>
+    <p:sldLayoutId id="2147483705" r:id="rId9"/>
+    <p:sldLayoutId id="2147483706" r:id="rId10"/>
+    <p:sldLayoutId id="2147483707" r:id="rId11"/>
+    <p:sldLayoutId id="2147483708" r:id="rId12"/>
+    <p:sldLayoutId id="2147483709" r:id="rId13"/>
+    <p:sldLayoutId id="2147483710" r:id="rId14"/>
+    <p:sldLayoutId id="2147483711" r:id="rId15"/>
+    <p:sldLayoutId id="2147483712" r:id="rId16"/>
+    <p:sldLayoutId id="2147483713" r:id="rId17"/>
+    <p:sldLayoutId id="2147483714" r:id="rId18"/>
   </p:sldLayoutIdLst>
   <p:txStyles>
     <p:titleStyle>
-      <a:lvl1pPr algn="l" defTabSz="914400" rtl="0" eaLnBrk="1" latinLnBrk="0" hangingPunct="1">
+      <a:lvl1pPr algn="ctr" defTabSz="914400" rtl="0" eaLnBrk="1" latinLnBrk="0" hangingPunct="1">
         <a:lnSpc>
-          <a:spcPct val="85000"/>
+          <a:spcPct val="90000"/>
         </a:lnSpc>
         <a:spcBef>
           <a:spcPct val="0"/>
         </a:spcBef>
         <a:buNone/>
-        <a:defRPr sz="4800" kern="1200" spc="-50" baseline="0">
+        <a:defRPr sz="3600" kern="1200" cap="all" baseline="0">
           <a:solidFill>
-            <a:schemeClr val="tx1">
-              <a:lumMod val="75000"/>
-              <a:lumOff val="25000"/>
-            </a:schemeClr>
+            <a:schemeClr val="tx1"/>
           </a:solidFill>
+          <a:effectLst/>
           <a:latin typeface="+mj-lt"/>
           <a:ea typeface="+mj-ea"/>
           <a:cs typeface="+mj-cs"/>
@@ -3453,245 +6003,199 @@
       </a:lvl1pPr>
     </p:titleStyle>
     <p:bodyStyle>
-      <a:lvl1pPr marL="91440" indent="-91440" algn="l" defTabSz="914400" rtl="0" eaLnBrk="1" latinLnBrk="0" hangingPunct="1">
+      <a:lvl1pPr marL="228600" indent="-228600" algn="l" defTabSz="914400" rtl="0" eaLnBrk="1" latinLnBrk="0" hangingPunct="1">
         <a:lnSpc>
-          <a:spcPct val="90000"/>
+          <a:spcPct val="120000"/>
         </a:lnSpc>
         <a:spcBef>
-          <a:spcPts val="1200"/>
+          <a:spcPts val="1000"/>
         </a:spcBef>
-        <a:spcAft>
-          <a:spcPts val="200"/>
-        </a:spcAft>
         <a:buClr>
-          <a:schemeClr val="accent1"/>
+          <a:schemeClr val="tx1"/>
         </a:buClr>
-        <a:buSzPct val="100000"/>
-        <a:buFont typeface="Calibri" panose="020F0502020204030204" pitchFamily="34" charset="0"/>
-        <a:buChar char=" "/>
-        <a:defRPr sz="2000" kern="1200">
+        <a:buFont typeface="Arial" panose="020B0604020202020204" pitchFamily="34" charset="0"/>
+        <a:buChar char="•"/>
+        <a:defRPr sz="2000" kern="1200" cap="all" baseline="0">
           <a:solidFill>
-            <a:schemeClr val="tx1">
-              <a:lumMod val="75000"/>
-              <a:lumOff val="25000"/>
-            </a:schemeClr>
+            <a:schemeClr val="tx1"/>
           </a:solidFill>
+          <a:effectLst/>
           <a:latin typeface="+mn-lt"/>
           <a:ea typeface="+mn-ea"/>
           <a:cs typeface="+mn-cs"/>
         </a:defRPr>
       </a:lvl1pPr>
-      <a:lvl2pPr marL="384048" indent="-182880" algn="l" defTabSz="914400" rtl="0" eaLnBrk="1" latinLnBrk="0" hangingPunct="1">
+      <a:lvl2pPr marL="685800" indent="-228600" algn="l" defTabSz="914400" rtl="0" eaLnBrk="1" latinLnBrk="0" hangingPunct="1">
         <a:lnSpc>
-          <a:spcPct val="90000"/>
+          <a:spcPct val="120000"/>
         </a:lnSpc>
         <a:spcBef>
-          <a:spcPts val="200"/>
+          <a:spcPts val="500"/>
         </a:spcBef>
-        <a:spcAft>
-          <a:spcPts val="400"/>
-        </a:spcAft>
         <a:buClr>
-          <a:schemeClr val="accent1"/>
+          <a:schemeClr val="tx1"/>
         </a:buClr>
-        <a:buFont typeface="Calibri" pitchFamily="34" charset="0"/>
-        <a:buChar char="◦"/>
-        <a:defRPr sz="1800" kern="1200">
+        <a:buFont typeface="Arial" panose="020B0604020202020204" pitchFamily="34" charset="0"/>
+        <a:buChar char="•"/>
+        <a:defRPr sz="1800" kern="1200" cap="all" baseline="0">
           <a:solidFill>
-            <a:schemeClr val="tx1">
-              <a:lumMod val="75000"/>
-              <a:lumOff val="25000"/>
-            </a:schemeClr>
+            <a:schemeClr val="tx1"/>
           </a:solidFill>
+          <a:effectLst/>
           <a:latin typeface="+mn-lt"/>
           <a:ea typeface="+mn-ea"/>
           <a:cs typeface="+mn-cs"/>
         </a:defRPr>
       </a:lvl2pPr>
-      <a:lvl3pPr marL="566928" indent="-182880" algn="l" defTabSz="914400" rtl="0" eaLnBrk="1" latinLnBrk="0" hangingPunct="1">
+      <a:lvl3pPr marL="1143000" indent="-228600" algn="l" defTabSz="914400" rtl="0" eaLnBrk="1" latinLnBrk="0" hangingPunct="1">
         <a:lnSpc>
-          <a:spcPct val="90000"/>
+          <a:spcPct val="120000"/>
         </a:lnSpc>
         <a:spcBef>
-          <a:spcPts val="200"/>
+          <a:spcPts val="500"/>
         </a:spcBef>
-        <a:spcAft>
-          <a:spcPts val="400"/>
-        </a:spcAft>
         <a:buClr>
-          <a:schemeClr val="accent1"/>
+          <a:schemeClr val="tx1"/>
         </a:buClr>
-        <a:buFont typeface="Calibri" pitchFamily="34" charset="0"/>
-        <a:buChar char="◦"/>
-        <a:defRPr sz="1400" kern="1200">
+        <a:buFont typeface="Arial" panose="020B0604020202020204" pitchFamily="34" charset="0"/>
+        <a:buChar char="•"/>
+        <a:defRPr sz="1600" kern="1200" cap="all" baseline="0">
           <a:solidFill>
-            <a:schemeClr val="tx1">
-              <a:lumMod val="75000"/>
-              <a:lumOff val="25000"/>
-            </a:schemeClr>
+            <a:schemeClr val="tx1"/>
           </a:solidFill>
+          <a:effectLst/>
           <a:latin typeface="+mn-lt"/>
           <a:ea typeface="+mn-ea"/>
           <a:cs typeface="+mn-cs"/>
         </a:defRPr>
       </a:lvl3pPr>
-      <a:lvl4pPr marL="749808" indent="-182880" algn="l" defTabSz="914400" rtl="0" eaLnBrk="1" latinLnBrk="0" hangingPunct="1">
+      <a:lvl4pPr marL="1600200" indent="-228600" algn="l" defTabSz="914400" rtl="0" eaLnBrk="1" latinLnBrk="0" hangingPunct="1">
         <a:lnSpc>
-          <a:spcPct val="90000"/>
+          <a:spcPct val="120000"/>
         </a:lnSpc>
         <a:spcBef>
-          <a:spcPts val="200"/>
+          <a:spcPts val="500"/>
         </a:spcBef>
-        <a:spcAft>
-          <a:spcPts val="400"/>
-        </a:spcAft>
         <a:buClr>
-          <a:schemeClr val="accent1"/>
+          <a:schemeClr val="tx1"/>
         </a:buClr>
-        <a:buFont typeface="Calibri" pitchFamily="34" charset="0"/>
-        <a:buChar char="◦"/>
-        <a:defRPr sz="1400" kern="1200">
+        <a:buFont typeface="Arial" panose="020B0604020202020204" pitchFamily="34" charset="0"/>
+        <a:buChar char="•"/>
+        <a:defRPr sz="1400" kern="1200" cap="all" baseline="0">
           <a:solidFill>
-            <a:schemeClr val="tx1">
-              <a:lumMod val="75000"/>
-              <a:lumOff val="25000"/>
-            </a:schemeClr>
+            <a:schemeClr val="tx1"/>
           </a:solidFill>
+          <a:effectLst/>
           <a:latin typeface="+mn-lt"/>
           <a:ea typeface="+mn-ea"/>
           <a:cs typeface="+mn-cs"/>
         </a:defRPr>
       </a:lvl4pPr>
-      <a:lvl5pPr marL="932688" indent="-182880" algn="l" defTabSz="914400" rtl="0" eaLnBrk="1" latinLnBrk="0" hangingPunct="1">
+      <a:lvl5pPr marL="2057400" indent="-228600" algn="l" defTabSz="914400" rtl="0" eaLnBrk="1" latinLnBrk="0" hangingPunct="1">
         <a:lnSpc>
-          <a:spcPct val="90000"/>
+          <a:spcPct val="120000"/>
         </a:lnSpc>
         <a:spcBef>
-          <a:spcPts val="200"/>
+          <a:spcPts val="500"/>
         </a:spcBef>
-        <a:spcAft>
-          <a:spcPts val="400"/>
-        </a:spcAft>
         <a:buClr>
-          <a:schemeClr val="accent1"/>
+          <a:schemeClr val="tx1"/>
         </a:buClr>
-        <a:buFont typeface="Calibri" pitchFamily="34" charset="0"/>
-        <a:buChar char="◦"/>
-        <a:defRPr sz="1400" kern="1200">
+        <a:buFont typeface="Arial" panose="020B0604020202020204" pitchFamily="34" charset="0"/>
+        <a:buChar char="•"/>
+        <a:defRPr sz="1400" kern="1200" cap="all" baseline="0">
           <a:solidFill>
-            <a:schemeClr val="tx1">
-              <a:lumMod val="75000"/>
-              <a:lumOff val="25000"/>
-            </a:schemeClr>
+            <a:schemeClr val="tx1"/>
           </a:solidFill>
+          <a:effectLst/>
           <a:latin typeface="+mn-lt"/>
           <a:ea typeface="+mn-ea"/>
           <a:cs typeface="+mn-cs"/>
         </a:defRPr>
       </a:lvl5pPr>
-      <a:lvl6pPr marL="1100000" indent="-228600" algn="l" defTabSz="914400" rtl="0" eaLnBrk="1" latinLnBrk="0" hangingPunct="1">
+      <a:lvl6pPr marL="2514600" indent="-228600" algn="l" defTabSz="914400" rtl="0" eaLnBrk="1" latinLnBrk="0" hangingPunct="1">
         <a:lnSpc>
-          <a:spcPct val="90000"/>
+          <a:spcPct val="120000"/>
         </a:lnSpc>
         <a:spcBef>
-          <a:spcPts val="200"/>
+          <a:spcPts val="500"/>
         </a:spcBef>
-        <a:spcAft>
-          <a:spcPts val="400"/>
-        </a:spcAft>
         <a:buClr>
-          <a:schemeClr val="accent1"/>
+          <a:schemeClr val="tx1"/>
         </a:buClr>
-        <a:buFont typeface="Calibri" pitchFamily="34" charset="0"/>
-        <a:buChar char="◦"/>
-        <a:defRPr sz="1400" kern="1200">
+        <a:buFont typeface="Arial" panose="020B0604020202020204" pitchFamily="34" charset="0"/>
+        <a:buChar char="•"/>
+        <a:defRPr sz="1400" kern="1200" cap="all" baseline="0">
           <a:solidFill>
-            <a:schemeClr val="tx1">
-              <a:lumMod val="75000"/>
-              <a:lumOff val="25000"/>
-            </a:schemeClr>
+            <a:schemeClr val="tx1"/>
           </a:solidFill>
+          <a:effectLst/>
           <a:latin typeface="+mn-lt"/>
           <a:ea typeface="+mn-ea"/>
           <a:cs typeface="+mn-cs"/>
         </a:defRPr>
       </a:lvl6pPr>
-      <a:lvl7pPr marL="1300000" indent="-228600" algn="l" defTabSz="914400" rtl="0" eaLnBrk="1" latinLnBrk="0" hangingPunct="1">
+      <a:lvl7pPr marL="2971800" indent="-228600" algn="l" defTabSz="914400" rtl="0" eaLnBrk="1" latinLnBrk="0" hangingPunct="1">
         <a:lnSpc>
-          <a:spcPct val="90000"/>
+          <a:spcPct val="120000"/>
         </a:lnSpc>
         <a:spcBef>
-          <a:spcPts val="200"/>
+          <a:spcPts val="500"/>
         </a:spcBef>
-        <a:spcAft>
-          <a:spcPts val="400"/>
-        </a:spcAft>
         <a:buClr>
-          <a:schemeClr val="accent1"/>
+          <a:schemeClr val="tx1"/>
         </a:buClr>
-        <a:buFont typeface="Calibri" pitchFamily="34" charset="0"/>
-        <a:buChar char="◦"/>
-        <a:defRPr sz="1400" kern="1200">
+        <a:buFont typeface="Arial" panose="020B0604020202020204" pitchFamily="34" charset="0"/>
+        <a:buChar char="•"/>
+        <a:defRPr sz="1400" kern="1200" cap="all" baseline="0">
           <a:solidFill>
-            <a:schemeClr val="tx1">
-              <a:lumMod val="75000"/>
-              <a:lumOff val="25000"/>
-            </a:schemeClr>
+            <a:schemeClr val="tx1"/>
           </a:solidFill>
+          <a:effectLst/>
           <a:latin typeface="+mn-lt"/>
           <a:ea typeface="+mn-ea"/>
           <a:cs typeface="+mn-cs"/>
         </a:defRPr>
       </a:lvl7pPr>
-      <a:lvl8pPr marL="1500000" indent="-228600" algn="l" defTabSz="914400" rtl="0" eaLnBrk="1" latinLnBrk="0" hangingPunct="1">
+      <a:lvl8pPr marL="3429000" indent="-228600" algn="l" defTabSz="914400" rtl="0" eaLnBrk="1" latinLnBrk="0" hangingPunct="1">
         <a:lnSpc>
-          <a:spcPct val="90000"/>
+          <a:spcPct val="120000"/>
         </a:lnSpc>
         <a:spcBef>
-          <a:spcPts val="200"/>
+          <a:spcPts val="500"/>
         </a:spcBef>
-        <a:spcAft>
-          <a:spcPts val="400"/>
-        </a:spcAft>
         <a:buClr>
-          <a:schemeClr val="accent1"/>
+          <a:schemeClr val="tx1"/>
         </a:buClr>
-        <a:buFont typeface="Calibri" pitchFamily="34" charset="0"/>
-        <a:buChar char="◦"/>
-        <a:defRPr sz="1400" kern="1200">
+        <a:buFont typeface="Arial" panose="020B0604020202020204" pitchFamily="34" charset="0"/>
+        <a:buChar char="•"/>
+        <a:defRPr sz="1400" kern="1200" cap="all" baseline="0">
           <a:solidFill>
-            <a:schemeClr val="tx1">
-              <a:lumMod val="75000"/>
-              <a:lumOff val="25000"/>
-            </a:schemeClr>
+            <a:schemeClr val="tx1"/>
           </a:solidFill>
+          <a:effectLst/>
           <a:latin typeface="+mn-lt"/>
           <a:ea typeface="+mn-ea"/>
           <a:cs typeface="+mn-cs"/>
         </a:defRPr>
       </a:lvl8pPr>
-      <a:lvl9pPr marL="1700000" indent="-228600" algn="l" defTabSz="914400" rtl="0" eaLnBrk="1" latinLnBrk="0" hangingPunct="1">
+      <a:lvl9pPr marL="3886200" indent="-228600" algn="l" defTabSz="914400" rtl="0" eaLnBrk="1" latinLnBrk="0" hangingPunct="1">
         <a:lnSpc>
-          <a:spcPct val="90000"/>
+          <a:spcPct val="120000"/>
         </a:lnSpc>
         <a:spcBef>
-          <a:spcPts val="200"/>
+          <a:spcPts val="500"/>
         </a:spcBef>
-        <a:spcAft>
-          <a:spcPts val="400"/>
-        </a:spcAft>
         <a:buClr>
-          <a:schemeClr val="accent1"/>
+          <a:schemeClr val="tx1"/>
         </a:buClr>
-        <a:buFont typeface="Calibri" pitchFamily="34" charset="0"/>
-        <a:buChar char="◦"/>
-        <a:defRPr sz="1400" kern="1200">
+        <a:buFont typeface="Arial" panose="020B0604020202020204" pitchFamily="34" charset="0"/>
+        <a:buChar char="•"/>
+        <a:defRPr sz="1400" kern="1200" cap="all" baseline="0">
           <a:solidFill>
-            <a:schemeClr val="tx1">
-              <a:lumMod val="75000"/>
-              <a:lumOff val="25000"/>
-            </a:schemeClr>
+            <a:schemeClr val="tx1"/>
           </a:solidFill>
+          <a:effectLst/>
           <a:latin typeface="+mn-lt"/>
           <a:ea typeface="+mn-ea"/>
           <a:cs typeface="+mn-cs"/>
@@ -3794,6 +6298,11 @@
       </a:lvl9pPr>
     </p:otherStyle>
   </p:txStyles>
+  <p:extLst>
+    <p:ext uri="{27BBF7A9-308A-43DC-89C8-2F10F3537804}">
+      <p15:sldGuideLst xmlns:p15="http://schemas.microsoft.com/office/powerpoint/2012/main"/>
+    </p:ext>
+  </p:extLst>
 </p:sldMaster>
 </file>
 
@@ -3833,7 +6342,7 @@
         <p:spPr/>
         <p:txBody>
           <a:bodyPr>
-            <a:normAutofit fontScale="90000"/>
+            <a:normAutofit/>
           </a:bodyPr>
           <a:lstStyle/>
           <a:p>
@@ -4195,10 +6704,9 @@
           <a:lstStyle/>
           <a:p>
             <a:r>
-              <a:rPr lang="en-US"/>
+              <a:rPr lang="en-US" dirty="0"/>
               <a:t>Virtual Reality </a:t>
             </a:r>
-            <a:endParaRPr lang="en-US" dirty="0"/>
           </a:p>
         </p:txBody>
       </p:sp>
@@ -4696,49 +7204,49 @@
 </file>
 
 <file path=ppt/theme/theme1.xml><?xml version="1.0" encoding="utf-8"?>
-<a:theme xmlns:a="http://schemas.openxmlformats.org/drawingml/2006/main" name="回顾">
+<a:theme xmlns:a="http://schemas.openxmlformats.org/drawingml/2006/main" name="水滴">
   <a:themeElements>
-    <a:clrScheme name="回顾">
+    <a:clrScheme name="水滴">
       <a:dk1>
-        <a:srgbClr val="000000"/>
+        <a:sysClr val="windowText" lastClr="000000"/>
       </a:dk1>
       <a:lt1>
         <a:sysClr val="window" lastClr="FFFFFF"/>
       </a:lt1>
       <a:dk2>
-        <a:srgbClr val="637052"/>
+        <a:srgbClr val="355071"/>
       </a:dk2>
       <a:lt2>
-        <a:srgbClr val="CCDDEA"/>
+        <a:srgbClr val="AABED7"/>
       </a:lt2>
       <a:accent1>
-        <a:srgbClr val="E48312"/>
+        <a:srgbClr val="2FA3EE"/>
       </a:accent1>
       <a:accent2>
-        <a:srgbClr val="BD582C"/>
+        <a:srgbClr val="4BCAAD"/>
       </a:accent2>
       <a:accent3>
-        <a:srgbClr val="865640"/>
+        <a:srgbClr val="86C157"/>
       </a:accent3>
       <a:accent4>
-        <a:srgbClr val="9B8357"/>
+        <a:srgbClr val="D99C3F"/>
       </a:accent4>
       <a:accent5>
-        <a:srgbClr val="C2BC80"/>
+        <a:srgbClr val="CE6633"/>
       </a:accent5>
       <a:accent6>
-        <a:srgbClr val="94A088"/>
+        <a:srgbClr val="A35DD1"/>
       </a:accent6>
       <a:hlink>
-        <a:srgbClr val="2998E3"/>
+        <a:srgbClr val="56BCFE"/>
       </a:hlink>
       <a:folHlink>
-        <a:srgbClr val="8C8C8C"/>
+        <a:srgbClr val="97C5E3"/>
       </a:folHlink>
     </a:clrScheme>
-    <a:fontScheme name="回顾">
+    <a:fontScheme name="水滴">
       <a:majorFont>
-        <a:latin typeface="Calibri Light" panose="020F0302020204030204"/>
+        <a:latin typeface="Tw Cen MT" panose="020B0602020104020603"/>
         <a:ea typeface=""/>
         <a:cs typeface=""/>
         <a:font script="Jpan" typeface="ＭＳ Ｐゴシック"/>
@@ -4773,7 +7281,7 @@
         <a:font script="Geor" typeface="Sylfaen"/>
       </a:majorFont>
       <a:minorFont>
-        <a:latin typeface="Calibri" panose="020F0502020204030204"/>
+        <a:latin typeface="Tw Cen MT" panose="020B0602020104020603"/>
         <a:ea typeface=""/>
         <a:cs typeface=""/>
         <a:font script="Jpan" typeface="ＭＳ Ｐゴシック"/>
@@ -4808,76 +7316,52 @@
         <a:font script="Geor" typeface="Sylfaen"/>
       </a:minorFont>
     </a:fontScheme>
-    <a:fmtScheme name="回顾">
+    <a:fmtScheme name="水滴">
       <a:fillStyleLst>
         <a:solidFill>
           <a:schemeClr val="phClr"/>
+        </a:solidFill>
+        <a:solidFill>
+          <a:schemeClr val="phClr">
+            <a:tint val="69000"/>
+            <a:satMod val="105000"/>
+            <a:lumMod val="110000"/>
+          </a:schemeClr>
         </a:solidFill>
         <a:gradFill rotWithShape="1">
           <a:gsLst>
             <a:gs pos="0">
               <a:schemeClr val="phClr">
-                <a:tint val="65000"/>
-                <a:shade val="92000"/>
-                <a:satMod val="130000"/>
+                <a:tint val="94000"/>
+                <a:satMod val="100000"/>
+                <a:lumMod val="108000"/>
               </a:schemeClr>
             </a:gs>
-            <a:gs pos="45000">
+            <a:gs pos="50000">
               <a:schemeClr val="phClr">
-                <a:tint val="60000"/>
-                <a:shade val="99000"/>
-                <a:satMod val="120000"/>
+                <a:tint val="98000"/>
+                <a:shade val="100000"/>
+                <a:satMod val="100000"/>
+                <a:lumMod val="100000"/>
               </a:schemeClr>
             </a:gs>
             <a:gs pos="100000">
               <a:schemeClr val="phClr">
-                <a:tint val="55000"/>
-                <a:satMod val="140000"/>
+                <a:shade val="72000"/>
+                <a:satMod val="120000"/>
+                <a:lumMod val="100000"/>
               </a:schemeClr>
             </a:gs>
           </a:gsLst>
-          <a:path path="circle">
-            <a:fillToRect l="100000" t="100000" r="100000" b="100000"/>
-          </a:path>
-        </a:gradFill>
-        <a:gradFill rotWithShape="1">
-          <a:gsLst>
-            <a:gs pos="0">
-              <a:schemeClr val="phClr">
-                <a:shade val="85000"/>
-                <a:satMod val="130000"/>
-              </a:schemeClr>
-            </a:gs>
-            <a:gs pos="34000">
-              <a:schemeClr val="phClr">
-                <a:shade val="87000"/>
-                <a:satMod val="125000"/>
-              </a:schemeClr>
-            </a:gs>
-            <a:gs pos="70000">
-              <a:schemeClr val="phClr">
-                <a:tint val="100000"/>
-                <a:shade val="90000"/>
-                <a:satMod val="130000"/>
-              </a:schemeClr>
-            </a:gs>
-            <a:gs pos="100000">
-              <a:schemeClr val="phClr">
-                <a:tint val="100000"/>
-                <a:shade val="100000"/>
-                <a:satMod val="110000"/>
-              </a:schemeClr>
-            </a:gs>
-          </a:gsLst>
-          <a:path path="circle">
-            <a:fillToRect l="100000" t="100000" r="100000" b="100000"/>
-          </a:path>
+          <a:lin ang="5400000" scaled="0"/>
         </a:gradFill>
       </a:fillStyleLst>
       <a:lnStyleLst>
-        <a:ln w="12700" cap="flat" cmpd="sng" algn="ctr">
+        <a:ln w="9525" cap="flat" cmpd="sng" algn="ctr">
           <a:solidFill>
-            <a:schemeClr val="phClr"/>
+            <a:schemeClr val="phClr">
+              <a:shade val="60000"/>
+            </a:schemeClr>
           </a:solidFill>
           <a:prstDash val="solid"/>
         </a:ln>
@@ -4887,7 +7371,7 @@
           </a:solidFill>
           <a:prstDash val="solid"/>
         </a:ln>
-        <a:ln w="25400" cap="flat" cmpd="sng" algn="ctr">
+        <a:ln w="22225" cap="flat" cmpd="sng" algn="ctr">
           <a:solidFill>
             <a:schemeClr val="phClr"/>
           </a:solidFill>
@@ -4900,18 +7384,18 @@
         </a:effectStyle>
         <a:effectStyle>
           <a:effectLst>
-            <a:outerShdw blurRad="38100" dist="25400" dir="2700000" algn="br" rotWithShape="0">
+            <a:outerShdw blurRad="50800" dist="25400" dir="5400000" rotWithShape="0">
               <a:srgbClr val="000000">
-                <a:alpha val="60000"/>
+                <a:alpha val="28000"/>
               </a:srgbClr>
             </a:outerShdw>
           </a:effectLst>
         </a:effectStyle>
         <a:effectStyle>
           <a:effectLst>
-            <a:outerShdw blurRad="44450" dist="25400" dir="2700000" algn="br" rotWithShape="0">
+            <a:outerShdw blurRad="63500" dist="25400" dir="5400000" algn="ctr" rotWithShape="0">
               <a:srgbClr val="000000">
-                <a:alpha val="60000"/>
+                <a:alpha val="69000"/>
               </a:srgbClr>
             </a:outerShdw>
           </a:effectLst>
@@ -4919,12 +7403,12 @@
             <a:camera prst="orthographicFront">
               <a:rot lat="0" lon="0" rev="0"/>
             </a:camera>
-            <a:lightRig rig="threePt" dir="t">
-              <a:rot lat="0" lon="0" rev="19800000"/>
+            <a:lightRig rig="balanced" dir="t">
+              <a:rot lat="0" lon="0" rev="1200000"/>
             </a:lightRig>
           </a:scene3d>
-          <a:sp3d prstMaterial="flat">
-            <a:bevelT w="25400" h="31750"/>
+          <a:sp3d prstMaterial="plastic">
+            <a:bevelT w="25400" h="25400"/>
           </a:sp3d>
         </a:effectStyle>
       </a:effectStyleLst>
@@ -4932,38 +7416,43 @@
         <a:solidFill>
           <a:schemeClr val="phClr"/>
         </a:solidFill>
-        <a:solidFill>
-          <a:schemeClr val="phClr">
-            <a:tint val="90000"/>
-            <a:shade val="97000"/>
-            <a:satMod val="130000"/>
-          </a:schemeClr>
-        </a:solidFill>
         <a:gradFill rotWithShape="1">
           <a:gsLst>
             <a:gs pos="0">
               <a:schemeClr val="phClr">
-                <a:tint val="96000"/>
-                <a:shade val="99000"/>
-                <a:satMod val="140000"/>
-              </a:schemeClr>
-            </a:gs>
-            <a:gs pos="65000">
-              <a:schemeClr val="phClr">
-                <a:tint val="100000"/>
-                <a:shade val="80000"/>
-                <a:satMod val="130000"/>
+                <a:tint val="90000"/>
+                <a:lumMod val="110000"/>
               </a:schemeClr>
             </a:gs>
             <a:gs pos="100000">
               <a:schemeClr val="phClr">
-                <a:tint val="100000"/>
-                <a:shade val="48000"/>
-                <a:satMod val="120000"/>
+                <a:shade val="64000"/>
+                <a:lumMod val="88000"/>
               </a:schemeClr>
             </a:gs>
           </a:gsLst>
-          <a:lin ang="16200000" scaled="0"/>
+          <a:lin ang="5400000" scaled="0"/>
+        </a:gradFill>
+        <a:gradFill rotWithShape="1">
+          <a:gsLst>
+            <a:gs pos="0">
+              <a:schemeClr val="phClr">
+                <a:tint val="84000"/>
+                <a:shade val="100000"/>
+                <a:hueMod val="130000"/>
+                <a:satMod val="150000"/>
+                <a:lumMod val="112000"/>
+              </a:schemeClr>
+            </a:gs>
+            <a:gs pos="100000">
+              <a:schemeClr val="phClr">
+                <a:shade val="92000"/>
+                <a:satMod val="140000"/>
+                <a:lumMod val="110000"/>
+              </a:schemeClr>
+            </a:gs>
+          </a:gsLst>
+          <a:lin ang="5400000" scaled="0"/>
         </a:gradFill>
       </a:bgFillStyleLst>
     </a:fmtScheme>
@@ -4972,7 +7461,7 @@
   <a:extraClrSchemeLst/>
   <a:extLst>
     <a:ext uri="{05A4C25C-085E-4340-85A3-A5531E510DB2}">
-      <thm15:themeFamily xmlns:thm15="http://schemas.microsoft.com/office/thememl/2012/main" name="Retrospect" id="{5F128B03-DCCA-4EEB-AB3B-CF2899314A46}" vid="{3F1AAB62-24C6-49D2-8E01-B56FAC9A3DCD}"/>
+      <thm15:themeFamily xmlns:thm15="http://schemas.microsoft.com/office/thememl/2012/main" name="Droplet" id="{8984A317-299A-4E50-B45D-BFC9EDE2337A}" vid="{A633B6A3-9E7F-4C10-9C98-2517A3134361}"/>
     </a:ext>
   </a:extLst>
 </a:theme>

--- a/bi_ye_lun_wen/Development and Evaluation of Mixed Reality Educational Applications.pptx
+++ b/bi_ye_lun_wen/Development and Evaluation of Mixed Reality Educational Applications.pptx
@@ -2,20 +2,32 @@
 <file path=ppt/presentation.xml><?xml version="1.0" encoding="utf-8"?>
 <p:presentation xmlns:a="http://schemas.openxmlformats.org/drawingml/2006/main" xmlns:r="http://schemas.openxmlformats.org/officeDocument/2006/relationships" xmlns:p="http://schemas.openxmlformats.org/presentationml/2006/main" saveSubsetFonts="1">
   <p:sldMasterIdLst>
-    <p:sldMasterId id="2147483757" r:id="rId1"/>
+    <p:sldMasterId id="2147483769" r:id="rId1"/>
   </p:sldMasterIdLst>
   <p:sldIdLst>
     <p:sldId id="256" r:id="rId2"/>
     <p:sldId id="257" r:id="rId3"/>
-    <p:sldId id="258" r:id="rId4"/>
-    <p:sldId id="259" r:id="rId5"/>
-    <p:sldId id="260" r:id="rId6"/>
-    <p:sldId id="261" r:id="rId7"/>
-    <p:sldId id="262" r:id="rId8"/>
-    <p:sldId id="263" r:id="rId9"/>
-    <p:sldId id="264" r:id="rId10"/>
-    <p:sldId id="265" r:id="rId11"/>
-    <p:sldId id="266" r:id="rId12"/>
+    <p:sldId id="259" r:id="rId4"/>
+    <p:sldId id="258" r:id="rId5"/>
+    <p:sldId id="267" r:id="rId6"/>
+    <p:sldId id="268" r:id="rId7"/>
+    <p:sldId id="269" r:id="rId8"/>
+    <p:sldId id="270" r:id="rId9"/>
+    <p:sldId id="271" r:id="rId10"/>
+    <p:sldId id="272" r:id="rId11"/>
+    <p:sldId id="273" r:id="rId12"/>
+    <p:sldId id="274" r:id="rId13"/>
+    <p:sldId id="275" r:id="rId14"/>
+    <p:sldId id="276" r:id="rId15"/>
+    <p:sldId id="277" r:id="rId16"/>
+    <p:sldId id="278" r:id="rId17"/>
+    <p:sldId id="260" r:id="rId18"/>
+    <p:sldId id="261" r:id="rId19"/>
+    <p:sldId id="262" r:id="rId20"/>
+    <p:sldId id="263" r:id="rId21"/>
+    <p:sldId id="264" r:id="rId22"/>
+    <p:sldId id="265" r:id="rId23"/>
+    <p:sldId id="266" r:id="rId24"/>
   </p:sldIdLst>
   <p:sldSz cx="12192000" cy="6858000"/>
   <p:notesSz cx="6858000" cy="9144000"/>
@@ -23,7 +35,7 @@
     <a:defPPr>
       <a:defRPr lang="en-US"/>
     </a:defPPr>
-    <a:lvl1pPr marL="0" algn="l" defTabSz="457200" rtl="0" eaLnBrk="1" latinLnBrk="0" hangingPunct="1">
+    <a:lvl1pPr marL="0" algn="l" defTabSz="914400" rtl="0" eaLnBrk="1" latinLnBrk="0" hangingPunct="1">
       <a:defRPr sz="1800" kern="1200">
         <a:solidFill>
           <a:schemeClr val="tx1"/>
@@ -33,7 +45,7 @@
         <a:cs typeface="+mn-cs"/>
       </a:defRPr>
     </a:lvl1pPr>
-    <a:lvl2pPr marL="457200" algn="l" defTabSz="457200" rtl="0" eaLnBrk="1" latinLnBrk="0" hangingPunct="1">
+    <a:lvl2pPr marL="457200" algn="l" defTabSz="914400" rtl="0" eaLnBrk="1" latinLnBrk="0" hangingPunct="1">
       <a:defRPr sz="1800" kern="1200">
         <a:solidFill>
           <a:schemeClr val="tx1"/>
@@ -43,7 +55,7 @@
         <a:cs typeface="+mn-cs"/>
       </a:defRPr>
     </a:lvl2pPr>
-    <a:lvl3pPr marL="914400" algn="l" defTabSz="457200" rtl="0" eaLnBrk="1" latinLnBrk="0" hangingPunct="1">
+    <a:lvl3pPr marL="914400" algn="l" defTabSz="914400" rtl="0" eaLnBrk="1" latinLnBrk="0" hangingPunct="1">
       <a:defRPr sz="1800" kern="1200">
         <a:solidFill>
           <a:schemeClr val="tx1"/>
@@ -53,7 +65,7 @@
         <a:cs typeface="+mn-cs"/>
       </a:defRPr>
     </a:lvl3pPr>
-    <a:lvl4pPr marL="1371600" algn="l" defTabSz="457200" rtl="0" eaLnBrk="1" latinLnBrk="0" hangingPunct="1">
+    <a:lvl4pPr marL="1371600" algn="l" defTabSz="914400" rtl="0" eaLnBrk="1" latinLnBrk="0" hangingPunct="1">
       <a:defRPr sz="1800" kern="1200">
         <a:solidFill>
           <a:schemeClr val="tx1"/>
@@ -63,7 +75,7 @@
         <a:cs typeface="+mn-cs"/>
       </a:defRPr>
     </a:lvl4pPr>
-    <a:lvl5pPr marL="1828800" algn="l" defTabSz="457200" rtl="0" eaLnBrk="1" latinLnBrk="0" hangingPunct="1">
+    <a:lvl5pPr marL="1828800" algn="l" defTabSz="914400" rtl="0" eaLnBrk="1" latinLnBrk="0" hangingPunct="1">
       <a:defRPr sz="1800" kern="1200">
         <a:solidFill>
           <a:schemeClr val="tx1"/>
@@ -73,7 +85,7 @@
         <a:cs typeface="+mn-cs"/>
       </a:defRPr>
     </a:lvl5pPr>
-    <a:lvl6pPr marL="2286000" algn="l" defTabSz="457200" rtl="0" eaLnBrk="1" latinLnBrk="0" hangingPunct="1">
+    <a:lvl6pPr marL="2286000" algn="l" defTabSz="914400" rtl="0" eaLnBrk="1" latinLnBrk="0" hangingPunct="1">
       <a:defRPr sz="1800" kern="1200">
         <a:solidFill>
           <a:schemeClr val="tx1"/>
@@ -83,7 +95,7 @@
         <a:cs typeface="+mn-cs"/>
       </a:defRPr>
     </a:lvl6pPr>
-    <a:lvl7pPr marL="2743200" algn="l" defTabSz="457200" rtl="0" eaLnBrk="1" latinLnBrk="0" hangingPunct="1">
+    <a:lvl7pPr marL="2743200" algn="l" defTabSz="914400" rtl="0" eaLnBrk="1" latinLnBrk="0" hangingPunct="1">
       <a:defRPr sz="1800" kern="1200">
         <a:solidFill>
           <a:schemeClr val="tx1"/>
@@ -93,7 +105,7 @@
         <a:cs typeface="+mn-cs"/>
       </a:defRPr>
     </a:lvl7pPr>
-    <a:lvl8pPr marL="3200400" algn="l" defTabSz="457200" rtl="0" eaLnBrk="1" latinLnBrk="0" hangingPunct="1">
+    <a:lvl8pPr marL="3200400" algn="l" defTabSz="914400" rtl="0" eaLnBrk="1" latinLnBrk="0" hangingPunct="1">
       <a:defRPr sz="1800" kern="1200">
         <a:solidFill>
           <a:schemeClr val="tx1"/>
@@ -103,7 +115,7 @@
         <a:cs typeface="+mn-cs"/>
       </a:defRPr>
     </a:lvl8pPr>
-    <a:lvl9pPr marL="3657600" algn="l" defTabSz="457200" rtl="0" eaLnBrk="1" latinLnBrk="0" hangingPunct="1">
+    <a:lvl9pPr marL="3657600" algn="l" defTabSz="914400" rtl="0" eaLnBrk="1" latinLnBrk="0" hangingPunct="1">
       <a:defRPr sz="1800" kern="1200">
         <a:solidFill>
           <a:schemeClr val="tx1"/>
@@ -123,7 +135,7 @@
 </file>
 
 <file path=ppt/slideLayouts/slideLayout1.xml><?xml version="1.0" encoding="utf-8"?>
-<p:sldLayout xmlns:a="http://schemas.openxmlformats.org/drawingml/2006/main" xmlns:r="http://schemas.openxmlformats.org/officeDocument/2006/relationships" xmlns:p="http://schemas.openxmlformats.org/presentationml/2006/main" showMasterSp="0" type="title" preserve="1">
+<p:sldLayout xmlns:a="http://schemas.openxmlformats.org/drawingml/2006/main" xmlns:r="http://schemas.openxmlformats.org/officeDocument/2006/relationships" xmlns:p="http://schemas.openxmlformats.org/presentationml/2006/main" type="title" preserve="1">
   <p:cSld name="标题幻灯片">
     <p:spTree>
       <p:nvGrpSpPr>
@@ -141,187 +153,102 @@
       </p:grpSpPr>
       <p:sp>
         <p:nvSpPr>
-          <p:cNvPr id="7" name="Rectangle 6"/>
-          <p:cNvSpPr/>
-          <p:nvPr/>
+          <p:cNvPr id="2" name="标题 1">
+            <a:extLst>
+              <a:ext uri="{FF2B5EF4-FFF2-40B4-BE49-F238E27FC236}">
+                <a16:creationId xmlns:a16="http://schemas.microsoft.com/office/drawing/2014/main" id="{5C89C04C-0360-4CE0-8B23-CAC9F0530006}"/>
+              </a:ext>
+            </a:extLst>
+          </p:cNvPr>
+          <p:cNvSpPr>
+            <a:spLocks noGrp="1"/>
+          </p:cNvSpPr>
+          <p:nvPr>
+            <p:ph type="ctrTitle"/>
+          </p:nvPr>
         </p:nvSpPr>
         <p:spPr>
           <a:xfrm>
-            <a:off x="3175" y="6400800"/>
-            <a:ext cx="12188825" cy="457200"/>
+            <a:off x="1524000" y="1122363"/>
+            <a:ext cx="9144000" cy="2387600"/>
           </a:xfrm>
-          <a:prstGeom prst="rect">
-            <a:avLst/>
-          </a:prstGeom>
-          <a:solidFill>
-            <a:schemeClr val="accent1">
-              <a:lumMod val="50000"/>
-            </a:schemeClr>
-          </a:solidFill>
-          <a:ln>
-            <a:noFill/>
-          </a:ln>
         </p:spPr>
-        <p:style>
-          <a:lnRef idx="2">
-            <a:schemeClr val="accent1">
-              <a:shade val="50000"/>
-            </a:schemeClr>
-          </a:lnRef>
-          <a:fillRef idx="1">
-            <a:schemeClr val="accent1"/>
-          </a:fillRef>
-          <a:effectRef idx="0">
-            <a:schemeClr val="accent1"/>
-          </a:effectRef>
-          <a:fontRef idx="minor">
-            <a:schemeClr val="lt1"/>
-          </a:fontRef>
-        </p:style>
-      </p:sp>
-      <p:sp>
-        <p:nvSpPr>
-          <p:cNvPr id="8" name="Rectangle 7"/>
-          <p:cNvSpPr/>
-          <p:nvPr/>
+        <p:txBody>
+          <a:bodyPr anchor="b"/>
+          <a:lstStyle>
+            <a:lvl1pPr algn="ctr">
+              <a:defRPr sz="6000"/>
+            </a:lvl1pPr>
+          </a:lstStyle>
+          <a:p>
+            <a:r>
+              <a:rPr lang="zh-CN" altLang="en-US"/>
+              <a:t>单击此处编辑母版标题样式</a:t>
+            </a:r>
+            <a:endParaRPr lang="en-US"/>
+          </a:p>
+        </p:txBody>
+      </p:sp>
+      <p:sp>
+        <p:nvSpPr>
+          <p:cNvPr id="3" name="副标题 2">
+            <a:extLst>
+              <a:ext uri="{FF2B5EF4-FFF2-40B4-BE49-F238E27FC236}">
+                <a16:creationId xmlns:a16="http://schemas.microsoft.com/office/drawing/2014/main" id="{627BF931-EE08-4573-A618-9B9F870A9CD4}"/>
+              </a:ext>
+            </a:extLst>
+          </p:cNvPr>
+          <p:cNvSpPr>
+            <a:spLocks noGrp="1"/>
+          </p:cNvSpPr>
+          <p:nvPr>
+            <p:ph type="subTitle" idx="1"/>
+          </p:nvPr>
         </p:nvSpPr>
         <p:spPr>
           <a:xfrm>
-            <a:off x="15" y="6334316"/>
-            <a:ext cx="12188825" cy="64008"/>
-          </a:xfrm>
-          <a:prstGeom prst="rect">
-            <a:avLst/>
-          </a:prstGeom>
-          <a:solidFill>
-            <a:schemeClr val="accent1"/>
-          </a:solidFill>
-          <a:ln>
-            <a:noFill/>
-          </a:ln>
-        </p:spPr>
-        <p:style>
-          <a:lnRef idx="2">
-            <a:schemeClr val="accent1">
-              <a:shade val="50000"/>
-            </a:schemeClr>
-          </a:lnRef>
-          <a:fillRef idx="1">
-            <a:schemeClr val="accent1"/>
-          </a:fillRef>
-          <a:effectRef idx="0">
-            <a:schemeClr val="accent1"/>
-          </a:effectRef>
-          <a:fontRef idx="minor">
-            <a:schemeClr val="lt1"/>
-          </a:fontRef>
-        </p:style>
-      </p:sp>
-      <p:sp>
-        <p:nvSpPr>
-          <p:cNvPr id="2" name="Title 1"/>
-          <p:cNvSpPr>
-            <a:spLocks noGrp="1"/>
-          </p:cNvSpPr>
-          <p:nvPr>
-            <p:ph type="ctrTitle"/>
-          </p:nvPr>
-        </p:nvSpPr>
-        <p:spPr>
-          <a:xfrm>
-            <a:off x="1097280" y="758952"/>
-            <a:ext cx="10058400" cy="3566160"/>
+            <a:off x="1524000" y="3602038"/>
+            <a:ext cx="9144000" cy="1655762"/>
           </a:xfrm>
         </p:spPr>
         <p:txBody>
-          <a:bodyPr anchor="b">
-            <a:normAutofit/>
-          </a:bodyPr>
+          <a:bodyPr/>
           <a:lstStyle>
-            <a:lvl1pPr algn="l">
-              <a:lnSpc>
-                <a:spcPct val="85000"/>
-              </a:lnSpc>
-              <a:defRPr sz="8000" spc="-50" baseline="0">
-                <a:solidFill>
-                  <a:schemeClr val="tx1">
-                    <a:lumMod val="85000"/>
-                    <a:lumOff val="15000"/>
-                  </a:schemeClr>
-                </a:solidFill>
-              </a:defRPr>
-            </a:lvl1pPr>
-          </a:lstStyle>
-          <a:p>
-            <a:r>
-              <a:rPr lang="zh-CN" altLang="en-US"/>
-              <a:t>单击此处编辑母版标题样式</a:t>
-            </a:r>
-            <a:endParaRPr lang="en-US" dirty="0"/>
-          </a:p>
-        </p:txBody>
-      </p:sp>
-      <p:sp>
-        <p:nvSpPr>
-          <p:cNvPr id="3" name="Subtitle 2"/>
-          <p:cNvSpPr>
-            <a:spLocks noGrp="1"/>
-          </p:cNvSpPr>
-          <p:nvPr>
-            <p:ph type="subTitle" idx="1"/>
-          </p:nvPr>
-        </p:nvSpPr>
-        <p:spPr>
-          <a:xfrm>
-            <a:off x="1100051" y="4455621"/>
-            <a:ext cx="10058400" cy="1143000"/>
-          </a:xfrm>
-        </p:spPr>
-        <p:txBody>
-          <a:bodyPr lIns="91440" rIns="91440">
-            <a:normAutofit/>
-          </a:bodyPr>
-          <a:lstStyle>
-            <a:lvl1pPr marL="0" indent="0" algn="l">
+            <a:lvl1pPr marL="0" indent="0" algn="ctr">
               <a:buNone/>
-              <a:defRPr sz="2400" cap="all" spc="200" baseline="0">
-                <a:solidFill>
-                  <a:schemeClr val="tx2"/>
-                </a:solidFill>
-                <a:latin typeface="+mj-lt"/>
-              </a:defRPr>
+              <a:defRPr sz="2400"/>
             </a:lvl1pPr>
             <a:lvl2pPr marL="457200" indent="0" algn="ctr">
               <a:buNone/>
-              <a:defRPr sz="2400"/>
+              <a:defRPr sz="2000"/>
             </a:lvl2pPr>
             <a:lvl3pPr marL="914400" indent="0" algn="ctr">
               <a:buNone/>
-              <a:defRPr sz="2400"/>
+              <a:defRPr sz="1800"/>
             </a:lvl3pPr>
             <a:lvl4pPr marL="1371600" indent="0" algn="ctr">
               <a:buNone/>
-              <a:defRPr sz="2000"/>
+              <a:defRPr sz="1600"/>
             </a:lvl4pPr>
             <a:lvl5pPr marL="1828800" indent="0" algn="ctr">
               <a:buNone/>
-              <a:defRPr sz="2000"/>
+              <a:defRPr sz="1600"/>
             </a:lvl5pPr>
             <a:lvl6pPr marL="2286000" indent="0" algn="ctr">
               <a:buNone/>
-              <a:defRPr sz="2000"/>
+              <a:defRPr sz="1600"/>
             </a:lvl6pPr>
             <a:lvl7pPr marL="2743200" indent="0" algn="ctr">
               <a:buNone/>
-              <a:defRPr sz="2000"/>
+              <a:defRPr sz="1600"/>
             </a:lvl7pPr>
             <a:lvl8pPr marL="3200400" indent="0" algn="ctr">
               <a:buNone/>
-              <a:defRPr sz="2000"/>
+              <a:defRPr sz="1600"/>
             </a:lvl8pPr>
             <a:lvl9pPr marL="3657600" indent="0" algn="ctr">
               <a:buNone/>
-              <a:defRPr sz="2000"/>
+              <a:defRPr sz="1600"/>
             </a:lvl9pPr>
           </a:lstStyle>
           <a:p>
@@ -329,13 +256,19 @@
               <a:rPr lang="zh-CN" altLang="en-US"/>
               <a:t>单击此处编辑母版副标题样式</a:t>
             </a:r>
-            <a:endParaRPr lang="en-US" dirty="0"/>
-          </a:p>
-        </p:txBody>
-      </p:sp>
-      <p:sp>
-        <p:nvSpPr>
-          <p:cNvPr id="4" name="Date Placeholder 3"/>
+            <a:endParaRPr lang="en-US"/>
+          </a:p>
+        </p:txBody>
+      </p:sp>
+      <p:sp>
+        <p:nvSpPr>
+          <p:cNvPr id="4" name="日期占位符 3">
+            <a:extLst>
+              <a:ext uri="{FF2B5EF4-FFF2-40B4-BE49-F238E27FC236}">
+                <a16:creationId xmlns:a16="http://schemas.microsoft.com/office/drawing/2014/main" id="{D6F0C33F-B9A0-4569-AC63-1E3D44406725}"/>
+              </a:ext>
+            </a:extLst>
+          </p:cNvPr>
           <p:cNvSpPr>
             <a:spLocks noGrp="1"/>
           </p:cNvSpPr>
@@ -350,7 +283,7 @@
           <a:p>
             <a:fld id="{DFCBF3FA-A751-4570-8FB6-4B690BA30EB0}" type="datetimeFigureOut">
               <a:rPr lang="en-US" smtClean="0"/>
-              <a:t>5/20/2018</a:t>
+              <a:t>5/24/2018</a:t>
             </a:fld>
             <a:endParaRPr lang="en-US"/>
           </a:p>
@@ -358,7 +291,13 @@
       </p:sp>
       <p:sp>
         <p:nvSpPr>
-          <p:cNvPr id="5" name="Footer Placeholder 4"/>
+          <p:cNvPr id="5" name="页脚占位符 4">
+            <a:extLst>
+              <a:ext uri="{FF2B5EF4-FFF2-40B4-BE49-F238E27FC236}">
+                <a16:creationId xmlns:a16="http://schemas.microsoft.com/office/drawing/2014/main" id="{03D77D89-7B84-488B-9813-34586213FDDF}"/>
+              </a:ext>
+            </a:extLst>
+          </p:cNvPr>
           <p:cNvSpPr>
             <a:spLocks noGrp="1"/>
           </p:cNvSpPr>
@@ -377,7 +316,13 @@
       </p:sp>
       <p:sp>
         <p:nvSpPr>
-          <p:cNvPr id="6" name="Slide Number Placeholder 5"/>
+          <p:cNvPr id="6" name="灯片编号占位符 5">
+            <a:extLst>
+              <a:ext uri="{FF2B5EF4-FFF2-40B4-BE49-F238E27FC236}">
+                <a16:creationId xmlns:a16="http://schemas.microsoft.com/office/drawing/2014/main" id="{1D1F7F02-315C-4604-8D86-26CD23BA7F97}"/>
+              </a:ext>
+            </a:extLst>
+          </p:cNvPr>
           <p:cNvSpPr>
             <a:spLocks noGrp="1"/>
           </p:cNvSpPr>
@@ -398,48 +343,10 @@
           </a:p>
         </p:txBody>
       </p:sp>
-      <p:cxnSp>
-        <p:nvCxnSpPr>
-          <p:cNvPr id="9" name="Straight Connector 8"/>
-          <p:cNvCxnSpPr/>
-          <p:nvPr/>
-        </p:nvCxnSpPr>
-        <p:spPr>
-          <a:xfrm>
-            <a:off x="1207658" y="4343400"/>
-            <a:ext cx="9875520" cy="0"/>
-          </a:xfrm>
-          <a:prstGeom prst="line">
-            <a:avLst/>
-          </a:prstGeom>
-          <a:ln w="6350">
-            <a:solidFill>
-              <a:schemeClr val="tx1">
-                <a:lumMod val="50000"/>
-                <a:lumOff val="50000"/>
-              </a:schemeClr>
-            </a:solidFill>
-          </a:ln>
-        </p:spPr>
-        <p:style>
-          <a:lnRef idx="1">
-            <a:schemeClr val="accent1"/>
-          </a:lnRef>
-          <a:fillRef idx="0">
-            <a:schemeClr val="accent1"/>
-          </a:fillRef>
-          <a:effectRef idx="0">
-            <a:schemeClr val="accent1"/>
-          </a:effectRef>
-          <a:fontRef idx="minor">
-            <a:schemeClr val="tx1"/>
-          </a:fontRef>
-        </p:style>
-      </p:cxnSp>
     </p:spTree>
     <p:extLst>
       <p:ext uri="{BB962C8B-B14F-4D97-AF65-F5344CB8AC3E}">
-        <p14:creationId xmlns:p14="http://schemas.microsoft.com/office/powerpoint/2010/main" val="3165100259"/>
+        <p14:creationId xmlns:p14="http://schemas.microsoft.com/office/powerpoint/2010/main" val="2246554526"/>
       </p:ext>
     </p:extLst>
   </p:cSld>
@@ -468,7 +375,13 @@
       </p:grpSpPr>
       <p:sp>
         <p:nvSpPr>
-          <p:cNvPr id="2" name="Title 1"/>
+          <p:cNvPr id="2" name="标题 1">
+            <a:extLst>
+              <a:ext uri="{FF2B5EF4-FFF2-40B4-BE49-F238E27FC236}">
+                <a16:creationId xmlns:a16="http://schemas.microsoft.com/office/drawing/2014/main" id="{A1E37B1B-7A88-411A-8B7E-E2F71FE5114F}"/>
+              </a:ext>
+            </a:extLst>
+          </p:cNvPr>
           <p:cNvSpPr>
             <a:spLocks noGrp="1"/>
           </p:cNvSpPr>
@@ -485,13 +398,19 @@
               <a:rPr lang="zh-CN" altLang="en-US"/>
               <a:t>单击此处编辑母版标题样式</a:t>
             </a:r>
-            <a:endParaRPr lang="en-US" dirty="0"/>
-          </a:p>
-        </p:txBody>
-      </p:sp>
-      <p:sp>
-        <p:nvSpPr>
-          <p:cNvPr id="3" name="Vertical Text Placeholder 2"/>
+            <a:endParaRPr lang="en-US"/>
+          </a:p>
+        </p:txBody>
+      </p:sp>
+      <p:sp>
+        <p:nvSpPr>
+          <p:cNvPr id="3" name="竖排文字占位符 2">
+            <a:extLst>
+              <a:ext uri="{FF2B5EF4-FFF2-40B4-BE49-F238E27FC236}">
+                <a16:creationId xmlns:a16="http://schemas.microsoft.com/office/drawing/2014/main" id="{E120C839-D0C8-4B28-9C8A-ABB5E6323222}"/>
+              </a:ext>
+            </a:extLst>
+          </p:cNvPr>
           <p:cNvSpPr>
             <a:spLocks noGrp="1"/>
           </p:cNvSpPr>
@@ -501,7 +420,7 @@
         </p:nvSpPr>
         <p:spPr/>
         <p:txBody>
-          <a:bodyPr vert="eaVert" lIns="45720" tIns="0" rIns="45720" bIns="0"/>
+          <a:bodyPr vert="eaVert"/>
           <a:lstStyle/>
           <a:p>
             <a:pPr lvl="0"/>
@@ -537,13 +456,19 @@
               <a:rPr lang="zh-CN" altLang="en-US"/>
               <a:t>第五级</a:t>
             </a:r>
-            <a:endParaRPr lang="en-US" dirty="0"/>
-          </a:p>
-        </p:txBody>
-      </p:sp>
-      <p:sp>
-        <p:nvSpPr>
-          <p:cNvPr id="4" name="Date Placeholder 3"/>
+            <a:endParaRPr lang="en-US"/>
+          </a:p>
+        </p:txBody>
+      </p:sp>
+      <p:sp>
+        <p:nvSpPr>
+          <p:cNvPr id="4" name="日期占位符 3">
+            <a:extLst>
+              <a:ext uri="{FF2B5EF4-FFF2-40B4-BE49-F238E27FC236}">
+                <a16:creationId xmlns:a16="http://schemas.microsoft.com/office/drawing/2014/main" id="{C8C80458-AC6C-40DA-AF86-F176A837FE69}"/>
+              </a:ext>
+            </a:extLst>
+          </p:cNvPr>
           <p:cNvSpPr>
             <a:spLocks noGrp="1"/>
           </p:cNvSpPr>
@@ -558,7 +483,7 @@
           <a:p>
             <a:fld id="{DFCBF3FA-A751-4570-8FB6-4B690BA30EB0}" type="datetimeFigureOut">
               <a:rPr lang="en-US" smtClean="0"/>
-              <a:t>5/20/2018</a:t>
+              <a:t>5/24/2018</a:t>
             </a:fld>
             <a:endParaRPr lang="en-US"/>
           </a:p>
@@ -566,7 +491,13 @@
       </p:sp>
       <p:sp>
         <p:nvSpPr>
-          <p:cNvPr id="5" name="Footer Placeholder 4"/>
+          <p:cNvPr id="5" name="页脚占位符 4">
+            <a:extLst>
+              <a:ext uri="{FF2B5EF4-FFF2-40B4-BE49-F238E27FC236}">
+                <a16:creationId xmlns:a16="http://schemas.microsoft.com/office/drawing/2014/main" id="{9710492E-A034-4EC4-84BB-D16BB356DC45}"/>
+              </a:ext>
+            </a:extLst>
+          </p:cNvPr>
           <p:cNvSpPr>
             <a:spLocks noGrp="1"/>
           </p:cNvSpPr>
@@ -585,7 +516,13 @@
       </p:sp>
       <p:sp>
         <p:nvSpPr>
-          <p:cNvPr id="6" name="Slide Number Placeholder 5"/>
+          <p:cNvPr id="6" name="灯片编号占位符 5">
+            <a:extLst>
+              <a:ext uri="{FF2B5EF4-FFF2-40B4-BE49-F238E27FC236}">
+                <a16:creationId xmlns:a16="http://schemas.microsoft.com/office/drawing/2014/main" id="{2D3081F5-4AAA-4516-BAEB-94BE642B5F9B}"/>
+              </a:ext>
+            </a:extLst>
+          </p:cNvPr>
           <p:cNvSpPr>
             <a:spLocks noGrp="1"/>
           </p:cNvSpPr>
@@ -609,7 +546,7 @@
     </p:spTree>
     <p:extLst>
       <p:ext uri="{BB962C8B-B14F-4D97-AF65-F5344CB8AC3E}">
-        <p14:creationId xmlns:p14="http://schemas.microsoft.com/office/powerpoint/2010/main" val="860899430"/>
+        <p14:creationId xmlns:p14="http://schemas.microsoft.com/office/powerpoint/2010/main" val="3913428971"/>
       </p:ext>
     </p:extLst>
   </p:cSld>
@@ -620,7 +557,7 @@
 </file>
 
 <file path=ppt/slideLayouts/slideLayout11.xml><?xml version="1.0" encoding="utf-8"?>
-<p:sldLayout xmlns:a="http://schemas.openxmlformats.org/drawingml/2006/main" xmlns:r="http://schemas.openxmlformats.org/officeDocument/2006/relationships" xmlns:p="http://schemas.openxmlformats.org/presentationml/2006/main" showMasterSp="0" type="vertTitleAndTx" preserve="1">
+<p:sldLayout xmlns:a="http://schemas.openxmlformats.org/drawingml/2006/main" xmlns:r="http://schemas.openxmlformats.org/officeDocument/2006/relationships" xmlns:p="http://schemas.openxmlformats.org/presentationml/2006/main" type="vertTitleAndTx" preserve="1">
   <p:cSld name="竖排标题与文本">
     <p:spTree>
       <p:nvGrpSpPr>
@@ -638,130 +575,64 @@
       </p:grpSpPr>
       <p:sp>
         <p:nvSpPr>
-          <p:cNvPr id="7" name="Rectangle 6"/>
-          <p:cNvSpPr/>
-          <p:nvPr/>
+          <p:cNvPr id="2" name="竖排标题 1">
+            <a:extLst>
+              <a:ext uri="{FF2B5EF4-FFF2-40B4-BE49-F238E27FC236}">
+                <a16:creationId xmlns:a16="http://schemas.microsoft.com/office/drawing/2014/main" id="{E637A551-A1C1-491A-8AB1-451E7BDD5041}"/>
+              </a:ext>
+            </a:extLst>
+          </p:cNvPr>
+          <p:cNvSpPr>
+            <a:spLocks noGrp="1"/>
+          </p:cNvSpPr>
+          <p:nvPr>
+            <p:ph type="title" orient="vert"/>
+          </p:nvPr>
         </p:nvSpPr>
         <p:spPr>
           <a:xfrm>
-            <a:off x="3175" y="6400800"/>
-            <a:ext cx="12188825" cy="457200"/>
+            <a:off x="8724900" y="365125"/>
+            <a:ext cx="2628900" cy="5811838"/>
           </a:xfrm>
-          <a:prstGeom prst="rect">
-            <a:avLst/>
-          </a:prstGeom>
-          <a:solidFill>
-            <a:schemeClr val="accent1">
-              <a:lumMod val="50000"/>
-            </a:schemeClr>
-          </a:solidFill>
-          <a:ln>
-            <a:noFill/>
-          </a:ln>
         </p:spPr>
-        <p:style>
-          <a:lnRef idx="2">
-            <a:schemeClr val="accent1">
-              <a:shade val="50000"/>
-            </a:schemeClr>
-          </a:lnRef>
-          <a:fillRef idx="1">
-            <a:schemeClr val="accent1"/>
-          </a:fillRef>
-          <a:effectRef idx="0">
-            <a:schemeClr val="accent1"/>
-          </a:effectRef>
-          <a:fontRef idx="minor">
-            <a:schemeClr val="lt1"/>
-          </a:fontRef>
-        </p:style>
-      </p:sp>
-      <p:sp>
-        <p:nvSpPr>
-          <p:cNvPr id="8" name="Rectangle 7"/>
-          <p:cNvSpPr/>
-          <p:nvPr/>
+        <p:txBody>
+          <a:bodyPr vert="eaVert"/>
+          <a:lstStyle/>
+          <a:p>
+            <a:r>
+              <a:rPr lang="zh-CN" altLang="en-US"/>
+              <a:t>单击此处编辑母版标题样式</a:t>
+            </a:r>
+            <a:endParaRPr lang="en-US"/>
+          </a:p>
+        </p:txBody>
+      </p:sp>
+      <p:sp>
+        <p:nvSpPr>
+          <p:cNvPr id="3" name="竖排文字占位符 2">
+            <a:extLst>
+              <a:ext uri="{FF2B5EF4-FFF2-40B4-BE49-F238E27FC236}">
+                <a16:creationId xmlns:a16="http://schemas.microsoft.com/office/drawing/2014/main" id="{D070F83F-321C-4D8E-99A6-23C0329CEFF8}"/>
+              </a:ext>
+            </a:extLst>
+          </p:cNvPr>
+          <p:cNvSpPr>
+            <a:spLocks noGrp="1"/>
+          </p:cNvSpPr>
+          <p:nvPr>
+            <p:ph type="body" orient="vert" idx="1"/>
+          </p:nvPr>
         </p:nvSpPr>
         <p:spPr>
           <a:xfrm>
-            <a:off x="15" y="6334316"/>
-            <a:ext cx="12188825" cy="64008"/>
-          </a:xfrm>
-          <a:prstGeom prst="rect">
-            <a:avLst/>
-          </a:prstGeom>
-          <a:solidFill>
-            <a:schemeClr val="accent1"/>
-          </a:solidFill>
-          <a:ln>
-            <a:noFill/>
-          </a:ln>
-        </p:spPr>
-        <p:style>
-          <a:lnRef idx="2">
-            <a:schemeClr val="accent1">
-              <a:shade val="50000"/>
-            </a:schemeClr>
-          </a:lnRef>
-          <a:fillRef idx="1">
-            <a:schemeClr val="accent1"/>
-          </a:fillRef>
-          <a:effectRef idx="0">
-            <a:schemeClr val="accent1"/>
-          </a:effectRef>
-          <a:fontRef idx="minor">
-            <a:schemeClr val="lt1"/>
-          </a:fontRef>
-        </p:style>
-      </p:sp>
-      <p:sp>
-        <p:nvSpPr>
-          <p:cNvPr id="2" name="Vertical Title 1"/>
-          <p:cNvSpPr>
-            <a:spLocks noGrp="1"/>
-          </p:cNvSpPr>
-          <p:nvPr>
-            <p:ph type="title" orient="vert"/>
-          </p:nvPr>
-        </p:nvSpPr>
-        <p:spPr>
-          <a:xfrm>
-            <a:off x="8724900" y="412302"/>
-            <a:ext cx="2628900" cy="5759898"/>
+            <a:off x="838200" y="365125"/>
+            <a:ext cx="7734300" cy="5811838"/>
           </a:xfrm>
         </p:spPr>
         <p:txBody>
           <a:bodyPr vert="eaVert"/>
           <a:lstStyle/>
           <a:p>
-            <a:r>
-              <a:rPr lang="zh-CN" altLang="en-US"/>
-              <a:t>单击此处编辑母版标题样式</a:t>
-            </a:r>
-            <a:endParaRPr lang="en-US" dirty="0"/>
-          </a:p>
-        </p:txBody>
-      </p:sp>
-      <p:sp>
-        <p:nvSpPr>
-          <p:cNvPr id="3" name="Vertical Text Placeholder 2"/>
-          <p:cNvSpPr>
-            <a:spLocks noGrp="1"/>
-          </p:cNvSpPr>
-          <p:nvPr>
-            <p:ph type="body" orient="vert" idx="1"/>
-          </p:nvPr>
-        </p:nvSpPr>
-        <p:spPr>
-          <a:xfrm>
-            <a:off x="838200" y="412302"/>
-            <a:ext cx="7734300" cy="5759898"/>
-          </a:xfrm>
-        </p:spPr>
-        <p:txBody>
-          <a:bodyPr vert="eaVert" lIns="45720" tIns="0" rIns="45720" bIns="0"/>
-          <a:lstStyle/>
-          <a:p>
             <a:pPr lvl="0"/>
             <a:r>
               <a:rPr lang="zh-CN" altLang="en-US"/>
@@ -795,13 +666,19 @@
               <a:rPr lang="zh-CN" altLang="en-US"/>
               <a:t>第五级</a:t>
             </a:r>
-            <a:endParaRPr lang="en-US" dirty="0"/>
-          </a:p>
-        </p:txBody>
-      </p:sp>
-      <p:sp>
-        <p:nvSpPr>
-          <p:cNvPr id="4" name="Date Placeholder 3"/>
+            <a:endParaRPr lang="en-US"/>
+          </a:p>
+        </p:txBody>
+      </p:sp>
+      <p:sp>
+        <p:nvSpPr>
+          <p:cNvPr id="4" name="日期占位符 3">
+            <a:extLst>
+              <a:ext uri="{FF2B5EF4-FFF2-40B4-BE49-F238E27FC236}">
+                <a16:creationId xmlns:a16="http://schemas.microsoft.com/office/drawing/2014/main" id="{F5016A49-81E9-4109-95F5-C353E385D1E4}"/>
+              </a:ext>
+            </a:extLst>
+          </p:cNvPr>
           <p:cNvSpPr>
             <a:spLocks noGrp="1"/>
           </p:cNvSpPr>
@@ -816,7 +693,7 @@
           <a:p>
             <a:fld id="{DFCBF3FA-A751-4570-8FB6-4B690BA30EB0}" type="datetimeFigureOut">
               <a:rPr lang="en-US" smtClean="0"/>
-              <a:t>5/20/2018</a:t>
+              <a:t>5/24/2018</a:t>
             </a:fld>
             <a:endParaRPr lang="en-US"/>
           </a:p>
@@ -824,7 +701,13 @@
       </p:sp>
       <p:sp>
         <p:nvSpPr>
-          <p:cNvPr id="5" name="Footer Placeholder 4"/>
+          <p:cNvPr id="5" name="页脚占位符 4">
+            <a:extLst>
+              <a:ext uri="{FF2B5EF4-FFF2-40B4-BE49-F238E27FC236}">
+                <a16:creationId xmlns:a16="http://schemas.microsoft.com/office/drawing/2014/main" id="{43AED1A8-43CE-4B40-89B4-672D44DA0778}"/>
+              </a:ext>
+            </a:extLst>
+          </p:cNvPr>
           <p:cNvSpPr>
             <a:spLocks noGrp="1"/>
           </p:cNvSpPr>
@@ -843,7 +726,13 @@
       </p:sp>
       <p:sp>
         <p:nvSpPr>
-          <p:cNvPr id="6" name="Slide Number Placeholder 5"/>
+          <p:cNvPr id="6" name="灯片编号占位符 5">
+            <a:extLst>
+              <a:ext uri="{FF2B5EF4-FFF2-40B4-BE49-F238E27FC236}">
+                <a16:creationId xmlns:a16="http://schemas.microsoft.com/office/drawing/2014/main" id="{C31B0031-11A4-4A3D-9F4A-D553C835E14E}"/>
+              </a:ext>
+            </a:extLst>
+          </p:cNvPr>
           <p:cNvSpPr>
             <a:spLocks noGrp="1"/>
           </p:cNvSpPr>
@@ -867,7 +756,7 @@
     </p:spTree>
     <p:extLst>
       <p:ext uri="{BB962C8B-B14F-4D97-AF65-F5344CB8AC3E}">
-        <p14:creationId xmlns:p14="http://schemas.microsoft.com/office/powerpoint/2010/main" val="1314806452"/>
+        <p14:creationId xmlns:p14="http://schemas.microsoft.com/office/powerpoint/2010/main" val="38364714"/>
       </p:ext>
     </p:extLst>
   </p:cSld>
@@ -896,7 +785,13 @@
       </p:grpSpPr>
       <p:sp>
         <p:nvSpPr>
-          <p:cNvPr id="2" name="Title 1"/>
+          <p:cNvPr id="2" name="标题 1">
+            <a:extLst>
+              <a:ext uri="{FF2B5EF4-FFF2-40B4-BE49-F238E27FC236}">
+                <a16:creationId xmlns:a16="http://schemas.microsoft.com/office/drawing/2014/main" id="{421276CC-A615-4DDA-AF5C-3DD51EF0E6F2}"/>
+              </a:ext>
+            </a:extLst>
+          </p:cNvPr>
           <p:cNvSpPr>
             <a:spLocks noGrp="1"/>
           </p:cNvSpPr>
@@ -913,13 +808,19 @@
               <a:rPr lang="zh-CN" altLang="en-US"/>
               <a:t>单击此处编辑母版标题样式</a:t>
             </a:r>
-            <a:endParaRPr lang="en-US" dirty="0"/>
-          </a:p>
-        </p:txBody>
-      </p:sp>
-      <p:sp>
-        <p:nvSpPr>
-          <p:cNvPr id="3" name="Content Placeholder 2"/>
+            <a:endParaRPr lang="en-US"/>
+          </a:p>
+        </p:txBody>
+      </p:sp>
+      <p:sp>
+        <p:nvSpPr>
+          <p:cNvPr id="3" name="内容占位符 2">
+            <a:extLst>
+              <a:ext uri="{FF2B5EF4-FFF2-40B4-BE49-F238E27FC236}">
+                <a16:creationId xmlns:a16="http://schemas.microsoft.com/office/drawing/2014/main" id="{42C781B9-C107-4021-8BCB-8E42A769A0C7}"/>
+              </a:ext>
+            </a:extLst>
+          </p:cNvPr>
           <p:cNvSpPr>
             <a:spLocks noGrp="1"/>
           </p:cNvSpPr>
@@ -965,13 +866,19 @@
               <a:rPr lang="zh-CN" altLang="en-US"/>
               <a:t>第五级</a:t>
             </a:r>
-            <a:endParaRPr lang="en-US" dirty="0"/>
-          </a:p>
-        </p:txBody>
-      </p:sp>
-      <p:sp>
-        <p:nvSpPr>
-          <p:cNvPr id="4" name="Date Placeholder 3"/>
+            <a:endParaRPr lang="en-US"/>
+          </a:p>
+        </p:txBody>
+      </p:sp>
+      <p:sp>
+        <p:nvSpPr>
+          <p:cNvPr id="4" name="日期占位符 3">
+            <a:extLst>
+              <a:ext uri="{FF2B5EF4-FFF2-40B4-BE49-F238E27FC236}">
+                <a16:creationId xmlns:a16="http://schemas.microsoft.com/office/drawing/2014/main" id="{F82254AA-C19F-4F4C-8768-EC7BB4C77797}"/>
+              </a:ext>
+            </a:extLst>
+          </p:cNvPr>
           <p:cNvSpPr>
             <a:spLocks noGrp="1"/>
           </p:cNvSpPr>
@@ -986,7 +893,7 @@
           <a:p>
             <a:fld id="{DFCBF3FA-A751-4570-8FB6-4B690BA30EB0}" type="datetimeFigureOut">
               <a:rPr lang="en-US" smtClean="0"/>
-              <a:t>5/20/2018</a:t>
+              <a:t>5/24/2018</a:t>
             </a:fld>
             <a:endParaRPr lang="en-US"/>
           </a:p>
@@ -994,7 +901,13 @@
       </p:sp>
       <p:sp>
         <p:nvSpPr>
-          <p:cNvPr id="5" name="Footer Placeholder 4"/>
+          <p:cNvPr id="5" name="页脚占位符 4">
+            <a:extLst>
+              <a:ext uri="{FF2B5EF4-FFF2-40B4-BE49-F238E27FC236}">
+                <a16:creationId xmlns:a16="http://schemas.microsoft.com/office/drawing/2014/main" id="{64985204-A89E-4428-9BAC-1BF39C011B06}"/>
+              </a:ext>
+            </a:extLst>
+          </p:cNvPr>
           <p:cNvSpPr>
             <a:spLocks noGrp="1"/>
           </p:cNvSpPr>
@@ -1013,7 +926,13 @@
       </p:sp>
       <p:sp>
         <p:nvSpPr>
-          <p:cNvPr id="6" name="Slide Number Placeholder 5"/>
+          <p:cNvPr id="6" name="灯片编号占位符 5">
+            <a:extLst>
+              <a:ext uri="{FF2B5EF4-FFF2-40B4-BE49-F238E27FC236}">
+                <a16:creationId xmlns:a16="http://schemas.microsoft.com/office/drawing/2014/main" id="{7EC2ACE8-C87B-4C05-84AF-2470213A7953}"/>
+              </a:ext>
+            </a:extLst>
+          </p:cNvPr>
           <p:cNvSpPr>
             <a:spLocks noGrp="1"/>
           </p:cNvSpPr>
@@ -1037,7 +956,7 @@
     </p:spTree>
     <p:extLst>
       <p:ext uri="{BB962C8B-B14F-4D97-AF65-F5344CB8AC3E}">
-        <p14:creationId xmlns:p14="http://schemas.microsoft.com/office/powerpoint/2010/main" val="2170487276"/>
+        <p14:creationId xmlns:p14="http://schemas.microsoft.com/office/powerpoint/2010/main" val="4083550214"/>
       </p:ext>
     </p:extLst>
   </p:cSld>
@@ -1048,7 +967,7 @@
 </file>
 
 <file path=ppt/slideLayouts/slideLayout3.xml><?xml version="1.0" encoding="utf-8"?>
-<p:sldLayout xmlns:a="http://schemas.openxmlformats.org/drawingml/2006/main" xmlns:r="http://schemas.openxmlformats.org/officeDocument/2006/relationships" xmlns:p="http://schemas.openxmlformats.org/presentationml/2006/main" showMasterSp="0" type="secHead" preserve="1">
+<p:sldLayout xmlns:a="http://schemas.openxmlformats.org/drawingml/2006/main" xmlns:r="http://schemas.openxmlformats.org/officeDocument/2006/relationships" xmlns:p="http://schemas.openxmlformats.org/presentationml/2006/main" type="secHead" preserve="1">
   <p:cSld name="节标题">
     <p:spTree>
       <p:nvGrpSpPr>
@@ -1066,159 +985,80 @@
       </p:grpSpPr>
       <p:sp>
         <p:nvSpPr>
-          <p:cNvPr id="7" name="Rectangle 6"/>
-          <p:cNvSpPr/>
-          <p:nvPr/>
+          <p:cNvPr id="2" name="标题 1">
+            <a:extLst>
+              <a:ext uri="{FF2B5EF4-FFF2-40B4-BE49-F238E27FC236}">
+                <a16:creationId xmlns:a16="http://schemas.microsoft.com/office/drawing/2014/main" id="{50B1AA59-0980-4B88-84B9-793262C17B90}"/>
+              </a:ext>
+            </a:extLst>
+          </p:cNvPr>
+          <p:cNvSpPr>
+            <a:spLocks noGrp="1"/>
+          </p:cNvSpPr>
+          <p:nvPr>
+            <p:ph type="title"/>
+          </p:nvPr>
         </p:nvSpPr>
         <p:spPr>
           <a:xfrm>
-            <a:off x="3175" y="6400800"/>
-            <a:ext cx="12188825" cy="457200"/>
+            <a:off x="831850" y="1709738"/>
+            <a:ext cx="10515600" cy="2852737"/>
           </a:xfrm>
-          <a:prstGeom prst="rect">
-            <a:avLst/>
-          </a:prstGeom>
-          <a:solidFill>
-            <a:schemeClr val="accent1">
-              <a:lumMod val="50000"/>
-            </a:schemeClr>
-          </a:solidFill>
-          <a:ln>
-            <a:noFill/>
-          </a:ln>
         </p:spPr>
-        <p:style>
-          <a:lnRef idx="2">
-            <a:schemeClr val="accent1">
-              <a:shade val="50000"/>
-            </a:schemeClr>
-          </a:lnRef>
-          <a:fillRef idx="1">
-            <a:schemeClr val="accent1"/>
-          </a:fillRef>
-          <a:effectRef idx="0">
-            <a:schemeClr val="accent1"/>
-          </a:effectRef>
-          <a:fontRef idx="minor">
-            <a:schemeClr val="lt1"/>
-          </a:fontRef>
-        </p:style>
-      </p:sp>
-      <p:sp>
-        <p:nvSpPr>
-          <p:cNvPr id="8" name="Rectangle 7"/>
-          <p:cNvSpPr/>
-          <p:nvPr/>
+        <p:txBody>
+          <a:bodyPr anchor="b"/>
+          <a:lstStyle>
+            <a:lvl1pPr>
+              <a:defRPr sz="6000"/>
+            </a:lvl1pPr>
+          </a:lstStyle>
+          <a:p>
+            <a:r>
+              <a:rPr lang="zh-CN" altLang="en-US"/>
+              <a:t>单击此处编辑母版标题样式</a:t>
+            </a:r>
+            <a:endParaRPr lang="en-US"/>
+          </a:p>
+        </p:txBody>
+      </p:sp>
+      <p:sp>
+        <p:nvSpPr>
+          <p:cNvPr id="3" name="文本占位符 2">
+            <a:extLst>
+              <a:ext uri="{FF2B5EF4-FFF2-40B4-BE49-F238E27FC236}">
+                <a16:creationId xmlns:a16="http://schemas.microsoft.com/office/drawing/2014/main" id="{A2922FD5-7ACD-4400-8EB4-20A239B6DF73}"/>
+              </a:ext>
+            </a:extLst>
+          </p:cNvPr>
+          <p:cNvSpPr>
+            <a:spLocks noGrp="1"/>
+          </p:cNvSpPr>
+          <p:nvPr>
+            <p:ph type="body" idx="1"/>
+          </p:nvPr>
         </p:nvSpPr>
         <p:spPr>
           <a:xfrm>
-            <a:off x="15" y="6334316"/>
-            <a:ext cx="12188825" cy="64008"/>
-          </a:xfrm>
-          <a:prstGeom prst="rect">
-            <a:avLst/>
-          </a:prstGeom>
-          <a:solidFill>
-            <a:schemeClr val="accent1"/>
-          </a:solidFill>
-          <a:ln>
-            <a:noFill/>
-          </a:ln>
-        </p:spPr>
-        <p:style>
-          <a:lnRef idx="2">
-            <a:schemeClr val="accent1">
-              <a:shade val="50000"/>
-            </a:schemeClr>
-          </a:lnRef>
-          <a:fillRef idx="1">
-            <a:schemeClr val="accent1"/>
-          </a:fillRef>
-          <a:effectRef idx="0">
-            <a:schemeClr val="accent1"/>
-          </a:effectRef>
-          <a:fontRef idx="minor">
-            <a:schemeClr val="lt1"/>
-          </a:fontRef>
-        </p:style>
-      </p:sp>
-      <p:sp>
-        <p:nvSpPr>
-          <p:cNvPr id="2" name="Title 1"/>
-          <p:cNvSpPr>
-            <a:spLocks noGrp="1"/>
-          </p:cNvSpPr>
-          <p:nvPr>
-            <p:ph type="title"/>
-          </p:nvPr>
-        </p:nvSpPr>
-        <p:spPr>
-          <a:xfrm>
-            <a:off x="1097280" y="758952"/>
-            <a:ext cx="10058400" cy="3566160"/>
+            <a:off x="831850" y="4589463"/>
+            <a:ext cx="10515600" cy="1500187"/>
           </a:xfrm>
         </p:spPr>
         <p:txBody>
-          <a:bodyPr anchor="b" anchorCtr="0">
-            <a:normAutofit/>
-          </a:bodyPr>
+          <a:bodyPr/>
           <a:lstStyle>
-            <a:lvl1pPr>
-              <a:lnSpc>
-                <a:spcPct val="85000"/>
-              </a:lnSpc>
-              <a:defRPr sz="8000" b="0">
+            <a:lvl1pPr marL="0" indent="0">
+              <a:buNone/>
+              <a:defRPr sz="2400">
                 <a:solidFill>
                   <a:schemeClr val="tx1">
-                    <a:lumMod val="85000"/>
-                    <a:lumOff val="15000"/>
+                    <a:tint val="75000"/>
                   </a:schemeClr>
                 </a:solidFill>
               </a:defRPr>
             </a:lvl1pPr>
-          </a:lstStyle>
-          <a:p>
-            <a:r>
-              <a:rPr lang="zh-CN" altLang="en-US"/>
-              <a:t>单击此处编辑母版标题样式</a:t>
-            </a:r>
-            <a:endParaRPr lang="en-US" dirty="0"/>
-          </a:p>
-        </p:txBody>
-      </p:sp>
-      <p:sp>
-        <p:nvSpPr>
-          <p:cNvPr id="3" name="Text Placeholder 2"/>
-          <p:cNvSpPr>
-            <a:spLocks noGrp="1"/>
-          </p:cNvSpPr>
-          <p:nvPr>
-            <p:ph type="body" idx="1"/>
-          </p:nvPr>
-        </p:nvSpPr>
-        <p:spPr>
-          <a:xfrm>
-            <a:off x="1097280" y="4453128"/>
-            <a:ext cx="10058400" cy="1143000"/>
-          </a:xfrm>
-        </p:spPr>
-        <p:txBody>
-          <a:bodyPr lIns="91440" rIns="91440" anchor="t" anchorCtr="0">
-            <a:normAutofit/>
-          </a:bodyPr>
-          <a:lstStyle>
-            <a:lvl1pPr marL="0" indent="0">
-              <a:buNone/>
-              <a:defRPr sz="2400" cap="all" spc="200" baseline="0">
-                <a:solidFill>
-                  <a:schemeClr val="tx2"/>
-                </a:solidFill>
-                <a:latin typeface="+mj-lt"/>
-              </a:defRPr>
-            </a:lvl1pPr>
             <a:lvl2pPr marL="457200" indent="0">
               <a:buNone/>
-              <a:defRPr sz="1800">
+              <a:defRPr sz="2000">
                 <a:solidFill>
                   <a:schemeClr val="tx1">
                     <a:tint val="75000"/>
@@ -1228,7 +1068,7 @@
             </a:lvl2pPr>
             <a:lvl3pPr marL="914400" indent="0">
               <a:buNone/>
-              <a:defRPr sz="1600">
+              <a:defRPr sz="1800">
                 <a:solidFill>
                   <a:schemeClr val="tx1">
                     <a:tint val="75000"/>
@@ -1238,7 +1078,7 @@
             </a:lvl3pPr>
             <a:lvl4pPr marL="1371600" indent="0">
               <a:buNone/>
-              <a:defRPr sz="1400">
+              <a:defRPr sz="1600">
                 <a:solidFill>
                   <a:schemeClr val="tx1">
                     <a:tint val="75000"/>
@@ -1248,7 +1088,7 @@
             </a:lvl4pPr>
             <a:lvl5pPr marL="1828800" indent="0">
               <a:buNone/>
-              <a:defRPr sz="1400">
+              <a:defRPr sz="1600">
                 <a:solidFill>
                   <a:schemeClr val="tx1">
                     <a:tint val="75000"/>
@@ -1258,7 +1098,7 @@
             </a:lvl5pPr>
             <a:lvl6pPr marL="2286000" indent="0">
               <a:buNone/>
-              <a:defRPr sz="1400">
+              <a:defRPr sz="1600">
                 <a:solidFill>
                   <a:schemeClr val="tx1">
                     <a:tint val="75000"/>
@@ -1268,7 +1108,7 @@
             </a:lvl6pPr>
             <a:lvl7pPr marL="2743200" indent="0">
               <a:buNone/>
-              <a:defRPr sz="1400">
+              <a:defRPr sz="1600">
                 <a:solidFill>
                   <a:schemeClr val="tx1">
                     <a:tint val="75000"/>
@@ -1278,7 +1118,7 @@
             </a:lvl7pPr>
             <a:lvl8pPr marL="3200400" indent="0">
               <a:buNone/>
-              <a:defRPr sz="1400">
+              <a:defRPr sz="1600">
                 <a:solidFill>
                   <a:schemeClr val="tx1">
                     <a:tint val="75000"/>
@@ -1288,7 +1128,7 @@
             </a:lvl8pPr>
             <a:lvl9pPr marL="3657600" indent="0">
               <a:buNone/>
-              <a:defRPr sz="1400">
+              <a:defRPr sz="1600">
                 <a:solidFill>
                   <a:schemeClr val="tx1">
                     <a:tint val="75000"/>
@@ -1308,7 +1148,13 @@
       </p:sp>
       <p:sp>
         <p:nvSpPr>
-          <p:cNvPr id="4" name="Date Placeholder 3"/>
+          <p:cNvPr id="4" name="日期占位符 3">
+            <a:extLst>
+              <a:ext uri="{FF2B5EF4-FFF2-40B4-BE49-F238E27FC236}">
+                <a16:creationId xmlns:a16="http://schemas.microsoft.com/office/drawing/2014/main" id="{74E9DA14-38C1-4C8C-95C8-A78DF94F3F73}"/>
+              </a:ext>
+            </a:extLst>
+          </p:cNvPr>
           <p:cNvSpPr>
             <a:spLocks noGrp="1"/>
           </p:cNvSpPr>
@@ -1323,7 +1169,7 @@
           <a:p>
             <a:fld id="{DFCBF3FA-A751-4570-8FB6-4B690BA30EB0}" type="datetimeFigureOut">
               <a:rPr lang="en-US" smtClean="0"/>
-              <a:t>5/20/2018</a:t>
+              <a:t>5/24/2018</a:t>
             </a:fld>
             <a:endParaRPr lang="en-US"/>
           </a:p>
@@ -1331,7 +1177,13 @@
       </p:sp>
       <p:sp>
         <p:nvSpPr>
-          <p:cNvPr id="5" name="Footer Placeholder 4"/>
+          <p:cNvPr id="5" name="页脚占位符 4">
+            <a:extLst>
+              <a:ext uri="{FF2B5EF4-FFF2-40B4-BE49-F238E27FC236}">
+                <a16:creationId xmlns:a16="http://schemas.microsoft.com/office/drawing/2014/main" id="{EF6A7609-83E6-49FB-9609-6343E9F2C199}"/>
+              </a:ext>
+            </a:extLst>
+          </p:cNvPr>
           <p:cNvSpPr>
             <a:spLocks noGrp="1"/>
           </p:cNvSpPr>
@@ -1350,7 +1202,13 @@
       </p:sp>
       <p:sp>
         <p:nvSpPr>
-          <p:cNvPr id="6" name="Slide Number Placeholder 5"/>
+          <p:cNvPr id="6" name="灯片编号占位符 5">
+            <a:extLst>
+              <a:ext uri="{FF2B5EF4-FFF2-40B4-BE49-F238E27FC236}">
+                <a16:creationId xmlns:a16="http://schemas.microsoft.com/office/drawing/2014/main" id="{9675A8B8-A308-439B-AE2F-5D41FA035A49}"/>
+              </a:ext>
+            </a:extLst>
+          </p:cNvPr>
           <p:cNvSpPr>
             <a:spLocks noGrp="1"/>
           </p:cNvSpPr>
@@ -1371,48 +1229,10 @@
           </a:p>
         </p:txBody>
       </p:sp>
-      <p:cxnSp>
-        <p:nvCxnSpPr>
-          <p:cNvPr id="9" name="Straight Connector 8"/>
-          <p:cNvCxnSpPr/>
-          <p:nvPr/>
-        </p:nvCxnSpPr>
-        <p:spPr>
-          <a:xfrm>
-            <a:off x="1207658" y="4343400"/>
-            <a:ext cx="9875520" cy="0"/>
-          </a:xfrm>
-          <a:prstGeom prst="line">
-            <a:avLst/>
-          </a:prstGeom>
-          <a:ln w="6350">
-            <a:solidFill>
-              <a:schemeClr val="tx1">
-                <a:lumMod val="50000"/>
-                <a:lumOff val="50000"/>
-              </a:schemeClr>
-            </a:solidFill>
-          </a:ln>
-        </p:spPr>
-        <p:style>
-          <a:lnRef idx="1">
-            <a:schemeClr val="accent1"/>
-          </a:lnRef>
-          <a:fillRef idx="0">
-            <a:schemeClr val="accent1"/>
-          </a:fillRef>
-          <a:effectRef idx="0">
-            <a:schemeClr val="accent1"/>
-          </a:effectRef>
-          <a:fontRef idx="minor">
-            <a:schemeClr val="tx1"/>
-          </a:fontRef>
-        </p:style>
-      </p:cxnSp>
     </p:spTree>
     <p:extLst>
       <p:ext uri="{BB962C8B-B14F-4D97-AF65-F5344CB8AC3E}">
-        <p14:creationId xmlns:p14="http://schemas.microsoft.com/office/powerpoint/2010/main" val="2967940506"/>
+        <p14:creationId xmlns:p14="http://schemas.microsoft.com/office/powerpoint/2010/main" val="2280217286"/>
       </p:ext>
     </p:extLst>
   </p:cSld>
@@ -1441,46 +1261,116 @@
       </p:grpSpPr>
       <p:sp>
         <p:nvSpPr>
-          <p:cNvPr id="8" name="Title 7"/>
+          <p:cNvPr id="2" name="标题 1">
+            <a:extLst>
+              <a:ext uri="{FF2B5EF4-FFF2-40B4-BE49-F238E27FC236}">
+                <a16:creationId xmlns:a16="http://schemas.microsoft.com/office/drawing/2014/main" id="{3C6882B3-AEF6-465A-96DD-BE2B41E612CF}"/>
+              </a:ext>
+            </a:extLst>
+          </p:cNvPr>
           <p:cNvSpPr>
             <a:spLocks noGrp="1"/>
           </p:cNvSpPr>
           <p:nvPr>
             <p:ph type="title"/>
+          </p:nvPr>
+        </p:nvSpPr>
+        <p:spPr/>
+        <p:txBody>
+          <a:bodyPr/>
+          <a:lstStyle/>
+          <a:p>
+            <a:r>
+              <a:rPr lang="zh-CN" altLang="en-US"/>
+              <a:t>单击此处编辑母版标题样式</a:t>
+            </a:r>
+            <a:endParaRPr lang="en-US"/>
+          </a:p>
+        </p:txBody>
+      </p:sp>
+      <p:sp>
+        <p:nvSpPr>
+          <p:cNvPr id="3" name="内容占位符 2">
+            <a:extLst>
+              <a:ext uri="{FF2B5EF4-FFF2-40B4-BE49-F238E27FC236}">
+                <a16:creationId xmlns:a16="http://schemas.microsoft.com/office/drawing/2014/main" id="{3C9BFB3F-8EB2-4830-AEAE-46B6AF2C93D9}"/>
+              </a:ext>
+            </a:extLst>
+          </p:cNvPr>
+          <p:cNvSpPr>
+            <a:spLocks noGrp="1"/>
+          </p:cNvSpPr>
+          <p:nvPr>
+            <p:ph sz="half" idx="1"/>
           </p:nvPr>
         </p:nvSpPr>
         <p:spPr>
           <a:xfrm>
-            <a:off x="1097280" y="286603"/>
-            <a:ext cx="10058400" cy="1450757"/>
+            <a:off x="838200" y="1825625"/>
+            <a:ext cx="5181600" cy="4351338"/>
           </a:xfrm>
         </p:spPr>
         <p:txBody>
           <a:bodyPr/>
           <a:lstStyle/>
           <a:p>
+            <a:pPr lvl="0"/>
             <a:r>
               <a:rPr lang="zh-CN" altLang="en-US"/>
-              <a:t>单击此处编辑母版标题样式</a:t>
-            </a:r>
-            <a:endParaRPr lang="en-US" dirty="0"/>
-          </a:p>
-        </p:txBody>
-      </p:sp>
-      <p:sp>
-        <p:nvSpPr>
-          <p:cNvPr id="3" name="Content Placeholder 2"/>
-          <p:cNvSpPr>
-            <a:spLocks noGrp="1"/>
-          </p:cNvSpPr>
-          <p:nvPr>
-            <p:ph sz="half" idx="1"/>
+              <a:t>编辑母版文本样式</a:t>
+            </a:r>
+          </a:p>
+          <a:p>
+            <a:pPr lvl="1"/>
+            <a:r>
+              <a:rPr lang="zh-CN" altLang="en-US"/>
+              <a:t>第二级</a:t>
+            </a:r>
+          </a:p>
+          <a:p>
+            <a:pPr lvl="2"/>
+            <a:r>
+              <a:rPr lang="zh-CN" altLang="en-US"/>
+              <a:t>第三级</a:t>
+            </a:r>
+          </a:p>
+          <a:p>
+            <a:pPr lvl="3"/>
+            <a:r>
+              <a:rPr lang="zh-CN" altLang="en-US"/>
+              <a:t>第四级</a:t>
+            </a:r>
+          </a:p>
+          <a:p>
+            <a:pPr lvl="4"/>
+            <a:r>
+              <a:rPr lang="zh-CN" altLang="en-US"/>
+              <a:t>第五级</a:t>
+            </a:r>
+            <a:endParaRPr lang="en-US"/>
+          </a:p>
+        </p:txBody>
+      </p:sp>
+      <p:sp>
+        <p:nvSpPr>
+          <p:cNvPr id="4" name="内容占位符 3">
+            <a:extLst>
+              <a:ext uri="{FF2B5EF4-FFF2-40B4-BE49-F238E27FC236}">
+                <a16:creationId xmlns:a16="http://schemas.microsoft.com/office/drawing/2014/main" id="{826536B9-1E86-49CD-A96E-7D8726E7F19F}"/>
+              </a:ext>
+            </a:extLst>
+          </p:cNvPr>
+          <p:cNvSpPr>
+            <a:spLocks noGrp="1"/>
+          </p:cNvSpPr>
+          <p:nvPr>
+            <p:ph sz="half" idx="2"/>
           </p:nvPr>
         </p:nvSpPr>
         <p:spPr>
           <a:xfrm>
-            <a:off x="1097278" y="1845734"/>
-            <a:ext cx="4937760" cy="4023360"/>
+            <a:off x="6172200" y="1825625"/>
+            <a:ext cx="5181600" cy="4351338"/>
           </a:xfrm>
         </p:spPr>
         <p:txBody>
@@ -1520,70 +1410,19 @@
               <a:rPr lang="zh-CN" altLang="en-US"/>
               <a:t>第五级</a:t>
             </a:r>
-            <a:endParaRPr lang="en-US" dirty="0"/>
-          </a:p>
-        </p:txBody>
-      </p:sp>
-      <p:sp>
-        <p:nvSpPr>
-          <p:cNvPr id="4" name="Content Placeholder 3"/>
-          <p:cNvSpPr>
-            <a:spLocks noGrp="1"/>
-          </p:cNvSpPr>
-          <p:nvPr>
-            <p:ph sz="half" idx="2"/>
-          </p:nvPr>
-        </p:nvSpPr>
-        <p:spPr>
-          <a:xfrm>
-            <a:off x="6217920" y="1845735"/>
-            <a:ext cx="4937760" cy="4023360"/>
-          </a:xfrm>
-        </p:spPr>
-        <p:txBody>
-          <a:bodyPr/>
-          <a:lstStyle/>
-          <a:p>
-            <a:pPr lvl="0"/>
-            <a:r>
-              <a:rPr lang="zh-CN" altLang="en-US"/>
-              <a:t>编辑母版文本样式</a:t>
-            </a:r>
-          </a:p>
-          <a:p>
-            <a:pPr lvl="1"/>
-            <a:r>
-              <a:rPr lang="zh-CN" altLang="en-US"/>
-              <a:t>第二级</a:t>
-            </a:r>
-          </a:p>
-          <a:p>
-            <a:pPr lvl="2"/>
-            <a:r>
-              <a:rPr lang="zh-CN" altLang="en-US"/>
-              <a:t>第三级</a:t>
-            </a:r>
-          </a:p>
-          <a:p>
-            <a:pPr lvl="3"/>
-            <a:r>
-              <a:rPr lang="zh-CN" altLang="en-US"/>
-              <a:t>第四级</a:t>
-            </a:r>
-          </a:p>
-          <a:p>
-            <a:pPr lvl="4"/>
-            <a:r>
-              <a:rPr lang="zh-CN" altLang="en-US"/>
-              <a:t>第五级</a:t>
-            </a:r>
-            <a:endParaRPr lang="en-US" dirty="0"/>
-          </a:p>
-        </p:txBody>
-      </p:sp>
-      <p:sp>
-        <p:nvSpPr>
-          <p:cNvPr id="5" name="Date Placeholder 4"/>
+            <a:endParaRPr lang="en-US"/>
+          </a:p>
+        </p:txBody>
+      </p:sp>
+      <p:sp>
+        <p:nvSpPr>
+          <p:cNvPr id="5" name="日期占位符 4">
+            <a:extLst>
+              <a:ext uri="{FF2B5EF4-FFF2-40B4-BE49-F238E27FC236}">
+                <a16:creationId xmlns:a16="http://schemas.microsoft.com/office/drawing/2014/main" id="{9A336AB2-FF1D-4E99-9CEA-0EA4E3070F0F}"/>
+              </a:ext>
+            </a:extLst>
+          </p:cNvPr>
           <p:cNvSpPr>
             <a:spLocks noGrp="1"/>
           </p:cNvSpPr>
@@ -1598,7 +1437,7 @@
           <a:p>
             <a:fld id="{DFCBF3FA-A751-4570-8FB6-4B690BA30EB0}" type="datetimeFigureOut">
               <a:rPr lang="en-US" smtClean="0"/>
-              <a:t>5/20/2018</a:t>
+              <a:t>5/24/2018</a:t>
             </a:fld>
             <a:endParaRPr lang="en-US"/>
           </a:p>
@@ -1606,7 +1445,13 @@
       </p:sp>
       <p:sp>
         <p:nvSpPr>
-          <p:cNvPr id="6" name="Footer Placeholder 5"/>
+          <p:cNvPr id="6" name="页脚占位符 5">
+            <a:extLst>
+              <a:ext uri="{FF2B5EF4-FFF2-40B4-BE49-F238E27FC236}">
+                <a16:creationId xmlns:a16="http://schemas.microsoft.com/office/drawing/2014/main" id="{5E72022E-76D0-4705-A503-5BD4358AB48D}"/>
+              </a:ext>
+            </a:extLst>
+          </p:cNvPr>
           <p:cNvSpPr>
             <a:spLocks noGrp="1"/>
           </p:cNvSpPr>
@@ -1625,7 +1470,13 @@
       </p:sp>
       <p:sp>
         <p:nvSpPr>
-          <p:cNvPr id="7" name="Slide Number Placeholder 6"/>
+          <p:cNvPr id="7" name="灯片编号占位符 6">
+            <a:extLst>
+              <a:ext uri="{FF2B5EF4-FFF2-40B4-BE49-F238E27FC236}">
+                <a16:creationId xmlns:a16="http://schemas.microsoft.com/office/drawing/2014/main" id="{C206F471-ABC3-418F-B0B8-C2BCD48E1AC8}"/>
+              </a:ext>
+            </a:extLst>
+          </p:cNvPr>
           <p:cNvSpPr>
             <a:spLocks noGrp="1"/>
           </p:cNvSpPr>
@@ -1649,7 +1500,7 @@
     </p:spTree>
     <p:extLst>
       <p:ext uri="{BB962C8B-B14F-4D97-AF65-F5344CB8AC3E}">
-        <p14:creationId xmlns:p14="http://schemas.microsoft.com/office/powerpoint/2010/main" val="3803068209"/>
+        <p14:creationId xmlns:p14="http://schemas.microsoft.com/office/powerpoint/2010/main" val="3511900243"/>
       </p:ext>
     </p:extLst>
   </p:cSld>
@@ -1678,7 +1529,13 @@
       </p:grpSpPr>
       <p:sp>
         <p:nvSpPr>
-          <p:cNvPr id="10" name="Title 9"/>
+          <p:cNvPr id="2" name="标题 1">
+            <a:extLst>
+              <a:ext uri="{FF2B5EF4-FFF2-40B4-BE49-F238E27FC236}">
+                <a16:creationId xmlns:a16="http://schemas.microsoft.com/office/drawing/2014/main" id="{2F2D6A84-6E63-4D44-BC73-8F1CE9F18977}"/>
+              </a:ext>
+            </a:extLst>
+          </p:cNvPr>
           <p:cNvSpPr>
             <a:spLocks noGrp="1"/>
           </p:cNvSpPr>
@@ -1688,8 +1545,8 @@
         </p:nvSpPr>
         <p:spPr>
           <a:xfrm>
-            <a:off x="1097280" y="286603"/>
-            <a:ext cx="10058400" cy="1450757"/>
+            <a:off x="839788" y="365125"/>
+            <a:ext cx="10515600" cy="1325563"/>
           </a:xfrm>
         </p:spPr>
         <p:txBody>
@@ -1700,13 +1557,19 @@
               <a:rPr lang="zh-CN" altLang="en-US"/>
               <a:t>单击此处编辑母版标题样式</a:t>
             </a:r>
-            <a:endParaRPr lang="en-US" dirty="0"/>
-          </a:p>
-        </p:txBody>
-      </p:sp>
-      <p:sp>
-        <p:nvSpPr>
-          <p:cNvPr id="3" name="Text Placeholder 2"/>
+            <a:endParaRPr lang="en-US"/>
+          </a:p>
+        </p:txBody>
+      </p:sp>
+      <p:sp>
+        <p:nvSpPr>
+          <p:cNvPr id="3" name="文本占位符 2">
+            <a:extLst>
+              <a:ext uri="{FF2B5EF4-FFF2-40B4-BE49-F238E27FC236}">
+                <a16:creationId xmlns:a16="http://schemas.microsoft.com/office/drawing/2014/main" id="{EA140A43-4288-4459-9A22-F95A708F768B}"/>
+              </a:ext>
+            </a:extLst>
+          </p:cNvPr>
           <p:cNvSpPr>
             <a:spLocks noGrp="1"/>
           </p:cNvSpPr>
@@ -1716,22 +1579,16 @@
         </p:nvSpPr>
         <p:spPr>
           <a:xfrm>
-            <a:off x="1097280" y="1846052"/>
-            <a:ext cx="4937760" cy="736282"/>
+            <a:off x="839788" y="1681163"/>
+            <a:ext cx="5157787" cy="823912"/>
           </a:xfrm>
         </p:spPr>
         <p:txBody>
-          <a:bodyPr lIns="91440" rIns="91440" anchor="ctr">
-            <a:normAutofit/>
-          </a:bodyPr>
+          <a:bodyPr anchor="b"/>
           <a:lstStyle>
             <a:lvl1pPr marL="0" indent="0">
               <a:buNone/>
-              <a:defRPr sz="2000" b="0" cap="all" baseline="0">
-                <a:solidFill>
-                  <a:schemeClr val="tx2"/>
-                </a:solidFill>
-              </a:defRPr>
+              <a:defRPr sz="2400" b="1"/>
             </a:lvl1pPr>
             <a:lvl2pPr marL="457200" indent="0">
               <a:buNone/>
@@ -1777,7 +1634,13 @@
       </p:sp>
       <p:sp>
         <p:nvSpPr>
-          <p:cNvPr id="4" name="Content Placeholder 3"/>
+          <p:cNvPr id="4" name="内容占位符 3">
+            <a:extLst>
+              <a:ext uri="{FF2B5EF4-FFF2-40B4-BE49-F238E27FC236}">
+                <a16:creationId xmlns:a16="http://schemas.microsoft.com/office/drawing/2014/main" id="{386C8DDB-6693-46DB-A506-698AE7211F0C}"/>
+              </a:ext>
+            </a:extLst>
+          </p:cNvPr>
           <p:cNvSpPr>
             <a:spLocks noGrp="1"/>
           </p:cNvSpPr>
@@ -1787,8 +1650,8 @@
         </p:nvSpPr>
         <p:spPr>
           <a:xfrm>
-            <a:off x="1097280" y="2582334"/>
-            <a:ext cx="4937760" cy="3378200"/>
+            <a:off x="839788" y="2505075"/>
+            <a:ext cx="5157787" cy="3684588"/>
           </a:xfrm>
         </p:spPr>
         <p:txBody>
@@ -1828,13 +1691,19 @@
               <a:rPr lang="zh-CN" altLang="en-US"/>
               <a:t>第五级</a:t>
             </a:r>
-            <a:endParaRPr lang="en-US" dirty="0"/>
-          </a:p>
-        </p:txBody>
-      </p:sp>
-      <p:sp>
-        <p:nvSpPr>
-          <p:cNvPr id="5" name="Text Placeholder 4"/>
+            <a:endParaRPr lang="en-US"/>
+          </a:p>
+        </p:txBody>
+      </p:sp>
+      <p:sp>
+        <p:nvSpPr>
+          <p:cNvPr id="5" name="文本占位符 4">
+            <a:extLst>
+              <a:ext uri="{FF2B5EF4-FFF2-40B4-BE49-F238E27FC236}">
+                <a16:creationId xmlns:a16="http://schemas.microsoft.com/office/drawing/2014/main" id="{D9D68B02-9A67-4DD1-AD66-945894FFACC4}"/>
+              </a:ext>
+            </a:extLst>
+          </p:cNvPr>
           <p:cNvSpPr>
             <a:spLocks noGrp="1"/>
           </p:cNvSpPr>
@@ -1844,22 +1713,16 @@
         </p:nvSpPr>
         <p:spPr>
           <a:xfrm>
-            <a:off x="6217920" y="1846052"/>
-            <a:ext cx="4937760" cy="736282"/>
+            <a:off x="6172200" y="1681163"/>
+            <a:ext cx="5183188" cy="823912"/>
           </a:xfrm>
         </p:spPr>
         <p:txBody>
-          <a:bodyPr lIns="91440" rIns="91440" anchor="ctr">
-            <a:normAutofit/>
-          </a:bodyPr>
+          <a:bodyPr anchor="b"/>
           <a:lstStyle>
             <a:lvl1pPr marL="0" indent="0">
               <a:buNone/>
-              <a:defRPr sz="2000" b="0" cap="all" baseline="0">
-                <a:solidFill>
-                  <a:schemeClr val="tx2"/>
-                </a:solidFill>
-              </a:defRPr>
+              <a:defRPr sz="2400" b="1"/>
             </a:lvl1pPr>
             <a:lvl2pPr marL="457200" indent="0">
               <a:buNone/>
@@ -1905,7 +1768,13 @@
       </p:sp>
       <p:sp>
         <p:nvSpPr>
-          <p:cNvPr id="6" name="Content Placeholder 5"/>
+          <p:cNvPr id="6" name="内容占位符 5">
+            <a:extLst>
+              <a:ext uri="{FF2B5EF4-FFF2-40B4-BE49-F238E27FC236}">
+                <a16:creationId xmlns:a16="http://schemas.microsoft.com/office/drawing/2014/main" id="{1F5EEF61-18C7-423F-BDA9-68C86420A689}"/>
+              </a:ext>
+            </a:extLst>
+          </p:cNvPr>
           <p:cNvSpPr>
             <a:spLocks noGrp="1"/>
           </p:cNvSpPr>
@@ -1915,8 +1784,8 @@
         </p:nvSpPr>
         <p:spPr>
           <a:xfrm>
-            <a:off x="6217920" y="2582334"/>
-            <a:ext cx="4937760" cy="3378200"/>
+            <a:off x="6172200" y="2505075"/>
+            <a:ext cx="5183188" cy="3684588"/>
           </a:xfrm>
         </p:spPr>
         <p:txBody>
@@ -1956,13 +1825,19 @@
               <a:rPr lang="zh-CN" altLang="en-US"/>
               <a:t>第五级</a:t>
             </a:r>
-            <a:endParaRPr lang="en-US" dirty="0"/>
-          </a:p>
-        </p:txBody>
-      </p:sp>
-      <p:sp>
-        <p:nvSpPr>
-          <p:cNvPr id="7" name="Date Placeholder 6"/>
+            <a:endParaRPr lang="en-US"/>
+          </a:p>
+        </p:txBody>
+      </p:sp>
+      <p:sp>
+        <p:nvSpPr>
+          <p:cNvPr id="7" name="日期占位符 6">
+            <a:extLst>
+              <a:ext uri="{FF2B5EF4-FFF2-40B4-BE49-F238E27FC236}">
+                <a16:creationId xmlns:a16="http://schemas.microsoft.com/office/drawing/2014/main" id="{45C0235B-D70F-45E4-867F-EC3C7DAF4226}"/>
+              </a:ext>
+            </a:extLst>
+          </p:cNvPr>
           <p:cNvSpPr>
             <a:spLocks noGrp="1"/>
           </p:cNvSpPr>
@@ -1977,7 +1852,7 @@
           <a:p>
             <a:fld id="{DFCBF3FA-A751-4570-8FB6-4B690BA30EB0}" type="datetimeFigureOut">
               <a:rPr lang="en-US" smtClean="0"/>
-              <a:t>5/20/2018</a:t>
+              <a:t>5/24/2018</a:t>
             </a:fld>
             <a:endParaRPr lang="en-US"/>
           </a:p>
@@ -1985,7 +1860,13 @@
       </p:sp>
       <p:sp>
         <p:nvSpPr>
-          <p:cNvPr id="8" name="Footer Placeholder 7"/>
+          <p:cNvPr id="8" name="页脚占位符 7">
+            <a:extLst>
+              <a:ext uri="{FF2B5EF4-FFF2-40B4-BE49-F238E27FC236}">
+                <a16:creationId xmlns:a16="http://schemas.microsoft.com/office/drawing/2014/main" id="{98B3C2C7-D7EB-42B0-893A-EE0F2435E802}"/>
+              </a:ext>
+            </a:extLst>
+          </p:cNvPr>
           <p:cNvSpPr>
             <a:spLocks noGrp="1"/>
           </p:cNvSpPr>
@@ -2004,7 +1885,13 @@
       </p:sp>
       <p:sp>
         <p:nvSpPr>
-          <p:cNvPr id="9" name="Slide Number Placeholder 8"/>
+          <p:cNvPr id="9" name="灯片编号占位符 8">
+            <a:extLst>
+              <a:ext uri="{FF2B5EF4-FFF2-40B4-BE49-F238E27FC236}">
+                <a16:creationId xmlns:a16="http://schemas.microsoft.com/office/drawing/2014/main" id="{A3E8BDCB-ABC4-4CD2-AE4D-DB6D9CB190F7}"/>
+              </a:ext>
+            </a:extLst>
+          </p:cNvPr>
           <p:cNvSpPr>
             <a:spLocks noGrp="1"/>
           </p:cNvSpPr>
@@ -2028,7 +1915,7 @@
     </p:spTree>
     <p:extLst>
       <p:ext uri="{BB962C8B-B14F-4D97-AF65-F5344CB8AC3E}">
-        <p14:creationId xmlns:p14="http://schemas.microsoft.com/office/powerpoint/2010/main" val="2961445335"/>
+        <p14:creationId xmlns:p14="http://schemas.microsoft.com/office/powerpoint/2010/main" val="656576330"/>
       </p:ext>
     </p:extLst>
   </p:cSld>
@@ -2057,7 +1944,13 @@
       </p:grpSpPr>
       <p:sp>
         <p:nvSpPr>
-          <p:cNvPr id="2" name="Title 1"/>
+          <p:cNvPr id="2" name="标题 1">
+            <a:extLst>
+              <a:ext uri="{FF2B5EF4-FFF2-40B4-BE49-F238E27FC236}">
+                <a16:creationId xmlns:a16="http://schemas.microsoft.com/office/drawing/2014/main" id="{3753B400-EF3A-4BCC-B6F4-9E829B28FCB0}"/>
+              </a:ext>
+            </a:extLst>
+          </p:cNvPr>
           <p:cNvSpPr>
             <a:spLocks noGrp="1"/>
           </p:cNvSpPr>
@@ -2074,13 +1967,19 @@
               <a:rPr lang="zh-CN" altLang="en-US"/>
               <a:t>单击此处编辑母版标题样式</a:t>
             </a:r>
-            <a:endParaRPr lang="en-US" dirty="0"/>
-          </a:p>
-        </p:txBody>
-      </p:sp>
-      <p:sp>
-        <p:nvSpPr>
-          <p:cNvPr id="3" name="Date Placeholder 2"/>
+            <a:endParaRPr lang="en-US"/>
+          </a:p>
+        </p:txBody>
+      </p:sp>
+      <p:sp>
+        <p:nvSpPr>
+          <p:cNvPr id="3" name="日期占位符 2">
+            <a:extLst>
+              <a:ext uri="{FF2B5EF4-FFF2-40B4-BE49-F238E27FC236}">
+                <a16:creationId xmlns:a16="http://schemas.microsoft.com/office/drawing/2014/main" id="{E5A06751-69DB-45FA-81B4-BEAE1FC349A5}"/>
+              </a:ext>
+            </a:extLst>
+          </p:cNvPr>
           <p:cNvSpPr>
             <a:spLocks noGrp="1"/>
           </p:cNvSpPr>
@@ -2095,7 +1994,7 @@
           <a:p>
             <a:fld id="{DFCBF3FA-A751-4570-8FB6-4B690BA30EB0}" type="datetimeFigureOut">
               <a:rPr lang="en-US" smtClean="0"/>
-              <a:t>5/20/2018</a:t>
+              <a:t>5/24/2018</a:t>
             </a:fld>
             <a:endParaRPr lang="en-US"/>
           </a:p>
@@ -2103,7 +2002,13 @@
       </p:sp>
       <p:sp>
         <p:nvSpPr>
-          <p:cNvPr id="4" name="Footer Placeholder 3"/>
+          <p:cNvPr id="4" name="页脚占位符 3">
+            <a:extLst>
+              <a:ext uri="{FF2B5EF4-FFF2-40B4-BE49-F238E27FC236}">
+                <a16:creationId xmlns:a16="http://schemas.microsoft.com/office/drawing/2014/main" id="{9697619A-8F6D-4917-911B-2F7B32EC2B33}"/>
+              </a:ext>
+            </a:extLst>
+          </p:cNvPr>
           <p:cNvSpPr>
             <a:spLocks noGrp="1"/>
           </p:cNvSpPr>
@@ -2122,7 +2027,13 @@
       </p:sp>
       <p:sp>
         <p:nvSpPr>
-          <p:cNvPr id="5" name="Slide Number Placeholder 4"/>
+          <p:cNvPr id="5" name="灯片编号占位符 4">
+            <a:extLst>
+              <a:ext uri="{FF2B5EF4-FFF2-40B4-BE49-F238E27FC236}">
+                <a16:creationId xmlns:a16="http://schemas.microsoft.com/office/drawing/2014/main" id="{9186EBB5-4DEC-48CE-AAE9-6B4AA8623C4F}"/>
+              </a:ext>
+            </a:extLst>
+          </p:cNvPr>
           <p:cNvSpPr>
             <a:spLocks noGrp="1"/>
           </p:cNvSpPr>
@@ -2146,7 +2057,7 @@
     </p:spTree>
     <p:extLst>
       <p:ext uri="{BB962C8B-B14F-4D97-AF65-F5344CB8AC3E}">
-        <p14:creationId xmlns:p14="http://schemas.microsoft.com/office/powerpoint/2010/main" val="536010965"/>
+        <p14:creationId xmlns:p14="http://schemas.microsoft.com/office/powerpoint/2010/main" val="1476675743"/>
       </p:ext>
     </p:extLst>
   </p:cSld>
@@ -2157,7 +2068,7 @@
 </file>
 
 <file path=ppt/slideLayouts/slideLayout7.xml><?xml version="1.0" encoding="utf-8"?>
-<p:sldLayout xmlns:a="http://schemas.openxmlformats.org/drawingml/2006/main" xmlns:r="http://schemas.openxmlformats.org/officeDocument/2006/relationships" xmlns:p="http://schemas.openxmlformats.org/presentationml/2006/main" showMasterSp="0" type="blank" preserve="1">
+<p:sldLayout xmlns:a="http://schemas.openxmlformats.org/drawingml/2006/main" xmlns:r="http://schemas.openxmlformats.org/officeDocument/2006/relationships" xmlns:p="http://schemas.openxmlformats.org/presentationml/2006/main" type="blank" preserve="1">
   <p:cSld name="空白">
     <p:spTree>
       <p:nvGrpSpPr>
@@ -2175,85 +2086,13 @@
       </p:grpSpPr>
       <p:sp>
         <p:nvSpPr>
-          <p:cNvPr id="5" name="Rectangle 4"/>
-          <p:cNvSpPr/>
-          <p:nvPr/>
-        </p:nvSpPr>
-        <p:spPr>
-          <a:xfrm>
-            <a:off x="3175" y="6400800"/>
-            <a:ext cx="12188825" cy="457200"/>
-          </a:xfrm>
-          <a:prstGeom prst="rect">
-            <a:avLst/>
-          </a:prstGeom>
-          <a:solidFill>
-            <a:schemeClr val="accent1">
-              <a:lumMod val="50000"/>
-            </a:schemeClr>
-          </a:solidFill>
-          <a:ln>
-            <a:noFill/>
-          </a:ln>
-        </p:spPr>
-        <p:style>
-          <a:lnRef idx="2">
-            <a:schemeClr val="accent1">
-              <a:shade val="50000"/>
-            </a:schemeClr>
-          </a:lnRef>
-          <a:fillRef idx="1">
-            <a:schemeClr val="accent1"/>
-          </a:fillRef>
-          <a:effectRef idx="0">
-            <a:schemeClr val="accent1"/>
-          </a:effectRef>
-          <a:fontRef idx="minor">
-            <a:schemeClr val="lt1"/>
-          </a:fontRef>
-        </p:style>
-      </p:sp>
-      <p:sp>
-        <p:nvSpPr>
-          <p:cNvPr id="6" name="Rectangle 5"/>
-          <p:cNvSpPr/>
-          <p:nvPr/>
-        </p:nvSpPr>
-        <p:spPr>
-          <a:xfrm>
-            <a:off x="15" y="6334316"/>
-            <a:ext cx="12188825" cy="64008"/>
-          </a:xfrm>
-          <a:prstGeom prst="rect">
-            <a:avLst/>
-          </a:prstGeom>
-          <a:solidFill>
-            <a:schemeClr val="accent1"/>
-          </a:solidFill>
-          <a:ln>
-            <a:noFill/>
-          </a:ln>
-        </p:spPr>
-        <p:style>
-          <a:lnRef idx="2">
-            <a:schemeClr val="accent1">
-              <a:shade val="50000"/>
-            </a:schemeClr>
-          </a:lnRef>
-          <a:fillRef idx="1">
-            <a:schemeClr val="accent1"/>
-          </a:fillRef>
-          <a:effectRef idx="0">
-            <a:schemeClr val="accent1"/>
-          </a:effectRef>
-          <a:fontRef idx="minor">
-            <a:schemeClr val="lt1"/>
-          </a:fontRef>
-        </p:style>
-      </p:sp>
-      <p:sp>
-        <p:nvSpPr>
-          <p:cNvPr id="7" name="Date Placeholder 6"/>
+          <p:cNvPr id="2" name="日期占位符 1">
+            <a:extLst>
+              <a:ext uri="{FF2B5EF4-FFF2-40B4-BE49-F238E27FC236}">
+                <a16:creationId xmlns:a16="http://schemas.microsoft.com/office/drawing/2014/main" id="{1FCB6C97-7422-4CA5-AEAD-6B4C5BE96827}"/>
+              </a:ext>
+            </a:extLst>
+          </p:cNvPr>
           <p:cNvSpPr>
             <a:spLocks noGrp="1"/>
           </p:cNvSpPr>
@@ -2268,7 +2107,7 @@
           <a:p>
             <a:fld id="{DFCBF3FA-A751-4570-8FB6-4B690BA30EB0}" type="datetimeFigureOut">
               <a:rPr lang="en-US" smtClean="0"/>
-              <a:t>5/20/2018</a:t>
+              <a:t>5/24/2018</a:t>
             </a:fld>
             <a:endParaRPr lang="en-US"/>
           </a:p>
@@ -2276,7 +2115,13 @@
       </p:sp>
       <p:sp>
         <p:nvSpPr>
-          <p:cNvPr id="8" name="Footer Placeholder 7"/>
+          <p:cNvPr id="3" name="页脚占位符 2">
+            <a:extLst>
+              <a:ext uri="{FF2B5EF4-FFF2-40B4-BE49-F238E27FC236}">
+                <a16:creationId xmlns:a16="http://schemas.microsoft.com/office/drawing/2014/main" id="{3F885E16-BCBD-4CD4-9BF6-930218B110FC}"/>
+              </a:ext>
+            </a:extLst>
+          </p:cNvPr>
           <p:cNvSpPr>
             <a:spLocks noGrp="1"/>
           </p:cNvSpPr>
@@ -2287,23 +2132,21 @@
         <p:spPr/>
         <p:txBody>
           <a:bodyPr/>
-          <a:lstStyle>
-            <a:lvl1pPr>
-              <a:defRPr>
-                <a:solidFill>
-                  <a:srgbClr val="FFFFFF"/>
-                </a:solidFill>
-              </a:defRPr>
-            </a:lvl1pPr>
-          </a:lstStyle>
-          <a:p>
-            <a:endParaRPr lang="en-US"/>
-          </a:p>
-        </p:txBody>
-      </p:sp>
-      <p:sp>
-        <p:nvSpPr>
-          <p:cNvPr id="9" name="Slide Number Placeholder 8"/>
+          <a:lstStyle/>
+          <a:p>
+            <a:endParaRPr lang="en-US"/>
+          </a:p>
+        </p:txBody>
+      </p:sp>
+      <p:sp>
+        <p:nvSpPr>
+          <p:cNvPr id="4" name="灯片编号占位符 3">
+            <a:extLst>
+              <a:ext uri="{FF2B5EF4-FFF2-40B4-BE49-F238E27FC236}">
+                <a16:creationId xmlns:a16="http://schemas.microsoft.com/office/drawing/2014/main" id="{283FF09D-ECF1-4CDB-B40F-DFD0C3951887}"/>
+              </a:ext>
+            </a:extLst>
+          </p:cNvPr>
           <p:cNvSpPr>
             <a:spLocks noGrp="1"/>
           </p:cNvSpPr>
@@ -2327,7 +2170,7 @@
     </p:spTree>
     <p:extLst>
       <p:ext uri="{BB962C8B-B14F-4D97-AF65-F5344CB8AC3E}">
-        <p14:creationId xmlns:p14="http://schemas.microsoft.com/office/powerpoint/2010/main" val="3335370758"/>
+        <p14:creationId xmlns:p14="http://schemas.microsoft.com/office/powerpoint/2010/main" val="2861746679"/>
       </p:ext>
     </p:extLst>
   </p:cSld>
@@ -2338,7 +2181,7 @@
 </file>
 
 <file path=ppt/slideLayouts/slideLayout8.xml><?xml version="1.0" encoding="utf-8"?>
-<p:sldLayout xmlns:a="http://schemas.openxmlformats.org/drawingml/2006/main" xmlns:r="http://schemas.openxmlformats.org/officeDocument/2006/relationships" xmlns:p="http://schemas.openxmlformats.org/presentationml/2006/main" showMasterSp="0" type="objTx" preserve="1">
+<p:sldLayout xmlns:a="http://schemas.openxmlformats.org/drawingml/2006/main" xmlns:r="http://schemas.openxmlformats.org/officeDocument/2006/relationships" xmlns:p="http://schemas.openxmlformats.org/presentationml/2006/main" type="objTx" preserve="1">
   <p:cSld name="内容与标题">
     <p:spTree>
       <p:nvGrpSpPr>
@@ -2356,237 +2199,193 @@
       </p:grpSpPr>
       <p:sp>
         <p:nvSpPr>
-          <p:cNvPr id="8" name="Rectangle 7"/>
-          <p:cNvSpPr/>
-          <p:nvPr/>
+          <p:cNvPr id="2" name="标题 1">
+            <a:extLst>
+              <a:ext uri="{FF2B5EF4-FFF2-40B4-BE49-F238E27FC236}">
+                <a16:creationId xmlns:a16="http://schemas.microsoft.com/office/drawing/2014/main" id="{31C1D08E-42EF-4A4A-9A79-43AD779EDCB3}"/>
+              </a:ext>
+            </a:extLst>
+          </p:cNvPr>
+          <p:cNvSpPr>
+            <a:spLocks noGrp="1"/>
+          </p:cNvSpPr>
+          <p:nvPr>
+            <p:ph type="title"/>
+          </p:nvPr>
         </p:nvSpPr>
         <p:spPr>
           <a:xfrm>
-            <a:off x="16" y="0"/>
-            <a:ext cx="4050791" cy="6858000"/>
+            <a:off x="839788" y="457200"/>
+            <a:ext cx="3932237" cy="1600200"/>
           </a:xfrm>
-          <a:prstGeom prst="rect">
-            <a:avLst/>
-          </a:prstGeom>
-          <a:solidFill>
-            <a:schemeClr val="accent1">
-              <a:lumMod val="50000"/>
-            </a:schemeClr>
-          </a:solidFill>
-          <a:ln>
-            <a:noFill/>
-          </a:ln>
         </p:spPr>
-        <p:style>
-          <a:lnRef idx="2">
-            <a:schemeClr val="accent1">
-              <a:shade val="50000"/>
-            </a:schemeClr>
-          </a:lnRef>
-          <a:fillRef idx="1">
-            <a:schemeClr val="accent1"/>
-          </a:fillRef>
-          <a:effectRef idx="0">
-            <a:schemeClr val="accent1"/>
-          </a:effectRef>
-          <a:fontRef idx="minor">
-            <a:schemeClr val="lt1"/>
-          </a:fontRef>
-        </p:style>
-      </p:sp>
-      <p:sp>
-        <p:nvSpPr>
-          <p:cNvPr id="9" name="Rectangle 8"/>
-          <p:cNvSpPr/>
-          <p:nvPr/>
+        <p:txBody>
+          <a:bodyPr anchor="b"/>
+          <a:lstStyle>
+            <a:lvl1pPr>
+              <a:defRPr sz="3200"/>
+            </a:lvl1pPr>
+          </a:lstStyle>
+          <a:p>
+            <a:r>
+              <a:rPr lang="zh-CN" altLang="en-US"/>
+              <a:t>单击此处编辑母版标题样式</a:t>
+            </a:r>
+            <a:endParaRPr lang="en-US"/>
+          </a:p>
+        </p:txBody>
+      </p:sp>
+      <p:sp>
+        <p:nvSpPr>
+          <p:cNvPr id="3" name="内容占位符 2">
+            <a:extLst>
+              <a:ext uri="{FF2B5EF4-FFF2-40B4-BE49-F238E27FC236}">
+                <a16:creationId xmlns:a16="http://schemas.microsoft.com/office/drawing/2014/main" id="{31E9E2BF-C1C0-4397-B3EF-C3A9F401720D}"/>
+              </a:ext>
+            </a:extLst>
+          </p:cNvPr>
+          <p:cNvSpPr>
+            <a:spLocks noGrp="1"/>
+          </p:cNvSpPr>
+          <p:nvPr>
+            <p:ph idx="1"/>
+          </p:nvPr>
         </p:nvSpPr>
         <p:spPr>
           <a:xfrm>
-            <a:off x="4040071" y="0"/>
-            <a:ext cx="64008" cy="6858000"/>
+            <a:off x="5183188" y="987425"/>
+            <a:ext cx="6172200" cy="4873625"/>
           </a:xfrm>
-          <a:prstGeom prst="rect">
-            <a:avLst/>
-          </a:prstGeom>
-          <a:solidFill>
-            <a:schemeClr val="accent1"/>
-          </a:solidFill>
-          <a:ln>
-            <a:noFill/>
-          </a:ln>
         </p:spPr>
-        <p:style>
-          <a:lnRef idx="2">
-            <a:schemeClr val="accent1">
-              <a:shade val="50000"/>
-            </a:schemeClr>
-          </a:lnRef>
-          <a:fillRef idx="1">
-            <a:schemeClr val="accent1"/>
-          </a:fillRef>
-          <a:effectRef idx="0">
-            <a:schemeClr val="accent1"/>
-          </a:effectRef>
-          <a:fontRef idx="minor">
-            <a:schemeClr val="lt1"/>
-          </a:fontRef>
-        </p:style>
-      </p:sp>
-      <p:sp>
-        <p:nvSpPr>
-          <p:cNvPr id="2" name="Title 1"/>
-          <p:cNvSpPr>
-            <a:spLocks noGrp="1"/>
-          </p:cNvSpPr>
-          <p:nvPr>
-            <p:ph type="title"/>
+        <p:txBody>
+          <a:bodyPr/>
+          <a:lstStyle>
+            <a:lvl1pPr>
+              <a:defRPr sz="3200"/>
+            </a:lvl1pPr>
+            <a:lvl2pPr>
+              <a:defRPr sz="2800"/>
+            </a:lvl2pPr>
+            <a:lvl3pPr>
+              <a:defRPr sz="2400"/>
+            </a:lvl3pPr>
+            <a:lvl4pPr>
+              <a:defRPr sz="2000"/>
+            </a:lvl4pPr>
+            <a:lvl5pPr>
+              <a:defRPr sz="2000"/>
+            </a:lvl5pPr>
+            <a:lvl6pPr>
+              <a:defRPr sz="2000"/>
+            </a:lvl6pPr>
+            <a:lvl7pPr>
+              <a:defRPr sz="2000"/>
+            </a:lvl7pPr>
+            <a:lvl8pPr>
+              <a:defRPr sz="2000"/>
+            </a:lvl8pPr>
+            <a:lvl9pPr>
+              <a:defRPr sz="2000"/>
+            </a:lvl9pPr>
+          </a:lstStyle>
+          <a:p>
+            <a:pPr lvl="0"/>
+            <a:r>
+              <a:rPr lang="zh-CN" altLang="en-US"/>
+              <a:t>编辑母版文本样式</a:t>
+            </a:r>
+          </a:p>
+          <a:p>
+            <a:pPr lvl="1"/>
+            <a:r>
+              <a:rPr lang="zh-CN" altLang="en-US"/>
+              <a:t>第二级</a:t>
+            </a:r>
+          </a:p>
+          <a:p>
+            <a:pPr lvl="2"/>
+            <a:r>
+              <a:rPr lang="zh-CN" altLang="en-US"/>
+              <a:t>第三级</a:t>
+            </a:r>
+          </a:p>
+          <a:p>
+            <a:pPr lvl="3"/>
+            <a:r>
+              <a:rPr lang="zh-CN" altLang="en-US"/>
+              <a:t>第四级</a:t>
+            </a:r>
+          </a:p>
+          <a:p>
+            <a:pPr lvl="4"/>
+            <a:r>
+              <a:rPr lang="zh-CN" altLang="en-US"/>
+              <a:t>第五级</a:t>
+            </a:r>
+            <a:endParaRPr lang="en-US"/>
+          </a:p>
+        </p:txBody>
+      </p:sp>
+      <p:sp>
+        <p:nvSpPr>
+          <p:cNvPr id="4" name="文本占位符 3">
+            <a:extLst>
+              <a:ext uri="{FF2B5EF4-FFF2-40B4-BE49-F238E27FC236}">
+                <a16:creationId xmlns:a16="http://schemas.microsoft.com/office/drawing/2014/main" id="{1767710E-B497-45D3-AB16-E38D88211738}"/>
+              </a:ext>
+            </a:extLst>
+          </p:cNvPr>
+          <p:cNvSpPr>
+            <a:spLocks noGrp="1"/>
+          </p:cNvSpPr>
+          <p:nvPr>
+            <p:ph type="body" sz="half" idx="2"/>
           </p:nvPr>
         </p:nvSpPr>
         <p:spPr>
           <a:xfrm>
-            <a:off x="457200" y="594359"/>
-            <a:ext cx="3200400" cy="2286000"/>
+            <a:off x="839788" y="2057400"/>
+            <a:ext cx="3932237" cy="3811588"/>
           </a:xfrm>
         </p:spPr>
         <p:txBody>
-          <a:bodyPr anchor="b">
-            <a:normAutofit/>
-          </a:bodyPr>
-          <a:lstStyle>
-            <a:lvl1pPr>
-              <a:defRPr sz="3600" b="0">
-                <a:solidFill>
-                  <a:srgbClr val="FFFFFF"/>
-                </a:solidFill>
-              </a:defRPr>
-            </a:lvl1pPr>
-          </a:lstStyle>
-          <a:p>
-            <a:r>
-              <a:rPr lang="zh-CN" altLang="en-US"/>
-              <a:t>单击此处编辑母版标题样式</a:t>
-            </a:r>
-            <a:endParaRPr lang="en-US" dirty="0"/>
-          </a:p>
-        </p:txBody>
-      </p:sp>
-      <p:sp>
-        <p:nvSpPr>
-          <p:cNvPr id="3" name="Content Placeholder 2"/>
-          <p:cNvSpPr>
-            <a:spLocks noGrp="1"/>
-          </p:cNvSpPr>
-          <p:nvPr>
-            <p:ph idx="1"/>
-          </p:nvPr>
-        </p:nvSpPr>
-        <p:spPr>
-          <a:xfrm>
-            <a:off x="4800600" y="731520"/>
-            <a:ext cx="6492240" cy="5257800"/>
-          </a:xfrm>
-        </p:spPr>
-        <p:txBody>
-          <a:bodyPr/>
-          <a:lstStyle/>
-          <a:p>
-            <a:pPr lvl="0"/>
-            <a:r>
-              <a:rPr lang="zh-CN" altLang="en-US"/>
-              <a:t>编辑母版文本样式</a:t>
-            </a:r>
-          </a:p>
-          <a:p>
-            <a:pPr lvl="1"/>
-            <a:r>
-              <a:rPr lang="zh-CN" altLang="en-US"/>
-              <a:t>第二级</a:t>
-            </a:r>
-          </a:p>
-          <a:p>
-            <a:pPr lvl="2"/>
-            <a:r>
-              <a:rPr lang="zh-CN" altLang="en-US"/>
-              <a:t>第三级</a:t>
-            </a:r>
-          </a:p>
-          <a:p>
-            <a:pPr lvl="3"/>
-            <a:r>
-              <a:rPr lang="zh-CN" altLang="en-US"/>
-              <a:t>第四级</a:t>
-            </a:r>
-          </a:p>
-          <a:p>
-            <a:pPr lvl="4"/>
-            <a:r>
-              <a:rPr lang="zh-CN" altLang="en-US"/>
-              <a:t>第五级</a:t>
-            </a:r>
-            <a:endParaRPr lang="en-US" dirty="0"/>
-          </a:p>
-        </p:txBody>
-      </p:sp>
-      <p:sp>
-        <p:nvSpPr>
-          <p:cNvPr id="4" name="Text Placeholder 3"/>
-          <p:cNvSpPr>
-            <a:spLocks noGrp="1"/>
-          </p:cNvSpPr>
-          <p:nvPr>
-            <p:ph type="body" sz="half" idx="2"/>
-          </p:nvPr>
-        </p:nvSpPr>
-        <p:spPr>
-          <a:xfrm>
-            <a:off x="457200" y="2926080"/>
-            <a:ext cx="3200400" cy="3379124"/>
-          </a:xfrm>
-        </p:spPr>
-        <p:txBody>
-          <a:bodyPr lIns="91440" rIns="91440">
-            <a:normAutofit/>
-          </a:bodyPr>
+          <a:bodyPr/>
           <a:lstStyle>
             <a:lvl1pPr marL="0" indent="0">
               <a:buNone/>
-              <a:defRPr sz="1500">
-                <a:solidFill>
-                  <a:srgbClr val="FFFFFF"/>
-                </a:solidFill>
-              </a:defRPr>
+              <a:defRPr sz="1600"/>
             </a:lvl1pPr>
             <a:lvl2pPr marL="457200" indent="0">
               <a:buNone/>
-              <a:defRPr sz="1200"/>
+              <a:defRPr sz="1400"/>
             </a:lvl2pPr>
             <a:lvl3pPr marL="914400" indent="0">
               <a:buNone/>
-              <a:defRPr sz="1000"/>
+              <a:defRPr sz="1200"/>
             </a:lvl3pPr>
             <a:lvl4pPr marL="1371600" indent="0">
               <a:buNone/>
-              <a:defRPr sz="900"/>
+              <a:defRPr sz="1000"/>
             </a:lvl4pPr>
             <a:lvl5pPr marL="1828800" indent="0">
               <a:buNone/>
-              <a:defRPr sz="900"/>
+              <a:defRPr sz="1000"/>
             </a:lvl5pPr>
             <a:lvl6pPr marL="2286000" indent="0">
               <a:buNone/>
-              <a:defRPr sz="900"/>
+              <a:defRPr sz="1000"/>
             </a:lvl6pPr>
             <a:lvl7pPr marL="2743200" indent="0">
               <a:buNone/>
-              <a:defRPr sz="900"/>
+              <a:defRPr sz="1000"/>
             </a:lvl7pPr>
             <a:lvl8pPr marL="3200400" indent="0">
               <a:buNone/>
-              <a:defRPr sz="900"/>
+              <a:defRPr sz="1000"/>
             </a:lvl8pPr>
             <a:lvl9pPr marL="3657600" indent="0">
               <a:buNone/>
-              <a:defRPr sz="900"/>
+              <a:defRPr sz="1000"/>
             </a:lvl9pPr>
           </a:lstStyle>
           <a:p>
@@ -2600,7 +2399,13 @@
       </p:sp>
       <p:sp>
         <p:nvSpPr>
-          <p:cNvPr id="5" name="Date Placeholder 4"/>
+          <p:cNvPr id="5" name="日期占位符 4">
+            <a:extLst>
+              <a:ext uri="{FF2B5EF4-FFF2-40B4-BE49-F238E27FC236}">
+                <a16:creationId xmlns:a16="http://schemas.microsoft.com/office/drawing/2014/main" id="{B2FB9C25-8ECC-4D75-A4F6-5A94F4BDB3CB}"/>
+              </a:ext>
+            </a:extLst>
+          </p:cNvPr>
           <p:cNvSpPr>
             <a:spLocks noGrp="1"/>
           </p:cNvSpPr>
@@ -2608,23 +2413,14 @@
             <p:ph type="dt" sz="half" idx="10"/>
           </p:nvPr>
         </p:nvSpPr>
-        <p:spPr>
-          <a:xfrm>
-            <a:off x="465512" y="6459785"/>
-            <a:ext cx="2618510" cy="365125"/>
-          </a:xfrm>
-        </p:spPr>
-        <p:txBody>
-          <a:bodyPr/>
-          <a:lstStyle>
-            <a:lvl1pPr algn="l">
-              <a:defRPr/>
-            </a:lvl1pPr>
-          </a:lstStyle>
+        <p:spPr/>
+        <p:txBody>
+          <a:bodyPr/>
+          <a:lstStyle/>
           <a:p>
             <a:fld id="{DFCBF3FA-A751-4570-8FB6-4B690BA30EB0}" type="datetimeFigureOut">
               <a:rPr lang="en-US" smtClean="0"/>
-              <a:t>5/20/2018</a:t>
+              <a:t>5/24/2018</a:t>
             </a:fld>
             <a:endParaRPr lang="en-US"/>
           </a:p>
@@ -2632,7 +2428,13 @@
       </p:sp>
       <p:sp>
         <p:nvSpPr>
-          <p:cNvPr id="6" name="Footer Placeholder 5"/>
+          <p:cNvPr id="6" name="页脚占位符 5">
+            <a:extLst>
+              <a:ext uri="{FF2B5EF4-FFF2-40B4-BE49-F238E27FC236}">
+                <a16:creationId xmlns:a16="http://schemas.microsoft.com/office/drawing/2014/main" id="{34BB5CDA-D52C-4717-AC8F-26EF54D98DB8}"/>
+              </a:ext>
+            </a:extLst>
+          </p:cNvPr>
           <p:cNvSpPr>
             <a:spLocks noGrp="1"/>
           </p:cNvSpPr>
@@ -2640,31 +2442,24 @@
             <p:ph type="ftr" sz="quarter" idx="11"/>
           </p:nvPr>
         </p:nvSpPr>
-        <p:spPr>
-          <a:xfrm>
-            <a:off x="4800600" y="6459785"/>
-            <a:ext cx="4648200" cy="365125"/>
-          </a:xfrm>
-        </p:spPr>
-        <p:txBody>
-          <a:bodyPr/>
-          <a:lstStyle>
-            <a:lvl1pPr algn="l">
-              <a:defRPr>
-                <a:solidFill>
-                  <a:schemeClr val="tx2"/>
-                </a:solidFill>
-              </a:defRPr>
-            </a:lvl1pPr>
-          </a:lstStyle>
-          <a:p>
-            <a:endParaRPr lang="en-US"/>
-          </a:p>
-        </p:txBody>
-      </p:sp>
-      <p:sp>
-        <p:nvSpPr>
-          <p:cNvPr id="7" name="Slide Number Placeholder 6"/>
+        <p:spPr/>
+        <p:txBody>
+          <a:bodyPr/>
+          <a:lstStyle/>
+          <a:p>
+            <a:endParaRPr lang="en-US"/>
+          </a:p>
+        </p:txBody>
+      </p:sp>
+      <p:sp>
+        <p:nvSpPr>
+          <p:cNvPr id="7" name="灯片编号占位符 6">
+            <a:extLst>
+              <a:ext uri="{FF2B5EF4-FFF2-40B4-BE49-F238E27FC236}">
+                <a16:creationId xmlns:a16="http://schemas.microsoft.com/office/drawing/2014/main" id="{97F626C6-CA3B-4F2C-8D51-5F2395BC3AA0}"/>
+              </a:ext>
+            </a:extLst>
+          </p:cNvPr>
           <p:cNvSpPr>
             <a:spLocks noGrp="1"/>
           </p:cNvSpPr>
@@ -2675,15 +2470,7 @@
         <p:spPr/>
         <p:txBody>
           <a:bodyPr/>
-          <a:lstStyle>
-            <a:lvl1pPr>
-              <a:defRPr>
-                <a:solidFill>
-                  <a:schemeClr val="tx2"/>
-                </a:solidFill>
-              </a:defRPr>
-            </a:lvl1pPr>
-          </a:lstStyle>
+          <a:lstStyle/>
           <a:p>
             <a:fld id="{C3C198C5-E517-4925-8CF9-4EB4847817F8}" type="slidenum">
               <a:rPr lang="en-US" smtClean="0"/>
@@ -2696,7 +2483,7 @@
     </p:spTree>
     <p:extLst>
       <p:ext uri="{BB962C8B-B14F-4D97-AF65-F5344CB8AC3E}">
-        <p14:creationId xmlns:p14="http://schemas.microsoft.com/office/powerpoint/2010/main" val="4004646937"/>
+        <p14:creationId xmlns:p14="http://schemas.microsoft.com/office/powerpoint/2010/main" val="3923894209"/>
       </p:ext>
     </p:extLst>
   </p:cSld>
@@ -2707,7 +2494,7 @@
 </file>
 
 <file path=ppt/slideLayouts/slideLayout9.xml><?xml version="1.0" encoding="utf-8"?>
-<p:sldLayout xmlns:a="http://schemas.openxmlformats.org/drawingml/2006/main" xmlns:r="http://schemas.openxmlformats.org/officeDocument/2006/relationships" xmlns:p="http://schemas.openxmlformats.org/presentationml/2006/main" showMasterSp="0" type="picTx" preserve="1">
+<p:sldLayout xmlns:a="http://schemas.openxmlformats.org/drawingml/2006/main" xmlns:r="http://schemas.openxmlformats.org/officeDocument/2006/relationships" xmlns:p="http://schemas.openxmlformats.org/presentationml/2006/main" type="picTx" preserve="1">
   <p:cSld name="图片与标题">
     <p:spTree>
       <p:nvGrpSpPr>
@@ -2725,143 +2512,66 @@
       </p:grpSpPr>
       <p:sp>
         <p:nvSpPr>
-          <p:cNvPr id="8" name="Rectangle 7"/>
-          <p:cNvSpPr/>
-          <p:nvPr/>
+          <p:cNvPr id="2" name="标题 1">
+            <a:extLst>
+              <a:ext uri="{FF2B5EF4-FFF2-40B4-BE49-F238E27FC236}">
+                <a16:creationId xmlns:a16="http://schemas.microsoft.com/office/drawing/2014/main" id="{A66A7A3E-98B7-4087-8449-717136E7D992}"/>
+              </a:ext>
+            </a:extLst>
+          </p:cNvPr>
+          <p:cNvSpPr>
+            <a:spLocks noGrp="1"/>
+          </p:cNvSpPr>
+          <p:nvPr>
+            <p:ph type="title"/>
+          </p:nvPr>
         </p:nvSpPr>
         <p:spPr>
           <a:xfrm>
-            <a:off x="0" y="4953000"/>
-            <a:ext cx="12188825" cy="1905000"/>
+            <a:off x="839788" y="457200"/>
+            <a:ext cx="3932237" cy="1600200"/>
           </a:xfrm>
-          <a:prstGeom prst="rect">
-            <a:avLst/>
-          </a:prstGeom>
-          <a:solidFill>
-            <a:schemeClr val="accent1">
-              <a:lumMod val="50000"/>
-            </a:schemeClr>
-          </a:solidFill>
-          <a:ln>
-            <a:noFill/>
-          </a:ln>
         </p:spPr>
-        <p:style>
-          <a:lnRef idx="2">
-            <a:schemeClr val="accent1">
-              <a:shade val="50000"/>
-            </a:schemeClr>
-          </a:lnRef>
-          <a:fillRef idx="1">
-            <a:schemeClr val="accent1"/>
-          </a:fillRef>
-          <a:effectRef idx="0">
-            <a:schemeClr val="accent1"/>
-          </a:effectRef>
-          <a:fontRef idx="minor">
-            <a:schemeClr val="lt1"/>
-          </a:fontRef>
-        </p:style>
-      </p:sp>
-      <p:sp>
-        <p:nvSpPr>
-          <p:cNvPr id="9" name="Rectangle 8"/>
-          <p:cNvSpPr/>
-          <p:nvPr/>
+        <p:txBody>
+          <a:bodyPr anchor="b"/>
+          <a:lstStyle>
+            <a:lvl1pPr>
+              <a:defRPr sz="3200"/>
+            </a:lvl1pPr>
+          </a:lstStyle>
+          <a:p>
+            <a:r>
+              <a:rPr lang="zh-CN" altLang="en-US"/>
+              <a:t>单击此处编辑母版标题样式</a:t>
+            </a:r>
+            <a:endParaRPr lang="en-US"/>
+          </a:p>
+        </p:txBody>
+      </p:sp>
+      <p:sp>
+        <p:nvSpPr>
+          <p:cNvPr id="3" name="图片占位符 2">
+            <a:extLst>
+              <a:ext uri="{FF2B5EF4-FFF2-40B4-BE49-F238E27FC236}">
+                <a16:creationId xmlns:a16="http://schemas.microsoft.com/office/drawing/2014/main" id="{784642C8-7359-4E0D-9796-F8D76778F05F}"/>
+              </a:ext>
+            </a:extLst>
+          </p:cNvPr>
+          <p:cNvSpPr>
+            <a:spLocks noGrp="1"/>
+          </p:cNvSpPr>
+          <p:nvPr>
+            <p:ph type="pic" idx="1"/>
+          </p:nvPr>
         </p:nvSpPr>
         <p:spPr>
           <a:xfrm>
-            <a:off x="15" y="4915076"/>
-            <a:ext cx="12188825" cy="64008"/>
-          </a:xfrm>
-          <a:prstGeom prst="rect">
-            <a:avLst/>
-          </a:prstGeom>
-          <a:solidFill>
-            <a:schemeClr val="accent1"/>
-          </a:solidFill>
-          <a:ln>
-            <a:noFill/>
-          </a:ln>
-        </p:spPr>
-        <p:style>
-          <a:lnRef idx="2">
-            <a:schemeClr val="accent1">
-              <a:shade val="50000"/>
-            </a:schemeClr>
-          </a:lnRef>
-          <a:fillRef idx="1">
-            <a:schemeClr val="accent1"/>
-          </a:fillRef>
-          <a:effectRef idx="0">
-            <a:schemeClr val="accent1"/>
-          </a:effectRef>
-          <a:fontRef idx="minor">
-            <a:schemeClr val="lt1"/>
-          </a:fontRef>
-        </p:style>
-      </p:sp>
-      <p:sp>
-        <p:nvSpPr>
-          <p:cNvPr id="2" name="Title 1"/>
-          <p:cNvSpPr>
-            <a:spLocks noGrp="1"/>
-          </p:cNvSpPr>
-          <p:nvPr>
-            <p:ph type="title"/>
-          </p:nvPr>
-        </p:nvSpPr>
-        <p:spPr>
-          <a:xfrm>
-            <a:off x="1097280" y="5074920"/>
-            <a:ext cx="10113645" cy="822960"/>
+            <a:off x="5183188" y="987425"/>
+            <a:ext cx="6172200" cy="4873625"/>
           </a:xfrm>
         </p:spPr>
         <p:txBody>
-          <a:bodyPr lIns="91440" tIns="0" rIns="91440" bIns="0" anchor="b">
-            <a:noAutofit/>
-          </a:bodyPr>
-          <a:lstStyle>
-            <a:lvl1pPr>
-              <a:defRPr sz="3600" b="0">
-                <a:solidFill>
-                  <a:srgbClr val="FFFFFF"/>
-                </a:solidFill>
-              </a:defRPr>
-            </a:lvl1pPr>
-          </a:lstStyle>
-          <a:p>
-            <a:r>
-              <a:rPr lang="zh-CN" altLang="en-US"/>
-              <a:t>单击此处编辑母版标题样式</a:t>
-            </a:r>
-            <a:endParaRPr lang="en-US" dirty="0"/>
-          </a:p>
-        </p:txBody>
-      </p:sp>
-      <p:sp>
-        <p:nvSpPr>
-          <p:cNvPr id="3" name="Picture Placeholder 2"/>
-          <p:cNvSpPr>
-            <a:spLocks noGrp="1" noChangeAspect="1"/>
-          </p:cNvSpPr>
-          <p:nvPr>
-            <p:ph type="pic" idx="1"/>
-          </p:nvPr>
-        </p:nvSpPr>
-        <p:spPr>
-          <a:xfrm>
-            <a:off x="15" y="0"/>
-            <a:ext cx="12191985" cy="4915076"/>
-          </a:xfrm>
-          <a:solidFill>
-            <a:schemeClr val="bg2">
-              <a:lumMod val="90000"/>
-            </a:schemeClr>
-          </a:solidFill>
-        </p:spPr>
-        <p:txBody>
-          <a:bodyPr lIns="457200" tIns="457200" anchor="t"/>
+          <a:bodyPr/>
           <a:lstStyle>
             <a:lvl1pPr marL="0" indent="0">
               <a:buNone/>
@@ -2901,17 +2611,19 @@
             </a:lvl9pPr>
           </a:lstStyle>
           <a:p>
-            <a:r>
-              <a:rPr lang="zh-CN" altLang="en-US"/>
-              <a:t>单击图标添加图片</a:t>
-            </a:r>
-            <a:endParaRPr lang="en-US" dirty="0"/>
-          </a:p>
-        </p:txBody>
-      </p:sp>
-      <p:sp>
-        <p:nvSpPr>
-          <p:cNvPr id="4" name="Text Placeholder 3"/>
+            <a:endParaRPr lang="en-US"/>
+          </a:p>
+        </p:txBody>
+      </p:sp>
+      <p:sp>
+        <p:nvSpPr>
+          <p:cNvPr id="4" name="文本占位符 3">
+            <a:extLst>
+              <a:ext uri="{FF2B5EF4-FFF2-40B4-BE49-F238E27FC236}">
+                <a16:creationId xmlns:a16="http://schemas.microsoft.com/office/drawing/2014/main" id="{3A6E4D26-2CFD-4EB4-974A-FEA13DB75ABC}"/>
+              </a:ext>
+            </a:extLst>
+          </p:cNvPr>
           <p:cNvSpPr>
             <a:spLocks noGrp="1"/>
           </p:cNvSpPr>
@@ -2921,60 +2633,48 @@
         </p:nvSpPr>
         <p:spPr>
           <a:xfrm>
-            <a:off x="1097280" y="5907024"/>
-            <a:ext cx="10113264" cy="594360"/>
+            <a:off x="839788" y="2057400"/>
+            <a:ext cx="3932237" cy="3811588"/>
           </a:xfrm>
         </p:spPr>
         <p:txBody>
-          <a:bodyPr lIns="91440" tIns="0" rIns="91440" bIns="0">
-            <a:normAutofit/>
-          </a:bodyPr>
+          <a:bodyPr/>
           <a:lstStyle>
             <a:lvl1pPr marL="0" indent="0">
-              <a:spcBef>
-                <a:spcPts val="0"/>
-              </a:spcBef>
-              <a:spcAft>
-                <a:spcPts val="600"/>
-              </a:spcAft>
               <a:buNone/>
-              <a:defRPr sz="1500">
-                <a:solidFill>
-                  <a:srgbClr val="FFFFFF"/>
-                </a:solidFill>
-              </a:defRPr>
+              <a:defRPr sz="1600"/>
             </a:lvl1pPr>
             <a:lvl2pPr marL="457200" indent="0">
               <a:buNone/>
-              <a:defRPr sz="1200"/>
+              <a:defRPr sz="1400"/>
             </a:lvl2pPr>
             <a:lvl3pPr marL="914400" indent="0">
               <a:buNone/>
-              <a:defRPr sz="1000"/>
+              <a:defRPr sz="1200"/>
             </a:lvl3pPr>
             <a:lvl4pPr marL="1371600" indent="0">
               <a:buNone/>
-              <a:defRPr sz="900"/>
+              <a:defRPr sz="1000"/>
             </a:lvl4pPr>
             <a:lvl5pPr marL="1828800" indent="0">
               <a:buNone/>
-              <a:defRPr sz="900"/>
+              <a:defRPr sz="1000"/>
             </a:lvl5pPr>
             <a:lvl6pPr marL="2286000" indent="0">
               <a:buNone/>
-              <a:defRPr sz="900"/>
+              <a:defRPr sz="1000"/>
             </a:lvl6pPr>
             <a:lvl7pPr marL="2743200" indent="0">
               <a:buNone/>
-              <a:defRPr sz="900"/>
+              <a:defRPr sz="1000"/>
             </a:lvl7pPr>
             <a:lvl8pPr marL="3200400" indent="0">
               <a:buNone/>
-              <a:defRPr sz="900"/>
+              <a:defRPr sz="1000"/>
             </a:lvl8pPr>
             <a:lvl9pPr marL="3657600" indent="0">
               <a:buNone/>
-              <a:defRPr sz="900"/>
+              <a:defRPr sz="1000"/>
             </a:lvl9pPr>
           </a:lstStyle>
           <a:p>
@@ -2988,7 +2688,13 @@
       </p:sp>
       <p:sp>
         <p:nvSpPr>
-          <p:cNvPr id="5" name="Date Placeholder 4"/>
+          <p:cNvPr id="5" name="日期占位符 4">
+            <a:extLst>
+              <a:ext uri="{FF2B5EF4-FFF2-40B4-BE49-F238E27FC236}">
+                <a16:creationId xmlns:a16="http://schemas.microsoft.com/office/drawing/2014/main" id="{2ABB1788-8910-4DAA-B818-0E3CD981AEE8}"/>
+              </a:ext>
+            </a:extLst>
+          </p:cNvPr>
           <p:cNvSpPr>
             <a:spLocks noGrp="1"/>
           </p:cNvSpPr>
@@ -3003,7 +2709,7 @@
           <a:p>
             <a:fld id="{DFCBF3FA-A751-4570-8FB6-4B690BA30EB0}" type="datetimeFigureOut">
               <a:rPr lang="en-US" smtClean="0"/>
-              <a:t>5/20/2018</a:t>
+              <a:t>5/24/2018</a:t>
             </a:fld>
             <a:endParaRPr lang="en-US"/>
           </a:p>
@@ -3011,7 +2717,13 @@
       </p:sp>
       <p:sp>
         <p:nvSpPr>
-          <p:cNvPr id="6" name="Footer Placeholder 5"/>
+          <p:cNvPr id="6" name="页脚占位符 5">
+            <a:extLst>
+              <a:ext uri="{FF2B5EF4-FFF2-40B4-BE49-F238E27FC236}">
+                <a16:creationId xmlns:a16="http://schemas.microsoft.com/office/drawing/2014/main" id="{B9AB5BAA-8CD5-4DBA-BFCB-A5CBAE5E22F1}"/>
+              </a:ext>
+            </a:extLst>
+          </p:cNvPr>
           <p:cNvSpPr>
             <a:spLocks noGrp="1"/>
           </p:cNvSpPr>
@@ -3030,7 +2742,13 @@
       </p:sp>
       <p:sp>
         <p:nvSpPr>
-          <p:cNvPr id="7" name="Slide Number Placeholder 6"/>
+          <p:cNvPr id="7" name="灯片编号占位符 6">
+            <a:extLst>
+              <a:ext uri="{FF2B5EF4-FFF2-40B4-BE49-F238E27FC236}">
+                <a16:creationId xmlns:a16="http://schemas.microsoft.com/office/drawing/2014/main" id="{722F3E8A-AD68-448E-AF80-B244691FB5C7}"/>
+              </a:ext>
+            </a:extLst>
+          </p:cNvPr>
           <p:cNvSpPr>
             <a:spLocks noGrp="1"/>
           </p:cNvSpPr>
@@ -3054,7 +2772,7 @@
     </p:spTree>
     <p:extLst>
       <p:ext uri="{BB962C8B-B14F-4D97-AF65-F5344CB8AC3E}">
-        <p14:creationId xmlns:p14="http://schemas.microsoft.com/office/powerpoint/2010/main" val="212068731"/>
+        <p14:creationId xmlns:p14="http://schemas.microsoft.com/office/powerpoint/2010/main" val="3284557015"/>
       </p:ext>
     </p:extLst>
   </p:cSld>
@@ -3069,7 +2787,7 @@
   <p:cSld>
     <p:bg>
       <p:bgRef idx="1001">
-        <a:schemeClr val="bg2"/>
+        <a:schemeClr val="bg1"/>
       </p:bgRef>
     </p:bg>
     <p:spTree>
@@ -3088,103 +2806,31 @@
       </p:grpSpPr>
       <p:sp>
         <p:nvSpPr>
-          <p:cNvPr id="7" name="Rectangle 6"/>
-          <p:cNvSpPr/>
-          <p:nvPr/>
+          <p:cNvPr id="2" name="标题占位符 1">
+            <a:extLst>
+              <a:ext uri="{FF2B5EF4-FFF2-40B4-BE49-F238E27FC236}">
+                <a16:creationId xmlns:a16="http://schemas.microsoft.com/office/drawing/2014/main" id="{BEEF5186-8EED-426F-9E43-64C444CE8D93}"/>
+              </a:ext>
+            </a:extLst>
+          </p:cNvPr>
+          <p:cNvSpPr>
+            <a:spLocks noGrp="1"/>
+          </p:cNvSpPr>
+          <p:nvPr>
+            <p:ph type="title"/>
+          </p:nvPr>
         </p:nvSpPr>
         <p:spPr>
           <a:xfrm>
-            <a:off x="1" y="6400800"/>
-            <a:ext cx="12192000" cy="457200"/>
-          </a:xfrm>
-          <a:prstGeom prst="rect">
-            <a:avLst/>
-          </a:prstGeom>
-          <a:solidFill>
-            <a:schemeClr val="accent1">
-              <a:lumMod val="50000"/>
-            </a:schemeClr>
-          </a:solidFill>
-          <a:ln>
-            <a:noFill/>
-          </a:ln>
-        </p:spPr>
-        <p:style>
-          <a:lnRef idx="2">
-            <a:schemeClr val="accent1">
-              <a:shade val="50000"/>
-            </a:schemeClr>
-          </a:lnRef>
-          <a:fillRef idx="1">
-            <a:schemeClr val="accent1"/>
-          </a:fillRef>
-          <a:effectRef idx="0">
-            <a:schemeClr val="accent1"/>
-          </a:effectRef>
-          <a:fontRef idx="minor">
-            <a:schemeClr val="lt1"/>
-          </a:fontRef>
-        </p:style>
-      </p:sp>
-      <p:sp>
-        <p:nvSpPr>
-          <p:cNvPr id="9" name="Rectangle 8"/>
-          <p:cNvSpPr/>
-          <p:nvPr/>
-        </p:nvSpPr>
-        <p:spPr>
-          <a:xfrm>
-            <a:off x="15" y="6334316"/>
-            <a:ext cx="12191985" cy="66484"/>
-          </a:xfrm>
-          <a:prstGeom prst="rect">
-            <a:avLst/>
-          </a:prstGeom>
-          <a:solidFill>
-            <a:schemeClr val="accent1"/>
-          </a:solidFill>
-          <a:ln>
-            <a:noFill/>
-          </a:ln>
-        </p:spPr>
-        <p:style>
-          <a:lnRef idx="2">
-            <a:schemeClr val="accent1">
-              <a:shade val="50000"/>
-            </a:schemeClr>
-          </a:lnRef>
-          <a:fillRef idx="1">
-            <a:schemeClr val="accent1"/>
-          </a:fillRef>
-          <a:effectRef idx="0">
-            <a:schemeClr val="accent1"/>
-          </a:effectRef>
-          <a:fontRef idx="minor">
-            <a:schemeClr val="lt1"/>
-          </a:fontRef>
-        </p:style>
-      </p:sp>
-      <p:sp>
-        <p:nvSpPr>
-          <p:cNvPr id="2" name="Title Placeholder 1"/>
-          <p:cNvSpPr>
-            <a:spLocks noGrp="1"/>
-          </p:cNvSpPr>
-          <p:nvPr>
-            <p:ph type="title"/>
-          </p:nvPr>
-        </p:nvSpPr>
-        <p:spPr>
-          <a:xfrm>
-            <a:off x="1097280" y="286603"/>
-            <a:ext cx="10058400" cy="1450757"/>
+            <a:off x="838200" y="365125"/>
+            <a:ext cx="10515600" cy="1325563"/>
           </a:xfrm>
           <a:prstGeom prst="rect">
             <a:avLst/>
           </a:prstGeom>
         </p:spPr>
         <p:txBody>
-          <a:bodyPr vert="horz" lIns="91440" tIns="45720" rIns="91440" bIns="45720" rtlCol="0" anchor="b">
+          <a:bodyPr vert="horz" lIns="91440" tIns="45720" rIns="91440" bIns="45720" rtlCol="0" anchor="ctr">
             <a:normAutofit/>
           </a:bodyPr>
           <a:lstStyle/>
@@ -3193,13 +2839,19 @@
               <a:rPr lang="zh-CN" altLang="en-US"/>
               <a:t>单击此处编辑母版标题样式</a:t>
             </a:r>
-            <a:endParaRPr lang="en-US" dirty="0"/>
-          </a:p>
-        </p:txBody>
-      </p:sp>
-      <p:sp>
-        <p:nvSpPr>
-          <p:cNvPr id="3" name="Text Placeholder 2"/>
+            <a:endParaRPr lang="en-US"/>
+          </a:p>
+        </p:txBody>
+      </p:sp>
+      <p:sp>
+        <p:nvSpPr>
+          <p:cNvPr id="3" name="文本占位符 2">
+            <a:extLst>
+              <a:ext uri="{FF2B5EF4-FFF2-40B4-BE49-F238E27FC236}">
+                <a16:creationId xmlns:a16="http://schemas.microsoft.com/office/drawing/2014/main" id="{755A83AE-0AF0-4DF3-939D-A693E415B842}"/>
+              </a:ext>
+            </a:extLst>
+          </p:cNvPr>
           <p:cNvSpPr>
             <a:spLocks noGrp="1"/>
           </p:cNvSpPr>
@@ -3209,15 +2861,15 @@
         </p:nvSpPr>
         <p:spPr>
           <a:xfrm>
-            <a:off x="1097280" y="1845734"/>
-            <a:ext cx="10058400" cy="4023360"/>
+            <a:off x="838200" y="1825625"/>
+            <a:ext cx="10515600" cy="4351338"/>
           </a:xfrm>
           <a:prstGeom prst="rect">
             <a:avLst/>
           </a:prstGeom>
         </p:spPr>
         <p:txBody>
-          <a:bodyPr vert="horz" lIns="0" tIns="45720" rIns="0" bIns="45720" rtlCol="0">
+          <a:bodyPr vert="horz" lIns="91440" tIns="45720" rIns="91440" bIns="45720" rtlCol="0">
             <a:normAutofit/>
           </a:bodyPr>
           <a:lstStyle/>
@@ -3255,13 +2907,19 @@
               <a:rPr lang="zh-CN" altLang="en-US"/>
               <a:t>第五级</a:t>
             </a:r>
-            <a:endParaRPr lang="en-US" dirty="0"/>
-          </a:p>
-        </p:txBody>
-      </p:sp>
-      <p:sp>
-        <p:nvSpPr>
-          <p:cNvPr id="4" name="Date Placeholder 3"/>
+            <a:endParaRPr lang="en-US"/>
+          </a:p>
+        </p:txBody>
+      </p:sp>
+      <p:sp>
+        <p:nvSpPr>
+          <p:cNvPr id="4" name="日期占位符 3">
+            <a:extLst>
+              <a:ext uri="{FF2B5EF4-FFF2-40B4-BE49-F238E27FC236}">
+                <a16:creationId xmlns:a16="http://schemas.microsoft.com/office/drawing/2014/main" id="{5A6521A2-E7E1-44C3-8958-AA50CBF65496}"/>
+              </a:ext>
+            </a:extLst>
+          </p:cNvPr>
           <p:cNvSpPr>
             <a:spLocks noGrp="1"/>
           </p:cNvSpPr>
@@ -3271,8 +2929,8 @@
         </p:nvSpPr>
         <p:spPr>
           <a:xfrm>
-            <a:off x="1097280" y="6459785"/>
-            <a:ext cx="2472271" cy="365125"/>
+            <a:off x="838200" y="6356350"/>
+            <a:ext cx="2743200" cy="365125"/>
           </a:xfrm>
           <a:prstGeom prst="rect">
             <a:avLst/>
@@ -3282,9 +2940,11 @@
           <a:bodyPr vert="horz" lIns="91440" tIns="45720" rIns="91440" bIns="45720" rtlCol="0" anchor="ctr"/>
           <a:lstStyle>
             <a:lvl1pPr algn="l">
-              <a:defRPr sz="900">
+              <a:defRPr sz="1200">
                 <a:solidFill>
-                  <a:srgbClr val="FFFFFF"/>
+                  <a:schemeClr val="tx1">
+                    <a:tint val="75000"/>
+                  </a:schemeClr>
                 </a:solidFill>
               </a:defRPr>
             </a:lvl1pPr>
@@ -3292,7 +2952,7 @@
           <a:p>
             <a:fld id="{DFCBF3FA-A751-4570-8FB6-4B690BA30EB0}" type="datetimeFigureOut">
               <a:rPr lang="en-US" smtClean="0"/>
-              <a:t>5/20/2018</a:t>
+              <a:t>5/24/2018</a:t>
             </a:fld>
             <a:endParaRPr lang="en-US"/>
           </a:p>
@@ -3300,7 +2960,13 @@
       </p:sp>
       <p:sp>
         <p:nvSpPr>
-          <p:cNvPr id="5" name="Footer Placeholder 4"/>
+          <p:cNvPr id="5" name="页脚占位符 4">
+            <a:extLst>
+              <a:ext uri="{FF2B5EF4-FFF2-40B4-BE49-F238E27FC236}">
+                <a16:creationId xmlns:a16="http://schemas.microsoft.com/office/drawing/2014/main" id="{8BA20D9F-2145-403D-8AE8-F0727A92C747}"/>
+              </a:ext>
+            </a:extLst>
+          </p:cNvPr>
           <p:cNvSpPr>
             <a:spLocks noGrp="1"/>
           </p:cNvSpPr>
@@ -3310,8 +2976,8 @@
         </p:nvSpPr>
         <p:spPr>
           <a:xfrm>
-            <a:off x="3686185" y="6459785"/>
-            <a:ext cx="4822804" cy="365125"/>
+            <a:off x="4038600" y="6356350"/>
+            <a:ext cx="4114800" cy="365125"/>
           </a:xfrm>
           <a:prstGeom prst="rect">
             <a:avLst/>
@@ -3321,9 +2987,11 @@
           <a:bodyPr vert="horz" lIns="91440" tIns="45720" rIns="91440" bIns="45720" rtlCol="0" anchor="ctr"/>
           <a:lstStyle>
             <a:lvl1pPr algn="ctr">
-              <a:defRPr sz="900" cap="all" baseline="0">
+              <a:defRPr sz="1200">
                 <a:solidFill>
-                  <a:srgbClr val="FFFFFF"/>
+                  <a:schemeClr val="tx1">
+                    <a:tint val="75000"/>
+                  </a:schemeClr>
                 </a:solidFill>
               </a:defRPr>
             </a:lvl1pPr>
@@ -3335,7 +3003,13 @@
       </p:sp>
       <p:sp>
         <p:nvSpPr>
-          <p:cNvPr id="6" name="Slide Number Placeholder 5"/>
+          <p:cNvPr id="6" name="灯片编号占位符 5">
+            <a:extLst>
+              <a:ext uri="{FF2B5EF4-FFF2-40B4-BE49-F238E27FC236}">
+                <a16:creationId xmlns:a16="http://schemas.microsoft.com/office/drawing/2014/main" id="{29D861A2-2861-48B9-A68A-69F5E4CF6DC1}"/>
+              </a:ext>
+            </a:extLst>
+          </p:cNvPr>
           <p:cNvSpPr>
             <a:spLocks noGrp="1"/>
           </p:cNvSpPr>
@@ -3345,8 +3019,8 @@
         </p:nvSpPr>
         <p:spPr>
           <a:xfrm>
-            <a:off x="9900458" y="6459785"/>
-            <a:ext cx="1312025" cy="365125"/>
+            <a:off x="8610600" y="6356350"/>
+            <a:ext cx="2743200" cy="365125"/>
           </a:xfrm>
           <a:prstGeom prst="rect">
             <a:avLst/>
@@ -3356,9 +3030,11 @@
           <a:bodyPr vert="horz" lIns="91440" tIns="45720" rIns="91440" bIns="45720" rtlCol="0" anchor="ctr"/>
           <a:lstStyle>
             <a:lvl1pPr algn="r">
-              <a:defRPr sz="1050">
+              <a:defRPr sz="1200">
                 <a:solidFill>
-                  <a:srgbClr val="FFFFFF"/>
+                  <a:schemeClr val="tx1">
+                    <a:tint val="75000"/>
+                  </a:schemeClr>
                 </a:solidFill>
               </a:defRPr>
             </a:lvl1pPr>
@@ -3372,81 +3048,40 @@
           </a:p>
         </p:txBody>
       </p:sp>
-      <p:cxnSp>
-        <p:nvCxnSpPr>
-          <p:cNvPr id="10" name="Straight Connector 9"/>
-          <p:cNvCxnSpPr/>
-          <p:nvPr/>
-        </p:nvCxnSpPr>
-        <p:spPr>
-          <a:xfrm>
-            <a:off x="1193532" y="1737845"/>
-            <a:ext cx="9966960" cy="0"/>
-          </a:xfrm>
-          <a:prstGeom prst="line">
-            <a:avLst/>
-          </a:prstGeom>
-          <a:ln w="6350">
-            <a:solidFill>
-              <a:schemeClr val="tx1">
-                <a:lumMod val="50000"/>
-                <a:lumOff val="50000"/>
-              </a:schemeClr>
-            </a:solidFill>
-          </a:ln>
-        </p:spPr>
-        <p:style>
-          <a:lnRef idx="1">
-            <a:schemeClr val="accent1"/>
-          </a:lnRef>
-          <a:fillRef idx="0">
-            <a:schemeClr val="accent1"/>
-          </a:fillRef>
-          <a:effectRef idx="0">
-            <a:schemeClr val="accent1"/>
-          </a:effectRef>
-          <a:fontRef idx="minor">
-            <a:schemeClr val="tx1"/>
-          </a:fontRef>
-        </p:style>
-      </p:cxnSp>
     </p:spTree>
     <p:extLst>
       <p:ext uri="{BB962C8B-B14F-4D97-AF65-F5344CB8AC3E}">
-        <p14:creationId xmlns:p14="http://schemas.microsoft.com/office/powerpoint/2010/main" val="4238629063"/>
+        <p14:creationId xmlns:p14="http://schemas.microsoft.com/office/powerpoint/2010/main" val="1529059901"/>
       </p:ext>
     </p:extLst>
   </p:cSld>
-  <p:clrMap bg1="dk1" tx1="lt1" bg2="dk2" tx2="lt2" accent1="accent1" accent2="accent2" accent3="accent3" accent4="accent4" accent5="accent5" accent6="accent6" hlink="hlink" folHlink="folHlink"/>
+  <p:clrMap bg1="lt1" tx1="dk1" bg2="lt2" tx2="dk2" accent1="accent1" accent2="accent2" accent3="accent3" accent4="accent4" accent5="accent5" accent6="accent6" hlink="hlink" folHlink="folHlink"/>
   <p:sldLayoutIdLst>
-    <p:sldLayoutId id="2147483758" r:id="rId1"/>
-    <p:sldLayoutId id="2147483759" r:id="rId2"/>
-    <p:sldLayoutId id="2147483760" r:id="rId3"/>
-    <p:sldLayoutId id="2147483761" r:id="rId4"/>
-    <p:sldLayoutId id="2147483762" r:id="rId5"/>
-    <p:sldLayoutId id="2147483763" r:id="rId6"/>
-    <p:sldLayoutId id="2147483764" r:id="rId7"/>
-    <p:sldLayoutId id="2147483765" r:id="rId8"/>
-    <p:sldLayoutId id="2147483766" r:id="rId9"/>
-    <p:sldLayoutId id="2147483767" r:id="rId10"/>
-    <p:sldLayoutId id="2147483768" r:id="rId11"/>
+    <p:sldLayoutId id="2147483770" r:id="rId1"/>
+    <p:sldLayoutId id="2147483771" r:id="rId2"/>
+    <p:sldLayoutId id="2147483772" r:id="rId3"/>
+    <p:sldLayoutId id="2147483773" r:id="rId4"/>
+    <p:sldLayoutId id="2147483774" r:id="rId5"/>
+    <p:sldLayoutId id="2147483775" r:id="rId6"/>
+    <p:sldLayoutId id="2147483776" r:id="rId7"/>
+    <p:sldLayoutId id="2147483777" r:id="rId8"/>
+    <p:sldLayoutId id="2147483778" r:id="rId9"/>
+    <p:sldLayoutId id="2147483779" r:id="rId10"/>
+    <p:sldLayoutId id="2147483780" r:id="rId11"/>
   </p:sldLayoutIdLst>
   <p:txStyles>
     <p:titleStyle>
       <a:lvl1pPr algn="l" defTabSz="914400" rtl="0" eaLnBrk="1" latinLnBrk="0" hangingPunct="1">
         <a:lnSpc>
-          <a:spcPct val="85000"/>
+          <a:spcPct val="90000"/>
         </a:lnSpc>
         <a:spcBef>
           <a:spcPct val="0"/>
         </a:spcBef>
         <a:buNone/>
-        <a:defRPr sz="4800" kern="1200" spc="-50" baseline="0">
+        <a:defRPr sz="4400" kern="1200">
           <a:solidFill>
-            <a:schemeClr val="tx1">
-              <a:lumMod val="75000"/>
-              <a:lumOff val="25000"/>
-            </a:schemeClr>
+            <a:schemeClr val="tx1"/>
           </a:solidFill>
           <a:latin typeface="+mj-lt"/>
           <a:ea typeface="+mj-ea"/>
@@ -3455,244 +3090,162 @@
       </a:lvl1pPr>
     </p:titleStyle>
     <p:bodyStyle>
-      <a:lvl1pPr marL="91440" indent="-91440" algn="l" defTabSz="914400" rtl="0" eaLnBrk="1" latinLnBrk="0" hangingPunct="1">
+      <a:lvl1pPr marL="228600" indent="-228600" algn="l" defTabSz="914400" rtl="0" eaLnBrk="1" latinLnBrk="0" hangingPunct="1">
         <a:lnSpc>
           <a:spcPct val="90000"/>
         </a:lnSpc>
         <a:spcBef>
-          <a:spcPts val="1200"/>
+          <a:spcPts val="1000"/>
         </a:spcBef>
-        <a:spcAft>
-          <a:spcPts val="200"/>
-        </a:spcAft>
-        <a:buClr>
-          <a:schemeClr val="accent1"/>
-        </a:buClr>
-        <a:buSzPct val="100000"/>
-        <a:buFont typeface="Calibri" panose="020F0502020204030204" pitchFamily="34" charset="0"/>
-        <a:buChar char=" "/>
-        <a:defRPr sz="2000" kern="1200">
+        <a:buFont typeface="Arial" panose="020B0604020202020204" pitchFamily="34" charset="0"/>
+        <a:buChar char="•"/>
+        <a:defRPr sz="2800" kern="1200">
           <a:solidFill>
-            <a:schemeClr val="tx1">
-              <a:lumMod val="75000"/>
-              <a:lumOff val="25000"/>
-            </a:schemeClr>
+            <a:schemeClr val="tx1"/>
           </a:solidFill>
           <a:latin typeface="+mn-lt"/>
           <a:ea typeface="+mn-ea"/>
           <a:cs typeface="+mn-cs"/>
         </a:defRPr>
       </a:lvl1pPr>
-      <a:lvl2pPr marL="384048" indent="-182880" algn="l" defTabSz="914400" rtl="0" eaLnBrk="1" latinLnBrk="0" hangingPunct="1">
+      <a:lvl2pPr marL="685800" indent="-228600" algn="l" defTabSz="914400" rtl="0" eaLnBrk="1" latinLnBrk="0" hangingPunct="1">
         <a:lnSpc>
           <a:spcPct val="90000"/>
         </a:lnSpc>
         <a:spcBef>
-          <a:spcPts val="200"/>
+          <a:spcPts val="500"/>
         </a:spcBef>
-        <a:spcAft>
-          <a:spcPts val="400"/>
-        </a:spcAft>
-        <a:buClr>
-          <a:schemeClr val="accent1"/>
-        </a:buClr>
-        <a:buFont typeface="Calibri" pitchFamily="34" charset="0"/>
-        <a:buChar char="◦"/>
-        <a:defRPr sz="1800" kern="1200">
+        <a:buFont typeface="Arial" panose="020B0604020202020204" pitchFamily="34" charset="0"/>
+        <a:buChar char="•"/>
+        <a:defRPr sz="2400" kern="1200">
           <a:solidFill>
-            <a:schemeClr val="tx1">
-              <a:lumMod val="75000"/>
-              <a:lumOff val="25000"/>
-            </a:schemeClr>
+            <a:schemeClr val="tx1"/>
           </a:solidFill>
           <a:latin typeface="+mn-lt"/>
           <a:ea typeface="+mn-ea"/>
           <a:cs typeface="+mn-cs"/>
         </a:defRPr>
       </a:lvl2pPr>
-      <a:lvl3pPr marL="566928" indent="-182880" algn="l" defTabSz="914400" rtl="0" eaLnBrk="1" latinLnBrk="0" hangingPunct="1">
+      <a:lvl3pPr marL="1143000" indent="-228600" algn="l" defTabSz="914400" rtl="0" eaLnBrk="1" latinLnBrk="0" hangingPunct="1">
         <a:lnSpc>
           <a:spcPct val="90000"/>
         </a:lnSpc>
         <a:spcBef>
-          <a:spcPts val="200"/>
+          <a:spcPts val="500"/>
         </a:spcBef>
-        <a:spcAft>
-          <a:spcPts val="400"/>
-        </a:spcAft>
-        <a:buClr>
-          <a:schemeClr val="accent1"/>
-        </a:buClr>
-        <a:buFont typeface="Calibri" pitchFamily="34" charset="0"/>
-        <a:buChar char="◦"/>
-        <a:defRPr sz="1400" kern="1200">
+        <a:buFont typeface="Arial" panose="020B0604020202020204" pitchFamily="34" charset="0"/>
+        <a:buChar char="•"/>
+        <a:defRPr sz="2000" kern="1200">
           <a:solidFill>
-            <a:schemeClr val="tx1">
-              <a:lumMod val="75000"/>
-              <a:lumOff val="25000"/>
-            </a:schemeClr>
+            <a:schemeClr val="tx1"/>
           </a:solidFill>
           <a:latin typeface="+mn-lt"/>
           <a:ea typeface="+mn-ea"/>
           <a:cs typeface="+mn-cs"/>
         </a:defRPr>
       </a:lvl3pPr>
-      <a:lvl4pPr marL="749808" indent="-182880" algn="l" defTabSz="914400" rtl="0" eaLnBrk="1" latinLnBrk="0" hangingPunct="1">
+      <a:lvl4pPr marL="1600200" indent="-228600" algn="l" defTabSz="914400" rtl="0" eaLnBrk="1" latinLnBrk="0" hangingPunct="1">
         <a:lnSpc>
           <a:spcPct val="90000"/>
         </a:lnSpc>
         <a:spcBef>
-          <a:spcPts val="200"/>
+          <a:spcPts val="500"/>
         </a:spcBef>
-        <a:spcAft>
-          <a:spcPts val="400"/>
-        </a:spcAft>
-        <a:buClr>
-          <a:schemeClr val="accent1"/>
-        </a:buClr>
-        <a:buFont typeface="Calibri" pitchFamily="34" charset="0"/>
-        <a:buChar char="◦"/>
-        <a:defRPr sz="1400" kern="1200">
+        <a:buFont typeface="Arial" panose="020B0604020202020204" pitchFamily="34" charset="0"/>
+        <a:buChar char="•"/>
+        <a:defRPr sz="1800" kern="1200">
           <a:solidFill>
-            <a:schemeClr val="tx1">
-              <a:lumMod val="75000"/>
-              <a:lumOff val="25000"/>
-            </a:schemeClr>
+            <a:schemeClr val="tx1"/>
           </a:solidFill>
           <a:latin typeface="+mn-lt"/>
           <a:ea typeface="+mn-ea"/>
           <a:cs typeface="+mn-cs"/>
         </a:defRPr>
       </a:lvl4pPr>
-      <a:lvl5pPr marL="932688" indent="-182880" algn="l" defTabSz="914400" rtl="0" eaLnBrk="1" latinLnBrk="0" hangingPunct="1">
+      <a:lvl5pPr marL="2057400" indent="-228600" algn="l" defTabSz="914400" rtl="0" eaLnBrk="1" latinLnBrk="0" hangingPunct="1">
         <a:lnSpc>
           <a:spcPct val="90000"/>
         </a:lnSpc>
         <a:spcBef>
-          <a:spcPts val="200"/>
+          <a:spcPts val="500"/>
         </a:spcBef>
-        <a:spcAft>
-          <a:spcPts val="400"/>
-        </a:spcAft>
-        <a:buClr>
-          <a:schemeClr val="accent1"/>
-        </a:buClr>
-        <a:buFont typeface="Calibri" pitchFamily="34" charset="0"/>
-        <a:buChar char="◦"/>
-        <a:defRPr sz="1400" kern="1200">
+        <a:buFont typeface="Arial" panose="020B0604020202020204" pitchFamily="34" charset="0"/>
+        <a:buChar char="•"/>
+        <a:defRPr sz="1800" kern="1200">
           <a:solidFill>
-            <a:schemeClr val="tx1">
-              <a:lumMod val="75000"/>
-              <a:lumOff val="25000"/>
-            </a:schemeClr>
+            <a:schemeClr val="tx1"/>
           </a:solidFill>
           <a:latin typeface="+mn-lt"/>
           <a:ea typeface="+mn-ea"/>
           <a:cs typeface="+mn-cs"/>
         </a:defRPr>
       </a:lvl5pPr>
-      <a:lvl6pPr marL="1100000" indent="-228600" algn="l" defTabSz="914400" rtl="0" eaLnBrk="1" latinLnBrk="0" hangingPunct="1">
+      <a:lvl6pPr marL="2514600" indent="-228600" algn="l" defTabSz="914400" rtl="0" eaLnBrk="1" latinLnBrk="0" hangingPunct="1">
         <a:lnSpc>
           <a:spcPct val="90000"/>
         </a:lnSpc>
         <a:spcBef>
-          <a:spcPts val="200"/>
+          <a:spcPts val="500"/>
         </a:spcBef>
-        <a:spcAft>
-          <a:spcPts val="400"/>
-        </a:spcAft>
-        <a:buClr>
-          <a:schemeClr val="accent1"/>
-        </a:buClr>
-        <a:buFont typeface="Calibri" pitchFamily="34" charset="0"/>
-        <a:buChar char="◦"/>
-        <a:defRPr sz="1400" kern="1200">
+        <a:buFont typeface="Arial" panose="020B0604020202020204" pitchFamily="34" charset="0"/>
+        <a:buChar char="•"/>
+        <a:defRPr sz="1800" kern="1200">
           <a:solidFill>
-            <a:schemeClr val="tx1">
-              <a:lumMod val="75000"/>
-              <a:lumOff val="25000"/>
-            </a:schemeClr>
+            <a:schemeClr val="tx1"/>
           </a:solidFill>
           <a:latin typeface="+mn-lt"/>
           <a:ea typeface="+mn-ea"/>
           <a:cs typeface="+mn-cs"/>
         </a:defRPr>
       </a:lvl6pPr>
-      <a:lvl7pPr marL="1300000" indent="-228600" algn="l" defTabSz="914400" rtl="0" eaLnBrk="1" latinLnBrk="0" hangingPunct="1">
+      <a:lvl7pPr marL="2971800" indent="-228600" algn="l" defTabSz="914400" rtl="0" eaLnBrk="1" latinLnBrk="0" hangingPunct="1">
         <a:lnSpc>
           <a:spcPct val="90000"/>
         </a:lnSpc>
         <a:spcBef>
-          <a:spcPts val="200"/>
+          <a:spcPts val="500"/>
         </a:spcBef>
-        <a:spcAft>
-          <a:spcPts val="400"/>
-        </a:spcAft>
-        <a:buClr>
-          <a:schemeClr val="accent1"/>
-        </a:buClr>
-        <a:buFont typeface="Calibri" pitchFamily="34" charset="0"/>
-        <a:buChar char="◦"/>
-        <a:defRPr sz="1400" kern="1200">
+        <a:buFont typeface="Arial" panose="020B0604020202020204" pitchFamily="34" charset="0"/>
+        <a:buChar char="•"/>
+        <a:defRPr sz="1800" kern="1200">
           <a:solidFill>
-            <a:schemeClr val="tx1">
-              <a:lumMod val="75000"/>
-              <a:lumOff val="25000"/>
-            </a:schemeClr>
+            <a:schemeClr val="tx1"/>
           </a:solidFill>
           <a:latin typeface="+mn-lt"/>
           <a:ea typeface="+mn-ea"/>
           <a:cs typeface="+mn-cs"/>
         </a:defRPr>
       </a:lvl7pPr>
-      <a:lvl8pPr marL="1500000" indent="-228600" algn="l" defTabSz="914400" rtl="0" eaLnBrk="1" latinLnBrk="0" hangingPunct="1">
+      <a:lvl8pPr marL="3429000" indent="-228600" algn="l" defTabSz="914400" rtl="0" eaLnBrk="1" latinLnBrk="0" hangingPunct="1">
         <a:lnSpc>
           <a:spcPct val="90000"/>
         </a:lnSpc>
         <a:spcBef>
-          <a:spcPts val="200"/>
+          <a:spcPts val="500"/>
         </a:spcBef>
-        <a:spcAft>
-          <a:spcPts val="400"/>
-        </a:spcAft>
-        <a:buClr>
-          <a:schemeClr val="accent1"/>
-        </a:buClr>
-        <a:buFont typeface="Calibri" pitchFamily="34" charset="0"/>
-        <a:buChar char="◦"/>
-        <a:defRPr sz="1400" kern="1200">
+        <a:buFont typeface="Arial" panose="020B0604020202020204" pitchFamily="34" charset="0"/>
+        <a:buChar char="•"/>
+        <a:defRPr sz="1800" kern="1200">
           <a:solidFill>
-            <a:schemeClr val="tx1">
-              <a:lumMod val="75000"/>
-              <a:lumOff val="25000"/>
-            </a:schemeClr>
+            <a:schemeClr val="tx1"/>
           </a:solidFill>
           <a:latin typeface="+mn-lt"/>
           <a:ea typeface="+mn-ea"/>
           <a:cs typeface="+mn-cs"/>
         </a:defRPr>
       </a:lvl8pPr>
-      <a:lvl9pPr marL="1700000" indent="-228600" algn="l" defTabSz="914400" rtl="0" eaLnBrk="1" latinLnBrk="0" hangingPunct="1">
+      <a:lvl9pPr marL="3886200" indent="-228600" algn="l" defTabSz="914400" rtl="0" eaLnBrk="1" latinLnBrk="0" hangingPunct="1">
         <a:lnSpc>
           <a:spcPct val="90000"/>
         </a:lnSpc>
         <a:spcBef>
-          <a:spcPts val="200"/>
+          <a:spcPts val="500"/>
         </a:spcBef>
-        <a:spcAft>
-          <a:spcPts val="400"/>
-        </a:spcAft>
-        <a:buClr>
-          <a:schemeClr val="accent1"/>
-        </a:buClr>
-        <a:buFont typeface="Calibri" pitchFamily="34" charset="0"/>
-        <a:buChar char="◦"/>
-        <a:defRPr sz="1400" kern="1200">
+        <a:buFont typeface="Arial" panose="020B0604020202020204" pitchFamily="34" charset="0"/>
+        <a:buChar char="•"/>
+        <a:defRPr sz="1800" kern="1200">
           <a:solidFill>
-            <a:schemeClr val="tx1">
-              <a:lumMod val="75000"/>
-              <a:lumOff val="25000"/>
-            </a:schemeClr>
+            <a:schemeClr val="tx1"/>
           </a:solidFill>
           <a:latin typeface="+mn-lt"/>
           <a:ea typeface="+mn-ea"/>
@@ -3909,60 +3462,192 @@
           <a:chExt cx="0" cy="0"/>
         </a:xfrm>
       </p:grpSpPr>
-      <p:sp>
-        <p:nvSpPr>
-          <p:cNvPr id="2" name="标题 1">
-            <a:extLst>
-              <a:ext uri="{FF2B5EF4-FFF2-40B4-BE49-F238E27FC236}">
-                <a16:creationId xmlns:a16="http://schemas.microsoft.com/office/drawing/2014/main" id="{6F5A2496-D2CB-477B-AF00-B6DB3FFEA68A}"/>
-              </a:ext>
-            </a:extLst>
-          </p:cNvPr>
-          <p:cNvSpPr>
-            <a:spLocks noGrp="1"/>
-          </p:cNvSpPr>
-          <p:nvPr>
-            <p:ph type="title"/>
-          </p:nvPr>
-        </p:nvSpPr>
-        <p:spPr/>
-        <p:txBody>
-          <a:bodyPr/>
-          <a:lstStyle/>
-          <a:p>
-            <a:endParaRPr lang="en-US"/>
-          </a:p>
-        </p:txBody>
-      </p:sp>
-      <p:sp>
-        <p:nvSpPr>
-          <p:cNvPr id="3" name="内容占位符 2">
-            <a:extLst>
-              <a:ext uri="{FF2B5EF4-FFF2-40B4-BE49-F238E27FC236}">
-                <a16:creationId xmlns:a16="http://schemas.microsoft.com/office/drawing/2014/main" id="{D3D18BA9-B5EB-4518-844E-6DF90DD5EF2D}"/>
-              </a:ext>
-            </a:extLst>
-          </p:cNvPr>
-          <p:cNvSpPr>
-            <a:spLocks noGrp="1"/>
-          </p:cNvSpPr>
+      <p:pic>
+        <p:nvPicPr>
+          <p:cNvPr id="4" name="内容占位符 3" descr="http://ar.bnu.edu.cn/images/wl3_b.jpg">
+            <a:hlinkClick r:id="" action="ppaction://noaction"/>
+            <a:extLst>
+              <a:ext uri="{FF2B5EF4-FFF2-40B4-BE49-F238E27FC236}">
+                <a16:creationId xmlns:a16="http://schemas.microsoft.com/office/drawing/2014/main" id="{47954AAD-018D-47DF-9F06-29F1DED1B011}"/>
+              </a:ext>
+            </a:extLst>
+          </p:cNvPr>
+          <p:cNvPicPr>
+            <a:picLocks noGrp="1"/>
+          </p:cNvPicPr>
           <p:nvPr>
             <p:ph idx="1"/>
           </p:nvPr>
-        </p:nvSpPr>
-        <p:spPr/>
-        <p:txBody>
-          <a:bodyPr/>
-          <a:lstStyle/>
-          <a:p>
-            <a:endParaRPr lang="en-US"/>
+        </p:nvPicPr>
+        <p:blipFill>
+          <a:blip r:embed="rId2" cstate="print">
+            <a:extLst>
+              <a:ext uri="{28A0092B-C50C-407E-A947-70E740481C1C}">
+                <a14:useLocalDpi xmlns:a14="http://schemas.microsoft.com/office/drawing/2010/main" val="0"/>
+              </a:ext>
+            </a:extLst>
+          </a:blip>
+          <a:srcRect/>
+          <a:stretch>
+            <a:fillRect/>
+          </a:stretch>
+        </p:blipFill>
+        <p:spPr bwMode="auto">
+          <a:xfrm>
+            <a:off x="396915" y="365125"/>
+            <a:ext cx="5540749" cy="4145876"/>
+          </a:xfrm>
+          <a:prstGeom prst="rect">
+            <a:avLst/>
+          </a:prstGeom>
+          <a:noFill/>
+          <a:ln>
+            <a:noFill/>
+          </a:ln>
+        </p:spPr>
+      </p:pic>
+      <p:pic>
+        <p:nvPicPr>
+          <p:cNvPr id="6" name="图片 5" descr="http://ar.bnu.edu.cn/images/huaxue2_b.jpg">
+            <a:extLst>
+              <a:ext uri="{FF2B5EF4-FFF2-40B4-BE49-F238E27FC236}">
+                <a16:creationId xmlns:a16="http://schemas.microsoft.com/office/drawing/2014/main" id="{ED9C9D02-62B9-460A-A5C9-DF6B96295501}"/>
+              </a:ext>
+            </a:extLst>
+          </p:cNvPr>
+          <p:cNvPicPr/>
+          <p:nvPr/>
+        </p:nvPicPr>
+        <p:blipFill rotWithShape="1">
+          <a:blip r:embed="rId3">
+            <a:extLst>
+              <a:ext uri="{28A0092B-C50C-407E-A947-70E740481C1C}">
+                <a14:useLocalDpi xmlns:a14="http://schemas.microsoft.com/office/drawing/2010/main" val="0"/>
+              </a:ext>
+            </a:extLst>
+          </a:blip>
+          <a:srcRect t="9861"/>
+          <a:stretch/>
+        </p:blipFill>
+        <p:spPr>
+          <a:xfrm>
+            <a:off x="6096000" y="2624446"/>
+            <a:ext cx="5849571" cy="3951556"/>
+          </a:xfrm>
+          <a:prstGeom prst="rect">
+            <a:avLst/>
+          </a:prstGeom>
+          <a:noFill/>
+          <a:ln>
+            <a:noFill/>
+          </a:ln>
+        </p:spPr>
+      </p:pic>
+      <p:sp>
+        <p:nvSpPr>
+          <p:cNvPr id="7" name="矩形 6">
+            <a:extLst>
+              <a:ext uri="{FF2B5EF4-FFF2-40B4-BE49-F238E27FC236}">
+                <a16:creationId xmlns:a16="http://schemas.microsoft.com/office/drawing/2014/main" id="{315F4CB0-3858-45CD-9DD8-300AB09E52A8}"/>
+              </a:ext>
+            </a:extLst>
+          </p:cNvPr>
+          <p:cNvSpPr/>
+          <p:nvPr/>
+        </p:nvSpPr>
+        <p:spPr>
+          <a:xfrm>
+            <a:off x="447304" y="5114310"/>
+            <a:ext cx="5217226" cy="1374735"/>
+          </a:xfrm>
+          <a:prstGeom prst="rect">
+            <a:avLst/>
+          </a:prstGeom>
+        </p:spPr>
+        <p:txBody>
+          <a:bodyPr wrap="square">
+            <a:spAutoFit/>
+          </a:bodyPr>
+          <a:lstStyle/>
+          <a:p>
+            <a:pPr indent="304800" algn="just">
+              <a:lnSpc>
+                <a:spcPts val="2000"/>
+              </a:lnSpc>
+              <a:tabLst>
+                <a:tab pos="5200650" algn="l"/>
+              </a:tabLst>
+            </a:pPr>
+            <a:r>
+              <a:rPr lang="en-US" sz="2000" kern="100" dirty="0">
+                <a:latin typeface="Times New Roman" panose="02020603050405020304" pitchFamily="18" charset="0"/>
+                <a:ea typeface="SimSun" panose="02010600030101010101" pitchFamily="2" charset="-122"/>
+              </a:rPr>
+              <a:t>Combining with PC or tablet teaching, AR technology could examine its influence on chemical reaction by controlling temperature, concentration, catalyst and other conditions in the means of natural interaction</a:t>
+            </a:r>
+          </a:p>
+        </p:txBody>
+      </p:sp>
+      <p:sp>
+        <p:nvSpPr>
+          <p:cNvPr id="8" name="矩形 7">
+            <a:extLst>
+              <a:ext uri="{FF2B5EF4-FFF2-40B4-BE49-F238E27FC236}">
+                <a16:creationId xmlns:a16="http://schemas.microsoft.com/office/drawing/2014/main" id="{8A2B3F6A-AAA2-4A34-A781-6E0E6FCA30E8}"/>
+              </a:ext>
+            </a:extLst>
+          </p:cNvPr>
+          <p:cNvSpPr/>
+          <p:nvPr/>
+        </p:nvSpPr>
+        <p:spPr>
+          <a:xfrm>
+            <a:off x="6096000" y="365124"/>
+            <a:ext cx="5849571" cy="2246769"/>
+          </a:xfrm>
+          <a:prstGeom prst="rect">
+            <a:avLst/>
+          </a:prstGeom>
+        </p:spPr>
+        <p:txBody>
+          <a:bodyPr wrap="square">
+            <a:spAutoFit/>
+          </a:bodyPr>
+          <a:lstStyle/>
+          <a:p>
+            <a:pPr algn="just"/>
+            <a:r>
+              <a:rPr lang="en-US" sz="2000" dirty="0">
+                <a:latin typeface="Calibri" panose="020F0502020204030204" pitchFamily="34" charset="0"/>
+                <a:ea typeface="맑은 고딕" panose="020B0503020000020004" pitchFamily="50" charset="-127"/>
+                <a:cs typeface="Times New Roman" panose="02020603050405020304" pitchFamily="18" charset="0"/>
+              </a:rPr>
+              <a:t>Cai </a:t>
+            </a:r>
+            <a:r>
+              <a:rPr lang="en-US" sz="2000" dirty="0" err="1">
+                <a:latin typeface="Calibri" panose="020F0502020204030204" pitchFamily="34" charset="0"/>
+                <a:ea typeface="맑은 고딕" panose="020B0503020000020004" pitchFamily="50" charset="-127"/>
+                <a:cs typeface="Times New Roman" panose="02020603050405020304" pitchFamily="18" charset="0"/>
+              </a:rPr>
+              <a:t>Su</a:t>
+            </a:r>
+            <a:r>
+              <a:rPr lang="en-US" sz="2000" dirty="0">
+                <a:latin typeface="Calibri" panose="020F0502020204030204" pitchFamily="34" charset="0"/>
+                <a:ea typeface="맑은 고딕" panose="020B0503020000020004" pitchFamily="50" charset="-127"/>
+                <a:cs typeface="Times New Roman" panose="02020603050405020304" pitchFamily="18" charset="0"/>
+              </a:rPr>
+              <a:t> et al realize the visualization of magnetic field by combining AR with Kinect somatosensory equipment. While learning the knowledge concerning magnetic field, students could have real-time interaction with equipment by means of gestures and therefore learn about the distribution and changes of magnetic field</a:t>
+            </a:r>
+            <a:endParaRPr lang="en-US" sz="2000" dirty="0"/>
           </a:p>
         </p:txBody>
       </p:sp>
     </p:spTree>
     <p:extLst>
       <p:ext uri="{BB962C8B-B14F-4D97-AF65-F5344CB8AC3E}">
-        <p14:creationId xmlns:p14="http://schemas.microsoft.com/office/powerpoint/2010/main" val="1510863067"/>
+        <p14:creationId xmlns:p14="http://schemas.microsoft.com/office/powerpoint/2010/main" val="1717544877"/>
       </p:ext>
     </p:extLst>
   </p:cSld>
@@ -3989,60 +3674,925 @@
           <a:chExt cx="0" cy="0"/>
         </a:xfrm>
       </p:grpSpPr>
-      <p:sp>
-        <p:nvSpPr>
-          <p:cNvPr id="2" name="标题 1">
-            <a:extLst>
-              <a:ext uri="{FF2B5EF4-FFF2-40B4-BE49-F238E27FC236}">
-                <a16:creationId xmlns:a16="http://schemas.microsoft.com/office/drawing/2014/main" id="{95F3F835-EF4D-4052-A8EF-C84C912A4025}"/>
-              </a:ext>
-            </a:extLst>
-          </p:cNvPr>
-          <p:cNvSpPr>
-            <a:spLocks noGrp="1"/>
-          </p:cNvSpPr>
-          <p:nvPr>
-            <p:ph type="title"/>
-          </p:nvPr>
-        </p:nvSpPr>
-        <p:spPr/>
-        <p:txBody>
-          <a:bodyPr/>
-          <a:lstStyle/>
-          <a:p>
-            <a:endParaRPr lang="en-US"/>
-          </a:p>
-        </p:txBody>
-      </p:sp>
-      <p:sp>
-        <p:nvSpPr>
-          <p:cNvPr id="3" name="内容占位符 2">
-            <a:extLst>
-              <a:ext uri="{FF2B5EF4-FFF2-40B4-BE49-F238E27FC236}">
-                <a16:creationId xmlns:a16="http://schemas.microsoft.com/office/drawing/2014/main" id="{C44615F9-19B2-48B6-9036-5694AD45C7C9}"/>
-              </a:ext>
-            </a:extLst>
-          </p:cNvPr>
-          <p:cNvSpPr>
-            <a:spLocks noGrp="1"/>
-          </p:cNvSpPr>
+      <p:pic>
+        <p:nvPicPr>
+          <p:cNvPr id="4" name="内容占位符 3" descr="https://am.zdmimg.com/201409/21/541ea06448406.png_e600.jpg">
+            <a:extLst>
+              <a:ext uri="{FF2B5EF4-FFF2-40B4-BE49-F238E27FC236}">
+                <a16:creationId xmlns:a16="http://schemas.microsoft.com/office/drawing/2014/main" id="{FA6F6372-97EB-442B-86A8-6D97BB1E984F}"/>
+              </a:ext>
+            </a:extLst>
+          </p:cNvPr>
+          <p:cNvPicPr>
+            <a:picLocks noGrp="1"/>
+          </p:cNvPicPr>
           <p:nvPr>
             <p:ph idx="1"/>
           </p:nvPr>
-        </p:nvSpPr>
-        <p:spPr/>
-        <p:txBody>
-          <a:bodyPr/>
-          <a:lstStyle/>
-          <a:p>
-            <a:endParaRPr lang="en-US"/>
+        </p:nvPicPr>
+        <p:blipFill>
+          <a:blip r:embed="rId2">
+            <a:extLst>
+              <a:ext uri="{28A0092B-C50C-407E-A947-70E740481C1C}">
+                <a14:useLocalDpi xmlns:a14="http://schemas.microsoft.com/office/drawing/2010/main" val="0"/>
+              </a:ext>
+            </a:extLst>
+          </a:blip>
+          <a:srcRect/>
+          <a:stretch>
+            <a:fillRect/>
+          </a:stretch>
+        </p:blipFill>
+        <p:spPr bwMode="auto">
+          <a:xfrm>
+            <a:off x="5304806" y="2604211"/>
+            <a:ext cx="6569275" cy="3952514"/>
+          </a:xfrm>
+          <a:prstGeom prst="rect">
+            <a:avLst/>
+          </a:prstGeom>
+          <a:noFill/>
+          <a:ln>
+            <a:noFill/>
+          </a:ln>
+        </p:spPr>
+      </p:pic>
+      <p:sp>
+        <p:nvSpPr>
+          <p:cNvPr id="6" name="矩形 5">
+            <a:extLst>
+              <a:ext uri="{FF2B5EF4-FFF2-40B4-BE49-F238E27FC236}">
+                <a16:creationId xmlns:a16="http://schemas.microsoft.com/office/drawing/2014/main" id="{F66F71B9-C1C9-4AB8-810B-18D4DB05E0BB}"/>
+              </a:ext>
+            </a:extLst>
+          </p:cNvPr>
+          <p:cNvSpPr/>
+          <p:nvPr/>
+        </p:nvSpPr>
+        <p:spPr>
+          <a:xfrm>
+            <a:off x="343597" y="546264"/>
+            <a:ext cx="4961209" cy="2308324"/>
+          </a:xfrm>
+          <a:prstGeom prst="rect">
+            <a:avLst/>
+          </a:prstGeom>
+        </p:spPr>
+        <p:txBody>
+          <a:bodyPr wrap="square">
+            <a:spAutoFit/>
+          </a:bodyPr>
+          <a:lstStyle/>
+          <a:p>
+            <a:pPr algn="just"/>
+            <a:r>
+              <a:rPr lang="en-US" sz="2400" dirty="0">
+                <a:latin typeface="Calibri" panose="020F0502020204030204" pitchFamily="34" charset="0"/>
+                <a:ea typeface="맑은 고딕" panose="020B0503020000020004" pitchFamily="50" charset="-127"/>
+                <a:cs typeface="Times New Roman" panose="02020603050405020304" pitchFamily="18" charset="0"/>
+              </a:rPr>
+              <a:t>Scanning cards with tablet computers or phones to discern words, and present relevant pictures or 3D models with pronunciation could help children spell vocabulary and learn pronunciation</a:t>
+            </a:r>
+            <a:endParaRPr lang="en-US" sz="2400" dirty="0"/>
           </a:p>
         </p:txBody>
       </p:sp>
     </p:spTree>
     <p:extLst>
       <p:ext uri="{BB962C8B-B14F-4D97-AF65-F5344CB8AC3E}">
-        <p14:creationId xmlns:p14="http://schemas.microsoft.com/office/powerpoint/2010/main" val="1647762784"/>
+        <p14:creationId xmlns:p14="http://schemas.microsoft.com/office/powerpoint/2010/main" val="3101823623"/>
+      </p:ext>
+    </p:extLst>
+  </p:cSld>
+  <p:clrMapOvr>
+    <a:masterClrMapping/>
+  </p:clrMapOvr>
+</p:sld>
+</file>
+
+<file path=ppt/slides/slide12.xml><?xml version="1.0" encoding="utf-8"?>
+<p:sld xmlns:a="http://schemas.openxmlformats.org/drawingml/2006/main" xmlns:r="http://schemas.openxmlformats.org/officeDocument/2006/relationships" xmlns:p="http://schemas.openxmlformats.org/presentationml/2006/main">
+  <p:cSld>
+    <p:spTree>
+      <p:nvGrpSpPr>
+        <p:cNvPr id="1" name=""/>
+        <p:cNvGrpSpPr/>
+        <p:nvPr/>
+      </p:nvGrpSpPr>
+      <p:grpSpPr>
+        <a:xfrm>
+          <a:off x="0" y="0"/>
+          <a:ext cx="0" cy="0"/>
+          <a:chOff x="0" y="0"/>
+          <a:chExt cx="0" cy="0"/>
+        </a:xfrm>
+      </p:grpSpPr>
+      <p:pic>
+        <p:nvPicPr>
+          <p:cNvPr id="4" name="内容占位符 3" descr="http://img1.gtimg.com/tech/pics/hv1/83/46/2103/136759388.jpg">
+            <a:extLst>
+              <a:ext uri="{FF2B5EF4-FFF2-40B4-BE49-F238E27FC236}">
+                <a16:creationId xmlns:a16="http://schemas.microsoft.com/office/drawing/2014/main" id="{2E3DDA2E-A407-479B-BC67-41C193676AD1}"/>
+              </a:ext>
+            </a:extLst>
+          </p:cNvPr>
+          <p:cNvPicPr>
+            <a:picLocks noGrp="1"/>
+          </p:cNvPicPr>
+          <p:nvPr>
+            <p:ph idx="1"/>
+          </p:nvPr>
+        </p:nvPicPr>
+        <p:blipFill>
+          <a:blip r:embed="rId2">
+            <a:extLst>
+              <a:ext uri="{28A0092B-C50C-407E-A947-70E740481C1C}">
+                <a14:useLocalDpi xmlns:a14="http://schemas.microsoft.com/office/drawing/2010/main" val="0"/>
+              </a:ext>
+            </a:extLst>
+          </a:blip>
+          <a:srcRect/>
+          <a:stretch>
+            <a:fillRect/>
+          </a:stretch>
+        </p:blipFill>
+        <p:spPr bwMode="auto">
+          <a:xfrm>
+            <a:off x="299598" y="232281"/>
+            <a:ext cx="7751873" cy="3864913"/>
+          </a:xfrm>
+          <a:prstGeom prst="rect">
+            <a:avLst/>
+          </a:prstGeom>
+          <a:noFill/>
+          <a:ln>
+            <a:noFill/>
+          </a:ln>
+        </p:spPr>
+      </p:pic>
+      <p:sp>
+        <p:nvSpPr>
+          <p:cNvPr id="5" name="矩形 4">
+            <a:extLst>
+              <a:ext uri="{FF2B5EF4-FFF2-40B4-BE49-F238E27FC236}">
+                <a16:creationId xmlns:a16="http://schemas.microsoft.com/office/drawing/2014/main" id="{EF5029C0-D956-467F-AD5C-1CE4A7EDCC73}"/>
+              </a:ext>
+            </a:extLst>
+          </p:cNvPr>
+          <p:cNvSpPr/>
+          <p:nvPr/>
+        </p:nvSpPr>
+        <p:spPr>
+          <a:xfrm>
+            <a:off x="8265226" y="1518407"/>
+            <a:ext cx="3261497" cy="646331"/>
+          </a:xfrm>
+          <a:prstGeom prst="rect">
+            <a:avLst/>
+          </a:prstGeom>
+        </p:spPr>
+        <p:txBody>
+          <a:bodyPr wrap="square">
+            <a:spAutoFit/>
+          </a:bodyPr>
+          <a:lstStyle/>
+          <a:p>
+            <a:r>
+              <a:rPr lang="en-US" dirty="0">
+                <a:latin typeface="Calibri" panose="020F0502020204030204" pitchFamily="34" charset="0"/>
+                <a:ea typeface="맑은 고딕" panose="020B0503020000020004" pitchFamily="50" charset="-127"/>
+                <a:cs typeface="Times New Roman" panose="02020603050405020304" pitchFamily="18" charset="0"/>
+              </a:rPr>
+              <a:t>Virtual Construction Site Program </a:t>
+            </a:r>
+            <a:endParaRPr lang="en-US" dirty="0"/>
+          </a:p>
+        </p:txBody>
+      </p:sp>
+      <p:sp>
+        <p:nvSpPr>
+          <p:cNvPr id="6" name="矩形 5">
+            <a:extLst>
+              <a:ext uri="{FF2B5EF4-FFF2-40B4-BE49-F238E27FC236}">
+                <a16:creationId xmlns:a16="http://schemas.microsoft.com/office/drawing/2014/main" id="{110A74F8-38F0-43E2-8EED-FB702FEA7056}"/>
+              </a:ext>
+            </a:extLst>
+          </p:cNvPr>
+          <p:cNvSpPr/>
+          <p:nvPr/>
+        </p:nvSpPr>
+        <p:spPr>
+          <a:xfrm>
+            <a:off x="391887" y="4317395"/>
+            <a:ext cx="11614068" cy="2308324"/>
+          </a:xfrm>
+          <a:prstGeom prst="rect">
+            <a:avLst/>
+          </a:prstGeom>
+        </p:spPr>
+        <p:txBody>
+          <a:bodyPr wrap="square">
+            <a:spAutoFit/>
+          </a:bodyPr>
+          <a:lstStyle/>
+          <a:p>
+            <a:pPr algn="just"/>
+            <a:r>
+              <a:rPr lang="en-US" sz="2400" dirty="0">
+                <a:latin typeface="Calibri" panose="020F0502020204030204" pitchFamily="34" charset="0"/>
+                <a:ea typeface="맑은 고딕" panose="020B0503020000020004" pitchFamily="50" charset="-127"/>
+                <a:cs typeface="Times New Roman" panose="02020603050405020304" pitchFamily="18" charset="0"/>
+              </a:rPr>
+              <a:t>The introduction of knowledge in specific scenes outside the classroom endows educational experience with unparalleled </a:t>
+            </a:r>
+            <a:r>
+              <a:rPr lang="en-US" sz="2400" dirty="0" err="1">
+                <a:latin typeface="Calibri" panose="020F0502020204030204" pitchFamily="34" charset="0"/>
+                <a:ea typeface="맑은 고딕" panose="020B0503020000020004" pitchFamily="50" charset="-127"/>
+                <a:cs typeface="Times New Roman" panose="02020603050405020304" pitchFamily="18" charset="0"/>
+              </a:rPr>
+              <a:t>values，This</a:t>
+            </a:r>
+            <a:r>
+              <a:rPr lang="en-US" sz="2400" dirty="0">
+                <a:latin typeface="Calibri" panose="020F0502020204030204" pitchFamily="34" charset="0"/>
+                <a:ea typeface="맑은 고딕" panose="020B0503020000020004" pitchFamily="50" charset="-127"/>
+                <a:cs typeface="Times New Roman" panose="02020603050405020304" pitchFamily="18" charset="0"/>
+              </a:rPr>
+              <a:t> site exist severe security problems. Whereas, students could move around in the virtual environment and take photos in safe places. Such case is nearly impossible in real life. Out of this reason, this is in particular suitable for the virtual world. Personal virtual scene allows students to have experience in any field in work or life in the learning stage</a:t>
+            </a:r>
+          </a:p>
+        </p:txBody>
+      </p:sp>
+    </p:spTree>
+    <p:extLst>
+      <p:ext uri="{BB962C8B-B14F-4D97-AF65-F5344CB8AC3E}">
+        <p14:creationId xmlns:p14="http://schemas.microsoft.com/office/powerpoint/2010/main" val="2354611016"/>
+      </p:ext>
+    </p:extLst>
+  </p:cSld>
+  <p:clrMapOvr>
+    <a:masterClrMapping/>
+  </p:clrMapOvr>
+</p:sld>
+</file>
+
+<file path=ppt/slides/slide13.xml><?xml version="1.0" encoding="utf-8"?>
+<p:sld xmlns:a="http://schemas.openxmlformats.org/drawingml/2006/main" xmlns:r="http://schemas.openxmlformats.org/officeDocument/2006/relationships" xmlns:p="http://schemas.openxmlformats.org/presentationml/2006/main">
+  <p:cSld>
+    <p:spTree>
+      <p:nvGrpSpPr>
+        <p:cNvPr id="1" name=""/>
+        <p:cNvGrpSpPr/>
+        <p:nvPr/>
+      </p:nvGrpSpPr>
+      <p:grpSpPr>
+        <a:xfrm>
+          <a:off x="0" y="0"/>
+          <a:ext cx="0" cy="0"/>
+          <a:chOff x="0" y="0"/>
+          <a:chExt cx="0" cy="0"/>
+        </a:xfrm>
+      </p:grpSpPr>
+      <p:sp>
+        <p:nvSpPr>
+          <p:cNvPr id="3" name="内容占位符 2">
+            <a:extLst>
+              <a:ext uri="{FF2B5EF4-FFF2-40B4-BE49-F238E27FC236}">
+                <a16:creationId xmlns:a16="http://schemas.microsoft.com/office/drawing/2014/main" id="{A3591C28-926C-4506-B45E-38FB0D720A27}"/>
+              </a:ext>
+            </a:extLst>
+          </p:cNvPr>
+          <p:cNvSpPr>
+            <a:spLocks noGrp="1"/>
+          </p:cNvSpPr>
+          <p:nvPr>
+            <p:ph idx="1"/>
+          </p:nvPr>
+        </p:nvSpPr>
+        <p:spPr>
+          <a:xfrm>
+            <a:off x="838200" y="1923803"/>
+            <a:ext cx="10515600" cy="4253159"/>
+          </a:xfrm>
+        </p:spPr>
+        <p:txBody>
+          <a:bodyPr>
+            <a:normAutofit lnSpcReduction="10000"/>
+          </a:bodyPr>
+          <a:lstStyle/>
+          <a:p>
+            <a:pPr marL="0" indent="0" algn="just">
+              <a:buNone/>
+            </a:pPr>
+            <a:r>
+              <a:rPr lang="en-US" dirty="0"/>
+              <a:t>Users could seek relevant architectures on the campus according to the real scenes captured by the camera during application use process. Once arriving at the site of target architecture, the camera could automatically discern the architecture information by capturing imaging and present the imaging to users as learning contents. Most respondents have mentioned that they could retrieve information at any time and place via phone and the combination of GPS technology and AR technology turns the search process and means of presentation more natural. It not only saves the procedure of manual input. The more important thing is that what you see is what you get. Besides, this software is acknowledged to be a feasible alternative of paper medium</a:t>
+            </a:r>
+          </a:p>
+        </p:txBody>
+      </p:sp>
+      <p:sp>
+        <p:nvSpPr>
+          <p:cNvPr id="5" name="标题 1">
+            <a:extLst>
+              <a:ext uri="{FF2B5EF4-FFF2-40B4-BE49-F238E27FC236}">
+                <a16:creationId xmlns:a16="http://schemas.microsoft.com/office/drawing/2014/main" id="{3E864E9F-5D99-47E9-8CEA-F2025F4DDD3D}"/>
+              </a:ext>
+            </a:extLst>
+          </p:cNvPr>
+          <p:cNvSpPr>
+            <a:spLocks noGrp="1"/>
+          </p:cNvSpPr>
+          <p:nvPr>
+            <p:ph type="title"/>
+          </p:nvPr>
+        </p:nvSpPr>
+        <p:spPr>
+          <a:xfrm>
+            <a:off x="838200" y="365125"/>
+            <a:ext cx="10515600" cy="1325563"/>
+          </a:xfrm>
+        </p:spPr>
+        <p:txBody>
+          <a:bodyPr/>
+          <a:lstStyle/>
+          <a:p>
+            <a:r>
+              <a:rPr lang="en-US" b="1" dirty="0"/>
+              <a:t>Location Based AR Learning</a:t>
+            </a:r>
+            <a:endParaRPr lang="en-US" dirty="0"/>
+          </a:p>
+        </p:txBody>
+      </p:sp>
+    </p:spTree>
+    <p:extLst>
+      <p:ext uri="{BB962C8B-B14F-4D97-AF65-F5344CB8AC3E}">
+        <p14:creationId xmlns:p14="http://schemas.microsoft.com/office/powerpoint/2010/main" val="2468597619"/>
+      </p:ext>
+    </p:extLst>
+  </p:cSld>
+  <p:clrMapOvr>
+    <a:masterClrMapping/>
+  </p:clrMapOvr>
+</p:sld>
+</file>
+
+<file path=ppt/slides/slide14.xml><?xml version="1.0" encoding="utf-8"?>
+<p:sld xmlns:a="http://schemas.openxmlformats.org/drawingml/2006/main" xmlns:r="http://schemas.openxmlformats.org/officeDocument/2006/relationships" xmlns:p="http://schemas.openxmlformats.org/presentationml/2006/main">
+  <p:cSld>
+    <p:spTree>
+      <p:nvGrpSpPr>
+        <p:cNvPr id="1" name=""/>
+        <p:cNvGrpSpPr/>
+        <p:nvPr/>
+      </p:nvGrpSpPr>
+      <p:grpSpPr>
+        <a:xfrm>
+          <a:off x="0" y="0"/>
+          <a:ext cx="0" cy="0"/>
+          <a:chOff x="0" y="0"/>
+          <a:chExt cx="0" cy="0"/>
+        </a:xfrm>
+      </p:grpSpPr>
+      <p:sp>
+        <p:nvSpPr>
+          <p:cNvPr id="2" name="标题 1">
+            <a:extLst>
+              <a:ext uri="{FF2B5EF4-FFF2-40B4-BE49-F238E27FC236}">
+                <a16:creationId xmlns:a16="http://schemas.microsoft.com/office/drawing/2014/main" id="{A6539355-F576-4265-91AB-531C5ED087D2}"/>
+              </a:ext>
+            </a:extLst>
+          </p:cNvPr>
+          <p:cNvSpPr>
+            <a:spLocks noGrp="1"/>
+          </p:cNvSpPr>
+          <p:nvPr>
+            <p:ph type="title"/>
+          </p:nvPr>
+        </p:nvSpPr>
+        <p:spPr/>
+        <p:txBody>
+          <a:bodyPr/>
+          <a:lstStyle/>
+          <a:p>
+            <a:r>
+              <a:rPr lang="en-US" dirty="0" err="1"/>
+              <a:t>ChinAR</a:t>
+            </a:r>
+            <a:endParaRPr lang="en-US" dirty="0"/>
+          </a:p>
+        </p:txBody>
+      </p:sp>
+      <p:pic>
+        <p:nvPicPr>
+          <p:cNvPr id="4" name="内容占位符 3" descr="https://pic3.zhimg.com/v2-3e169582be5052087b6771cfb7c09947_r.jpg">
+            <a:extLst>
+              <a:ext uri="{FF2B5EF4-FFF2-40B4-BE49-F238E27FC236}">
+                <a16:creationId xmlns:a16="http://schemas.microsoft.com/office/drawing/2014/main" id="{4FF657E2-3C5F-4603-BF9E-F782B4EB858C}"/>
+              </a:ext>
+            </a:extLst>
+          </p:cNvPr>
+          <p:cNvPicPr>
+            <a:picLocks noGrp="1"/>
+          </p:cNvPicPr>
+          <p:nvPr>
+            <p:ph idx="1"/>
+          </p:nvPr>
+        </p:nvPicPr>
+        <p:blipFill>
+          <a:blip r:embed="rId2" cstate="print">
+            <a:extLst>
+              <a:ext uri="{28A0092B-C50C-407E-A947-70E740481C1C}">
+                <a14:useLocalDpi xmlns:a14="http://schemas.microsoft.com/office/drawing/2010/main" val="0"/>
+              </a:ext>
+            </a:extLst>
+          </a:blip>
+          <a:srcRect/>
+          <a:stretch>
+            <a:fillRect/>
+          </a:stretch>
+        </p:blipFill>
+        <p:spPr>
+          <a:xfrm>
+            <a:off x="2380817" y="2095737"/>
+            <a:ext cx="7762875" cy="2409825"/>
+          </a:xfrm>
+          <a:prstGeom prst="rect">
+            <a:avLst/>
+          </a:prstGeom>
+          <a:noFill/>
+          <a:ln>
+            <a:noFill/>
+          </a:ln>
+        </p:spPr>
+      </p:pic>
+      <p:sp>
+        <p:nvSpPr>
+          <p:cNvPr id="5" name="矩形 4">
+            <a:extLst>
+              <a:ext uri="{FF2B5EF4-FFF2-40B4-BE49-F238E27FC236}">
+                <a16:creationId xmlns:a16="http://schemas.microsoft.com/office/drawing/2014/main" id="{6FFA37E9-656E-4ED3-9ED1-03D2BAE0538C}"/>
+              </a:ext>
+            </a:extLst>
+          </p:cNvPr>
+          <p:cNvSpPr/>
+          <p:nvPr/>
+        </p:nvSpPr>
+        <p:spPr>
+          <a:xfrm>
+            <a:off x="2121724" y="4910611"/>
+            <a:ext cx="8601693" cy="1200329"/>
+          </a:xfrm>
+          <a:prstGeom prst="rect">
+            <a:avLst/>
+          </a:prstGeom>
+        </p:spPr>
+        <p:txBody>
+          <a:bodyPr wrap="square">
+            <a:spAutoFit/>
+          </a:bodyPr>
+          <a:lstStyle/>
+          <a:p>
+            <a:r>
+              <a:rPr lang="en-US" kern="100" dirty="0">
+                <a:latin typeface="Times New Roman" panose="02020603050405020304" pitchFamily="18" charset="0"/>
+                <a:ea typeface="SimSun" panose="02010600030101010101" pitchFamily="2" charset="-122"/>
+              </a:rPr>
+              <a:t>The application of </a:t>
+            </a:r>
+            <a:r>
+              <a:rPr lang="en-US" kern="100" dirty="0" err="1">
+                <a:latin typeface="Times New Roman" panose="02020603050405020304" pitchFamily="18" charset="0"/>
+                <a:ea typeface="SimSun" panose="02010600030101010101" pitchFamily="2" charset="-122"/>
+              </a:rPr>
+              <a:t>ChinAR</a:t>
+            </a:r>
+            <a:r>
+              <a:rPr lang="en-US" kern="100" dirty="0">
+                <a:latin typeface="Times New Roman" panose="02020603050405020304" pitchFamily="18" charset="0"/>
+                <a:ea typeface="SimSun" panose="02010600030101010101" pitchFamily="2" charset="-122"/>
+              </a:rPr>
+              <a:t> </a:t>
+            </a:r>
+            <a:r>
+              <a:rPr lang="en-US" dirty="0"/>
+              <a:t>gives lots of “hints” to beginners by way of augmented learning technology, greatly lowers the introduction learning threshold, and combines with relevant musical theories at home and abroad to design a full set of interaction methods</a:t>
+            </a:r>
+          </a:p>
+        </p:txBody>
+      </p:sp>
+    </p:spTree>
+    <p:extLst>
+      <p:ext uri="{BB962C8B-B14F-4D97-AF65-F5344CB8AC3E}">
+        <p14:creationId xmlns:p14="http://schemas.microsoft.com/office/powerpoint/2010/main" val="259541119"/>
+      </p:ext>
+    </p:extLst>
+  </p:cSld>
+  <p:clrMapOvr>
+    <a:masterClrMapping/>
+  </p:clrMapOvr>
+</p:sld>
+</file>
+
+<file path=ppt/slides/slide15.xml><?xml version="1.0" encoding="utf-8"?>
+<p:sld xmlns:a="http://schemas.openxmlformats.org/drawingml/2006/main" xmlns:r="http://schemas.openxmlformats.org/officeDocument/2006/relationships" xmlns:p="http://schemas.openxmlformats.org/presentationml/2006/main">
+  <p:cSld>
+    <p:spTree>
+      <p:nvGrpSpPr>
+        <p:cNvPr id="1" name=""/>
+        <p:cNvGrpSpPr/>
+        <p:nvPr/>
+      </p:nvGrpSpPr>
+      <p:grpSpPr>
+        <a:xfrm>
+          <a:off x="0" y="0"/>
+          <a:ext cx="0" cy="0"/>
+          <a:chOff x="0" y="0"/>
+          <a:chExt cx="0" cy="0"/>
+        </a:xfrm>
+      </p:grpSpPr>
+      <p:sp>
+        <p:nvSpPr>
+          <p:cNvPr id="3" name="内容占位符 2">
+            <a:extLst>
+              <a:ext uri="{FF2B5EF4-FFF2-40B4-BE49-F238E27FC236}">
+                <a16:creationId xmlns:a16="http://schemas.microsoft.com/office/drawing/2014/main" id="{ADFE0E99-0909-49DE-8569-64AD8DF515CC}"/>
+              </a:ext>
+            </a:extLst>
+          </p:cNvPr>
+          <p:cNvSpPr>
+            <a:spLocks noGrp="1"/>
+          </p:cNvSpPr>
+          <p:nvPr>
+            <p:ph idx="1"/>
+          </p:nvPr>
+        </p:nvSpPr>
+        <p:spPr/>
+        <p:txBody>
+          <a:bodyPr/>
+          <a:lstStyle/>
+          <a:p>
+            <a:pPr algn="just"/>
+            <a:r>
+              <a:rPr lang="en-US" dirty="0"/>
+              <a:t>No matter what technologies and what means have been employed, people should pay attention to the integration of learning contents and game elements. Throughout systematic teaching design, the learning contents could be rationally incorporated into the task of educational games under the instruction of learning theory. Situational setting makes for building up an immersive learning situation for learners and helping students have meaningful knowledge construction and exploratory learning</a:t>
+            </a:r>
+          </a:p>
+        </p:txBody>
+      </p:sp>
+    </p:spTree>
+    <p:extLst>
+      <p:ext uri="{BB962C8B-B14F-4D97-AF65-F5344CB8AC3E}">
+        <p14:creationId xmlns:p14="http://schemas.microsoft.com/office/powerpoint/2010/main" val="2596518356"/>
+      </p:ext>
+    </p:extLst>
+  </p:cSld>
+  <p:clrMapOvr>
+    <a:masterClrMapping/>
+  </p:clrMapOvr>
+</p:sld>
+</file>
+
+<file path=ppt/slides/slide16.xml><?xml version="1.0" encoding="utf-8"?>
+<p:sld xmlns:a="http://schemas.openxmlformats.org/drawingml/2006/main" xmlns:r="http://schemas.openxmlformats.org/officeDocument/2006/relationships" xmlns:p="http://schemas.openxmlformats.org/presentationml/2006/main">
+  <p:cSld>
+    <p:spTree>
+      <p:nvGrpSpPr>
+        <p:cNvPr id="1" name=""/>
+        <p:cNvGrpSpPr/>
+        <p:nvPr/>
+      </p:nvGrpSpPr>
+      <p:grpSpPr>
+        <a:xfrm>
+          <a:off x="0" y="0"/>
+          <a:ext cx="0" cy="0"/>
+          <a:chOff x="0" y="0"/>
+          <a:chExt cx="0" cy="0"/>
+        </a:xfrm>
+      </p:grpSpPr>
+      <p:sp>
+        <p:nvSpPr>
+          <p:cNvPr id="2" name="标题 1">
+            <a:extLst>
+              <a:ext uri="{FF2B5EF4-FFF2-40B4-BE49-F238E27FC236}">
+                <a16:creationId xmlns:a16="http://schemas.microsoft.com/office/drawing/2014/main" id="{DAEE1863-F424-4715-BB79-4B08EA5B2F08}"/>
+              </a:ext>
+            </a:extLst>
+          </p:cNvPr>
+          <p:cNvSpPr>
+            <a:spLocks noGrp="1"/>
+          </p:cNvSpPr>
+          <p:nvPr>
+            <p:ph type="title"/>
+          </p:nvPr>
+        </p:nvSpPr>
+        <p:spPr/>
+        <p:txBody>
+          <a:bodyPr/>
+          <a:lstStyle/>
+          <a:p>
+            <a:r>
+              <a:rPr lang="en-US" dirty="0"/>
+              <a:t>Interaction Design</a:t>
+            </a:r>
+          </a:p>
+        </p:txBody>
+      </p:sp>
+      <p:sp>
+        <p:nvSpPr>
+          <p:cNvPr id="3" name="内容占位符 2">
+            <a:extLst>
+              <a:ext uri="{FF2B5EF4-FFF2-40B4-BE49-F238E27FC236}">
+                <a16:creationId xmlns:a16="http://schemas.microsoft.com/office/drawing/2014/main" id="{9300155C-BEB6-4720-BD59-37F5C9F9AA2B}"/>
+              </a:ext>
+            </a:extLst>
+          </p:cNvPr>
+          <p:cNvSpPr>
+            <a:spLocks noGrp="1"/>
+          </p:cNvSpPr>
+          <p:nvPr>
+            <p:ph idx="1"/>
+          </p:nvPr>
+        </p:nvSpPr>
+        <p:spPr/>
+        <p:txBody>
+          <a:bodyPr/>
+          <a:lstStyle/>
+          <a:p>
+            <a:r>
+              <a:rPr lang="en-US" dirty="0"/>
+              <a:t>Linguistic User Interface </a:t>
+            </a:r>
+          </a:p>
+          <a:p>
+            <a:r>
+              <a:rPr lang="en-US" dirty="0"/>
+              <a:t>Graphical User Interface </a:t>
+            </a:r>
+          </a:p>
+          <a:p>
+            <a:r>
+              <a:rPr lang="en-US"/>
+              <a:t>Multi-media User Interface </a:t>
+            </a:r>
+          </a:p>
+          <a:p>
+            <a:endParaRPr lang="en-US"/>
+          </a:p>
+        </p:txBody>
+      </p:sp>
+    </p:spTree>
+    <p:extLst>
+      <p:ext uri="{BB962C8B-B14F-4D97-AF65-F5344CB8AC3E}">
+        <p14:creationId xmlns:p14="http://schemas.microsoft.com/office/powerpoint/2010/main" val="2401025616"/>
+      </p:ext>
+    </p:extLst>
+  </p:cSld>
+  <p:clrMapOvr>
+    <a:masterClrMapping/>
+  </p:clrMapOvr>
+</p:sld>
+</file>
+
+<file path=ppt/slides/slide17.xml><?xml version="1.0" encoding="utf-8"?>
+<p:sld xmlns:a="http://schemas.openxmlformats.org/drawingml/2006/main" xmlns:r="http://schemas.openxmlformats.org/officeDocument/2006/relationships" xmlns:p="http://schemas.openxmlformats.org/presentationml/2006/main">
+  <p:cSld>
+    <p:spTree>
+      <p:nvGrpSpPr>
+        <p:cNvPr id="1" name=""/>
+        <p:cNvGrpSpPr/>
+        <p:nvPr/>
+      </p:nvGrpSpPr>
+      <p:grpSpPr>
+        <a:xfrm>
+          <a:off x="0" y="0"/>
+          <a:ext cx="0" cy="0"/>
+          <a:chOff x="0" y="0"/>
+          <a:chExt cx="0" cy="0"/>
+        </a:xfrm>
+      </p:grpSpPr>
+      <p:sp>
+        <p:nvSpPr>
+          <p:cNvPr id="2" name="标题 1">
+            <a:extLst>
+              <a:ext uri="{FF2B5EF4-FFF2-40B4-BE49-F238E27FC236}">
+                <a16:creationId xmlns:a16="http://schemas.microsoft.com/office/drawing/2014/main" id="{F51D5671-181A-4625-9D8D-EA836866CBA3}"/>
+              </a:ext>
+            </a:extLst>
+          </p:cNvPr>
+          <p:cNvSpPr>
+            <a:spLocks noGrp="1"/>
+          </p:cNvSpPr>
+          <p:nvPr>
+            <p:ph type="title"/>
+          </p:nvPr>
+        </p:nvSpPr>
+        <p:spPr/>
+        <p:txBody>
+          <a:bodyPr/>
+          <a:lstStyle/>
+          <a:p>
+            <a:r>
+              <a:rPr lang="en-US" dirty="0"/>
+              <a:t>AR 3D Coloring game </a:t>
+            </a:r>
+          </a:p>
+        </p:txBody>
+      </p:sp>
+      <p:sp>
+        <p:nvSpPr>
+          <p:cNvPr id="3" name="内容占位符 2">
+            <a:extLst>
+              <a:ext uri="{FF2B5EF4-FFF2-40B4-BE49-F238E27FC236}">
+                <a16:creationId xmlns:a16="http://schemas.microsoft.com/office/drawing/2014/main" id="{6609A763-DDE0-4441-AB69-C865292AA7DD}"/>
+              </a:ext>
+            </a:extLst>
+          </p:cNvPr>
+          <p:cNvSpPr>
+            <a:spLocks noGrp="1"/>
+          </p:cNvSpPr>
+          <p:nvPr>
+            <p:ph idx="1"/>
+          </p:nvPr>
+        </p:nvSpPr>
+        <p:spPr/>
+        <p:txBody>
+          <a:bodyPr/>
+          <a:lstStyle/>
+          <a:p>
+            <a:endParaRPr lang="en-US" dirty="0"/>
+          </a:p>
+        </p:txBody>
+      </p:sp>
+    </p:spTree>
+    <p:extLst>
+      <p:ext uri="{BB962C8B-B14F-4D97-AF65-F5344CB8AC3E}">
+        <p14:creationId xmlns:p14="http://schemas.microsoft.com/office/powerpoint/2010/main" val="764286532"/>
+      </p:ext>
+    </p:extLst>
+  </p:cSld>
+  <p:clrMapOvr>
+    <a:masterClrMapping/>
+  </p:clrMapOvr>
+</p:sld>
+</file>
+
+<file path=ppt/slides/slide18.xml><?xml version="1.0" encoding="utf-8"?>
+<p:sld xmlns:a="http://schemas.openxmlformats.org/drawingml/2006/main" xmlns:r="http://schemas.openxmlformats.org/officeDocument/2006/relationships" xmlns:p="http://schemas.openxmlformats.org/presentationml/2006/main">
+  <p:cSld>
+    <p:spTree>
+      <p:nvGrpSpPr>
+        <p:cNvPr id="1" name=""/>
+        <p:cNvGrpSpPr/>
+        <p:nvPr/>
+      </p:nvGrpSpPr>
+      <p:grpSpPr>
+        <a:xfrm>
+          <a:off x="0" y="0"/>
+          <a:ext cx="0" cy="0"/>
+          <a:chOff x="0" y="0"/>
+          <a:chExt cx="0" cy="0"/>
+        </a:xfrm>
+      </p:grpSpPr>
+      <p:sp>
+        <p:nvSpPr>
+          <p:cNvPr id="2" name="标题 1">
+            <a:extLst>
+              <a:ext uri="{FF2B5EF4-FFF2-40B4-BE49-F238E27FC236}">
+                <a16:creationId xmlns:a16="http://schemas.microsoft.com/office/drawing/2014/main" id="{6F5A2496-D2CB-477B-AF00-B6DB3FFEA68A}"/>
+              </a:ext>
+            </a:extLst>
+          </p:cNvPr>
+          <p:cNvSpPr>
+            <a:spLocks noGrp="1"/>
+          </p:cNvSpPr>
+          <p:nvPr>
+            <p:ph type="title"/>
+          </p:nvPr>
+        </p:nvSpPr>
+        <p:spPr/>
+        <p:txBody>
+          <a:bodyPr/>
+          <a:lstStyle/>
+          <a:p>
+            <a:r>
+              <a:rPr lang="en-US" dirty="0"/>
+              <a:t>VR Art Exhibition</a:t>
+            </a:r>
+          </a:p>
+        </p:txBody>
+      </p:sp>
+      <p:sp>
+        <p:nvSpPr>
+          <p:cNvPr id="3" name="内容占位符 2">
+            <a:extLst>
+              <a:ext uri="{FF2B5EF4-FFF2-40B4-BE49-F238E27FC236}">
+                <a16:creationId xmlns:a16="http://schemas.microsoft.com/office/drawing/2014/main" id="{D3D18BA9-B5EB-4518-844E-6DF90DD5EF2D}"/>
+              </a:ext>
+            </a:extLst>
+          </p:cNvPr>
+          <p:cNvSpPr>
+            <a:spLocks noGrp="1"/>
+          </p:cNvSpPr>
+          <p:nvPr>
+            <p:ph idx="1"/>
+          </p:nvPr>
+        </p:nvSpPr>
+        <p:spPr/>
+        <p:txBody>
+          <a:bodyPr/>
+          <a:lstStyle/>
+          <a:p>
+            <a:endParaRPr lang="en-US"/>
+          </a:p>
+        </p:txBody>
+      </p:sp>
+    </p:spTree>
+    <p:extLst>
+      <p:ext uri="{BB962C8B-B14F-4D97-AF65-F5344CB8AC3E}">
+        <p14:creationId xmlns:p14="http://schemas.microsoft.com/office/powerpoint/2010/main" val="3068156198"/>
+      </p:ext>
+    </p:extLst>
+  </p:cSld>
+  <p:clrMapOvr>
+    <a:masterClrMapping/>
+  </p:clrMapOvr>
+</p:sld>
+</file>
+
+<file path=ppt/slides/slide19.xml><?xml version="1.0" encoding="utf-8"?>
+<p:sld xmlns:a="http://schemas.openxmlformats.org/drawingml/2006/main" xmlns:r="http://schemas.openxmlformats.org/officeDocument/2006/relationships" xmlns:p="http://schemas.openxmlformats.org/presentationml/2006/main">
+  <p:cSld>
+    <p:spTree>
+      <p:nvGrpSpPr>
+        <p:cNvPr id="1" name=""/>
+        <p:cNvGrpSpPr/>
+        <p:nvPr/>
+      </p:nvGrpSpPr>
+      <p:grpSpPr>
+        <a:xfrm>
+          <a:off x="0" y="0"/>
+          <a:ext cx="0" cy="0"/>
+          <a:chOff x="0" y="0"/>
+          <a:chExt cx="0" cy="0"/>
+        </a:xfrm>
+      </p:grpSpPr>
+      <p:sp>
+        <p:nvSpPr>
+          <p:cNvPr id="2" name="标题 1">
+            <a:extLst>
+              <a:ext uri="{FF2B5EF4-FFF2-40B4-BE49-F238E27FC236}">
+                <a16:creationId xmlns:a16="http://schemas.microsoft.com/office/drawing/2014/main" id="{95F3F835-EF4D-4052-A8EF-C84C912A4025}"/>
+              </a:ext>
+            </a:extLst>
+          </p:cNvPr>
+          <p:cNvSpPr>
+            <a:spLocks noGrp="1"/>
+          </p:cNvSpPr>
+          <p:nvPr>
+            <p:ph type="title"/>
+          </p:nvPr>
+        </p:nvSpPr>
+        <p:spPr/>
+        <p:txBody>
+          <a:bodyPr/>
+          <a:lstStyle/>
+          <a:p>
+            <a:endParaRPr lang="en-US"/>
+          </a:p>
+        </p:txBody>
+      </p:sp>
+      <p:sp>
+        <p:nvSpPr>
+          <p:cNvPr id="3" name="内容占位符 2">
+            <a:extLst>
+              <a:ext uri="{FF2B5EF4-FFF2-40B4-BE49-F238E27FC236}">
+                <a16:creationId xmlns:a16="http://schemas.microsoft.com/office/drawing/2014/main" id="{C44615F9-19B2-48B6-9036-5694AD45C7C9}"/>
+              </a:ext>
+            </a:extLst>
+          </p:cNvPr>
+          <p:cNvSpPr>
+            <a:spLocks noGrp="1"/>
+          </p:cNvSpPr>
+          <p:nvPr>
+            <p:ph idx="1"/>
+          </p:nvPr>
+        </p:nvSpPr>
+        <p:spPr/>
+        <p:txBody>
+          <a:bodyPr/>
+          <a:lstStyle/>
+          <a:p>
+            <a:endParaRPr lang="en-US"/>
+          </a:p>
+        </p:txBody>
+      </p:sp>
+    </p:spTree>
+    <p:extLst>
+      <p:ext uri="{BB962C8B-B14F-4D97-AF65-F5344CB8AC3E}">
+        <p14:creationId xmlns:p14="http://schemas.microsoft.com/office/powerpoint/2010/main" val="3669602222"/>
       </p:ext>
     </p:extLst>
   </p:cSld>
@@ -4115,8 +4665,38 @@
         </p:nvSpPr>
         <p:spPr/>
         <p:txBody>
-          <a:bodyPr/>
-          <a:lstStyle/>
+          <a:bodyPr>
+            <a:normAutofit lnSpcReduction="10000"/>
+          </a:bodyPr>
+          <a:lstStyle/>
+          <a:p>
+            <a:pPr algn="just"/>
+            <a:r>
+              <a:rPr lang="en-US" dirty="0"/>
+              <a:t>How to better apply virtual reality and augmented reality technology in teaching ？</a:t>
+            </a:r>
+          </a:p>
+          <a:p>
+            <a:pPr algn="just"/>
+            <a:r>
+              <a:rPr lang="en-US" dirty="0"/>
+              <a:t>how to make the advantages of intellectual technology and traditional teaching method complementary to each other has always been a problem to be explored by education researchers</a:t>
+            </a:r>
+          </a:p>
+          <a:p>
+            <a:pPr algn="just"/>
+            <a:r>
+              <a:rPr lang="en-US" dirty="0"/>
+              <a:t>Students could transform from passive receivers to active learners in autonomous experience process. This will be propelled by virtual reality technology and augmented reality technology.</a:t>
+            </a:r>
+          </a:p>
+          <a:p>
+            <a:pPr algn="just"/>
+            <a:r>
+              <a:rPr lang="en-US" dirty="0"/>
+              <a:t>MR exactly integrates the two technologies. Both of the two technologies emphasize simulated environment and users’ real experience and sense of participation</a:t>
+            </a:r>
+          </a:p>
           <a:p>
             <a:endParaRPr lang="en-US" dirty="0"/>
           </a:p>
@@ -4126,6 +4706,329 @@
     <p:extLst>
       <p:ext uri="{BB962C8B-B14F-4D97-AF65-F5344CB8AC3E}">
         <p14:creationId xmlns:p14="http://schemas.microsoft.com/office/powerpoint/2010/main" val="972923252"/>
+      </p:ext>
+    </p:extLst>
+  </p:cSld>
+  <p:clrMapOvr>
+    <a:masterClrMapping/>
+  </p:clrMapOvr>
+</p:sld>
+</file>
+
+<file path=ppt/slides/slide20.xml><?xml version="1.0" encoding="utf-8"?>
+<p:sld xmlns:a="http://schemas.openxmlformats.org/drawingml/2006/main" xmlns:r="http://schemas.openxmlformats.org/officeDocument/2006/relationships" xmlns:p="http://schemas.openxmlformats.org/presentationml/2006/main">
+  <p:cSld>
+    <p:spTree>
+      <p:nvGrpSpPr>
+        <p:cNvPr id="1" name=""/>
+        <p:cNvGrpSpPr/>
+        <p:nvPr/>
+      </p:nvGrpSpPr>
+      <p:grpSpPr>
+        <a:xfrm>
+          <a:off x="0" y="0"/>
+          <a:ext cx="0" cy="0"/>
+          <a:chOff x="0" y="0"/>
+          <a:chExt cx="0" cy="0"/>
+        </a:xfrm>
+      </p:grpSpPr>
+      <p:sp>
+        <p:nvSpPr>
+          <p:cNvPr id="2" name="标题 1">
+            <a:extLst>
+              <a:ext uri="{FF2B5EF4-FFF2-40B4-BE49-F238E27FC236}">
+                <a16:creationId xmlns:a16="http://schemas.microsoft.com/office/drawing/2014/main" id="{D0317BDA-0620-46BA-9869-45A5068BDBDE}"/>
+              </a:ext>
+            </a:extLst>
+          </p:cNvPr>
+          <p:cNvSpPr>
+            <a:spLocks noGrp="1"/>
+          </p:cNvSpPr>
+          <p:nvPr>
+            <p:ph type="title"/>
+          </p:nvPr>
+        </p:nvSpPr>
+        <p:spPr/>
+        <p:txBody>
+          <a:bodyPr/>
+          <a:lstStyle/>
+          <a:p>
+            <a:r>
+              <a:rPr lang="en-US" dirty="0"/>
+              <a:t>AR 3D Coloring Game </a:t>
+            </a:r>
+          </a:p>
+        </p:txBody>
+      </p:sp>
+      <p:sp>
+        <p:nvSpPr>
+          <p:cNvPr id="3" name="内容占位符 2">
+            <a:extLst>
+              <a:ext uri="{FF2B5EF4-FFF2-40B4-BE49-F238E27FC236}">
+                <a16:creationId xmlns:a16="http://schemas.microsoft.com/office/drawing/2014/main" id="{DBC7A36E-6F78-49B0-B696-F5B059135307}"/>
+              </a:ext>
+            </a:extLst>
+          </p:cNvPr>
+          <p:cNvSpPr>
+            <a:spLocks noGrp="1"/>
+          </p:cNvSpPr>
+          <p:nvPr>
+            <p:ph idx="1"/>
+          </p:nvPr>
+        </p:nvSpPr>
+        <p:spPr/>
+        <p:txBody>
+          <a:bodyPr/>
+          <a:lstStyle/>
+          <a:p>
+            <a:endParaRPr lang="en-US"/>
+          </a:p>
+        </p:txBody>
+      </p:sp>
+    </p:spTree>
+    <p:extLst>
+      <p:ext uri="{BB962C8B-B14F-4D97-AF65-F5344CB8AC3E}">
+        <p14:creationId xmlns:p14="http://schemas.microsoft.com/office/powerpoint/2010/main" val="4073822994"/>
+      </p:ext>
+    </p:extLst>
+  </p:cSld>
+  <p:clrMapOvr>
+    <a:masterClrMapping/>
+  </p:clrMapOvr>
+</p:sld>
+</file>
+
+<file path=ppt/slides/slide21.xml><?xml version="1.0" encoding="utf-8"?>
+<p:sld xmlns:a="http://schemas.openxmlformats.org/drawingml/2006/main" xmlns:r="http://schemas.openxmlformats.org/officeDocument/2006/relationships" xmlns:p="http://schemas.openxmlformats.org/presentationml/2006/main">
+  <p:cSld>
+    <p:spTree>
+      <p:nvGrpSpPr>
+        <p:cNvPr id="1" name=""/>
+        <p:cNvGrpSpPr/>
+        <p:nvPr/>
+      </p:nvGrpSpPr>
+      <p:grpSpPr>
+        <a:xfrm>
+          <a:off x="0" y="0"/>
+          <a:ext cx="0" cy="0"/>
+          <a:chOff x="0" y="0"/>
+          <a:chExt cx="0" cy="0"/>
+        </a:xfrm>
+      </p:grpSpPr>
+      <p:sp>
+        <p:nvSpPr>
+          <p:cNvPr id="2" name="标题 1">
+            <a:extLst>
+              <a:ext uri="{FF2B5EF4-FFF2-40B4-BE49-F238E27FC236}">
+                <a16:creationId xmlns:a16="http://schemas.microsoft.com/office/drawing/2014/main" id="{F51D5671-181A-4625-9D8D-EA836866CBA3}"/>
+              </a:ext>
+            </a:extLst>
+          </p:cNvPr>
+          <p:cNvSpPr>
+            <a:spLocks noGrp="1"/>
+          </p:cNvSpPr>
+          <p:nvPr>
+            <p:ph type="title"/>
+          </p:nvPr>
+        </p:nvSpPr>
+        <p:spPr/>
+        <p:txBody>
+          <a:bodyPr/>
+          <a:lstStyle/>
+          <a:p>
+            <a:endParaRPr lang="en-US"/>
+          </a:p>
+        </p:txBody>
+      </p:sp>
+      <p:sp>
+        <p:nvSpPr>
+          <p:cNvPr id="3" name="内容占位符 2">
+            <a:extLst>
+              <a:ext uri="{FF2B5EF4-FFF2-40B4-BE49-F238E27FC236}">
+                <a16:creationId xmlns:a16="http://schemas.microsoft.com/office/drawing/2014/main" id="{6609A763-DDE0-4441-AB69-C865292AA7DD}"/>
+              </a:ext>
+            </a:extLst>
+          </p:cNvPr>
+          <p:cNvSpPr>
+            <a:spLocks noGrp="1"/>
+          </p:cNvSpPr>
+          <p:nvPr>
+            <p:ph idx="1"/>
+          </p:nvPr>
+        </p:nvSpPr>
+        <p:spPr/>
+        <p:txBody>
+          <a:bodyPr/>
+          <a:lstStyle/>
+          <a:p>
+            <a:endParaRPr lang="en-US"/>
+          </a:p>
+        </p:txBody>
+      </p:sp>
+    </p:spTree>
+    <p:extLst>
+      <p:ext uri="{BB962C8B-B14F-4D97-AF65-F5344CB8AC3E}">
+        <p14:creationId xmlns:p14="http://schemas.microsoft.com/office/powerpoint/2010/main" val="2929459085"/>
+      </p:ext>
+    </p:extLst>
+  </p:cSld>
+  <p:clrMapOvr>
+    <a:masterClrMapping/>
+  </p:clrMapOvr>
+</p:sld>
+</file>
+
+<file path=ppt/slides/slide22.xml><?xml version="1.0" encoding="utf-8"?>
+<p:sld xmlns:a="http://schemas.openxmlformats.org/drawingml/2006/main" xmlns:r="http://schemas.openxmlformats.org/officeDocument/2006/relationships" xmlns:p="http://schemas.openxmlformats.org/presentationml/2006/main">
+  <p:cSld>
+    <p:spTree>
+      <p:nvGrpSpPr>
+        <p:cNvPr id="1" name=""/>
+        <p:cNvGrpSpPr/>
+        <p:nvPr/>
+      </p:nvGrpSpPr>
+      <p:grpSpPr>
+        <a:xfrm>
+          <a:off x="0" y="0"/>
+          <a:ext cx="0" cy="0"/>
+          <a:chOff x="0" y="0"/>
+          <a:chExt cx="0" cy="0"/>
+        </a:xfrm>
+      </p:grpSpPr>
+      <p:sp>
+        <p:nvSpPr>
+          <p:cNvPr id="2" name="标题 1">
+            <a:extLst>
+              <a:ext uri="{FF2B5EF4-FFF2-40B4-BE49-F238E27FC236}">
+                <a16:creationId xmlns:a16="http://schemas.microsoft.com/office/drawing/2014/main" id="{6F5A2496-D2CB-477B-AF00-B6DB3FFEA68A}"/>
+              </a:ext>
+            </a:extLst>
+          </p:cNvPr>
+          <p:cNvSpPr>
+            <a:spLocks noGrp="1"/>
+          </p:cNvSpPr>
+          <p:nvPr>
+            <p:ph type="title"/>
+          </p:nvPr>
+        </p:nvSpPr>
+        <p:spPr/>
+        <p:txBody>
+          <a:bodyPr/>
+          <a:lstStyle/>
+          <a:p>
+            <a:endParaRPr lang="en-US"/>
+          </a:p>
+        </p:txBody>
+      </p:sp>
+      <p:sp>
+        <p:nvSpPr>
+          <p:cNvPr id="3" name="内容占位符 2">
+            <a:extLst>
+              <a:ext uri="{FF2B5EF4-FFF2-40B4-BE49-F238E27FC236}">
+                <a16:creationId xmlns:a16="http://schemas.microsoft.com/office/drawing/2014/main" id="{D3D18BA9-B5EB-4518-844E-6DF90DD5EF2D}"/>
+              </a:ext>
+            </a:extLst>
+          </p:cNvPr>
+          <p:cNvSpPr>
+            <a:spLocks noGrp="1"/>
+          </p:cNvSpPr>
+          <p:nvPr>
+            <p:ph idx="1"/>
+          </p:nvPr>
+        </p:nvSpPr>
+        <p:spPr/>
+        <p:txBody>
+          <a:bodyPr/>
+          <a:lstStyle/>
+          <a:p>
+            <a:endParaRPr lang="en-US"/>
+          </a:p>
+        </p:txBody>
+      </p:sp>
+    </p:spTree>
+    <p:extLst>
+      <p:ext uri="{BB962C8B-B14F-4D97-AF65-F5344CB8AC3E}">
+        <p14:creationId xmlns:p14="http://schemas.microsoft.com/office/powerpoint/2010/main" val="1510863067"/>
+      </p:ext>
+    </p:extLst>
+  </p:cSld>
+  <p:clrMapOvr>
+    <a:masterClrMapping/>
+  </p:clrMapOvr>
+</p:sld>
+</file>
+
+<file path=ppt/slides/slide23.xml><?xml version="1.0" encoding="utf-8"?>
+<p:sld xmlns:a="http://schemas.openxmlformats.org/drawingml/2006/main" xmlns:r="http://schemas.openxmlformats.org/officeDocument/2006/relationships" xmlns:p="http://schemas.openxmlformats.org/presentationml/2006/main">
+  <p:cSld>
+    <p:spTree>
+      <p:nvGrpSpPr>
+        <p:cNvPr id="1" name=""/>
+        <p:cNvGrpSpPr/>
+        <p:nvPr/>
+      </p:nvGrpSpPr>
+      <p:grpSpPr>
+        <a:xfrm>
+          <a:off x="0" y="0"/>
+          <a:ext cx="0" cy="0"/>
+          <a:chOff x="0" y="0"/>
+          <a:chExt cx="0" cy="0"/>
+        </a:xfrm>
+      </p:grpSpPr>
+      <p:sp>
+        <p:nvSpPr>
+          <p:cNvPr id="2" name="标题 1">
+            <a:extLst>
+              <a:ext uri="{FF2B5EF4-FFF2-40B4-BE49-F238E27FC236}">
+                <a16:creationId xmlns:a16="http://schemas.microsoft.com/office/drawing/2014/main" id="{95F3F835-EF4D-4052-A8EF-C84C912A4025}"/>
+              </a:ext>
+            </a:extLst>
+          </p:cNvPr>
+          <p:cNvSpPr>
+            <a:spLocks noGrp="1"/>
+          </p:cNvSpPr>
+          <p:nvPr>
+            <p:ph type="title"/>
+          </p:nvPr>
+        </p:nvSpPr>
+        <p:spPr/>
+        <p:txBody>
+          <a:bodyPr/>
+          <a:lstStyle/>
+          <a:p>
+            <a:endParaRPr lang="en-US"/>
+          </a:p>
+        </p:txBody>
+      </p:sp>
+      <p:sp>
+        <p:nvSpPr>
+          <p:cNvPr id="3" name="内容占位符 2">
+            <a:extLst>
+              <a:ext uri="{FF2B5EF4-FFF2-40B4-BE49-F238E27FC236}">
+                <a16:creationId xmlns:a16="http://schemas.microsoft.com/office/drawing/2014/main" id="{C44615F9-19B2-48B6-9036-5694AD45C7C9}"/>
+              </a:ext>
+            </a:extLst>
+          </p:cNvPr>
+          <p:cNvSpPr>
+            <a:spLocks noGrp="1"/>
+          </p:cNvSpPr>
+          <p:nvPr>
+            <p:ph idx="1"/>
+          </p:nvPr>
+        </p:nvSpPr>
+        <p:spPr/>
+        <p:txBody>
+          <a:bodyPr/>
+          <a:lstStyle/>
+          <a:p>
+            <a:endParaRPr lang="en-US"/>
+          </a:p>
+        </p:txBody>
+      </p:sp>
+    </p:spTree>
+    <p:extLst>
+      <p:ext uri="{BB962C8B-B14F-4D97-AF65-F5344CB8AC3E}">
+        <p14:creationId xmlns:p14="http://schemas.microsoft.com/office/powerpoint/2010/main" val="1647762784"/>
       </p:ext>
     </p:extLst>
   </p:cSld>
@@ -4154,64 +5057,82 @@
       </p:grpSpPr>
       <p:sp>
         <p:nvSpPr>
-          <p:cNvPr id="2" name="标题 1">
-            <a:extLst>
-              <a:ext uri="{FF2B5EF4-FFF2-40B4-BE49-F238E27FC236}">
-                <a16:creationId xmlns:a16="http://schemas.microsoft.com/office/drawing/2014/main" id="{0F3A1BFA-66F6-448C-A1C8-1F7CAC32B9E3}"/>
-              </a:ext>
-            </a:extLst>
-          </p:cNvPr>
-          <p:cNvSpPr>
-            <a:spLocks noGrp="1"/>
-          </p:cNvSpPr>
-          <p:nvPr>
-            <p:ph type="title"/>
-          </p:nvPr>
-        </p:nvSpPr>
-        <p:spPr/>
-        <p:txBody>
-          <a:bodyPr/>
-          <a:lstStyle/>
-          <a:p>
+          <p:cNvPr id="3" name="内容占位符 2">
+            <a:extLst>
+              <a:ext uri="{FF2B5EF4-FFF2-40B4-BE49-F238E27FC236}">
+                <a16:creationId xmlns:a16="http://schemas.microsoft.com/office/drawing/2014/main" id="{DBC7A36E-6F78-49B0-B696-F5B059135307}"/>
+              </a:ext>
+            </a:extLst>
+          </p:cNvPr>
+          <p:cNvSpPr>
+            <a:spLocks noGrp="1"/>
+          </p:cNvSpPr>
+          <p:nvPr>
+            <p:ph idx="1"/>
+          </p:nvPr>
+        </p:nvSpPr>
+        <p:spPr>
+          <a:xfrm>
+            <a:off x="838200" y="475013"/>
+            <a:ext cx="10515600" cy="6056416"/>
+          </a:xfrm>
+        </p:spPr>
+        <p:txBody>
+          <a:bodyPr>
+            <a:normAutofit lnSpcReduction="10000"/>
+          </a:bodyPr>
+          <a:lstStyle/>
+          <a:p>
+            <a:pPr algn="just"/>
             <a:r>
               <a:rPr lang="en-US" dirty="0"/>
-              <a:t>Concepts</a:t>
-            </a:r>
-          </a:p>
-        </p:txBody>
-      </p:sp>
-      <p:sp>
-        <p:nvSpPr>
-          <p:cNvPr id="3" name="内容占位符 2">
-            <a:extLst>
-              <a:ext uri="{FF2B5EF4-FFF2-40B4-BE49-F238E27FC236}">
-                <a16:creationId xmlns:a16="http://schemas.microsoft.com/office/drawing/2014/main" id="{5E55BE86-8919-40BD-8FCA-7091CCF7C7E2}"/>
-              </a:ext>
-            </a:extLst>
-          </p:cNvPr>
-          <p:cNvSpPr>
-            <a:spLocks noGrp="1"/>
-          </p:cNvSpPr>
-          <p:nvPr>
-            <p:ph idx="1"/>
-          </p:nvPr>
-        </p:nvSpPr>
-        <p:spPr/>
-        <p:txBody>
-          <a:bodyPr/>
-          <a:lstStyle/>
-          <a:p>
+              <a:t>This thesis introduces the core technology and application situation of virtual reality and augmented reality in education and designs and develops three AR and VR education applications </a:t>
+            </a:r>
+          </a:p>
+          <a:p>
+            <a:pPr lvl="1" algn="just"/>
             <a:r>
               <a:rPr lang="en-US" dirty="0"/>
-              <a:t>Virtual Reality </a:t>
-            </a:r>
+              <a:t>VR art exhibition</a:t>
+            </a:r>
+          </a:p>
+          <a:p>
+            <a:pPr lvl="1" algn="just"/>
+            <a:r>
+              <a:rPr lang="en-US" dirty="0"/>
+              <a:t>AR 3d Coloring game </a:t>
+            </a:r>
+          </a:p>
+          <a:p>
+            <a:pPr lvl="1" algn="just"/>
+            <a:r>
+              <a:rPr lang="en-US" dirty="0"/>
+              <a:t>MR Chemistry Lab</a:t>
+            </a:r>
+          </a:p>
+          <a:p>
+            <a:pPr algn="just"/>
+            <a:r>
+              <a:rPr lang="en-US" dirty="0"/>
+              <a:t>Analyzes the education effects, user experience, equipment features, and implementation effects of these applications, expounds the advantages comparing with traditional teaching mode and the means to integrate virtual reality technology with education teaching, and talks about the basic principles of application design and interactive design</a:t>
+            </a:r>
+          </a:p>
+          <a:p>
+            <a:pPr algn="just"/>
+            <a:r>
+              <a:rPr lang="en-US" dirty="0"/>
+              <a:t>Some referential experience and methods in AR and VR education applications derived in the thesis provide useful references for the improvement and enhancement of the application of virtual reality technology and augmented reality technology in education teaching</a:t>
+            </a:r>
+          </a:p>
+          <a:p>
+            <a:endParaRPr lang="en-US" dirty="0"/>
           </a:p>
         </p:txBody>
       </p:sp>
     </p:spTree>
     <p:extLst>
       <p:ext uri="{BB962C8B-B14F-4D97-AF65-F5344CB8AC3E}">
-        <p14:creationId xmlns:p14="http://schemas.microsoft.com/office/powerpoint/2010/main" val="2477321676"/>
+        <p14:creationId xmlns:p14="http://schemas.microsoft.com/office/powerpoint/2010/main" val="2448773826"/>
       </p:ext>
     </p:extLst>
   </p:cSld>
@@ -4243,7 +5164,7 @@
           <p:cNvPr id="2" name="标题 1">
             <a:extLst>
               <a:ext uri="{FF2B5EF4-FFF2-40B4-BE49-F238E27FC236}">
-                <a16:creationId xmlns:a16="http://schemas.microsoft.com/office/drawing/2014/main" id="{D0317BDA-0620-46BA-9869-45A5068BDBDE}"/>
+                <a16:creationId xmlns:a16="http://schemas.microsoft.com/office/drawing/2014/main" id="{0F3A1BFA-66F6-448C-A1C8-1F7CAC32B9E3}"/>
               </a:ext>
             </a:extLst>
           </p:cNvPr>
@@ -4259,7 +5180,10 @@
           <a:bodyPr/>
           <a:lstStyle/>
           <a:p>
-            <a:endParaRPr lang="en-US"/>
+            <a:r>
+              <a:rPr lang="en-US" dirty="0"/>
+              <a:t>Concepts</a:t>
+            </a:r>
           </a:p>
         </p:txBody>
       </p:sp>
@@ -4268,7 +5192,7 @@
           <p:cNvPr id="3" name="内容占位符 2">
             <a:extLst>
               <a:ext uri="{FF2B5EF4-FFF2-40B4-BE49-F238E27FC236}">
-                <a16:creationId xmlns:a16="http://schemas.microsoft.com/office/drawing/2014/main" id="{DBC7A36E-6F78-49B0-B696-F5B059135307}"/>
+                <a16:creationId xmlns:a16="http://schemas.microsoft.com/office/drawing/2014/main" id="{5E55BE86-8919-40BD-8FCA-7091CCF7C7E2}"/>
               </a:ext>
             </a:extLst>
           </p:cNvPr>
@@ -4281,17 +5205,92 @@
         </p:nvSpPr>
         <p:spPr/>
         <p:txBody>
-          <a:bodyPr/>
-          <a:lstStyle/>
-          <a:p>
-            <a:endParaRPr lang="en-US"/>
+          <a:bodyPr>
+            <a:normAutofit lnSpcReduction="10000"/>
+          </a:bodyPr>
+          <a:lstStyle/>
+          <a:p>
+            <a:r>
+              <a:rPr lang="en-US" b="1" dirty="0"/>
+              <a:t>Virtual Reality </a:t>
+            </a:r>
+            <a:r>
+              <a:rPr lang="en-US" dirty="0"/>
+              <a:t>- mainly refers to the three-dimensional VR based on head-mounted equipment</a:t>
+            </a:r>
+          </a:p>
+          <a:p>
+            <a:pPr lvl="1"/>
+            <a:r>
+              <a:rPr lang="en-US" dirty="0"/>
+              <a:t>VR HMD + PC</a:t>
+            </a:r>
+          </a:p>
+          <a:p>
+            <a:pPr lvl="1"/>
+            <a:r>
+              <a:rPr lang="en-US" dirty="0"/>
+              <a:t>VR HMD + Mobile</a:t>
+            </a:r>
+          </a:p>
+          <a:p>
+            <a:pPr lvl="1"/>
+            <a:r>
+              <a:rPr lang="en-US" dirty="0"/>
+              <a:t>VR all in one </a:t>
+            </a:r>
+          </a:p>
+          <a:p>
+            <a:r>
+              <a:rPr lang="en-US" b="1" dirty="0"/>
+              <a:t>Augmented Reality </a:t>
+            </a:r>
+            <a:r>
+              <a:rPr lang="en-US" dirty="0"/>
+              <a:t>- Augmented Reality overlays digital imagery onto the real world</a:t>
+            </a:r>
+          </a:p>
+          <a:p>
+            <a:pPr lvl="1"/>
+            <a:r>
+              <a:rPr lang="en-US" dirty="0"/>
+              <a:t>Vision based AR</a:t>
+            </a:r>
+          </a:p>
+          <a:p>
+            <a:pPr lvl="2"/>
+            <a:r>
+              <a:rPr lang="en-US" dirty="0"/>
+              <a:t>Marker-Based AR </a:t>
+            </a:r>
+          </a:p>
+          <a:p>
+            <a:pPr lvl="2"/>
+            <a:r>
+              <a:rPr lang="en-US" dirty="0"/>
+              <a:t>Marker-Less AR </a:t>
+            </a:r>
+          </a:p>
+          <a:p>
+            <a:pPr lvl="2"/>
+            <a:r>
+              <a:rPr lang="en-US" dirty="0"/>
+              <a:t>AR Kit and AR Core</a:t>
+            </a:r>
+          </a:p>
+          <a:p>
+            <a:pPr lvl="1"/>
+            <a:r>
+              <a:rPr lang="en-US" dirty="0"/>
+              <a:t>LBS based AR</a:t>
+            </a:r>
           </a:p>
         </p:txBody>
       </p:sp>
     </p:spTree>
     <p:extLst>
       <p:ext uri="{BB962C8B-B14F-4D97-AF65-F5344CB8AC3E}">
-        <p14:creationId xmlns:p14="http://schemas.microsoft.com/office/powerpoint/2010/main" val="2448773826"/>
+        <p14:creationId xmlns:p14="http://schemas.microsoft.com/office/powerpoint/2010/main" val="2477321676"/>
       </p:ext>
     </p:extLst>
   </p:cSld>
@@ -4318,54 +5317,253 @@
           <a:chExt cx="0" cy="0"/>
         </a:xfrm>
       </p:grpSpPr>
-      <p:sp>
-        <p:nvSpPr>
-          <p:cNvPr id="2" name="标题 1">
-            <a:extLst>
-              <a:ext uri="{FF2B5EF4-FFF2-40B4-BE49-F238E27FC236}">
-                <a16:creationId xmlns:a16="http://schemas.microsoft.com/office/drawing/2014/main" id="{F51D5671-181A-4625-9D8D-EA836866CBA3}"/>
-              </a:ext>
-            </a:extLst>
-          </p:cNvPr>
-          <p:cNvSpPr>
-            <a:spLocks noGrp="1"/>
-          </p:cNvSpPr>
-          <p:nvPr>
-            <p:ph type="title"/>
-          </p:nvPr>
-        </p:nvSpPr>
-        <p:spPr/>
-        <p:txBody>
-          <a:bodyPr/>
-          <a:lstStyle/>
-          <a:p>
+      <p:pic>
+        <p:nvPicPr>
+          <p:cNvPr id="4" name="内容占位符 3">
+            <a:extLst>
+              <a:ext uri="{FF2B5EF4-FFF2-40B4-BE49-F238E27FC236}">
+                <a16:creationId xmlns:a16="http://schemas.microsoft.com/office/drawing/2014/main" id="{1D307B53-2441-4F3A-9B4B-B1D04C235F39}"/>
+              </a:ext>
+            </a:extLst>
+          </p:cNvPr>
+          <p:cNvPicPr>
+            <a:picLocks noGrp="1"/>
+          </p:cNvPicPr>
+          <p:nvPr>
+            <p:ph idx="1"/>
+          </p:nvPr>
+        </p:nvPicPr>
+        <p:blipFill>
+          <a:blip r:embed="rId2"/>
+          <a:stretch>
+            <a:fillRect/>
+          </a:stretch>
+        </p:blipFill>
+        <p:spPr>
+          <a:xfrm>
+            <a:off x="838200" y="2916040"/>
+            <a:ext cx="10515600" cy="3371944"/>
+          </a:xfrm>
+          <a:prstGeom prst="rect">
+            <a:avLst/>
+          </a:prstGeom>
+        </p:spPr>
+      </p:pic>
+      <p:sp>
+        <p:nvSpPr>
+          <p:cNvPr id="5" name="内容占位符 2">
+            <a:extLst>
+              <a:ext uri="{FF2B5EF4-FFF2-40B4-BE49-F238E27FC236}">
+                <a16:creationId xmlns:a16="http://schemas.microsoft.com/office/drawing/2014/main" id="{43E7B8CF-6131-492D-957E-F1F53425B49B}"/>
+              </a:ext>
+            </a:extLst>
+          </p:cNvPr>
+          <p:cNvSpPr txBox="1">
+            <a:spLocks/>
+          </p:cNvSpPr>
+          <p:nvPr/>
+        </p:nvSpPr>
+        <p:spPr>
+          <a:xfrm>
+            <a:off x="838200" y="570016"/>
+            <a:ext cx="10515600" cy="5606947"/>
+          </a:xfrm>
+          <a:prstGeom prst="rect">
+            <a:avLst/>
+          </a:prstGeom>
+        </p:spPr>
+        <p:txBody>
+          <a:bodyPr vert="horz" lIns="91440" tIns="45720" rIns="91440" bIns="45720" rtlCol="0">
+            <a:normAutofit/>
+          </a:bodyPr>
+          <a:lstStyle>
+            <a:lvl1pPr marL="228600" indent="-228600" algn="l" defTabSz="914400" rtl="0" eaLnBrk="1" latinLnBrk="0" hangingPunct="1">
+              <a:lnSpc>
+                <a:spcPct val="90000"/>
+              </a:lnSpc>
+              <a:spcBef>
+                <a:spcPts val="1000"/>
+              </a:spcBef>
+              <a:buFont typeface="Arial" panose="020B0604020202020204" pitchFamily="34" charset="0"/>
+              <a:buChar char="•"/>
+              <a:defRPr sz="2800" kern="1200">
+                <a:solidFill>
+                  <a:schemeClr val="tx1"/>
+                </a:solidFill>
+                <a:latin typeface="+mn-lt"/>
+                <a:ea typeface="+mn-ea"/>
+                <a:cs typeface="+mn-cs"/>
+              </a:defRPr>
+            </a:lvl1pPr>
+            <a:lvl2pPr marL="685800" indent="-228600" algn="l" defTabSz="914400" rtl="0" eaLnBrk="1" latinLnBrk="0" hangingPunct="1">
+              <a:lnSpc>
+                <a:spcPct val="90000"/>
+              </a:lnSpc>
+              <a:spcBef>
+                <a:spcPts val="500"/>
+              </a:spcBef>
+              <a:buFont typeface="Arial" panose="020B0604020202020204" pitchFamily="34" charset="0"/>
+              <a:buChar char="•"/>
+              <a:defRPr sz="2400" kern="1200">
+                <a:solidFill>
+                  <a:schemeClr val="tx1"/>
+                </a:solidFill>
+                <a:latin typeface="+mn-lt"/>
+                <a:ea typeface="+mn-ea"/>
+                <a:cs typeface="+mn-cs"/>
+              </a:defRPr>
+            </a:lvl2pPr>
+            <a:lvl3pPr marL="1143000" indent="-228600" algn="l" defTabSz="914400" rtl="0" eaLnBrk="1" latinLnBrk="0" hangingPunct="1">
+              <a:lnSpc>
+                <a:spcPct val="90000"/>
+              </a:lnSpc>
+              <a:spcBef>
+                <a:spcPts val="500"/>
+              </a:spcBef>
+              <a:buFont typeface="Arial" panose="020B0604020202020204" pitchFamily="34" charset="0"/>
+              <a:buChar char="•"/>
+              <a:defRPr sz="2000" kern="1200">
+                <a:solidFill>
+                  <a:schemeClr val="tx1"/>
+                </a:solidFill>
+                <a:latin typeface="+mn-lt"/>
+                <a:ea typeface="+mn-ea"/>
+                <a:cs typeface="+mn-cs"/>
+              </a:defRPr>
+            </a:lvl3pPr>
+            <a:lvl4pPr marL="1600200" indent="-228600" algn="l" defTabSz="914400" rtl="0" eaLnBrk="1" latinLnBrk="0" hangingPunct="1">
+              <a:lnSpc>
+                <a:spcPct val="90000"/>
+              </a:lnSpc>
+              <a:spcBef>
+                <a:spcPts val="500"/>
+              </a:spcBef>
+              <a:buFont typeface="Arial" panose="020B0604020202020204" pitchFamily="34" charset="0"/>
+              <a:buChar char="•"/>
+              <a:defRPr sz="1800" kern="1200">
+                <a:solidFill>
+                  <a:schemeClr val="tx1"/>
+                </a:solidFill>
+                <a:latin typeface="+mn-lt"/>
+                <a:ea typeface="+mn-ea"/>
+                <a:cs typeface="+mn-cs"/>
+              </a:defRPr>
+            </a:lvl4pPr>
+            <a:lvl5pPr marL="2057400" indent="-228600" algn="l" defTabSz="914400" rtl="0" eaLnBrk="1" latinLnBrk="0" hangingPunct="1">
+              <a:lnSpc>
+                <a:spcPct val="90000"/>
+              </a:lnSpc>
+              <a:spcBef>
+                <a:spcPts val="500"/>
+              </a:spcBef>
+              <a:buFont typeface="Arial" panose="020B0604020202020204" pitchFamily="34" charset="0"/>
+              <a:buChar char="•"/>
+              <a:defRPr sz="1800" kern="1200">
+                <a:solidFill>
+                  <a:schemeClr val="tx1"/>
+                </a:solidFill>
+                <a:latin typeface="+mn-lt"/>
+                <a:ea typeface="+mn-ea"/>
+                <a:cs typeface="+mn-cs"/>
+              </a:defRPr>
+            </a:lvl5pPr>
+            <a:lvl6pPr marL="2514600" indent="-228600" algn="l" defTabSz="914400" rtl="0" eaLnBrk="1" latinLnBrk="0" hangingPunct="1">
+              <a:lnSpc>
+                <a:spcPct val="90000"/>
+              </a:lnSpc>
+              <a:spcBef>
+                <a:spcPts val="500"/>
+              </a:spcBef>
+              <a:buFont typeface="Arial" panose="020B0604020202020204" pitchFamily="34" charset="0"/>
+              <a:buChar char="•"/>
+              <a:defRPr sz="1800" kern="1200">
+                <a:solidFill>
+                  <a:schemeClr val="tx1"/>
+                </a:solidFill>
+                <a:latin typeface="+mn-lt"/>
+                <a:ea typeface="+mn-ea"/>
+                <a:cs typeface="+mn-cs"/>
+              </a:defRPr>
+            </a:lvl6pPr>
+            <a:lvl7pPr marL="2971800" indent="-228600" algn="l" defTabSz="914400" rtl="0" eaLnBrk="1" latinLnBrk="0" hangingPunct="1">
+              <a:lnSpc>
+                <a:spcPct val="90000"/>
+              </a:lnSpc>
+              <a:spcBef>
+                <a:spcPts val="500"/>
+              </a:spcBef>
+              <a:buFont typeface="Arial" panose="020B0604020202020204" pitchFamily="34" charset="0"/>
+              <a:buChar char="•"/>
+              <a:defRPr sz="1800" kern="1200">
+                <a:solidFill>
+                  <a:schemeClr val="tx1"/>
+                </a:solidFill>
+                <a:latin typeface="+mn-lt"/>
+                <a:ea typeface="+mn-ea"/>
+                <a:cs typeface="+mn-cs"/>
+              </a:defRPr>
+            </a:lvl7pPr>
+            <a:lvl8pPr marL="3429000" indent="-228600" algn="l" defTabSz="914400" rtl="0" eaLnBrk="1" latinLnBrk="0" hangingPunct="1">
+              <a:lnSpc>
+                <a:spcPct val="90000"/>
+              </a:lnSpc>
+              <a:spcBef>
+                <a:spcPts val="500"/>
+              </a:spcBef>
+              <a:buFont typeface="Arial" panose="020B0604020202020204" pitchFamily="34" charset="0"/>
+              <a:buChar char="•"/>
+              <a:defRPr sz="1800" kern="1200">
+                <a:solidFill>
+                  <a:schemeClr val="tx1"/>
+                </a:solidFill>
+                <a:latin typeface="+mn-lt"/>
+                <a:ea typeface="+mn-ea"/>
+                <a:cs typeface="+mn-cs"/>
+              </a:defRPr>
+            </a:lvl8pPr>
+            <a:lvl9pPr marL="3886200" indent="-228600" algn="l" defTabSz="914400" rtl="0" eaLnBrk="1" latinLnBrk="0" hangingPunct="1">
+              <a:lnSpc>
+                <a:spcPct val="90000"/>
+              </a:lnSpc>
+              <a:spcBef>
+                <a:spcPts val="500"/>
+              </a:spcBef>
+              <a:buFont typeface="Arial" panose="020B0604020202020204" pitchFamily="34" charset="0"/>
+              <a:buChar char="•"/>
+              <a:defRPr sz="1800" kern="1200">
+                <a:solidFill>
+                  <a:schemeClr val="tx1"/>
+                </a:solidFill>
+                <a:latin typeface="+mn-lt"/>
+                <a:ea typeface="+mn-ea"/>
+                <a:cs typeface="+mn-cs"/>
+              </a:defRPr>
+            </a:lvl9pPr>
+          </a:lstStyle>
+          <a:p>
+            <a:r>
+              <a:rPr lang="en-US" b="1" dirty="0"/>
+              <a:t>Mixed Reality</a:t>
+            </a:r>
+          </a:p>
+          <a:p>
+            <a:pPr marL="0" indent="0" algn="just">
+              <a:buNone/>
+            </a:pPr>
             <a:r>
               <a:rPr lang="en-US" dirty="0"/>
-              <a:t>AR 3D Coloring game </a:t>
-            </a:r>
-          </a:p>
-        </p:txBody>
-      </p:sp>
-      <p:sp>
-        <p:nvSpPr>
-          <p:cNvPr id="3" name="内容占位符 2">
-            <a:extLst>
-              <a:ext uri="{FF2B5EF4-FFF2-40B4-BE49-F238E27FC236}">
-                <a16:creationId xmlns:a16="http://schemas.microsoft.com/office/drawing/2014/main" id="{6609A763-DDE0-4441-AB69-C865292AA7DD}"/>
-              </a:ext>
-            </a:extLst>
-          </p:cNvPr>
-          <p:cNvSpPr>
-            <a:spLocks noGrp="1"/>
-          </p:cNvSpPr>
-          <p:nvPr>
-            <p:ph idx="1"/>
-          </p:nvPr>
-        </p:nvSpPr>
-        <p:spPr/>
-        <p:txBody>
-          <a:bodyPr/>
-          <a:lstStyle/>
+              <a:t>	Paul Milgram and Fumio </a:t>
+            </a:r>
+            <a:r>
+              <a:rPr lang="en-US" dirty="0" err="1"/>
+              <a:t>Kishino</a:t>
+            </a:r>
+            <a:r>
+              <a:rPr lang="en-US" dirty="0"/>
+              <a:t> propose the reality-virtual reality continuum which respectively takes the real environment and virtual environment as the two ends of the continuum and defines the middle part as the “mixed reality</a:t>
+            </a:r>
+            <a:endParaRPr lang="en-US" b="1" dirty="0"/>
+          </a:p>
           <a:p>
             <a:endParaRPr lang="en-US" dirty="0"/>
           </a:p>
@@ -4374,7 +5572,7 @@
     </p:spTree>
     <p:extLst>
       <p:ext uri="{BB962C8B-B14F-4D97-AF65-F5344CB8AC3E}">
-        <p14:creationId xmlns:p14="http://schemas.microsoft.com/office/powerpoint/2010/main" val="764286532"/>
+        <p14:creationId xmlns:p14="http://schemas.microsoft.com/office/powerpoint/2010/main" val="703637637"/>
       </p:ext>
     </p:extLst>
   </p:cSld>
@@ -4401,12 +5599,60 @@
           <a:chExt cx="0" cy="0"/>
         </a:xfrm>
       </p:grpSpPr>
+      <p:pic>
+        <p:nvPicPr>
+          <p:cNvPr id="4" name="图片 3" descr="https://pic2.zhimg.com/v2-890462cc037add7d2a945d58df8ca31d_r.jpg">
+            <a:extLst>
+              <a:ext uri="{FF2B5EF4-FFF2-40B4-BE49-F238E27FC236}">
+                <a16:creationId xmlns:a16="http://schemas.microsoft.com/office/drawing/2014/main" id="{30AEF77D-BFA8-4085-BC04-3430A4E25683}"/>
+              </a:ext>
+            </a:extLst>
+          </p:cNvPr>
+          <p:cNvPicPr/>
+          <p:nvPr/>
+        </p:nvPicPr>
+        <p:blipFill rotWithShape="1">
+          <a:blip r:embed="rId2">
+            <a:extLst>
+              <a:ext uri="{28A0092B-C50C-407E-A947-70E740481C1C}">
+                <a14:useLocalDpi xmlns:a14="http://schemas.microsoft.com/office/drawing/2010/main" val="0"/>
+              </a:ext>
+            </a:extLst>
+          </a:blip>
+          <a:srcRect l="1" r="33799"/>
+          <a:stretch/>
+        </p:blipFill>
+        <p:spPr bwMode="auto">
+          <a:xfrm>
+            <a:off x="7421654" y="2161309"/>
+            <a:ext cx="4770346" cy="3227574"/>
+          </a:xfrm>
+          <a:prstGeom prst="rect">
+            <a:avLst/>
+          </a:prstGeom>
+          <a:noFill/>
+          <a:ln w="3175" cap="flat" cmpd="sng" algn="ctr">
+            <a:solidFill>
+              <a:sysClr val="windowText" lastClr="000000"/>
+            </a:solidFill>
+            <a:prstDash val="solid"/>
+            <a:round/>
+            <a:headEnd type="none" w="med" len="med"/>
+            <a:tailEnd type="none" w="med" len="med"/>
+          </a:ln>
+          <a:extLst>
+            <a:ext uri="{53640926-AAD7-44D8-BBD7-CCE9431645EC}">
+              <a14:shadowObscured xmlns:a14="http://schemas.microsoft.com/office/drawing/2010/main"/>
+            </a:ext>
+          </a:extLst>
+        </p:spPr>
+      </p:pic>
       <p:sp>
         <p:nvSpPr>
           <p:cNvPr id="2" name="标题 1">
             <a:extLst>
               <a:ext uri="{FF2B5EF4-FFF2-40B4-BE49-F238E27FC236}">
-                <a16:creationId xmlns:a16="http://schemas.microsoft.com/office/drawing/2014/main" id="{6F5A2496-D2CB-477B-AF00-B6DB3FFEA68A}"/>
+                <a16:creationId xmlns:a16="http://schemas.microsoft.com/office/drawing/2014/main" id="{509CE5C7-6A8C-4099-9733-E3FE7D4465C1}"/>
               </a:ext>
             </a:extLst>
           </p:cNvPr>
@@ -4422,7 +5668,11 @@
           <a:bodyPr/>
           <a:lstStyle/>
           <a:p>
-            <a:endParaRPr lang="en-US"/>
+            <a:r>
+              <a:rPr lang="en-US" b="1" dirty="0"/>
+              <a:t>Distinguish and apply fields of VR and AR</a:t>
+            </a:r>
+            <a:endParaRPr lang="en-US" dirty="0"/>
           </a:p>
         </p:txBody>
       </p:sp>
@@ -4431,7 +5681,7 @@
           <p:cNvPr id="3" name="内容占位符 2">
             <a:extLst>
               <a:ext uri="{FF2B5EF4-FFF2-40B4-BE49-F238E27FC236}">
-                <a16:creationId xmlns:a16="http://schemas.microsoft.com/office/drawing/2014/main" id="{D3D18BA9-B5EB-4518-844E-6DF90DD5EF2D}"/>
+                <a16:creationId xmlns:a16="http://schemas.microsoft.com/office/drawing/2014/main" id="{9B54399F-BE42-4040-BADE-EBB5FDC26AF9}"/>
               </a:ext>
             </a:extLst>
           </p:cNvPr>
@@ -4442,19 +5692,44 @@
             <p:ph idx="1"/>
           </p:nvPr>
         </p:nvSpPr>
-        <p:spPr/>
-        <p:txBody>
-          <a:bodyPr/>
-          <a:lstStyle/>
-          <a:p>
-            <a:endParaRPr lang="en-US"/>
+        <p:spPr>
+          <a:xfrm>
+            <a:off x="154380" y="1825625"/>
+            <a:ext cx="7267274" cy="4351338"/>
+          </a:xfrm>
+        </p:spPr>
+        <p:txBody>
+          <a:bodyPr>
+            <a:normAutofit fontScale="92500"/>
+          </a:bodyPr>
+          <a:lstStyle/>
+          <a:p>
+            <a:pPr algn="just"/>
+            <a:r>
+              <a:rPr lang="en-US" dirty="0"/>
+              <a:t>VR places users in the virtual world while AR places the virtual world before the eyes of users. </a:t>
+            </a:r>
+          </a:p>
+          <a:p>
+            <a:pPr algn="just"/>
+            <a:r>
+              <a:rPr lang="en-US" dirty="0"/>
+              <a:t>VR creates a totally virtual world and separates users from the real world as shown in the left figure. The core problem is graphic calculation and immersive sense. </a:t>
+            </a:r>
+          </a:p>
+          <a:p>
+            <a:pPr algn="just"/>
+            <a:r>
+              <a:rPr lang="en-US" dirty="0"/>
+              <a:t>AR technology supplements virtual objects to the top layer of graph in the real world to augment and expand the information in the real world as shown in the figure. The core problem is graphic identification and trajectory.</a:t>
+            </a:r>
           </a:p>
         </p:txBody>
       </p:sp>
     </p:spTree>
     <p:extLst>
       <p:ext uri="{BB962C8B-B14F-4D97-AF65-F5344CB8AC3E}">
-        <p14:creationId xmlns:p14="http://schemas.microsoft.com/office/powerpoint/2010/main" val="3068156198"/>
+        <p14:creationId xmlns:p14="http://schemas.microsoft.com/office/powerpoint/2010/main" val="88216822"/>
       </p:ext>
     </p:extLst>
   </p:cSld>
@@ -4486,7 +5761,7 @@
           <p:cNvPr id="2" name="标题 1">
             <a:extLst>
               <a:ext uri="{FF2B5EF4-FFF2-40B4-BE49-F238E27FC236}">
-                <a16:creationId xmlns:a16="http://schemas.microsoft.com/office/drawing/2014/main" id="{95F3F835-EF4D-4052-A8EF-C84C912A4025}"/>
+                <a16:creationId xmlns:a16="http://schemas.microsoft.com/office/drawing/2014/main" id="{D4C62696-C97A-4C7F-96A3-A9F874219D71}"/>
               </a:ext>
             </a:extLst>
           </p:cNvPr>
@@ -4502,39 +5777,47 @@
           <a:bodyPr/>
           <a:lstStyle/>
           <a:p>
-            <a:endParaRPr lang="en-US"/>
-          </a:p>
-        </p:txBody>
-      </p:sp>
-      <p:sp>
-        <p:nvSpPr>
-          <p:cNvPr id="3" name="内容占位符 2">
-            <a:extLst>
-              <a:ext uri="{FF2B5EF4-FFF2-40B4-BE49-F238E27FC236}">
-                <a16:creationId xmlns:a16="http://schemas.microsoft.com/office/drawing/2014/main" id="{C44615F9-19B2-48B6-9036-5694AD45C7C9}"/>
-              </a:ext>
-            </a:extLst>
-          </p:cNvPr>
-          <p:cNvSpPr>
-            <a:spLocks noGrp="1"/>
-          </p:cNvSpPr>
-          <p:nvPr>
-            <p:ph idx="1"/>
-          </p:nvPr>
-        </p:nvSpPr>
-        <p:spPr/>
-        <p:txBody>
-          <a:bodyPr/>
-          <a:lstStyle/>
-          <a:p>
-            <a:endParaRPr lang="en-US"/>
-          </a:p>
-        </p:txBody>
-      </p:sp>
+            <a:r>
+              <a:rPr lang="en-US" dirty="0"/>
+              <a:t>Research papers </a:t>
+            </a:r>
+          </a:p>
+        </p:txBody>
+      </p:sp>
+      <p:pic>
+        <p:nvPicPr>
+          <p:cNvPr id="7" name="图片 6">
+            <a:extLst>
+              <a:ext uri="{FF2B5EF4-FFF2-40B4-BE49-F238E27FC236}">
+                <a16:creationId xmlns:a16="http://schemas.microsoft.com/office/drawing/2014/main" id="{E6134555-0589-4AE5-9B67-491855EEC7F0}"/>
+              </a:ext>
+            </a:extLst>
+          </p:cNvPr>
+          <p:cNvPicPr>
+            <a:picLocks noChangeAspect="1"/>
+          </p:cNvPicPr>
+          <p:nvPr/>
+        </p:nvPicPr>
+        <p:blipFill>
+          <a:blip r:embed="rId2"/>
+          <a:stretch>
+            <a:fillRect/>
+          </a:stretch>
+        </p:blipFill>
+        <p:spPr>
+          <a:xfrm>
+            <a:off x="471487" y="1290637"/>
+            <a:ext cx="11249025" cy="4276725"/>
+          </a:xfrm>
+          <a:prstGeom prst="rect">
+            <a:avLst/>
+          </a:prstGeom>
+        </p:spPr>
+      </p:pic>
     </p:spTree>
     <p:extLst>
       <p:ext uri="{BB962C8B-B14F-4D97-AF65-F5344CB8AC3E}">
-        <p14:creationId xmlns:p14="http://schemas.microsoft.com/office/powerpoint/2010/main" val="3669602222"/>
+        <p14:creationId xmlns:p14="http://schemas.microsoft.com/office/powerpoint/2010/main" val="1565019029"/>
       </p:ext>
     </p:extLst>
   </p:cSld>
@@ -4566,7 +5849,7 @@
           <p:cNvPr id="2" name="标题 1">
             <a:extLst>
               <a:ext uri="{FF2B5EF4-FFF2-40B4-BE49-F238E27FC236}">
-                <a16:creationId xmlns:a16="http://schemas.microsoft.com/office/drawing/2014/main" id="{D0317BDA-0620-46BA-9869-45A5068BDBDE}"/>
+                <a16:creationId xmlns:a16="http://schemas.microsoft.com/office/drawing/2014/main" id="{1BE8D2F2-9552-40B4-9E26-781ADD517C5F}"/>
               </a:ext>
             </a:extLst>
           </p:cNvPr>
@@ -4582,7 +5865,10 @@
           <a:bodyPr/>
           <a:lstStyle/>
           <a:p>
-            <a:endParaRPr lang="en-US"/>
+            <a:r>
+              <a:rPr lang="en-US" dirty="0"/>
+              <a:t>Related Work</a:t>
+            </a:r>
           </a:p>
         </p:txBody>
       </p:sp>
@@ -4591,7 +5877,7 @@
           <p:cNvPr id="3" name="内容占位符 2">
             <a:extLst>
               <a:ext uri="{FF2B5EF4-FFF2-40B4-BE49-F238E27FC236}">
-                <a16:creationId xmlns:a16="http://schemas.microsoft.com/office/drawing/2014/main" id="{DBC7A36E-6F78-49B0-B696-F5B059135307}"/>
+                <a16:creationId xmlns:a16="http://schemas.microsoft.com/office/drawing/2014/main" id="{495704A6-9FD6-4057-8C41-4638C9320B6F}"/>
               </a:ext>
             </a:extLst>
           </p:cNvPr>
@@ -4602,19 +5888,71 @@
             <p:ph idx="1"/>
           </p:nvPr>
         </p:nvSpPr>
-        <p:spPr/>
-        <p:txBody>
-          <a:bodyPr/>
-          <a:lstStyle/>
-          <a:p>
-            <a:endParaRPr lang="en-US"/>
+        <p:spPr>
+          <a:xfrm>
+            <a:off x="838200" y="1467818"/>
+            <a:ext cx="10515600" cy="5025057"/>
+          </a:xfrm>
+        </p:spPr>
+        <p:txBody>
+          <a:bodyPr>
+            <a:normAutofit fontScale="92500" lnSpcReduction="10000"/>
+          </a:bodyPr>
+          <a:lstStyle/>
+          <a:p>
+            <a:pPr algn="just"/>
+            <a:r>
+              <a:rPr lang="en-US" dirty="0"/>
+              <a:t>In spite of the short term of educational application of VR and AR technology, it coincides with the opinions of educational theories such as behaviorism and constructivism</a:t>
+            </a:r>
+          </a:p>
+          <a:p>
+            <a:pPr algn="just"/>
+            <a:r>
+              <a:rPr lang="en-US" dirty="0"/>
+              <a:t>In behaviorism theory, learning is stimulus-reaction connection constituted by the interrelation between knowledge and the outside world. The learning environment created by VR and AR could promote learners to seek feedback from the interaction with environment and retrieve subsequent action directives so that the connection between knowledge and reaction could be fully found</a:t>
+            </a:r>
+          </a:p>
+          <a:p>
+            <a:pPr algn="just"/>
+            <a:r>
+              <a:rPr lang="en-US" dirty="0"/>
+              <a:t>Considerable construction instrument systems and presentation areas provided by VR and AR virtual learning situation and learners’ subjective initiative coincide with Piaget’s conception and practice of “</a:t>
+            </a:r>
+            <a:r>
+              <a:rPr lang="en-US" dirty="0">
+                <a:solidFill>
+                  <a:srgbClr val="0070C0"/>
+                </a:solidFill>
+              </a:rPr>
+              <a:t>moving laboratory to the classroom</a:t>
+            </a:r>
+            <a:r>
+              <a:rPr lang="en-US" dirty="0"/>
+              <a:t>” and the constructivism view of </a:t>
+            </a:r>
+            <a:r>
+              <a:rPr lang="en-US" dirty="0">
+                <a:solidFill>
+                  <a:srgbClr val="0070C0"/>
+                </a:solidFill>
+              </a:rPr>
+              <a:t>“learning is certain experience in real situation</a:t>
+            </a:r>
+            <a:r>
+              <a:rPr lang="en-US" dirty="0"/>
+              <a:t>”..</a:t>
+            </a:r>
+          </a:p>
+          <a:p>
+            <a:endParaRPr lang="en-US" dirty="0"/>
           </a:p>
         </p:txBody>
       </p:sp>
     </p:spTree>
     <p:extLst>
       <p:ext uri="{BB962C8B-B14F-4D97-AF65-F5344CB8AC3E}">
-        <p14:creationId xmlns:p14="http://schemas.microsoft.com/office/powerpoint/2010/main" val="4073822994"/>
+        <p14:creationId xmlns:p14="http://schemas.microsoft.com/office/powerpoint/2010/main" val="1014527881"/>
       </p:ext>
     </p:extLst>
   </p:cSld>
@@ -4646,7 +5984,7 @@
           <p:cNvPr id="2" name="标题 1">
             <a:extLst>
               <a:ext uri="{FF2B5EF4-FFF2-40B4-BE49-F238E27FC236}">
-                <a16:creationId xmlns:a16="http://schemas.microsoft.com/office/drawing/2014/main" id="{F51D5671-181A-4625-9D8D-EA836866CBA3}"/>
+                <a16:creationId xmlns:a16="http://schemas.microsoft.com/office/drawing/2014/main" id="{988B9AA0-8E2B-4B4D-8F1A-2A9B9E5FD742}"/>
               </a:ext>
             </a:extLst>
           </p:cNvPr>
@@ -4662,7 +6000,10 @@
           <a:bodyPr/>
           <a:lstStyle/>
           <a:p>
-            <a:endParaRPr lang="en-US"/>
+            <a:r>
+              <a:rPr lang="en-US" dirty="0"/>
+              <a:t>Educational Applications types</a:t>
+            </a:r>
           </a:p>
         </p:txBody>
       </p:sp>
@@ -4671,7 +6012,7 @@
           <p:cNvPr id="3" name="内容占位符 2">
             <a:extLst>
               <a:ext uri="{FF2B5EF4-FFF2-40B4-BE49-F238E27FC236}">
-                <a16:creationId xmlns:a16="http://schemas.microsoft.com/office/drawing/2014/main" id="{6609A763-DDE0-4441-AB69-C865292AA7DD}"/>
+                <a16:creationId xmlns:a16="http://schemas.microsoft.com/office/drawing/2014/main" id="{C40C0CF6-1EAD-469D-90DB-791ACDF49FD5}"/>
               </a:ext>
             </a:extLst>
           </p:cNvPr>
@@ -4684,17 +6025,136 @@
         </p:nvSpPr>
         <p:spPr/>
         <p:txBody>
-          <a:bodyPr/>
-          <a:lstStyle/>
-          <a:p>
-            <a:endParaRPr lang="en-US"/>
+          <a:bodyPr>
+            <a:normAutofit fontScale="62500" lnSpcReduction="20000"/>
+          </a:bodyPr>
+          <a:lstStyle/>
+          <a:p>
+            <a:r>
+              <a:rPr lang="en-US" b="1" dirty="0"/>
+              <a:t>3D Virtual Learning Environment</a:t>
+            </a:r>
+          </a:p>
+          <a:p>
+            <a:pPr lvl="1"/>
+            <a:r>
+              <a:rPr lang="en-US" dirty="0" err="1"/>
+              <a:t>Sloodle</a:t>
+            </a:r>
+            <a:r>
+              <a:rPr lang="en-US" dirty="0"/>
+              <a:t> (Second Life Object-Oriented Distributed Learning Environment)</a:t>
+            </a:r>
+          </a:p>
+          <a:p>
+            <a:r>
+              <a:rPr lang="en-US" b="1" dirty="0"/>
+              <a:t>AR Books</a:t>
+            </a:r>
+          </a:p>
+          <a:p>
+            <a:pPr lvl="1" algn="just"/>
+            <a:r>
+              <a:rPr lang="en-US" dirty="0"/>
+              <a:t>The</a:t>
+            </a:r>
+            <a:r>
+              <a:rPr lang="en-US" i="1" dirty="0"/>
+              <a:t> Magic Book</a:t>
+            </a:r>
+            <a:r>
+              <a:rPr lang="en-US" dirty="0"/>
+              <a:t> produced by </a:t>
+            </a:r>
+            <a:r>
+              <a:rPr lang="en-US" dirty="0" err="1"/>
+              <a:t>Damine</a:t>
+            </a:r>
+            <a:r>
+              <a:rPr lang="en-US" dirty="0"/>
+              <a:t> Hirst , By producing the 3D scene and animation in accordance with book contents and utilizing a special pair of glasses to make children see the virtual-real scene</a:t>
+            </a:r>
+          </a:p>
+          <a:p>
+            <a:r>
+              <a:rPr lang="en-US" b="1" dirty="0"/>
+              <a:t>Science Teaching</a:t>
+            </a:r>
+          </a:p>
+          <a:p>
+            <a:pPr lvl="1"/>
+            <a:r>
+              <a:rPr lang="en-US" dirty="0"/>
+              <a:t>Beijing Normal University explores the influence of AR technology on Grade Eight students’ physics learning effects and deep cognition in the empirical research </a:t>
+            </a:r>
+          </a:p>
+          <a:p>
+            <a:r>
+              <a:rPr lang="en-US" b="1" dirty="0"/>
+              <a:t>AR and VR Language Teaching</a:t>
+            </a:r>
+          </a:p>
+          <a:p>
+            <a:pPr lvl="1"/>
+            <a:r>
+              <a:rPr lang="en-US" dirty="0"/>
+              <a:t>AR school” English </a:t>
+            </a:r>
+          </a:p>
+          <a:p>
+            <a:r>
+              <a:rPr lang="en-US" b="1" dirty="0"/>
+              <a:t>VR Practical Training</a:t>
+            </a:r>
+          </a:p>
+          <a:p>
+            <a:pPr lvl="1"/>
+            <a:r>
+              <a:rPr lang="en-US" dirty="0">
+                <a:latin typeface="Calibri" panose="020F0502020204030204" pitchFamily="34" charset="0"/>
+                <a:ea typeface="맑은 고딕" panose="020B0503020000020004" pitchFamily="50" charset="-127"/>
+                <a:cs typeface="Times New Roman" panose="02020603050405020304" pitchFamily="18" charset="0"/>
+              </a:rPr>
+              <a:t>Virtual Construction Site Program </a:t>
+            </a:r>
+            <a:endParaRPr lang="en-US" dirty="0"/>
+          </a:p>
+          <a:p>
+            <a:r>
+              <a:rPr lang="en-US" b="1" dirty="0"/>
+              <a:t>Location Based AR Learning</a:t>
+            </a:r>
+          </a:p>
+          <a:p>
+            <a:pPr lvl="1"/>
+            <a:r>
+              <a:rPr lang="en-US" dirty="0"/>
+              <a:t>Tourist attractions</a:t>
+            </a:r>
+          </a:p>
+          <a:p>
+            <a:r>
+              <a:rPr lang="en-US" b="1" dirty="0"/>
+              <a:t>Other applications</a:t>
+            </a:r>
+          </a:p>
+          <a:p>
+            <a:pPr lvl="1"/>
+            <a:r>
+              <a:rPr lang="en-US" dirty="0" err="1"/>
+              <a:t>ChinAR</a:t>
+            </a:r>
+            <a:endParaRPr lang="en-US" dirty="0"/>
+          </a:p>
+          <a:p>
+            <a:endParaRPr lang="en-US" dirty="0"/>
           </a:p>
         </p:txBody>
       </p:sp>
     </p:spTree>
     <p:extLst>
       <p:ext uri="{BB962C8B-B14F-4D97-AF65-F5344CB8AC3E}">
-        <p14:creationId xmlns:p14="http://schemas.microsoft.com/office/powerpoint/2010/main" val="2929459085"/>
+        <p14:creationId xmlns:p14="http://schemas.microsoft.com/office/powerpoint/2010/main" val="2376157016"/>
       </p:ext>
     </p:extLst>
   </p:cSld>
@@ -4705,9 +6165,9 @@
 </file>
 
 <file path=ppt/theme/theme1.xml><?xml version="1.0" encoding="utf-8"?>
-<a:theme xmlns:a="http://schemas.openxmlformats.org/drawingml/2006/main" name="回顾">
+<a:theme xmlns:a="http://schemas.openxmlformats.org/drawingml/2006/main" name="Office 主题​​">
   <a:themeElements>
-    <a:clrScheme name="回顾">
+    <a:clrScheme name="Office">
       <a:dk1>
         <a:sysClr val="windowText" lastClr="000000"/>
       </a:dk1>
@@ -4715,44 +6175,44 @@
         <a:sysClr val="window" lastClr="FFFFFF"/>
       </a:lt1>
       <a:dk2>
-        <a:srgbClr val="373545"/>
+        <a:srgbClr val="44546A"/>
       </a:dk2>
       <a:lt2>
-        <a:srgbClr val="DCD8DC"/>
+        <a:srgbClr val="E7E6E6"/>
       </a:lt2>
       <a:accent1>
-        <a:srgbClr val="AD84C6"/>
+        <a:srgbClr val="4472C4"/>
       </a:accent1>
       <a:accent2>
-        <a:srgbClr val="8784C7"/>
+        <a:srgbClr val="ED7D31"/>
       </a:accent2>
       <a:accent3>
-        <a:srgbClr val="5D739A"/>
+        <a:srgbClr val="A5A5A5"/>
       </a:accent3>
       <a:accent4>
-        <a:srgbClr val="6997AF"/>
+        <a:srgbClr val="FFC000"/>
       </a:accent4>
       <a:accent5>
-        <a:srgbClr val="84ACB6"/>
+        <a:srgbClr val="5B9BD5"/>
       </a:accent5>
       <a:accent6>
-        <a:srgbClr val="6F8183"/>
+        <a:srgbClr val="70AD47"/>
       </a:accent6>
       <a:hlink>
-        <a:srgbClr val="6B9F25"/>
+        <a:srgbClr val="0563C1"/>
       </a:hlink>
       <a:folHlink>
-        <a:srgbClr val="B26B02"/>
+        <a:srgbClr val="954F72"/>
       </a:folHlink>
     </a:clrScheme>
-    <a:fontScheme name="回顾">
+    <a:fontScheme name="Office">
       <a:majorFont>
         <a:latin typeface="Calibri Light" panose="020F0302020204030204"/>
         <a:ea typeface=""/>
         <a:cs typeface=""/>
-        <a:font script="Jpan" typeface="ＭＳ Ｐゴシック"/>
+        <a:font script="Jpan" typeface="游ゴシック Light"/>
         <a:font script="Hang" typeface="맑은 고딕"/>
-        <a:font script="Hans" typeface="宋体"/>
+        <a:font script="Hans" typeface="等线 Light"/>
         <a:font script="Hant" typeface="新細明體"/>
         <a:font script="Arab" typeface="Times New Roman"/>
         <a:font script="Hebr" typeface="Times New Roman"/>
@@ -4780,14 +6240,31 @@
         <a:font script="Viet" typeface="Times New Roman"/>
         <a:font script="Uigh" typeface="Microsoft Uighur"/>
         <a:font script="Geor" typeface="Sylfaen"/>
+        <a:font script="Armn" typeface="Arial"/>
+        <a:font script="Bugi" typeface="Leelawadee UI"/>
+        <a:font script="Bopo" typeface="Microsoft JhengHei"/>
+        <a:font script="Java" typeface="Javanese Text"/>
+        <a:font script="Lisu" typeface="Segoe UI"/>
+        <a:font script="Mymr" typeface="Myanmar Text"/>
+        <a:font script="Nkoo" typeface="Ebrima"/>
+        <a:font script="Olck" typeface="Nirmala UI"/>
+        <a:font script="Osma" typeface="Ebrima"/>
+        <a:font script="Phag" typeface="Phagspa"/>
+        <a:font script="Syrn" typeface="Estrangelo Edessa"/>
+        <a:font script="Syrj" typeface="Estrangelo Edessa"/>
+        <a:font script="Syre" typeface="Estrangelo Edessa"/>
+        <a:font script="Sora" typeface="Nirmala UI"/>
+        <a:font script="Tale" typeface="Microsoft Tai Le"/>
+        <a:font script="Talu" typeface="Microsoft New Tai Lue"/>
+        <a:font script="Tfng" typeface="Ebrima"/>
       </a:majorFont>
       <a:minorFont>
         <a:latin typeface="Calibri" panose="020F0502020204030204"/>
         <a:ea typeface=""/>
         <a:cs typeface=""/>
-        <a:font script="Jpan" typeface="ＭＳ Ｐゴシック"/>
+        <a:font script="Jpan" typeface="游ゴシック"/>
         <a:font script="Hang" typeface="맑은 고딕"/>
-        <a:font script="Hans" typeface="宋体"/>
+        <a:font script="Hans" typeface="等线"/>
         <a:font script="Hant" typeface="新細明體"/>
         <a:font script="Arab" typeface="Arial"/>
         <a:font script="Hebr" typeface="Arial"/>
@@ -4815,9 +6292,26 @@
         <a:font script="Viet" typeface="Arial"/>
         <a:font script="Uigh" typeface="Microsoft Uighur"/>
         <a:font script="Geor" typeface="Sylfaen"/>
+        <a:font script="Armn" typeface="Arial"/>
+        <a:font script="Bugi" typeface="Leelawadee UI"/>
+        <a:font script="Bopo" typeface="Microsoft JhengHei"/>
+        <a:font script="Java" typeface="Javanese Text"/>
+        <a:font script="Lisu" typeface="Segoe UI"/>
+        <a:font script="Mymr" typeface="Myanmar Text"/>
+        <a:font script="Nkoo" typeface="Ebrima"/>
+        <a:font script="Olck" typeface="Nirmala UI"/>
+        <a:font script="Osma" typeface="Ebrima"/>
+        <a:font script="Phag" typeface="Phagspa"/>
+        <a:font script="Syrn" typeface="Estrangelo Edessa"/>
+        <a:font script="Syrj" typeface="Estrangelo Edessa"/>
+        <a:font script="Syre" typeface="Estrangelo Edessa"/>
+        <a:font script="Sora" typeface="Nirmala UI"/>
+        <a:font script="Tale" typeface="Microsoft Tai Le"/>
+        <a:font script="Talu" typeface="Microsoft New Tai Lue"/>
+        <a:font script="Tfng" typeface="Ebrima"/>
       </a:minorFont>
     </a:fontScheme>
-    <a:fmtScheme name="回顾">
+    <a:fmtScheme name="Office">
       <a:fillStyleLst>
         <a:solidFill>
           <a:schemeClr val="phClr"/>
@@ -4826,81 +6320,76 @@
           <a:gsLst>
             <a:gs pos="0">
               <a:schemeClr val="phClr">
-                <a:tint val="65000"/>
-                <a:shade val="92000"/>
-                <a:satMod val="130000"/>
+                <a:lumMod val="110000"/>
+                <a:satMod val="105000"/>
+                <a:tint val="67000"/>
               </a:schemeClr>
             </a:gs>
-            <a:gs pos="45000">
+            <a:gs pos="50000">
               <a:schemeClr val="phClr">
-                <a:tint val="60000"/>
-                <a:shade val="99000"/>
-                <a:satMod val="120000"/>
+                <a:lumMod val="105000"/>
+                <a:satMod val="103000"/>
+                <a:tint val="73000"/>
               </a:schemeClr>
             </a:gs>
             <a:gs pos="100000">
               <a:schemeClr val="phClr">
-                <a:tint val="55000"/>
-                <a:satMod val="140000"/>
+                <a:lumMod val="105000"/>
+                <a:satMod val="109000"/>
+                <a:tint val="81000"/>
               </a:schemeClr>
             </a:gs>
           </a:gsLst>
-          <a:path path="circle">
-            <a:fillToRect l="100000" t="100000" r="100000" b="100000"/>
-          </a:path>
+          <a:lin ang="5400000" scaled="0"/>
         </a:gradFill>
         <a:gradFill rotWithShape="1">
           <a:gsLst>
             <a:gs pos="0">
               <a:schemeClr val="phClr">
-                <a:shade val="85000"/>
-                <a:satMod val="130000"/>
+                <a:satMod val="103000"/>
+                <a:lumMod val="102000"/>
+                <a:tint val="94000"/>
               </a:schemeClr>
             </a:gs>
-            <a:gs pos="34000">
+            <a:gs pos="50000">
               <a:schemeClr val="phClr">
-                <a:shade val="87000"/>
-                <a:satMod val="125000"/>
-              </a:schemeClr>
-            </a:gs>
-            <a:gs pos="70000">
-              <a:schemeClr val="phClr">
-                <a:tint val="100000"/>
-                <a:shade val="90000"/>
-                <a:satMod val="130000"/>
+                <a:satMod val="110000"/>
+                <a:lumMod val="100000"/>
+                <a:shade val="100000"/>
               </a:schemeClr>
             </a:gs>
             <a:gs pos="100000">
               <a:schemeClr val="phClr">
-                <a:tint val="100000"/>
-                <a:shade val="100000"/>
-                <a:satMod val="110000"/>
+                <a:lumMod val="99000"/>
+                <a:satMod val="120000"/>
+                <a:shade val="78000"/>
               </a:schemeClr>
             </a:gs>
           </a:gsLst>
-          <a:path path="circle">
-            <a:fillToRect l="100000" t="100000" r="100000" b="100000"/>
-          </a:path>
+          <a:lin ang="5400000" scaled="0"/>
         </a:gradFill>
       </a:fillStyleLst>
       <a:lnStyleLst>
+        <a:ln w="6350" cap="flat" cmpd="sng" algn="ctr">
+          <a:solidFill>
+            <a:schemeClr val="phClr"/>
+          </a:solidFill>
+          <a:prstDash val="solid"/>
+          <a:miter lim="800000"/>
+        </a:ln>
         <a:ln w="12700" cap="flat" cmpd="sng" algn="ctr">
           <a:solidFill>
             <a:schemeClr val="phClr"/>
           </a:solidFill>
           <a:prstDash val="solid"/>
+          <a:miter lim="800000"/>
         </a:ln>
-        <a:ln w="15875" cap="flat" cmpd="sng" algn="ctr">
+        <a:ln w="19050" cap="flat" cmpd="sng" algn="ctr">
           <a:solidFill>
             <a:schemeClr val="phClr"/>
           </a:solidFill>
           <a:prstDash val="solid"/>
-        </a:ln>
-        <a:ln w="25400" cap="flat" cmpd="sng" algn="ctr">
-          <a:solidFill>
-            <a:schemeClr val="phClr"/>
-          </a:solidFill>
-          <a:prstDash val="solid"/>
+          <a:miter lim="800000"/>
         </a:ln>
       </a:lnStyleLst>
       <a:effectStyleLst>
@@ -4908,33 +6397,16 @@
           <a:effectLst/>
         </a:effectStyle>
         <a:effectStyle>
+          <a:effectLst/>
+        </a:effectStyle>
+        <a:effectStyle>
           <a:effectLst>
-            <a:outerShdw blurRad="38100" dist="25400" dir="2700000" algn="br" rotWithShape="0">
+            <a:outerShdw blurRad="57150" dist="19050" dir="5400000" algn="ctr" rotWithShape="0">
               <a:srgbClr val="000000">
-                <a:alpha val="60000"/>
+                <a:alpha val="63000"/>
               </a:srgbClr>
             </a:outerShdw>
           </a:effectLst>
-        </a:effectStyle>
-        <a:effectStyle>
-          <a:effectLst>
-            <a:outerShdw blurRad="44450" dist="25400" dir="2700000" algn="br" rotWithShape="0">
-              <a:srgbClr val="000000">
-                <a:alpha val="60000"/>
-              </a:srgbClr>
-            </a:outerShdw>
-          </a:effectLst>
-          <a:scene3d>
-            <a:camera prst="orthographicFront">
-              <a:rot lat="0" lon="0" rev="0"/>
-            </a:camera>
-            <a:lightRig rig="threePt" dir="t">
-              <a:rot lat="0" lon="0" rev="19800000"/>
-            </a:lightRig>
-          </a:scene3d>
-          <a:sp3d prstMaterial="flat">
-            <a:bevelT w="25400" h="31750"/>
-          </a:sp3d>
         </a:effectStyle>
       </a:effectStyleLst>
       <a:bgFillStyleLst>
@@ -4943,36 +6415,36 @@
         </a:solidFill>
         <a:solidFill>
           <a:schemeClr val="phClr">
-            <a:tint val="90000"/>
-            <a:shade val="97000"/>
-            <a:satMod val="130000"/>
+            <a:tint val="95000"/>
+            <a:satMod val="170000"/>
           </a:schemeClr>
         </a:solidFill>
         <a:gradFill rotWithShape="1">
           <a:gsLst>
             <a:gs pos="0">
               <a:schemeClr val="phClr">
-                <a:tint val="96000"/>
-                <a:shade val="99000"/>
-                <a:satMod val="140000"/>
+                <a:tint val="93000"/>
+                <a:satMod val="150000"/>
+                <a:shade val="98000"/>
+                <a:lumMod val="102000"/>
               </a:schemeClr>
             </a:gs>
-            <a:gs pos="65000">
+            <a:gs pos="50000">
               <a:schemeClr val="phClr">
-                <a:tint val="100000"/>
-                <a:shade val="80000"/>
+                <a:tint val="98000"/>
                 <a:satMod val="130000"/>
+                <a:shade val="90000"/>
+                <a:lumMod val="103000"/>
               </a:schemeClr>
             </a:gs>
             <a:gs pos="100000">
               <a:schemeClr val="phClr">
-                <a:tint val="100000"/>
-                <a:shade val="48000"/>
+                <a:shade val="63000"/>
                 <a:satMod val="120000"/>
               </a:schemeClr>
             </a:gs>
           </a:gsLst>
-          <a:lin ang="16200000" scaled="0"/>
+          <a:lin ang="5400000" scaled="0"/>
         </a:gradFill>
       </a:bgFillStyleLst>
     </a:fmtScheme>
@@ -4981,7 +6453,7 @@
   <a:extraClrSchemeLst/>
   <a:extLst>
     <a:ext uri="{05A4C25C-085E-4340-85A3-A5531E510DB2}">
-      <thm15:themeFamily xmlns:thm15="http://schemas.microsoft.com/office/thememl/2012/main" name="Retrospect" id="{5F128B03-DCCA-4EEB-AB3B-CF2899314A46}" vid="{CA72677B-2F8C-4192-8EBE-D360BE3B20F6}"/>
+      <thm15:themeFamily xmlns:thm15="http://schemas.microsoft.com/office/thememl/2012/main" name="Office Theme" id="{62F939B6-93AF-4DB8-9C6B-D6C7DFDC589F}" vid="{4A3C46E8-61CC-4603-A589-7422A47A8E4A}"/>
     </a:ext>
   </a:extLst>
 </a:theme>
